--- a/docs/Smart Knee.pptx
+++ b/docs/Smart Knee.pptx
@@ -14,13 +14,13 @@
     <p:sldId id="259" r:id="rId11"/>
     <p:sldId id="260" r:id="rId12"/>
     <p:sldId id="261" r:id="rId13"/>
-    <p:sldId id="262" r:id="rId14"/>
-    <p:sldId id="267" r:id="rId15"/>
-    <p:sldId id="268" r:id="rId16"/>
-    <p:sldId id="269" r:id="rId17"/>
-    <p:sldId id="270" r:id="rId18"/>
-    <p:sldId id="266" r:id="rId19"/>
-    <p:sldId id="265" r:id="rId20"/>
+    <p:sldId id="267" r:id="rId14"/>
+    <p:sldId id="268" r:id="rId15"/>
+    <p:sldId id="271" r:id="rId16"/>
+    <p:sldId id="270" r:id="rId17"/>
+    <p:sldId id="269" r:id="rId18"/>
+    <p:sldId id="265" r:id="rId19"/>
+    <p:sldId id="266" r:id="rId20"/>
   </p:sldIdLst>
   <p:sldSz cx="12192000" cy="6858000"/>
   <p:notesSz cx="7772400" cy="10058400"/>
@@ -133,6 +133,5204 @@
     <p1510:client id="{577BFBDD-3159-4AF8-B2D4-869B8E4E4D36}" v="6" dt="2018-06-12T10:19:12.445"/>
   </p1510:revLst>
 </p1510:revInfo>
+</file>
+
+<file path=ppt/diagrams/colors1.xml><?xml version="1.0" encoding="utf-8"?>
+<dgm:colorsDef xmlns:dgm="http://schemas.openxmlformats.org/drawingml/2006/diagram" xmlns:a="http://schemas.openxmlformats.org/drawingml/2006/main" uniqueId="urn:microsoft.com/office/officeart/2005/8/colors/accent0_2">
+  <dgm:title val=""/>
+  <dgm:desc val=""/>
+  <dgm:catLst>
+    <dgm:cat type="mainScheme" pri="10200"/>
+  </dgm:catLst>
+  <dgm:styleLbl name="node0">
+    <dgm:fillClrLst meth="repeat">
+      <a:schemeClr val="lt1"/>
+    </dgm:fillClrLst>
+    <dgm:linClrLst meth="repeat">
+      <a:schemeClr val="dk2">
+        <a:shade val="80000"/>
+      </a:schemeClr>
+    </dgm:linClrLst>
+    <dgm:effectClrLst/>
+    <dgm:txLinClrLst/>
+    <dgm:txFillClrLst meth="repeat">
+      <a:schemeClr val="dk2"/>
+    </dgm:txFillClrLst>
+    <dgm:txEffectClrLst/>
+  </dgm:styleLbl>
+  <dgm:styleLbl name="node1">
+    <dgm:fillClrLst meth="repeat">
+      <a:schemeClr val="lt1"/>
+    </dgm:fillClrLst>
+    <dgm:linClrLst meth="repeat">
+      <a:schemeClr val="dk2">
+        <a:shade val="80000"/>
+      </a:schemeClr>
+    </dgm:linClrLst>
+    <dgm:effectClrLst/>
+    <dgm:txLinClrLst/>
+    <dgm:txFillClrLst meth="repeat">
+      <a:schemeClr val="dk2"/>
+    </dgm:txFillClrLst>
+    <dgm:txEffectClrLst/>
+  </dgm:styleLbl>
+  <dgm:styleLbl name="alignNode1">
+    <dgm:fillClrLst meth="repeat">
+      <a:schemeClr val="lt1"/>
+    </dgm:fillClrLst>
+    <dgm:linClrLst meth="repeat">
+      <a:schemeClr val="dk2">
+        <a:shade val="80000"/>
+      </a:schemeClr>
+    </dgm:linClrLst>
+    <dgm:effectClrLst/>
+    <dgm:txLinClrLst/>
+    <dgm:txFillClrLst meth="repeat">
+      <a:schemeClr val="dk2"/>
+    </dgm:txFillClrLst>
+    <dgm:txEffectClrLst/>
+  </dgm:styleLbl>
+  <dgm:styleLbl name="lnNode1">
+    <dgm:fillClrLst meth="repeat">
+      <a:schemeClr val="lt1"/>
+    </dgm:fillClrLst>
+    <dgm:linClrLst meth="repeat">
+      <a:schemeClr val="dk2">
+        <a:shade val="80000"/>
+      </a:schemeClr>
+    </dgm:linClrLst>
+    <dgm:effectClrLst/>
+    <dgm:txLinClrLst/>
+    <dgm:txFillClrLst meth="repeat">
+      <a:schemeClr val="dk2"/>
+    </dgm:txFillClrLst>
+    <dgm:txEffectClrLst/>
+  </dgm:styleLbl>
+  <dgm:styleLbl name="vennNode1">
+    <dgm:fillClrLst meth="repeat">
+      <a:schemeClr val="lt1">
+        <a:alpha val="50000"/>
+      </a:schemeClr>
+    </dgm:fillClrLst>
+    <dgm:linClrLst meth="repeat">
+      <a:schemeClr val="dk2">
+        <a:shade val="80000"/>
+      </a:schemeClr>
+    </dgm:linClrLst>
+    <dgm:effectClrLst/>
+    <dgm:txLinClrLst/>
+    <dgm:txFillClrLst/>
+    <dgm:txEffectClrLst/>
+  </dgm:styleLbl>
+  <dgm:styleLbl name="node2">
+    <dgm:fillClrLst meth="repeat">
+      <a:schemeClr val="lt1"/>
+    </dgm:fillClrLst>
+    <dgm:linClrLst meth="repeat">
+      <a:schemeClr val="dk2">
+        <a:shade val="80000"/>
+      </a:schemeClr>
+    </dgm:linClrLst>
+    <dgm:effectClrLst/>
+    <dgm:txLinClrLst/>
+    <dgm:txFillClrLst meth="repeat">
+      <a:schemeClr val="dk2"/>
+    </dgm:txFillClrLst>
+    <dgm:txEffectClrLst/>
+  </dgm:styleLbl>
+  <dgm:styleLbl name="node3">
+    <dgm:fillClrLst meth="repeat">
+      <a:schemeClr val="lt1"/>
+    </dgm:fillClrLst>
+    <dgm:linClrLst meth="repeat">
+      <a:schemeClr val="dk2">
+        <a:shade val="80000"/>
+      </a:schemeClr>
+    </dgm:linClrLst>
+    <dgm:effectClrLst/>
+    <dgm:txLinClrLst/>
+    <dgm:txFillClrLst meth="repeat">
+      <a:schemeClr val="dk2"/>
+    </dgm:txFillClrLst>
+    <dgm:txEffectClrLst/>
+  </dgm:styleLbl>
+  <dgm:styleLbl name="node4">
+    <dgm:fillClrLst meth="repeat">
+      <a:schemeClr val="lt1"/>
+    </dgm:fillClrLst>
+    <dgm:linClrLst meth="repeat">
+      <a:schemeClr val="dk2">
+        <a:shade val="80000"/>
+      </a:schemeClr>
+    </dgm:linClrLst>
+    <dgm:effectClrLst/>
+    <dgm:txLinClrLst/>
+    <dgm:txFillClrLst meth="repeat">
+      <a:schemeClr val="dk2"/>
+    </dgm:txFillClrLst>
+    <dgm:txEffectClrLst/>
+  </dgm:styleLbl>
+  <dgm:styleLbl name="fgImgPlace1">
+    <dgm:fillClrLst meth="repeat">
+      <a:schemeClr val="dk2">
+        <a:tint val="40000"/>
+      </a:schemeClr>
+    </dgm:fillClrLst>
+    <dgm:linClrLst meth="repeat">
+      <a:schemeClr val="dk2">
+        <a:shade val="80000"/>
+      </a:schemeClr>
+    </dgm:linClrLst>
+    <dgm:effectClrLst/>
+    <dgm:txLinClrLst/>
+    <dgm:txFillClrLst meth="repeat">
+      <a:schemeClr val="lt1"/>
+    </dgm:txFillClrLst>
+    <dgm:txEffectClrLst/>
+  </dgm:styleLbl>
+  <dgm:styleLbl name="alignImgPlace1">
+    <dgm:fillClrLst meth="repeat">
+      <a:schemeClr val="dk2">
+        <a:tint val="40000"/>
+      </a:schemeClr>
+    </dgm:fillClrLst>
+    <dgm:linClrLst meth="repeat">
+      <a:schemeClr val="dk2">
+        <a:shade val="80000"/>
+      </a:schemeClr>
+    </dgm:linClrLst>
+    <dgm:effectClrLst/>
+    <dgm:txLinClrLst/>
+    <dgm:txFillClrLst meth="repeat">
+      <a:schemeClr val="lt1"/>
+    </dgm:txFillClrLst>
+    <dgm:txEffectClrLst/>
+  </dgm:styleLbl>
+  <dgm:styleLbl name="bgImgPlace1">
+    <dgm:fillClrLst meth="repeat">
+      <a:schemeClr val="dk2">
+        <a:tint val="40000"/>
+      </a:schemeClr>
+    </dgm:fillClrLst>
+    <dgm:linClrLst meth="repeat">
+      <a:schemeClr val="dk2">
+        <a:shade val="80000"/>
+      </a:schemeClr>
+    </dgm:linClrLst>
+    <dgm:effectClrLst/>
+    <dgm:txLinClrLst/>
+    <dgm:txFillClrLst meth="repeat">
+      <a:schemeClr val="lt1"/>
+    </dgm:txFillClrLst>
+    <dgm:txEffectClrLst/>
+  </dgm:styleLbl>
+  <dgm:styleLbl name="sibTrans2D1">
+    <dgm:fillClrLst meth="repeat">
+      <a:schemeClr val="dk2">
+        <a:tint val="60000"/>
+      </a:schemeClr>
+    </dgm:fillClrLst>
+    <dgm:linClrLst meth="repeat">
+      <a:schemeClr val="dk2">
+        <a:tint val="60000"/>
+      </a:schemeClr>
+    </dgm:linClrLst>
+    <dgm:effectClrLst/>
+    <dgm:txLinClrLst/>
+    <dgm:txFillClrLst meth="repeat">
+      <a:schemeClr val="dk2"/>
+    </dgm:txFillClrLst>
+    <dgm:txEffectClrLst/>
+  </dgm:styleLbl>
+  <dgm:styleLbl name="fgSibTrans2D1">
+    <dgm:fillClrLst meth="repeat">
+      <a:schemeClr val="dk2">
+        <a:tint val="60000"/>
+      </a:schemeClr>
+    </dgm:fillClrLst>
+    <dgm:linClrLst meth="repeat">
+      <a:schemeClr val="dk2">
+        <a:tint val="60000"/>
+      </a:schemeClr>
+    </dgm:linClrLst>
+    <dgm:effectClrLst/>
+    <dgm:txLinClrLst/>
+    <dgm:txFillClrLst meth="repeat">
+      <a:schemeClr val="dk2"/>
+    </dgm:txFillClrLst>
+    <dgm:txEffectClrLst/>
+  </dgm:styleLbl>
+  <dgm:styleLbl name="bgSibTrans2D1">
+    <dgm:fillClrLst meth="repeat">
+      <a:schemeClr val="dk2">
+        <a:tint val="60000"/>
+      </a:schemeClr>
+    </dgm:fillClrLst>
+    <dgm:linClrLst meth="repeat">
+      <a:schemeClr val="dk2">
+        <a:tint val="60000"/>
+      </a:schemeClr>
+    </dgm:linClrLst>
+    <dgm:effectClrLst/>
+    <dgm:txLinClrLst/>
+    <dgm:txFillClrLst meth="repeat">
+      <a:schemeClr val="dk2"/>
+    </dgm:txFillClrLst>
+    <dgm:txEffectClrLst/>
+  </dgm:styleLbl>
+  <dgm:styleLbl name="sibTrans1D1">
+    <dgm:fillClrLst meth="repeat">
+      <a:schemeClr val="dk2"/>
+    </dgm:fillClrLst>
+    <dgm:linClrLst meth="repeat">
+      <a:schemeClr val="dk2"/>
+    </dgm:linClrLst>
+    <dgm:effectClrLst/>
+    <dgm:txLinClrLst/>
+    <dgm:txFillClrLst meth="repeat">
+      <a:schemeClr val="tx1"/>
+    </dgm:txFillClrLst>
+    <dgm:txEffectClrLst/>
+  </dgm:styleLbl>
+  <dgm:styleLbl name="callout">
+    <dgm:fillClrLst meth="repeat">
+      <a:schemeClr val="dk2"/>
+    </dgm:fillClrLst>
+    <dgm:linClrLst meth="repeat">
+      <a:schemeClr val="dk2"/>
+    </dgm:linClrLst>
+    <dgm:effectClrLst/>
+    <dgm:txLinClrLst/>
+    <dgm:txFillClrLst meth="repeat">
+      <a:schemeClr val="tx1"/>
+    </dgm:txFillClrLst>
+    <dgm:txEffectClrLst/>
+  </dgm:styleLbl>
+  <dgm:styleLbl name="asst0">
+    <dgm:fillClrLst meth="repeat">
+      <a:schemeClr val="lt1"/>
+    </dgm:fillClrLst>
+    <dgm:linClrLst meth="repeat">
+      <a:schemeClr val="dk2">
+        <a:shade val="80000"/>
+      </a:schemeClr>
+    </dgm:linClrLst>
+    <dgm:effectClrLst/>
+    <dgm:txLinClrLst/>
+    <dgm:txFillClrLst meth="repeat">
+      <a:schemeClr val="dk2"/>
+    </dgm:txFillClrLst>
+    <dgm:txEffectClrLst/>
+  </dgm:styleLbl>
+  <dgm:styleLbl name="asst1">
+    <dgm:fillClrLst meth="repeat">
+      <a:schemeClr val="lt1"/>
+    </dgm:fillClrLst>
+    <dgm:linClrLst meth="repeat">
+      <a:schemeClr val="dk2">
+        <a:shade val="80000"/>
+      </a:schemeClr>
+    </dgm:linClrLst>
+    <dgm:effectClrLst/>
+    <dgm:txLinClrLst/>
+    <dgm:txFillClrLst meth="repeat">
+      <a:schemeClr val="dk2"/>
+    </dgm:txFillClrLst>
+    <dgm:txEffectClrLst/>
+  </dgm:styleLbl>
+  <dgm:styleLbl name="asst2">
+    <dgm:fillClrLst meth="repeat">
+      <a:schemeClr val="lt1"/>
+    </dgm:fillClrLst>
+    <dgm:linClrLst meth="repeat">
+      <a:schemeClr val="dk2">
+        <a:shade val="80000"/>
+      </a:schemeClr>
+    </dgm:linClrLst>
+    <dgm:effectClrLst/>
+    <dgm:txLinClrLst/>
+    <dgm:txFillClrLst meth="repeat">
+      <a:schemeClr val="dk2"/>
+    </dgm:txFillClrLst>
+    <dgm:txEffectClrLst/>
+  </dgm:styleLbl>
+  <dgm:styleLbl name="asst3">
+    <dgm:fillClrLst meth="repeat">
+      <a:schemeClr val="lt1"/>
+    </dgm:fillClrLst>
+    <dgm:linClrLst meth="repeat">
+      <a:schemeClr val="dk2">
+        <a:shade val="80000"/>
+      </a:schemeClr>
+    </dgm:linClrLst>
+    <dgm:effectClrLst/>
+    <dgm:txLinClrLst/>
+    <dgm:txFillClrLst meth="repeat">
+      <a:schemeClr val="dk2"/>
+    </dgm:txFillClrLst>
+    <dgm:txEffectClrLst/>
+  </dgm:styleLbl>
+  <dgm:styleLbl name="asst4">
+    <dgm:fillClrLst meth="repeat">
+      <a:schemeClr val="lt1"/>
+    </dgm:fillClrLst>
+    <dgm:linClrLst meth="repeat">
+      <a:schemeClr val="dk2">
+        <a:shade val="80000"/>
+      </a:schemeClr>
+    </dgm:linClrLst>
+    <dgm:effectClrLst/>
+    <dgm:txLinClrLst/>
+    <dgm:txFillClrLst meth="repeat">
+      <a:schemeClr val="dk2"/>
+    </dgm:txFillClrLst>
+    <dgm:txEffectClrLst/>
+  </dgm:styleLbl>
+  <dgm:styleLbl name="parChTrans2D1">
+    <dgm:fillClrLst meth="repeat">
+      <a:schemeClr val="dk2">
+        <a:tint val="60000"/>
+      </a:schemeClr>
+    </dgm:fillClrLst>
+    <dgm:linClrLst meth="repeat">
+      <a:schemeClr val="dk2">
+        <a:tint val="60000"/>
+      </a:schemeClr>
+    </dgm:linClrLst>
+    <dgm:effectClrLst/>
+    <dgm:txLinClrLst/>
+    <dgm:txFillClrLst/>
+    <dgm:txEffectClrLst/>
+  </dgm:styleLbl>
+  <dgm:styleLbl name="parChTrans2D2">
+    <dgm:fillClrLst meth="repeat">
+      <a:schemeClr val="dk2"/>
+    </dgm:fillClrLst>
+    <dgm:linClrLst meth="repeat">
+      <a:schemeClr val="dk2"/>
+    </dgm:linClrLst>
+    <dgm:effectClrLst/>
+    <dgm:txLinClrLst/>
+    <dgm:txFillClrLst/>
+    <dgm:txEffectClrLst/>
+  </dgm:styleLbl>
+  <dgm:styleLbl name="parChTrans2D3">
+    <dgm:fillClrLst meth="repeat">
+      <a:schemeClr val="dk2"/>
+    </dgm:fillClrLst>
+    <dgm:linClrLst meth="repeat">
+      <a:schemeClr val="dk2"/>
+    </dgm:linClrLst>
+    <dgm:effectClrLst/>
+    <dgm:txLinClrLst/>
+    <dgm:txFillClrLst/>
+    <dgm:txEffectClrLst/>
+  </dgm:styleLbl>
+  <dgm:styleLbl name="parChTrans2D4">
+    <dgm:fillClrLst meth="repeat">
+      <a:schemeClr val="dk2"/>
+    </dgm:fillClrLst>
+    <dgm:linClrLst meth="repeat">
+      <a:schemeClr val="dk2"/>
+    </dgm:linClrLst>
+    <dgm:effectClrLst/>
+    <dgm:txLinClrLst/>
+    <dgm:txFillClrLst meth="repeat">
+      <a:schemeClr val="lt1"/>
+    </dgm:txFillClrLst>
+    <dgm:txEffectClrLst/>
+  </dgm:styleLbl>
+  <dgm:styleLbl name="parChTrans1D1">
+    <dgm:fillClrLst meth="repeat">
+      <a:schemeClr val="dk2"/>
+    </dgm:fillClrLst>
+    <dgm:linClrLst meth="repeat">
+      <a:schemeClr val="dk2">
+        <a:shade val="60000"/>
+      </a:schemeClr>
+    </dgm:linClrLst>
+    <dgm:effectClrLst/>
+    <dgm:txLinClrLst/>
+    <dgm:txFillClrLst meth="repeat">
+      <a:schemeClr val="tx1"/>
+    </dgm:txFillClrLst>
+    <dgm:txEffectClrLst/>
+  </dgm:styleLbl>
+  <dgm:styleLbl name="parChTrans1D2">
+    <dgm:fillClrLst meth="repeat">
+      <a:schemeClr val="dk2"/>
+    </dgm:fillClrLst>
+    <dgm:linClrLst meth="repeat">
+      <a:schemeClr val="dk2">
+        <a:shade val="60000"/>
+      </a:schemeClr>
+    </dgm:linClrLst>
+    <dgm:effectClrLst/>
+    <dgm:txLinClrLst/>
+    <dgm:txFillClrLst meth="repeat">
+      <a:schemeClr val="tx1"/>
+    </dgm:txFillClrLst>
+    <dgm:txEffectClrLst/>
+  </dgm:styleLbl>
+  <dgm:styleLbl name="parChTrans1D3">
+    <dgm:fillClrLst meth="repeat">
+      <a:schemeClr val="dk2"/>
+    </dgm:fillClrLst>
+    <dgm:linClrLst meth="repeat">
+      <a:schemeClr val="dk2">
+        <a:shade val="80000"/>
+      </a:schemeClr>
+    </dgm:linClrLst>
+    <dgm:effectClrLst/>
+    <dgm:txLinClrLst/>
+    <dgm:txFillClrLst meth="repeat">
+      <a:schemeClr val="tx1"/>
+    </dgm:txFillClrLst>
+    <dgm:txEffectClrLst/>
+  </dgm:styleLbl>
+  <dgm:styleLbl name="parChTrans1D4">
+    <dgm:fillClrLst meth="repeat">
+      <a:schemeClr val="dk2"/>
+    </dgm:fillClrLst>
+    <dgm:linClrLst meth="repeat">
+      <a:schemeClr val="dk2">
+        <a:shade val="80000"/>
+      </a:schemeClr>
+    </dgm:linClrLst>
+    <dgm:effectClrLst/>
+    <dgm:txLinClrLst/>
+    <dgm:txFillClrLst meth="repeat">
+      <a:schemeClr val="tx1"/>
+    </dgm:txFillClrLst>
+    <dgm:txEffectClrLst/>
+  </dgm:styleLbl>
+  <dgm:styleLbl name="fgAcc1">
+    <dgm:fillClrLst meth="repeat">
+      <a:schemeClr val="dk2">
+        <a:alpha val="90000"/>
+        <a:tint val="40000"/>
+      </a:schemeClr>
+    </dgm:fillClrLst>
+    <dgm:linClrLst meth="repeat">
+      <a:schemeClr val="dk2"/>
+    </dgm:linClrLst>
+    <dgm:effectClrLst/>
+    <dgm:txLinClrLst/>
+    <dgm:txFillClrLst meth="repeat">
+      <a:schemeClr val="dk2"/>
+    </dgm:txFillClrLst>
+    <dgm:txEffectClrLst/>
+  </dgm:styleLbl>
+  <dgm:styleLbl name="conFgAcc1">
+    <dgm:fillClrLst meth="repeat">
+      <a:schemeClr val="dk2">
+        <a:alpha val="90000"/>
+        <a:tint val="40000"/>
+      </a:schemeClr>
+    </dgm:fillClrLst>
+    <dgm:linClrLst meth="repeat">
+      <a:schemeClr val="dk2"/>
+    </dgm:linClrLst>
+    <dgm:effectClrLst/>
+    <dgm:txLinClrLst/>
+    <dgm:txFillClrLst meth="repeat">
+      <a:schemeClr val="dk2"/>
+    </dgm:txFillClrLst>
+    <dgm:txEffectClrLst/>
+  </dgm:styleLbl>
+  <dgm:styleLbl name="alignAcc1">
+    <dgm:fillClrLst meth="repeat">
+      <a:schemeClr val="dk2">
+        <a:alpha val="90000"/>
+        <a:tint val="40000"/>
+      </a:schemeClr>
+    </dgm:fillClrLst>
+    <dgm:linClrLst meth="repeat">
+      <a:schemeClr val="dk2"/>
+    </dgm:linClrLst>
+    <dgm:effectClrLst/>
+    <dgm:txLinClrLst/>
+    <dgm:txFillClrLst meth="repeat">
+      <a:schemeClr val="dk2"/>
+    </dgm:txFillClrLst>
+    <dgm:txEffectClrLst/>
+  </dgm:styleLbl>
+  <dgm:styleLbl name="trAlignAcc1">
+    <dgm:fillClrLst meth="repeat">
+      <a:schemeClr val="dk2">
+        <a:alpha val="40000"/>
+        <a:tint val="40000"/>
+      </a:schemeClr>
+    </dgm:fillClrLst>
+    <dgm:linClrLst meth="repeat">
+      <a:schemeClr val="dk2"/>
+    </dgm:linClrLst>
+    <dgm:effectClrLst/>
+    <dgm:txLinClrLst/>
+    <dgm:txFillClrLst meth="repeat">
+      <a:schemeClr val="dk2"/>
+    </dgm:txFillClrLst>
+    <dgm:txEffectClrLst/>
+  </dgm:styleLbl>
+  <dgm:styleLbl name="bgAcc1">
+    <dgm:fillClrLst meth="repeat">
+      <a:schemeClr val="dk2">
+        <a:alpha val="90000"/>
+        <a:tint val="40000"/>
+      </a:schemeClr>
+    </dgm:fillClrLst>
+    <dgm:linClrLst meth="repeat">
+      <a:schemeClr val="dk2"/>
+    </dgm:linClrLst>
+    <dgm:effectClrLst/>
+    <dgm:txLinClrLst/>
+    <dgm:txFillClrLst meth="repeat">
+      <a:schemeClr val="dk2"/>
+    </dgm:txFillClrLst>
+    <dgm:txEffectClrLst/>
+  </dgm:styleLbl>
+  <dgm:styleLbl name="solidFgAcc1">
+    <dgm:fillClrLst meth="repeat">
+      <a:schemeClr val="lt1"/>
+    </dgm:fillClrLst>
+    <dgm:linClrLst meth="repeat">
+      <a:schemeClr val="dk2"/>
+    </dgm:linClrLst>
+    <dgm:effectClrLst/>
+    <dgm:txLinClrLst/>
+    <dgm:txFillClrLst meth="repeat">
+      <a:schemeClr val="dk2"/>
+    </dgm:txFillClrLst>
+    <dgm:txEffectClrLst/>
+  </dgm:styleLbl>
+  <dgm:styleLbl name="solidAlignAcc1">
+    <dgm:fillClrLst meth="repeat">
+      <a:schemeClr val="lt1"/>
+    </dgm:fillClrLst>
+    <dgm:linClrLst meth="repeat">
+      <a:schemeClr val="dk2"/>
+    </dgm:linClrLst>
+    <dgm:effectClrLst/>
+    <dgm:txLinClrLst/>
+    <dgm:txFillClrLst meth="repeat">
+      <a:schemeClr val="dk2"/>
+    </dgm:txFillClrLst>
+    <dgm:txEffectClrLst/>
+  </dgm:styleLbl>
+  <dgm:styleLbl name="solidBgAcc1">
+    <dgm:fillClrLst meth="repeat">
+      <a:schemeClr val="lt1"/>
+    </dgm:fillClrLst>
+    <dgm:linClrLst meth="repeat">
+      <a:schemeClr val="dk2"/>
+    </dgm:linClrLst>
+    <dgm:effectClrLst/>
+    <dgm:txLinClrLst/>
+    <dgm:txFillClrLst meth="repeat">
+      <a:schemeClr val="dk2"/>
+    </dgm:txFillClrLst>
+    <dgm:txEffectClrLst/>
+  </dgm:styleLbl>
+  <dgm:styleLbl name="fgAccFollowNode1">
+    <dgm:fillClrLst meth="repeat">
+      <a:schemeClr val="lt1">
+        <a:alpha val="90000"/>
+        <a:tint val="40000"/>
+      </a:schemeClr>
+    </dgm:fillClrLst>
+    <dgm:linClrLst meth="repeat">
+      <a:schemeClr val="dk2">
+        <a:alpha val="90000"/>
+      </a:schemeClr>
+    </dgm:linClrLst>
+    <dgm:effectClrLst/>
+    <dgm:txLinClrLst/>
+    <dgm:txFillClrLst meth="repeat">
+      <a:schemeClr val="dk2"/>
+    </dgm:txFillClrLst>
+    <dgm:txEffectClrLst/>
+  </dgm:styleLbl>
+  <dgm:styleLbl name="alignAccFollowNode1">
+    <dgm:fillClrLst meth="repeat">
+      <a:schemeClr val="lt1">
+        <a:alpha val="90000"/>
+        <a:tint val="40000"/>
+      </a:schemeClr>
+    </dgm:fillClrLst>
+    <dgm:linClrLst meth="repeat">
+      <a:schemeClr val="dk2">
+        <a:alpha val="90000"/>
+      </a:schemeClr>
+    </dgm:linClrLst>
+    <dgm:effectClrLst/>
+    <dgm:txLinClrLst/>
+    <dgm:txFillClrLst meth="repeat">
+      <a:schemeClr val="dk2"/>
+    </dgm:txFillClrLst>
+    <dgm:txEffectClrLst/>
+  </dgm:styleLbl>
+  <dgm:styleLbl name="bgAccFollowNode1">
+    <dgm:fillClrLst meth="repeat">
+      <a:schemeClr val="lt1">
+        <a:alpha val="90000"/>
+        <a:tint val="40000"/>
+      </a:schemeClr>
+    </dgm:fillClrLst>
+    <dgm:linClrLst meth="repeat">
+      <a:schemeClr val="dk2">
+        <a:alpha val="90000"/>
+      </a:schemeClr>
+    </dgm:linClrLst>
+    <dgm:effectClrLst/>
+    <dgm:txLinClrLst/>
+    <dgm:txFillClrLst meth="repeat">
+      <a:schemeClr val="dk2"/>
+    </dgm:txFillClrLst>
+    <dgm:txEffectClrLst/>
+  </dgm:styleLbl>
+  <dgm:styleLbl name="fgAcc0">
+    <dgm:fillClrLst meth="repeat">
+      <a:schemeClr val="dk2">
+        <a:alpha val="90000"/>
+        <a:tint val="40000"/>
+      </a:schemeClr>
+    </dgm:fillClrLst>
+    <dgm:linClrLst meth="repeat">
+      <a:schemeClr val="dk2"/>
+    </dgm:linClrLst>
+    <dgm:effectClrLst/>
+    <dgm:txLinClrLst/>
+    <dgm:txFillClrLst meth="repeat">
+      <a:schemeClr val="dk2"/>
+    </dgm:txFillClrLst>
+    <dgm:txEffectClrLst/>
+  </dgm:styleLbl>
+  <dgm:styleLbl name="fgAcc2">
+    <dgm:fillClrLst meth="repeat">
+      <a:schemeClr val="dk2">
+        <a:alpha val="90000"/>
+        <a:tint val="40000"/>
+      </a:schemeClr>
+    </dgm:fillClrLst>
+    <dgm:linClrLst meth="repeat">
+      <a:schemeClr val="dk2"/>
+    </dgm:linClrLst>
+    <dgm:effectClrLst/>
+    <dgm:txLinClrLst/>
+    <dgm:txFillClrLst meth="repeat">
+      <a:schemeClr val="dk2"/>
+    </dgm:txFillClrLst>
+    <dgm:txEffectClrLst/>
+  </dgm:styleLbl>
+  <dgm:styleLbl name="fgAcc3">
+    <dgm:fillClrLst meth="repeat">
+      <a:schemeClr val="dk2">
+        <a:alpha val="90000"/>
+        <a:tint val="40000"/>
+      </a:schemeClr>
+    </dgm:fillClrLst>
+    <dgm:linClrLst meth="repeat">
+      <a:schemeClr val="dk2"/>
+    </dgm:linClrLst>
+    <dgm:effectClrLst/>
+    <dgm:txLinClrLst/>
+    <dgm:txFillClrLst meth="repeat">
+      <a:schemeClr val="dk2"/>
+    </dgm:txFillClrLst>
+    <dgm:txEffectClrLst/>
+  </dgm:styleLbl>
+  <dgm:styleLbl name="fgAcc4">
+    <dgm:fillClrLst meth="repeat">
+      <a:schemeClr val="dk2">
+        <a:alpha val="90000"/>
+        <a:tint val="40000"/>
+      </a:schemeClr>
+    </dgm:fillClrLst>
+    <dgm:linClrLst meth="repeat">
+      <a:schemeClr val="dk2"/>
+    </dgm:linClrLst>
+    <dgm:effectClrLst/>
+    <dgm:txLinClrLst/>
+    <dgm:txFillClrLst meth="repeat">
+      <a:schemeClr val="dk2"/>
+    </dgm:txFillClrLst>
+    <dgm:txEffectClrLst/>
+  </dgm:styleLbl>
+  <dgm:styleLbl name="bgShp">
+    <dgm:fillClrLst meth="repeat">
+      <a:schemeClr val="dk2">
+        <a:tint val="40000"/>
+      </a:schemeClr>
+    </dgm:fillClrLst>
+    <dgm:linClrLst meth="repeat">
+      <a:schemeClr val="dk2"/>
+    </dgm:linClrLst>
+    <dgm:effectClrLst/>
+    <dgm:txLinClrLst/>
+    <dgm:txFillClrLst meth="repeat">
+      <a:schemeClr val="dk1"/>
+    </dgm:txFillClrLst>
+    <dgm:txEffectClrLst/>
+  </dgm:styleLbl>
+  <dgm:styleLbl name="dkBgShp">
+    <dgm:fillClrLst meth="repeat">
+      <a:schemeClr val="dk2">
+        <a:shade val="80000"/>
+      </a:schemeClr>
+    </dgm:fillClrLst>
+    <dgm:linClrLst meth="repeat">
+      <a:schemeClr val="dk2"/>
+    </dgm:linClrLst>
+    <dgm:effectClrLst/>
+    <dgm:txLinClrLst/>
+    <dgm:txFillClrLst meth="repeat">
+      <a:schemeClr val="lt2"/>
+    </dgm:txFillClrLst>
+    <dgm:txEffectClrLst/>
+  </dgm:styleLbl>
+  <dgm:styleLbl name="trBgShp">
+    <dgm:fillClrLst meth="repeat">
+      <a:schemeClr val="dk2">
+        <a:tint val="50000"/>
+        <a:alpha val="40000"/>
+      </a:schemeClr>
+    </dgm:fillClrLst>
+    <dgm:linClrLst meth="repeat">
+      <a:schemeClr val="dk2"/>
+    </dgm:linClrLst>
+    <dgm:effectClrLst/>
+    <dgm:txLinClrLst/>
+    <dgm:txFillClrLst meth="repeat">
+      <a:schemeClr val="lt2"/>
+    </dgm:txFillClrLst>
+    <dgm:txEffectClrLst/>
+  </dgm:styleLbl>
+  <dgm:styleLbl name="fgShp">
+    <dgm:fillClrLst meth="repeat">
+      <a:schemeClr val="dk2">
+        <a:tint val="60000"/>
+      </a:schemeClr>
+    </dgm:fillClrLst>
+    <dgm:linClrLst meth="repeat">
+      <a:schemeClr val="lt1"/>
+    </dgm:linClrLst>
+    <dgm:effectClrLst/>
+    <dgm:txLinClrLst/>
+    <dgm:txFillClrLst meth="repeat">
+      <a:schemeClr val="dk2"/>
+    </dgm:txFillClrLst>
+    <dgm:txEffectClrLst/>
+  </dgm:styleLbl>
+  <dgm:styleLbl name="revTx">
+    <dgm:fillClrLst meth="repeat">
+      <a:schemeClr val="lt1">
+        <a:alpha val="0"/>
+      </a:schemeClr>
+    </dgm:fillClrLst>
+    <dgm:linClrLst meth="repeat">
+      <a:schemeClr val="dk2">
+        <a:alpha val="0"/>
+      </a:schemeClr>
+    </dgm:linClrLst>
+    <dgm:effectClrLst/>
+    <dgm:txLinClrLst/>
+    <dgm:txFillClrLst meth="repeat">
+      <a:schemeClr val="tx1"/>
+    </dgm:txFillClrLst>
+    <dgm:txEffectClrLst/>
+  </dgm:styleLbl>
+</dgm:colorsDef>
+</file>
+
+<file path=ppt/diagrams/data1.xml><?xml version="1.0" encoding="utf-8"?>
+<dgm:dataModel xmlns:dgm="http://schemas.openxmlformats.org/drawingml/2006/diagram" xmlns:a="http://schemas.openxmlformats.org/drawingml/2006/main">
+  <dgm:ptLst>
+    <dgm:pt modelId="{706CEF55-DB86-4EF4-AE7F-7D105DDA11B9}" type="doc">
+      <dgm:prSet loTypeId="urn:microsoft.com/office/officeart/2016/7/layout/LinearArrowProcessNumbered" loCatId="process" qsTypeId="urn:microsoft.com/office/officeart/2005/8/quickstyle/simple1" qsCatId="simple" csTypeId="urn:microsoft.com/office/officeart/2005/8/colors/accent0_2" csCatId="mainScheme" phldr="1"/>
+      <dgm:spPr/>
+      <dgm:t>
+        <a:bodyPr/>
+        <a:lstStyle/>
+        <a:p>
+          <a:endParaRPr lang="en-IN"/>
+        </a:p>
+      </dgm:t>
+    </dgm:pt>
+    <dgm:pt modelId="{996DF082-4622-482B-B24C-902A55F8780E}">
+      <dgm:prSet phldrT="[Text]" custT="1"/>
+      <dgm:spPr/>
+      <dgm:t>
+        <a:bodyPr/>
+        <a:lstStyle/>
+        <a:p>
+          <a:pPr algn="ctr"/>
+          <a:r>
+            <a:rPr lang="en-IN" sz="1100" dirty="0"/>
+            <a:t>No of Subjects Tested</a:t>
+          </a:r>
+        </a:p>
+        <a:p>
+          <a:pPr algn="ctr"/>
+          <a:endParaRPr lang="en-IN" sz="1800" b="1" dirty="0">
+            <a:solidFill>
+              <a:srgbClr val="00B050"/>
+            </a:solidFill>
+          </a:endParaRPr>
+        </a:p>
+        <a:p>
+          <a:pPr algn="ctr"/>
+          <a:r>
+            <a:rPr lang="en-IN" sz="2400" b="1" dirty="0">
+              <a:solidFill>
+                <a:srgbClr val="00B050"/>
+              </a:solidFill>
+            </a:rPr>
+            <a:t>5</a:t>
+          </a:r>
+        </a:p>
+      </dgm:t>
+    </dgm:pt>
+    <dgm:pt modelId="{895C2307-0915-4E94-9E76-005C615EDCC1}" type="parTrans" cxnId="{383D04A9-2A7B-424C-9A9F-08F714016EDB}">
+      <dgm:prSet/>
+      <dgm:spPr/>
+      <dgm:t>
+        <a:bodyPr/>
+        <a:lstStyle/>
+        <a:p>
+          <a:pPr algn="ctr"/>
+          <a:endParaRPr lang="en-IN"/>
+        </a:p>
+      </dgm:t>
+    </dgm:pt>
+    <dgm:pt modelId="{44B53899-A3ED-44BE-B935-D8ACF0E92E75}" type="sibTrans" cxnId="{383D04A9-2A7B-424C-9A9F-08F714016EDB}">
+      <dgm:prSet phldrT="1" phldr="0"/>
+      <dgm:spPr/>
+      <dgm:t>
+        <a:bodyPr/>
+        <a:lstStyle/>
+        <a:p>
+          <a:pPr algn="ctr"/>
+          <a:r>
+            <a:rPr lang="en-IN"/>
+            <a:t>1</a:t>
+          </a:r>
+        </a:p>
+      </dgm:t>
+    </dgm:pt>
+    <dgm:pt modelId="{513EB7C6-4C5C-45E5-97DA-C16C40A059F2}">
+      <dgm:prSet phldrT="[Text]" custT="1"/>
+      <dgm:spPr/>
+      <dgm:t>
+        <a:bodyPr/>
+        <a:lstStyle/>
+        <a:p>
+          <a:pPr marL="0" lvl="0" algn="ctr" defTabSz="933450">
+            <a:lnSpc>
+              <a:spcPct val="90000"/>
+            </a:lnSpc>
+            <a:spcBef>
+              <a:spcPct val="0"/>
+            </a:spcBef>
+            <a:spcAft>
+              <a:spcPct val="35000"/>
+            </a:spcAft>
+            <a:buNone/>
+          </a:pPr>
+          <a:r>
+            <a:rPr lang="en-IN" sz="1300" kern="1200" dirty="0"/>
+            <a:t>No of Data Points </a:t>
+          </a:r>
+        </a:p>
+        <a:p>
+          <a:pPr marL="0" lvl="0" algn="ctr" defTabSz="488950">
+            <a:lnSpc>
+              <a:spcPct val="90000"/>
+            </a:lnSpc>
+            <a:spcBef>
+              <a:spcPct val="0"/>
+            </a:spcBef>
+            <a:spcAft>
+              <a:spcPct val="35000"/>
+            </a:spcAft>
+            <a:buNone/>
+          </a:pPr>
+          <a:endParaRPr lang="en-IN" sz="2400" b="1" kern="1200" dirty="0">
+            <a:solidFill>
+              <a:srgbClr val="00B050"/>
+            </a:solidFill>
+            <a:latin typeface="Arial"/>
+            <a:ea typeface="DejaVu Sans"/>
+            <a:cs typeface="DejaVu Sans"/>
+          </a:endParaRPr>
+        </a:p>
+        <a:p>
+          <a:pPr marL="0" lvl="0" algn="ctr" defTabSz="488950">
+            <a:lnSpc>
+              <a:spcPct val="90000"/>
+            </a:lnSpc>
+            <a:spcBef>
+              <a:spcPct val="0"/>
+            </a:spcBef>
+            <a:spcAft>
+              <a:spcPct val="35000"/>
+            </a:spcAft>
+            <a:buNone/>
+          </a:pPr>
+          <a:r>
+            <a:rPr lang="en-IN" sz="2400" b="1" kern="1200" dirty="0">
+              <a:solidFill>
+                <a:srgbClr val="00B050"/>
+              </a:solidFill>
+              <a:latin typeface="Arial"/>
+              <a:ea typeface="DejaVu Sans"/>
+              <a:cs typeface="DejaVu Sans"/>
+            </a:rPr>
+            <a:t>90 </a:t>
+          </a:r>
+          <a:r>
+            <a:rPr lang="en-IN" sz="1600" b="1" kern="1200" dirty="0">
+              <a:solidFill>
+                <a:srgbClr val="00B050"/>
+              </a:solidFill>
+              <a:latin typeface="Arial"/>
+              <a:ea typeface="DejaVu Sans"/>
+              <a:cs typeface="DejaVu Sans"/>
+            </a:rPr>
+            <a:t>k</a:t>
+          </a:r>
+          <a:endParaRPr lang="en-IN" sz="2400" b="1" kern="1200" dirty="0">
+            <a:solidFill>
+              <a:srgbClr val="00B050"/>
+            </a:solidFill>
+            <a:latin typeface="Arial"/>
+            <a:ea typeface="DejaVu Sans"/>
+            <a:cs typeface="DejaVu Sans"/>
+          </a:endParaRPr>
+        </a:p>
+      </dgm:t>
+    </dgm:pt>
+    <dgm:pt modelId="{E5F58CA3-B70C-403F-9863-3155383472BA}" type="parTrans" cxnId="{295DA985-2605-44EB-B93D-176DC1BC4C95}">
+      <dgm:prSet/>
+      <dgm:spPr/>
+      <dgm:t>
+        <a:bodyPr/>
+        <a:lstStyle/>
+        <a:p>
+          <a:pPr algn="ctr"/>
+          <a:endParaRPr lang="en-IN"/>
+        </a:p>
+      </dgm:t>
+    </dgm:pt>
+    <dgm:pt modelId="{FEE4BD84-9934-4433-BEA7-49DAC2F053EC}" type="sibTrans" cxnId="{295DA985-2605-44EB-B93D-176DC1BC4C95}">
+      <dgm:prSet phldrT="2" phldr="0"/>
+      <dgm:spPr/>
+      <dgm:t>
+        <a:bodyPr/>
+        <a:lstStyle/>
+        <a:p>
+          <a:pPr algn="ctr"/>
+          <a:r>
+            <a:rPr lang="en-IN"/>
+            <a:t>2</a:t>
+          </a:r>
+        </a:p>
+      </dgm:t>
+    </dgm:pt>
+    <dgm:pt modelId="{F98677AC-7B03-43B6-A36A-604228F882CD}">
+      <dgm:prSet phldrT="[Text]" custT="1"/>
+      <dgm:spPr/>
+      <dgm:t>
+        <a:bodyPr/>
+        <a:lstStyle/>
+        <a:p>
+          <a:pPr marL="0" lvl="0" algn="ctr" defTabSz="933450">
+            <a:lnSpc>
+              <a:spcPct val="90000"/>
+            </a:lnSpc>
+            <a:spcBef>
+              <a:spcPct val="0"/>
+            </a:spcBef>
+            <a:spcAft>
+              <a:spcPct val="35000"/>
+            </a:spcAft>
+            <a:buNone/>
+          </a:pPr>
+          <a:r>
+            <a:rPr lang="en-IN" sz="1300" kern="1200" dirty="0"/>
+            <a:t>Duration of Data Gathered </a:t>
+          </a:r>
+        </a:p>
+        <a:p>
+          <a:pPr marL="0" lvl="0" algn="ctr" defTabSz="488950">
+            <a:lnSpc>
+              <a:spcPct val="90000"/>
+            </a:lnSpc>
+            <a:spcBef>
+              <a:spcPct val="0"/>
+            </a:spcBef>
+            <a:spcAft>
+              <a:spcPct val="35000"/>
+            </a:spcAft>
+            <a:buNone/>
+          </a:pPr>
+          <a:endParaRPr lang="en-IN" sz="1400" b="1" kern="1200" dirty="0">
+            <a:solidFill>
+              <a:srgbClr val="00B050"/>
+            </a:solidFill>
+            <a:latin typeface="Arial"/>
+            <a:ea typeface="DejaVu Sans"/>
+            <a:cs typeface="DejaVu Sans"/>
+          </a:endParaRPr>
+        </a:p>
+        <a:p>
+          <a:pPr marL="0" lvl="0" algn="ctr" defTabSz="488950">
+            <a:lnSpc>
+              <a:spcPct val="90000"/>
+            </a:lnSpc>
+            <a:spcBef>
+              <a:spcPct val="0"/>
+            </a:spcBef>
+            <a:spcAft>
+              <a:spcPct val="35000"/>
+            </a:spcAft>
+            <a:buNone/>
+          </a:pPr>
+          <a:r>
+            <a:rPr lang="en-IN" sz="2400" b="1" kern="1200" dirty="0">
+              <a:solidFill>
+                <a:srgbClr val="00B050"/>
+              </a:solidFill>
+              <a:latin typeface="Arial"/>
+              <a:ea typeface="DejaVu Sans"/>
+              <a:cs typeface="DejaVu Sans"/>
+            </a:rPr>
+            <a:t>45 </a:t>
+          </a:r>
+          <a:r>
+            <a:rPr lang="en-IN" sz="1200" b="1" kern="1200" dirty="0">
+              <a:solidFill>
+                <a:srgbClr val="00B050"/>
+              </a:solidFill>
+              <a:latin typeface="Arial"/>
+              <a:ea typeface="DejaVu Sans"/>
+              <a:cs typeface="DejaVu Sans"/>
+            </a:rPr>
+            <a:t>Mins</a:t>
+          </a:r>
+          <a:r>
+            <a:rPr lang="en-IN" sz="2400" b="1" kern="1200" dirty="0">
+              <a:solidFill>
+                <a:srgbClr val="00B050"/>
+              </a:solidFill>
+              <a:latin typeface="Arial"/>
+              <a:ea typeface="DejaVu Sans"/>
+              <a:cs typeface="DejaVu Sans"/>
+            </a:rPr>
+            <a:t> </a:t>
+          </a:r>
+        </a:p>
+      </dgm:t>
+    </dgm:pt>
+    <dgm:pt modelId="{BD1A988A-556D-49AE-A4C3-FD78C97657CA}" type="parTrans" cxnId="{6C07C140-D7B3-44B0-9F66-C9C11C8A19C7}">
+      <dgm:prSet/>
+      <dgm:spPr/>
+      <dgm:t>
+        <a:bodyPr/>
+        <a:lstStyle/>
+        <a:p>
+          <a:pPr algn="ctr"/>
+          <a:endParaRPr lang="en-IN"/>
+        </a:p>
+      </dgm:t>
+    </dgm:pt>
+    <dgm:pt modelId="{895D3A64-ED22-4417-A5AF-EAD0CCBDE749}" type="sibTrans" cxnId="{6C07C140-D7B3-44B0-9F66-C9C11C8A19C7}">
+      <dgm:prSet phldrT="3" phldr="0"/>
+      <dgm:spPr/>
+      <dgm:t>
+        <a:bodyPr/>
+        <a:lstStyle/>
+        <a:p>
+          <a:pPr algn="ctr"/>
+          <a:r>
+            <a:rPr lang="en-IN"/>
+            <a:t>3</a:t>
+          </a:r>
+        </a:p>
+      </dgm:t>
+    </dgm:pt>
+    <dgm:pt modelId="{36E89932-D414-4822-B471-065CB2DEA2A4}">
+      <dgm:prSet phldrT="[Text]" custT="1"/>
+      <dgm:spPr/>
+      <dgm:t>
+        <a:bodyPr/>
+        <a:lstStyle/>
+        <a:p>
+          <a:pPr marL="0" lvl="0" algn="ctr" defTabSz="577850">
+            <a:lnSpc>
+              <a:spcPct val="90000"/>
+            </a:lnSpc>
+            <a:spcBef>
+              <a:spcPct val="0"/>
+            </a:spcBef>
+            <a:spcAft>
+              <a:spcPct val="35000"/>
+            </a:spcAft>
+            <a:buNone/>
+          </a:pPr>
+          <a:r>
+            <a:rPr lang="en-IN" sz="1300" kern="1200" dirty="0"/>
+            <a:t>No of </a:t>
+          </a:r>
+        </a:p>
+        <a:p>
+          <a:pPr marL="0" lvl="0" algn="ctr" defTabSz="577850">
+            <a:lnSpc>
+              <a:spcPct val="90000"/>
+            </a:lnSpc>
+            <a:spcBef>
+              <a:spcPct val="0"/>
+            </a:spcBef>
+            <a:spcAft>
+              <a:spcPct val="35000"/>
+            </a:spcAft>
+            <a:buNone/>
+          </a:pPr>
+          <a:r>
+            <a:rPr lang="en-IN" sz="1300" kern="1200" dirty="0"/>
+            <a:t>Activities</a:t>
+          </a:r>
+        </a:p>
+        <a:p>
+          <a:pPr marL="0" lvl="0" algn="ctr" defTabSz="488950">
+            <a:lnSpc>
+              <a:spcPct val="90000"/>
+            </a:lnSpc>
+            <a:spcBef>
+              <a:spcPct val="0"/>
+            </a:spcBef>
+            <a:spcAft>
+              <a:spcPct val="35000"/>
+            </a:spcAft>
+            <a:buNone/>
+          </a:pPr>
+          <a:endParaRPr lang="en-IN" sz="2000" b="1" kern="1200" dirty="0">
+            <a:solidFill>
+              <a:srgbClr val="00B050"/>
+            </a:solidFill>
+            <a:latin typeface="Arial"/>
+            <a:ea typeface="DejaVu Sans"/>
+            <a:cs typeface="DejaVu Sans"/>
+          </a:endParaRPr>
+        </a:p>
+        <a:p>
+          <a:pPr marL="0" lvl="0" algn="ctr" defTabSz="488950">
+            <a:lnSpc>
+              <a:spcPct val="90000"/>
+            </a:lnSpc>
+            <a:spcBef>
+              <a:spcPct val="0"/>
+            </a:spcBef>
+            <a:spcAft>
+              <a:spcPct val="35000"/>
+            </a:spcAft>
+            <a:buNone/>
+          </a:pPr>
+          <a:r>
+            <a:rPr lang="en-IN" sz="2400" b="1" kern="1200" dirty="0">
+              <a:solidFill>
+                <a:srgbClr val="00B050"/>
+              </a:solidFill>
+              <a:latin typeface="Arial"/>
+              <a:ea typeface="DejaVu Sans"/>
+              <a:cs typeface="DejaVu Sans"/>
+            </a:rPr>
+            <a:t>5 </a:t>
+          </a:r>
+        </a:p>
+      </dgm:t>
+    </dgm:pt>
+    <dgm:pt modelId="{E7CA6AF7-9217-42C9-A3C2-30EAB333EA72}" type="parTrans" cxnId="{5FCA76EB-5D70-4457-BDCE-BD148FA9CAEA}">
+      <dgm:prSet/>
+      <dgm:spPr/>
+      <dgm:t>
+        <a:bodyPr/>
+        <a:lstStyle/>
+        <a:p>
+          <a:pPr algn="ctr"/>
+          <a:endParaRPr lang="en-IN"/>
+        </a:p>
+      </dgm:t>
+    </dgm:pt>
+    <dgm:pt modelId="{05503542-0659-4EF0-8F2F-FA40845B6E74}" type="sibTrans" cxnId="{5FCA76EB-5D70-4457-BDCE-BD148FA9CAEA}">
+      <dgm:prSet phldrT="4" phldr="0"/>
+      <dgm:spPr/>
+      <dgm:t>
+        <a:bodyPr/>
+        <a:lstStyle/>
+        <a:p>
+          <a:pPr algn="ctr"/>
+          <a:r>
+            <a:rPr lang="en-IN"/>
+            <a:t>4</a:t>
+          </a:r>
+        </a:p>
+      </dgm:t>
+    </dgm:pt>
+    <dgm:pt modelId="{B46A6ABF-1C7A-41DC-9932-E48436A4352D}">
+      <dgm:prSet phldrT="[Text]" custT="1"/>
+      <dgm:spPr/>
+      <dgm:t>
+        <a:bodyPr/>
+        <a:lstStyle/>
+        <a:p>
+          <a:pPr marL="0" lvl="0" algn="ctr" defTabSz="577850">
+            <a:lnSpc>
+              <a:spcPct val="90000"/>
+            </a:lnSpc>
+            <a:spcBef>
+              <a:spcPct val="0"/>
+            </a:spcBef>
+            <a:spcAft>
+              <a:spcPct val="35000"/>
+            </a:spcAft>
+            <a:buNone/>
+          </a:pPr>
+          <a:r>
+            <a:rPr lang="en-IN" sz="1300" kern="1200" dirty="0"/>
+            <a:t>No of Sensors  Features </a:t>
+          </a:r>
+        </a:p>
+        <a:p>
+          <a:pPr marL="0" lvl="0" algn="ctr" defTabSz="577850">
+            <a:lnSpc>
+              <a:spcPct val="90000"/>
+            </a:lnSpc>
+            <a:spcBef>
+              <a:spcPct val="0"/>
+            </a:spcBef>
+            <a:spcAft>
+              <a:spcPct val="35000"/>
+            </a:spcAft>
+            <a:buNone/>
+          </a:pPr>
+          <a:endParaRPr lang="en-IN" sz="1400" b="1" kern="1200" dirty="0">
+            <a:solidFill>
+              <a:srgbClr val="00B050"/>
+            </a:solidFill>
+            <a:latin typeface="Arial"/>
+            <a:ea typeface="DejaVu Sans"/>
+            <a:cs typeface="DejaVu Sans"/>
+          </a:endParaRPr>
+        </a:p>
+        <a:p>
+          <a:pPr marL="0" lvl="0" algn="ctr" defTabSz="577850">
+            <a:lnSpc>
+              <a:spcPct val="90000"/>
+            </a:lnSpc>
+            <a:spcBef>
+              <a:spcPct val="0"/>
+            </a:spcBef>
+            <a:spcAft>
+              <a:spcPct val="35000"/>
+            </a:spcAft>
+            <a:buNone/>
+          </a:pPr>
+          <a:r>
+            <a:rPr lang="en-IN" sz="2400" b="1" kern="1200" dirty="0">
+              <a:solidFill>
+                <a:srgbClr val="00B050"/>
+              </a:solidFill>
+              <a:latin typeface="Arial"/>
+              <a:ea typeface="DejaVu Sans"/>
+              <a:cs typeface="DejaVu Sans"/>
+            </a:rPr>
+            <a:t>18</a:t>
+          </a:r>
+        </a:p>
+      </dgm:t>
+    </dgm:pt>
+    <dgm:pt modelId="{43E427F6-90BB-410B-AC7D-6F6701CE50B5}" type="parTrans" cxnId="{80B0F6DA-93ED-4BF9-9EBD-76966F594A57}">
+      <dgm:prSet/>
+      <dgm:spPr/>
+      <dgm:t>
+        <a:bodyPr/>
+        <a:lstStyle/>
+        <a:p>
+          <a:pPr algn="ctr"/>
+          <a:endParaRPr lang="en-IN"/>
+        </a:p>
+      </dgm:t>
+    </dgm:pt>
+    <dgm:pt modelId="{40E97679-9776-4A9E-AB3C-E5EE2430A04F}" type="sibTrans" cxnId="{80B0F6DA-93ED-4BF9-9EBD-76966F594A57}">
+      <dgm:prSet phldrT="5" phldr="0"/>
+      <dgm:spPr/>
+      <dgm:t>
+        <a:bodyPr/>
+        <a:lstStyle/>
+        <a:p>
+          <a:pPr algn="ctr"/>
+          <a:r>
+            <a:rPr lang="en-IN"/>
+            <a:t>5</a:t>
+          </a:r>
+        </a:p>
+      </dgm:t>
+    </dgm:pt>
+    <dgm:pt modelId="{7F2A3D0B-EAC4-473D-8A1F-D0DE6FCDDF71}">
+      <dgm:prSet phldrT="[Text]" custT="1"/>
+      <dgm:spPr/>
+      <dgm:t>
+        <a:bodyPr/>
+        <a:lstStyle/>
+        <a:p>
+          <a:pPr marL="0" lvl="0" algn="ctr" defTabSz="577850">
+            <a:lnSpc>
+              <a:spcPct val="90000"/>
+            </a:lnSpc>
+            <a:spcBef>
+              <a:spcPct val="0"/>
+            </a:spcBef>
+            <a:spcAft>
+              <a:spcPct val="35000"/>
+            </a:spcAft>
+            <a:buNone/>
+          </a:pPr>
+          <a:r>
+            <a:rPr lang="en-IN" sz="1300" kern="1200" dirty="0"/>
+            <a:t>No of Engineered Features</a:t>
+          </a:r>
+        </a:p>
+        <a:p>
+          <a:pPr marL="0" lvl="0" algn="ctr" defTabSz="488950">
+            <a:lnSpc>
+              <a:spcPct val="90000"/>
+            </a:lnSpc>
+            <a:spcBef>
+              <a:spcPct val="0"/>
+            </a:spcBef>
+            <a:spcAft>
+              <a:spcPct val="35000"/>
+            </a:spcAft>
+            <a:buNone/>
+          </a:pPr>
+          <a:endParaRPr lang="en-IN" sz="1400" b="1" kern="1200" dirty="0">
+            <a:solidFill>
+              <a:srgbClr val="00B050"/>
+            </a:solidFill>
+            <a:latin typeface="Arial"/>
+            <a:ea typeface="DejaVu Sans"/>
+            <a:cs typeface="DejaVu Sans"/>
+          </a:endParaRPr>
+        </a:p>
+        <a:p>
+          <a:pPr marL="0" lvl="0" algn="ctr" defTabSz="488950">
+            <a:lnSpc>
+              <a:spcPct val="90000"/>
+            </a:lnSpc>
+            <a:spcBef>
+              <a:spcPct val="0"/>
+            </a:spcBef>
+            <a:spcAft>
+              <a:spcPct val="35000"/>
+            </a:spcAft>
+            <a:buNone/>
+          </a:pPr>
+          <a:r>
+            <a:rPr lang="en-IN" sz="2400" b="1" kern="1200" dirty="0">
+              <a:solidFill>
+                <a:srgbClr val="00B050"/>
+              </a:solidFill>
+              <a:latin typeface="Arial"/>
+              <a:ea typeface="DejaVu Sans"/>
+              <a:cs typeface="DejaVu Sans"/>
+            </a:rPr>
+            <a:t>14</a:t>
+          </a:r>
+        </a:p>
+      </dgm:t>
+    </dgm:pt>
+    <dgm:pt modelId="{F43B2EEC-0BDF-4C4C-9D5B-6125D4E209C3}" type="parTrans" cxnId="{1EE7784B-5C98-46A2-B889-249ABBD80F37}">
+      <dgm:prSet/>
+      <dgm:spPr/>
+      <dgm:t>
+        <a:bodyPr/>
+        <a:lstStyle/>
+        <a:p>
+          <a:pPr algn="ctr"/>
+          <a:endParaRPr lang="en-IN"/>
+        </a:p>
+      </dgm:t>
+    </dgm:pt>
+    <dgm:pt modelId="{C5EED87F-E706-40D4-9315-56671D902BB1}" type="sibTrans" cxnId="{1EE7784B-5C98-46A2-B889-249ABBD80F37}">
+      <dgm:prSet phldrT="6" phldr="0"/>
+      <dgm:spPr/>
+      <dgm:t>
+        <a:bodyPr/>
+        <a:lstStyle/>
+        <a:p>
+          <a:pPr algn="ctr"/>
+          <a:r>
+            <a:rPr lang="en-IN"/>
+            <a:t>6</a:t>
+          </a:r>
+        </a:p>
+      </dgm:t>
+    </dgm:pt>
+    <dgm:pt modelId="{8BA2D1BF-6DCA-4B63-8399-0B25BE715054}" type="pres">
+      <dgm:prSet presAssocID="{706CEF55-DB86-4EF4-AE7F-7D105DDA11B9}" presName="linearFlow" presStyleCnt="0">
+        <dgm:presLayoutVars>
+          <dgm:dir/>
+          <dgm:animLvl val="lvl"/>
+          <dgm:resizeHandles val="exact"/>
+        </dgm:presLayoutVars>
+      </dgm:prSet>
+      <dgm:spPr/>
+    </dgm:pt>
+    <dgm:pt modelId="{0D2CD2E6-1A6C-4C01-B2C9-30268DC160B0}" type="pres">
+      <dgm:prSet presAssocID="{996DF082-4622-482B-B24C-902A55F8780E}" presName="compositeNode" presStyleCnt="0"/>
+      <dgm:spPr/>
+    </dgm:pt>
+    <dgm:pt modelId="{6931C853-B161-4766-BBC8-3F0008727B6F}" type="pres">
+      <dgm:prSet presAssocID="{996DF082-4622-482B-B24C-902A55F8780E}" presName="parTx" presStyleLbl="node1" presStyleIdx="0" presStyleCnt="0">
+        <dgm:presLayoutVars>
+          <dgm:chMax val="0"/>
+          <dgm:chPref val="0"/>
+          <dgm:bulletEnabled val="1"/>
+        </dgm:presLayoutVars>
+      </dgm:prSet>
+      <dgm:spPr/>
+    </dgm:pt>
+    <dgm:pt modelId="{7EB4B1C2-A0C1-4C7E-9C3D-2A2933B69CE3}" type="pres">
+      <dgm:prSet presAssocID="{996DF082-4622-482B-B24C-902A55F8780E}" presName="parSh" presStyleCnt="0"/>
+      <dgm:spPr/>
+    </dgm:pt>
+    <dgm:pt modelId="{E8009008-58B3-4C1D-8F1B-B96B86A531A3}" type="pres">
+      <dgm:prSet presAssocID="{996DF082-4622-482B-B24C-902A55F8780E}" presName="lineNode" presStyleLbl="alignAccFollowNode1" presStyleIdx="0" presStyleCnt="18"/>
+      <dgm:spPr/>
+    </dgm:pt>
+    <dgm:pt modelId="{67C762DD-1752-4DDB-83DD-148DC7FD218D}" type="pres">
+      <dgm:prSet presAssocID="{996DF082-4622-482B-B24C-902A55F8780E}" presName="lineArrowNode" presStyleLbl="alignAccFollowNode1" presStyleIdx="1" presStyleCnt="18"/>
+      <dgm:spPr/>
+    </dgm:pt>
+    <dgm:pt modelId="{7001DA43-4B5A-48ED-8EFC-87632C49E53D}" type="pres">
+      <dgm:prSet presAssocID="{44B53899-A3ED-44BE-B935-D8ACF0E92E75}" presName="sibTransNodeCircle" presStyleLbl="alignNode1" presStyleIdx="0" presStyleCnt="6">
+        <dgm:presLayoutVars>
+          <dgm:chMax val="0"/>
+          <dgm:bulletEnabled/>
+        </dgm:presLayoutVars>
+      </dgm:prSet>
+      <dgm:spPr/>
+    </dgm:pt>
+    <dgm:pt modelId="{8924F59E-44F7-47D3-A1AF-DFCBBB00DF67}" type="pres">
+      <dgm:prSet presAssocID="{44B53899-A3ED-44BE-B935-D8ACF0E92E75}" presName="spacerBetweenCircleAndCallout" presStyleCnt="0">
+        <dgm:presLayoutVars/>
+      </dgm:prSet>
+      <dgm:spPr/>
+    </dgm:pt>
+    <dgm:pt modelId="{FBCB58E2-CC5C-45F4-A4DA-C8B68428D9A4}" type="pres">
+      <dgm:prSet presAssocID="{996DF082-4622-482B-B24C-902A55F8780E}" presName="nodeText" presStyleLbl="alignAccFollowNode1" presStyleIdx="2" presStyleCnt="18">
+        <dgm:presLayoutVars>
+          <dgm:bulletEnabled val="1"/>
+        </dgm:presLayoutVars>
+      </dgm:prSet>
+      <dgm:spPr/>
+    </dgm:pt>
+    <dgm:pt modelId="{B88A07EB-F7E6-4F79-8C9E-C8AAF680DAD1}" type="pres">
+      <dgm:prSet presAssocID="{44B53899-A3ED-44BE-B935-D8ACF0E92E75}" presName="sibTransComposite" presStyleCnt="0"/>
+      <dgm:spPr/>
+    </dgm:pt>
+    <dgm:pt modelId="{165B5A92-5544-4BC3-93F8-801A883C6EA3}" type="pres">
+      <dgm:prSet presAssocID="{513EB7C6-4C5C-45E5-97DA-C16C40A059F2}" presName="compositeNode" presStyleCnt="0"/>
+      <dgm:spPr/>
+    </dgm:pt>
+    <dgm:pt modelId="{92DE4979-53B4-4D81-BB5D-38BF9FD2DC02}" type="pres">
+      <dgm:prSet presAssocID="{513EB7C6-4C5C-45E5-97DA-C16C40A059F2}" presName="parTx" presStyleLbl="node1" presStyleIdx="0" presStyleCnt="0">
+        <dgm:presLayoutVars>
+          <dgm:chMax val="0"/>
+          <dgm:chPref val="0"/>
+          <dgm:bulletEnabled val="1"/>
+        </dgm:presLayoutVars>
+      </dgm:prSet>
+      <dgm:spPr/>
+    </dgm:pt>
+    <dgm:pt modelId="{CF962153-BC51-44F8-8FD3-5435C09FDC15}" type="pres">
+      <dgm:prSet presAssocID="{513EB7C6-4C5C-45E5-97DA-C16C40A059F2}" presName="parSh" presStyleCnt="0"/>
+      <dgm:spPr/>
+    </dgm:pt>
+    <dgm:pt modelId="{2A69F124-070F-4ADC-92B3-BEF1DF048B07}" type="pres">
+      <dgm:prSet presAssocID="{513EB7C6-4C5C-45E5-97DA-C16C40A059F2}" presName="lineNode" presStyleLbl="alignAccFollowNode1" presStyleIdx="3" presStyleCnt="18"/>
+      <dgm:spPr/>
+    </dgm:pt>
+    <dgm:pt modelId="{AF781B9C-B6B9-40E0-8AE4-0135144812B3}" type="pres">
+      <dgm:prSet presAssocID="{513EB7C6-4C5C-45E5-97DA-C16C40A059F2}" presName="lineArrowNode" presStyleLbl="alignAccFollowNode1" presStyleIdx="4" presStyleCnt="18"/>
+      <dgm:spPr/>
+    </dgm:pt>
+    <dgm:pt modelId="{6F41524A-AE8D-49B0-A28D-DDDCC9DAA120}" type="pres">
+      <dgm:prSet presAssocID="{FEE4BD84-9934-4433-BEA7-49DAC2F053EC}" presName="sibTransNodeCircle" presStyleLbl="alignNode1" presStyleIdx="1" presStyleCnt="6">
+        <dgm:presLayoutVars>
+          <dgm:chMax val="0"/>
+          <dgm:bulletEnabled/>
+        </dgm:presLayoutVars>
+      </dgm:prSet>
+      <dgm:spPr/>
+    </dgm:pt>
+    <dgm:pt modelId="{44360F40-C92E-4B10-97D3-C000F9852E44}" type="pres">
+      <dgm:prSet presAssocID="{FEE4BD84-9934-4433-BEA7-49DAC2F053EC}" presName="spacerBetweenCircleAndCallout" presStyleCnt="0">
+        <dgm:presLayoutVars/>
+      </dgm:prSet>
+      <dgm:spPr/>
+    </dgm:pt>
+    <dgm:pt modelId="{AE38FCDA-A789-434D-9427-AFDED9641077}" type="pres">
+      <dgm:prSet presAssocID="{513EB7C6-4C5C-45E5-97DA-C16C40A059F2}" presName="nodeText" presStyleLbl="alignAccFollowNode1" presStyleIdx="5" presStyleCnt="18">
+        <dgm:presLayoutVars>
+          <dgm:bulletEnabled val="1"/>
+        </dgm:presLayoutVars>
+      </dgm:prSet>
+      <dgm:spPr/>
+    </dgm:pt>
+    <dgm:pt modelId="{FEF542CD-478D-4B77-B9E6-C2A9F5A5B8DB}" type="pres">
+      <dgm:prSet presAssocID="{FEE4BD84-9934-4433-BEA7-49DAC2F053EC}" presName="sibTransComposite" presStyleCnt="0"/>
+      <dgm:spPr/>
+    </dgm:pt>
+    <dgm:pt modelId="{EF1D10BC-414B-4A35-9487-AF275262F0A8}" type="pres">
+      <dgm:prSet presAssocID="{F98677AC-7B03-43B6-A36A-604228F882CD}" presName="compositeNode" presStyleCnt="0"/>
+      <dgm:spPr/>
+    </dgm:pt>
+    <dgm:pt modelId="{2050F91F-5AE5-4542-B095-40CC26B007A0}" type="pres">
+      <dgm:prSet presAssocID="{F98677AC-7B03-43B6-A36A-604228F882CD}" presName="parTx" presStyleLbl="node1" presStyleIdx="0" presStyleCnt="0">
+        <dgm:presLayoutVars>
+          <dgm:chMax val="0"/>
+          <dgm:chPref val="0"/>
+          <dgm:bulletEnabled val="1"/>
+        </dgm:presLayoutVars>
+      </dgm:prSet>
+      <dgm:spPr/>
+    </dgm:pt>
+    <dgm:pt modelId="{E866E380-D7B3-4757-8D0A-7525A605DBF7}" type="pres">
+      <dgm:prSet presAssocID="{F98677AC-7B03-43B6-A36A-604228F882CD}" presName="parSh" presStyleCnt="0"/>
+      <dgm:spPr/>
+    </dgm:pt>
+    <dgm:pt modelId="{477B2D64-5F9B-4B13-831B-8652D99EEBFA}" type="pres">
+      <dgm:prSet presAssocID="{F98677AC-7B03-43B6-A36A-604228F882CD}" presName="lineNode" presStyleLbl="alignAccFollowNode1" presStyleIdx="6" presStyleCnt="18"/>
+      <dgm:spPr/>
+    </dgm:pt>
+    <dgm:pt modelId="{B5A20E32-90E2-45E9-A400-7510470FF6D7}" type="pres">
+      <dgm:prSet presAssocID="{F98677AC-7B03-43B6-A36A-604228F882CD}" presName="lineArrowNode" presStyleLbl="alignAccFollowNode1" presStyleIdx="7" presStyleCnt="18"/>
+      <dgm:spPr/>
+    </dgm:pt>
+    <dgm:pt modelId="{12778CD3-1950-4FA0-A28E-34D9503A5912}" type="pres">
+      <dgm:prSet presAssocID="{895D3A64-ED22-4417-A5AF-EAD0CCBDE749}" presName="sibTransNodeCircle" presStyleLbl="alignNode1" presStyleIdx="2" presStyleCnt="6">
+        <dgm:presLayoutVars>
+          <dgm:chMax val="0"/>
+          <dgm:bulletEnabled/>
+        </dgm:presLayoutVars>
+      </dgm:prSet>
+      <dgm:spPr/>
+    </dgm:pt>
+    <dgm:pt modelId="{CFF6FA75-68CD-4D43-99D8-662F41B34EA2}" type="pres">
+      <dgm:prSet presAssocID="{895D3A64-ED22-4417-A5AF-EAD0CCBDE749}" presName="spacerBetweenCircleAndCallout" presStyleCnt="0">
+        <dgm:presLayoutVars/>
+      </dgm:prSet>
+      <dgm:spPr/>
+    </dgm:pt>
+    <dgm:pt modelId="{B3002F95-6837-42BA-8AC4-7E91B6714F53}" type="pres">
+      <dgm:prSet presAssocID="{F98677AC-7B03-43B6-A36A-604228F882CD}" presName="nodeText" presStyleLbl="alignAccFollowNode1" presStyleIdx="8" presStyleCnt="18">
+        <dgm:presLayoutVars>
+          <dgm:bulletEnabled val="1"/>
+        </dgm:presLayoutVars>
+      </dgm:prSet>
+      <dgm:spPr/>
+    </dgm:pt>
+    <dgm:pt modelId="{BCBD3322-8BE2-405F-BF41-449A6FF01E0B}" type="pres">
+      <dgm:prSet presAssocID="{895D3A64-ED22-4417-A5AF-EAD0CCBDE749}" presName="sibTransComposite" presStyleCnt="0"/>
+      <dgm:spPr/>
+    </dgm:pt>
+    <dgm:pt modelId="{8694A548-BD1B-48DB-A167-729DBA23B5EF}" type="pres">
+      <dgm:prSet presAssocID="{36E89932-D414-4822-B471-065CB2DEA2A4}" presName="compositeNode" presStyleCnt="0"/>
+      <dgm:spPr/>
+    </dgm:pt>
+    <dgm:pt modelId="{74279BC0-5A72-4BEA-8C84-1E1CD133B053}" type="pres">
+      <dgm:prSet presAssocID="{36E89932-D414-4822-B471-065CB2DEA2A4}" presName="parTx" presStyleLbl="node1" presStyleIdx="0" presStyleCnt="0">
+        <dgm:presLayoutVars>
+          <dgm:chMax val="0"/>
+          <dgm:chPref val="0"/>
+          <dgm:bulletEnabled val="1"/>
+        </dgm:presLayoutVars>
+      </dgm:prSet>
+      <dgm:spPr/>
+    </dgm:pt>
+    <dgm:pt modelId="{5B14304B-826C-4823-87F7-181D26569541}" type="pres">
+      <dgm:prSet presAssocID="{36E89932-D414-4822-B471-065CB2DEA2A4}" presName="parSh" presStyleCnt="0"/>
+      <dgm:spPr/>
+    </dgm:pt>
+    <dgm:pt modelId="{654B74A2-B09D-4456-850F-32CD74674E67}" type="pres">
+      <dgm:prSet presAssocID="{36E89932-D414-4822-B471-065CB2DEA2A4}" presName="lineNode" presStyleLbl="alignAccFollowNode1" presStyleIdx="9" presStyleCnt="18"/>
+      <dgm:spPr/>
+    </dgm:pt>
+    <dgm:pt modelId="{B480D9BA-F6C0-48A9-83B2-0A06A678674F}" type="pres">
+      <dgm:prSet presAssocID="{36E89932-D414-4822-B471-065CB2DEA2A4}" presName="lineArrowNode" presStyleLbl="alignAccFollowNode1" presStyleIdx="10" presStyleCnt="18"/>
+      <dgm:spPr/>
+    </dgm:pt>
+    <dgm:pt modelId="{DB23C7D2-968E-43AA-9C14-89F7E056548C}" type="pres">
+      <dgm:prSet presAssocID="{05503542-0659-4EF0-8F2F-FA40845B6E74}" presName="sibTransNodeCircle" presStyleLbl="alignNode1" presStyleIdx="3" presStyleCnt="6">
+        <dgm:presLayoutVars>
+          <dgm:chMax val="0"/>
+          <dgm:bulletEnabled/>
+        </dgm:presLayoutVars>
+      </dgm:prSet>
+      <dgm:spPr/>
+    </dgm:pt>
+    <dgm:pt modelId="{A10F46DF-33AA-431A-8EB9-8F437AEAA301}" type="pres">
+      <dgm:prSet presAssocID="{05503542-0659-4EF0-8F2F-FA40845B6E74}" presName="spacerBetweenCircleAndCallout" presStyleCnt="0">
+        <dgm:presLayoutVars/>
+      </dgm:prSet>
+      <dgm:spPr/>
+    </dgm:pt>
+    <dgm:pt modelId="{128253B2-E821-46AF-8B9B-3FA954932277}" type="pres">
+      <dgm:prSet presAssocID="{36E89932-D414-4822-B471-065CB2DEA2A4}" presName="nodeText" presStyleLbl="alignAccFollowNode1" presStyleIdx="11" presStyleCnt="18">
+        <dgm:presLayoutVars>
+          <dgm:bulletEnabled val="1"/>
+        </dgm:presLayoutVars>
+      </dgm:prSet>
+      <dgm:spPr/>
+    </dgm:pt>
+    <dgm:pt modelId="{4447E232-9EB2-48B4-A5FA-36DF55193FDB}" type="pres">
+      <dgm:prSet presAssocID="{05503542-0659-4EF0-8F2F-FA40845B6E74}" presName="sibTransComposite" presStyleCnt="0"/>
+      <dgm:spPr/>
+    </dgm:pt>
+    <dgm:pt modelId="{040F36FF-F024-42AD-831D-3FBC06ECC7E1}" type="pres">
+      <dgm:prSet presAssocID="{B46A6ABF-1C7A-41DC-9932-E48436A4352D}" presName="compositeNode" presStyleCnt="0"/>
+      <dgm:spPr/>
+    </dgm:pt>
+    <dgm:pt modelId="{6C38769D-DD44-4BBD-A2B7-608594559369}" type="pres">
+      <dgm:prSet presAssocID="{B46A6ABF-1C7A-41DC-9932-E48436A4352D}" presName="parTx" presStyleLbl="node1" presStyleIdx="0" presStyleCnt="0">
+        <dgm:presLayoutVars>
+          <dgm:chMax val="0"/>
+          <dgm:chPref val="0"/>
+          <dgm:bulletEnabled val="1"/>
+        </dgm:presLayoutVars>
+      </dgm:prSet>
+      <dgm:spPr/>
+    </dgm:pt>
+    <dgm:pt modelId="{AA1F3016-B055-4D15-8AD9-D34952431805}" type="pres">
+      <dgm:prSet presAssocID="{B46A6ABF-1C7A-41DC-9932-E48436A4352D}" presName="parSh" presStyleCnt="0"/>
+      <dgm:spPr/>
+    </dgm:pt>
+    <dgm:pt modelId="{E39E2BA8-BA1B-40B4-8978-9FF4FCF3CA6E}" type="pres">
+      <dgm:prSet presAssocID="{B46A6ABF-1C7A-41DC-9932-E48436A4352D}" presName="lineNode" presStyleLbl="alignAccFollowNode1" presStyleIdx="12" presStyleCnt="18"/>
+      <dgm:spPr/>
+    </dgm:pt>
+    <dgm:pt modelId="{BBD86D5E-7E52-4D03-897E-E667EAC1159F}" type="pres">
+      <dgm:prSet presAssocID="{B46A6ABF-1C7A-41DC-9932-E48436A4352D}" presName="lineArrowNode" presStyleLbl="alignAccFollowNode1" presStyleIdx="13" presStyleCnt="18"/>
+      <dgm:spPr/>
+    </dgm:pt>
+    <dgm:pt modelId="{88353AE0-1910-4F4B-8396-3B74E95BD911}" type="pres">
+      <dgm:prSet presAssocID="{40E97679-9776-4A9E-AB3C-E5EE2430A04F}" presName="sibTransNodeCircle" presStyleLbl="alignNode1" presStyleIdx="4" presStyleCnt="6">
+        <dgm:presLayoutVars>
+          <dgm:chMax val="0"/>
+          <dgm:bulletEnabled/>
+        </dgm:presLayoutVars>
+      </dgm:prSet>
+      <dgm:spPr/>
+    </dgm:pt>
+    <dgm:pt modelId="{529B7F28-7210-42C4-B95B-DF4A2CF64AA7}" type="pres">
+      <dgm:prSet presAssocID="{40E97679-9776-4A9E-AB3C-E5EE2430A04F}" presName="spacerBetweenCircleAndCallout" presStyleCnt="0">
+        <dgm:presLayoutVars/>
+      </dgm:prSet>
+      <dgm:spPr/>
+    </dgm:pt>
+    <dgm:pt modelId="{D95DD3AB-9C54-4B9B-801D-247BB461C02C}" type="pres">
+      <dgm:prSet presAssocID="{B46A6ABF-1C7A-41DC-9932-E48436A4352D}" presName="nodeText" presStyleLbl="alignAccFollowNode1" presStyleIdx="14" presStyleCnt="18">
+        <dgm:presLayoutVars>
+          <dgm:bulletEnabled val="1"/>
+        </dgm:presLayoutVars>
+      </dgm:prSet>
+      <dgm:spPr/>
+    </dgm:pt>
+    <dgm:pt modelId="{021303DF-C2D3-4D58-8B9D-A398951CE484}" type="pres">
+      <dgm:prSet presAssocID="{40E97679-9776-4A9E-AB3C-E5EE2430A04F}" presName="sibTransComposite" presStyleCnt="0"/>
+      <dgm:spPr/>
+    </dgm:pt>
+    <dgm:pt modelId="{9C81C527-E6B0-4B0F-8F13-0270923B8A14}" type="pres">
+      <dgm:prSet presAssocID="{7F2A3D0B-EAC4-473D-8A1F-D0DE6FCDDF71}" presName="compositeNode" presStyleCnt="0"/>
+      <dgm:spPr/>
+    </dgm:pt>
+    <dgm:pt modelId="{500F2CA5-3C6E-48E1-90BB-9C5B53BBD350}" type="pres">
+      <dgm:prSet presAssocID="{7F2A3D0B-EAC4-473D-8A1F-D0DE6FCDDF71}" presName="parTx" presStyleLbl="node1" presStyleIdx="0" presStyleCnt="0">
+        <dgm:presLayoutVars>
+          <dgm:chMax val="0"/>
+          <dgm:chPref val="0"/>
+          <dgm:bulletEnabled val="1"/>
+        </dgm:presLayoutVars>
+      </dgm:prSet>
+      <dgm:spPr/>
+    </dgm:pt>
+    <dgm:pt modelId="{7281B4DB-5423-4EF3-B92F-90A6AD3D6F5B}" type="pres">
+      <dgm:prSet presAssocID="{7F2A3D0B-EAC4-473D-8A1F-D0DE6FCDDF71}" presName="parSh" presStyleCnt="0"/>
+      <dgm:spPr/>
+    </dgm:pt>
+    <dgm:pt modelId="{E9982E97-3672-415F-BCB2-776F35B3D490}" type="pres">
+      <dgm:prSet presAssocID="{7F2A3D0B-EAC4-473D-8A1F-D0DE6FCDDF71}" presName="lineNode" presStyleLbl="alignAccFollowNode1" presStyleIdx="15" presStyleCnt="18"/>
+      <dgm:spPr/>
+    </dgm:pt>
+    <dgm:pt modelId="{0BB81A0D-644D-4C41-941E-0128EFDF7850}" type="pres">
+      <dgm:prSet presAssocID="{7F2A3D0B-EAC4-473D-8A1F-D0DE6FCDDF71}" presName="lineArrowNode" presStyleLbl="alignAccFollowNode1" presStyleIdx="16" presStyleCnt="18"/>
+      <dgm:spPr/>
+    </dgm:pt>
+    <dgm:pt modelId="{153782A1-918F-49FB-A367-C29615C52323}" type="pres">
+      <dgm:prSet presAssocID="{C5EED87F-E706-40D4-9315-56671D902BB1}" presName="sibTransNodeCircle" presStyleLbl="alignNode1" presStyleIdx="5" presStyleCnt="6">
+        <dgm:presLayoutVars>
+          <dgm:chMax val="0"/>
+          <dgm:bulletEnabled/>
+        </dgm:presLayoutVars>
+      </dgm:prSet>
+      <dgm:spPr/>
+    </dgm:pt>
+    <dgm:pt modelId="{BEC48608-B6FA-4B43-8059-85AB6AFEF827}" type="pres">
+      <dgm:prSet presAssocID="{C5EED87F-E706-40D4-9315-56671D902BB1}" presName="spacerBetweenCircleAndCallout" presStyleCnt="0">
+        <dgm:presLayoutVars/>
+      </dgm:prSet>
+      <dgm:spPr/>
+    </dgm:pt>
+    <dgm:pt modelId="{270B1F94-F80F-4E9D-9D9B-0FC3DAA444B6}" type="pres">
+      <dgm:prSet presAssocID="{7F2A3D0B-EAC4-473D-8A1F-D0DE6FCDDF71}" presName="nodeText" presStyleLbl="alignAccFollowNode1" presStyleIdx="17" presStyleCnt="18">
+        <dgm:presLayoutVars>
+          <dgm:bulletEnabled val="1"/>
+        </dgm:presLayoutVars>
+      </dgm:prSet>
+      <dgm:spPr/>
+    </dgm:pt>
+  </dgm:ptLst>
+  <dgm:cxnLst>
+    <dgm:cxn modelId="{9D2E5208-D6F9-4A44-B08D-A7B05A6C6660}" type="presOf" srcId="{7F2A3D0B-EAC4-473D-8A1F-D0DE6FCDDF71}" destId="{270B1F94-F80F-4E9D-9D9B-0FC3DAA444B6}" srcOrd="0" destOrd="0" presId="urn:microsoft.com/office/officeart/2016/7/layout/LinearArrowProcessNumbered"/>
+    <dgm:cxn modelId="{FCAFF519-499B-4A1F-8648-E3D4687B774F}" type="presOf" srcId="{996DF082-4622-482B-B24C-902A55F8780E}" destId="{FBCB58E2-CC5C-45F4-A4DA-C8B68428D9A4}" srcOrd="0" destOrd="0" presId="urn:microsoft.com/office/officeart/2016/7/layout/LinearArrowProcessNumbered"/>
+    <dgm:cxn modelId="{1ED1AF26-663A-4DA1-ADF2-805A656F95A7}" type="presOf" srcId="{F98677AC-7B03-43B6-A36A-604228F882CD}" destId="{B3002F95-6837-42BA-8AC4-7E91B6714F53}" srcOrd="0" destOrd="0" presId="urn:microsoft.com/office/officeart/2016/7/layout/LinearArrowProcessNumbered"/>
+    <dgm:cxn modelId="{0F0C0A3A-3635-4D77-905B-3DC8316335A4}" type="presOf" srcId="{FEE4BD84-9934-4433-BEA7-49DAC2F053EC}" destId="{6F41524A-AE8D-49B0-A28D-DDDCC9DAA120}" srcOrd="0" destOrd="0" presId="urn:microsoft.com/office/officeart/2016/7/layout/LinearArrowProcessNumbered"/>
+    <dgm:cxn modelId="{6C07C140-D7B3-44B0-9F66-C9C11C8A19C7}" srcId="{706CEF55-DB86-4EF4-AE7F-7D105DDA11B9}" destId="{F98677AC-7B03-43B6-A36A-604228F882CD}" srcOrd="2" destOrd="0" parTransId="{BD1A988A-556D-49AE-A4C3-FD78C97657CA}" sibTransId="{895D3A64-ED22-4417-A5AF-EAD0CCBDE749}"/>
+    <dgm:cxn modelId="{1EE7784B-5C98-46A2-B889-249ABBD80F37}" srcId="{706CEF55-DB86-4EF4-AE7F-7D105DDA11B9}" destId="{7F2A3D0B-EAC4-473D-8A1F-D0DE6FCDDF71}" srcOrd="5" destOrd="0" parTransId="{F43B2EEC-0BDF-4C4C-9D5B-6125D4E209C3}" sibTransId="{C5EED87F-E706-40D4-9315-56671D902BB1}"/>
+    <dgm:cxn modelId="{295DA985-2605-44EB-B93D-176DC1BC4C95}" srcId="{706CEF55-DB86-4EF4-AE7F-7D105DDA11B9}" destId="{513EB7C6-4C5C-45E5-97DA-C16C40A059F2}" srcOrd="1" destOrd="0" parTransId="{E5F58CA3-B70C-403F-9863-3155383472BA}" sibTransId="{FEE4BD84-9934-4433-BEA7-49DAC2F053EC}"/>
+    <dgm:cxn modelId="{24CA5C9B-E662-41B2-870C-EB5056CADB98}" type="presOf" srcId="{B46A6ABF-1C7A-41DC-9932-E48436A4352D}" destId="{D95DD3AB-9C54-4B9B-801D-247BB461C02C}" srcOrd="0" destOrd="0" presId="urn:microsoft.com/office/officeart/2016/7/layout/LinearArrowProcessNumbered"/>
+    <dgm:cxn modelId="{EF02CBA5-8A58-40F8-BA05-22D90BCBE4AE}" type="presOf" srcId="{C5EED87F-E706-40D4-9315-56671D902BB1}" destId="{153782A1-918F-49FB-A367-C29615C52323}" srcOrd="0" destOrd="0" presId="urn:microsoft.com/office/officeart/2016/7/layout/LinearArrowProcessNumbered"/>
+    <dgm:cxn modelId="{383D04A9-2A7B-424C-9A9F-08F714016EDB}" srcId="{706CEF55-DB86-4EF4-AE7F-7D105DDA11B9}" destId="{996DF082-4622-482B-B24C-902A55F8780E}" srcOrd="0" destOrd="0" parTransId="{895C2307-0915-4E94-9E76-005C615EDCC1}" sibTransId="{44B53899-A3ED-44BE-B935-D8ACF0E92E75}"/>
+    <dgm:cxn modelId="{9D017AB1-4C63-4B1C-911D-315779C02AC7}" type="presOf" srcId="{895D3A64-ED22-4417-A5AF-EAD0CCBDE749}" destId="{12778CD3-1950-4FA0-A28E-34D9503A5912}" srcOrd="0" destOrd="0" presId="urn:microsoft.com/office/officeart/2016/7/layout/LinearArrowProcessNumbered"/>
+    <dgm:cxn modelId="{B9797CC5-1E53-411F-92F4-DD2DE58D6A74}" type="presOf" srcId="{40E97679-9776-4A9E-AB3C-E5EE2430A04F}" destId="{88353AE0-1910-4F4B-8396-3B74E95BD911}" srcOrd="0" destOrd="0" presId="urn:microsoft.com/office/officeart/2016/7/layout/LinearArrowProcessNumbered"/>
+    <dgm:cxn modelId="{0E56B8CE-4772-4C94-A878-530D62129665}" type="presOf" srcId="{44B53899-A3ED-44BE-B935-D8ACF0E92E75}" destId="{7001DA43-4B5A-48ED-8EFC-87632C49E53D}" srcOrd="0" destOrd="0" presId="urn:microsoft.com/office/officeart/2016/7/layout/LinearArrowProcessNumbered"/>
+    <dgm:cxn modelId="{73D185D7-075E-4ADD-BE45-3FD53B715DE0}" type="presOf" srcId="{36E89932-D414-4822-B471-065CB2DEA2A4}" destId="{128253B2-E821-46AF-8B9B-3FA954932277}" srcOrd="0" destOrd="0" presId="urn:microsoft.com/office/officeart/2016/7/layout/LinearArrowProcessNumbered"/>
+    <dgm:cxn modelId="{80B0F6DA-93ED-4BF9-9EBD-76966F594A57}" srcId="{706CEF55-DB86-4EF4-AE7F-7D105DDA11B9}" destId="{B46A6ABF-1C7A-41DC-9932-E48436A4352D}" srcOrd="4" destOrd="0" parTransId="{43E427F6-90BB-410B-AC7D-6F6701CE50B5}" sibTransId="{40E97679-9776-4A9E-AB3C-E5EE2430A04F}"/>
+    <dgm:cxn modelId="{0F3999E2-1D92-4A88-ADDF-3F7E010CAC9A}" type="presOf" srcId="{706CEF55-DB86-4EF4-AE7F-7D105DDA11B9}" destId="{8BA2D1BF-6DCA-4B63-8399-0B25BE715054}" srcOrd="0" destOrd="0" presId="urn:microsoft.com/office/officeart/2016/7/layout/LinearArrowProcessNumbered"/>
+    <dgm:cxn modelId="{714A69EA-8E76-40F9-943F-09D3EAABB1E9}" type="presOf" srcId="{05503542-0659-4EF0-8F2F-FA40845B6E74}" destId="{DB23C7D2-968E-43AA-9C14-89F7E056548C}" srcOrd="0" destOrd="0" presId="urn:microsoft.com/office/officeart/2016/7/layout/LinearArrowProcessNumbered"/>
+    <dgm:cxn modelId="{5FCA76EB-5D70-4457-BDCE-BD148FA9CAEA}" srcId="{706CEF55-DB86-4EF4-AE7F-7D105DDA11B9}" destId="{36E89932-D414-4822-B471-065CB2DEA2A4}" srcOrd="3" destOrd="0" parTransId="{E7CA6AF7-9217-42C9-A3C2-30EAB333EA72}" sibTransId="{05503542-0659-4EF0-8F2F-FA40845B6E74}"/>
+    <dgm:cxn modelId="{250399F1-B3AB-40A5-B916-D38F5A04D7E8}" type="presOf" srcId="{513EB7C6-4C5C-45E5-97DA-C16C40A059F2}" destId="{AE38FCDA-A789-434D-9427-AFDED9641077}" srcOrd="0" destOrd="0" presId="urn:microsoft.com/office/officeart/2016/7/layout/LinearArrowProcessNumbered"/>
+    <dgm:cxn modelId="{F5A18931-ABE3-46D1-8984-EAB3C0F8274C}" type="presParOf" srcId="{8BA2D1BF-6DCA-4B63-8399-0B25BE715054}" destId="{0D2CD2E6-1A6C-4C01-B2C9-30268DC160B0}" srcOrd="0" destOrd="0" presId="urn:microsoft.com/office/officeart/2016/7/layout/LinearArrowProcessNumbered"/>
+    <dgm:cxn modelId="{AE035CA0-0C32-4628-8D0A-024875BCD39B}" type="presParOf" srcId="{0D2CD2E6-1A6C-4C01-B2C9-30268DC160B0}" destId="{6931C853-B161-4766-BBC8-3F0008727B6F}" srcOrd="0" destOrd="0" presId="urn:microsoft.com/office/officeart/2016/7/layout/LinearArrowProcessNumbered"/>
+    <dgm:cxn modelId="{7F8269D2-3844-4281-B6FA-B6DA4B75441D}" type="presParOf" srcId="{0D2CD2E6-1A6C-4C01-B2C9-30268DC160B0}" destId="{7EB4B1C2-A0C1-4C7E-9C3D-2A2933B69CE3}" srcOrd="1" destOrd="0" presId="urn:microsoft.com/office/officeart/2016/7/layout/LinearArrowProcessNumbered"/>
+    <dgm:cxn modelId="{1818A925-F6DE-4B4C-8160-CE289580CEB1}" type="presParOf" srcId="{7EB4B1C2-A0C1-4C7E-9C3D-2A2933B69CE3}" destId="{E8009008-58B3-4C1D-8F1B-B96B86A531A3}" srcOrd="0" destOrd="0" presId="urn:microsoft.com/office/officeart/2016/7/layout/LinearArrowProcessNumbered"/>
+    <dgm:cxn modelId="{2E72041C-2761-496A-BBAF-0F218EAB95C3}" type="presParOf" srcId="{7EB4B1C2-A0C1-4C7E-9C3D-2A2933B69CE3}" destId="{67C762DD-1752-4DDB-83DD-148DC7FD218D}" srcOrd="1" destOrd="0" presId="urn:microsoft.com/office/officeart/2016/7/layout/LinearArrowProcessNumbered"/>
+    <dgm:cxn modelId="{C2D038F9-0F20-4A57-B98E-20D982985EDD}" type="presParOf" srcId="{7EB4B1C2-A0C1-4C7E-9C3D-2A2933B69CE3}" destId="{7001DA43-4B5A-48ED-8EFC-87632C49E53D}" srcOrd="2" destOrd="0" presId="urn:microsoft.com/office/officeart/2016/7/layout/LinearArrowProcessNumbered"/>
+    <dgm:cxn modelId="{807D38B3-728B-40A4-80E4-B2384FB9B6CF}" type="presParOf" srcId="{7EB4B1C2-A0C1-4C7E-9C3D-2A2933B69CE3}" destId="{8924F59E-44F7-47D3-A1AF-DFCBBB00DF67}" srcOrd="3" destOrd="0" presId="urn:microsoft.com/office/officeart/2016/7/layout/LinearArrowProcessNumbered"/>
+    <dgm:cxn modelId="{77FF4188-790B-4ECE-87B1-270913BC9C54}" type="presParOf" srcId="{0D2CD2E6-1A6C-4C01-B2C9-30268DC160B0}" destId="{FBCB58E2-CC5C-45F4-A4DA-C8B68428D9A4}" srcOrd="2" destOrd="0" presId="urn:microsoft.com/office/officeart/2016/7/layout/LinearArrowProcessNumbered"/>
+    <dgm:cxn modelId="{A1123893-3F3D-42E5-9CE3-68322103556D}" type="presParOf" srcId="{8BA2D1BF-6DCA-4B63-8399-0B25BE715054}" destId="{B88A07EB-F7E6-4F79-8C9E-C8AAF680DAD1}" srcOrd="1" destOrd="0" presId="urn:microsoft.com/office/officeart/2016/7/layout/LinearArrowProcessNumbered"/>
+    <dgm:cxn modelId="{DB17FFB9-1BDF-4E5A-8CE2-A4FD56040B55}" type="presParOf" srcId="{8BA2D1BF-6DCA-4B63-8399-0B25BE715054}" destId="{165B5A92-5544-4BC3-93F8-801A883C6EA3}" srcOrd="2" destOrd="0" presId="urn:microsoft.com/office/officeart/2016/7/layout/LinearArrowProcessNumbered"/>
+    <dgm:cxn modelId="{514751A7-F7AE-4ECF-BA67-C5D4095EABC7}" type="presParOf" srcId="{165B5A92-5544-4BC3-93F8-801A883C6EA3}" destId="{92DE4979-53B4-4D81-BB5D-38BF9FD2DC02}" srcOrd="0" destOrd="0" presId="urn:microsoft.com/office/officeart/2016/7/layout/LinearArrowProcessNumbered"/>
+    <dgm:cxn modelId="{E81B7703-70B9-4887-BD21-C5829D6FE369}" type="presParOf" srcId="{165B5A92-5544-4BC3-93F8-801A883C6EA3}" destId="{CF962153-BC51-44F8-8FD3-5435C09FDC15}" srcOrd="1" destOrd="0" presId="urn:microsoft.com/office/officeart/2016/7/layout/LinearArrowProcessNumbered"/>
+    <dgm:cxn modelId="{EF45F2F2-BAC1-47D8-B267-F6671212C22D}" type="presParOf" srcId="{CF962153-BC51-44F8-8FD3-5435C09FDC15}" destId="{2A69F124-070F-4ADC-92B3-BEF1DF048B07}" srcOrd="0" destOrd="0" presId="urn:microsoft.com/office/officeart/2016/7/layout/LinearArrowProcessNumbered"/>
+    <dgm:cxn modelId="{71766D17-2FA6-4F45-BD62-49DE1A27EA6D}" type="presParOf" srcId="{CF962153-BC51-44F8-8FD3-5435C09FDC15}" destId="{AF781B9C-B6B9-40E0-8AE4-0135144812B3}" srcOrd="1" destOrd="0" presId="urn:microsoft.com/office/officeart/2016/7/layout/LinearArrowProcessNumbered"/>
+    <dgm:cxn modelId="{09C70F2B-A720-4FDC-8AEF-7E933ADBD325}" type="presParOf" srcId="{CF962153-BC51-44F8-8FD3-5435C09FDC15}" destId="{6F41524A-AE8D-49B0-A28D-DDDCC9DAA120}" srcOrd="2" destOrd="0" presId="urn:microsoft.com/office/officeart/2016/7/layout/LinearArrowProcessNumbered"/>
+    <dgm:cxn modelId="{11193C7F-74CE-49ED-8E96-21E456CB1035}" type="presParOf" srcId="{CF962153-BC51-44F8-8FD3-5435C09FDC15}" destId="{44360F40-C92E-4B10-97D3-C000F9852E44}" srcOrd="3" destOrd="0" presId="urn:microsoft.com/office/officeart/2016/7/layout/LinearArrowProcessNumbered"/>
+    <dgm:cxn modelId="{EB4D19F7-1E03-45D1-8C1B-7470CF92C2E8}" type="presParOf" srcId="{165B5A92-5544-4BC3-93F8-801A883C6EA3}" destId="{AE38FCDA-A789-434D-9427-AFDED9641077}" srcOrd="2" destOrd="0" presId="urn:microsoft.com/office/officeart/2016/7/layout/LinearArrowProcessNumbered"/>
+    <dgm:cxn modelId="{BB289048-C3D2-45F1-A68D-5E11D2582530}" type="presParOf" srcId="{8BA2D1BF-6DCA-4B63-8399-0B25BE715054}" destId="{FEF542CD-478D-4B77-B9E6-C2A9F5A5B8DB}" srcOrd="3" destOrd="0" presId="urn:microsoft.com/office/officeart/2016/7/layout/LinearArrowProcessNumbered"/>
+    <dgm:cxn modelId="{0E676EEE-C6A0-48B4-8342-B3393DA5AE9A}" type="presParOf" srcId="{8BA2D1BF-6DCA-4B63-8399-0B25BE715054}" destId="{EF1D10BC-414B-4A35-9487-AF275262F0A8}" srcOrd="4" destOrd="0" presId="urn:microsoft.com/office/officeart/2016/7/layout/LinearArrowProcessNumbered"/>
+    <dgm:cxn modelId="{B0600685-E7A8-4A68-A9E0-A271BD967CA1}" type="presParOf" srcId="{EF1D10BC-414B-4A35-9487-AF275262F0A8}" destId="{2050F91F-5AE5-4542-B095-40CC26B007A0}" srcOrd="0" destOrd="0" presId="urn:microsoft.com/office/officeart/2016/7/layout/LinearArrowProcessNumbered"/>
+    <dgm:cxn modelId="{0E2FC1D5-C601-4E39-A3F6-4E00076865EC}" type="presParOf" srcId="{EF1D10BC-414B-4A35-9487-AF275262F0A8}" destId="{E866E380-D7B3-4757-8D0A-7525A605DBF7}" srcOrd="1" destOrd="0" presId="urn:microsoft.com/office/officeart/2016/7/layout/LinearArrowProcessNumbered"/>
+    <dgm:cxn modelId="{0F6B8AD5-FC7C-4679-83B8-2E57FDC73094}" type="presParOf" srcId="{E866E380-D7B3-4757-8D0A-7525A605DBF7}" destId="{477B2D64-5F9B-4B13-831B-8652D99EEBFA}" srcOrd="0" destOrd="0" presId="urn:microsoft.com/office/officeart/2016/7/layout/LinearArrowProcessNumbered"/>
+    <dgm:cxn modelId="{2178166C-0155-44A7-A459-96F6621EEA4D}" type="presParOf" srcId="{E866E380-D7B3-4757-8D0A-7525A605DBF7}" destId="{B5A20E32-90E2-45E9-A400-7510470FF6D7}" srcOrd="1" destOrd="0" presId="urn:microsoft.com/office/officeart/2016/7/layout/LinearArrowProcessNumbered"/>
+    <dgm:cxn modelId="{00DD24DB-3259-470F-918B-DAA41947FA9A}" type="presParOf" srcId="{E866E380-D7B3-4757-8D0A-7525A605DBF7}" destId="{12778CD3-1950-4FA0-A28E-34D9503A5912}" srcOrd="2" destOrd="0" presId="urn:microsoft.com/office/officeart/2016/7/layout/LinearArrowProcessNumbered"/>
+    <dgm:cxn modelId="{6F3FBB90-4C47-4C7F-8D4C-12C483925DDE}" type="presParOf" srcId="{E866E380-D7B3-4757-8D0A-7525A605DBF7}" destId="{CFF6FA75-68CD-4D43-99D8-662F41B34EA2}" srcOrd="3" destOrd="0" presId="urn:microsoft.com/office/officeart/2016/7/layout/LinearArrowProcessNumbered"/>
+    <dgm:cxn modelId="{871FA2E0-BFC1-4409-B733-7E10357ECA9A}" type="presParOf" srcId="{EF1D10BC-414B-4A35-9487-AF275262F0A8}" destId="{B3002F95-6837-42BA-8AC4-7E91B6714F53}" srcOrd="2" destOrd="0" presId="urn:microsoft.com/office/officeart/2016/7/layout/LinearArrowProcessNumbered"/>
+    <dgm:cxn modelId="{A0EDEE9A-AF05-4737-A5B8-29C81D1701A6}" type="presParOf" srcId="{8BA2D1BF-6DCA-4B63-8399-0B25BE715054}" destId="{BCBD3322-8BE2-405F-BF41-449A6FF01E0B}" srcOrd="5" destOrd="0" presId="urn:microsoft.com/office/officeart/2016/7/layout/LinearArrowProcessNumbered"/>
+    <dgm:cxn modelId="{2B32FFB9-B9C4-4EC9-8C9B-2BD15C6B9914}" type="presParOf" srcId="{8BA2D1BF-6DCA-4B63-8399-0B25BE715054}" destId="{8694A548-BD1B-48DB-A167-729DBA23B5EF}" srcOrd="6" destOrd="0" presId="urn:microsoft.com/office/officeart/2016/7/layout/LinearArrowProcessNumbered"/>
+    <dgm:cxn modelId="{FEBEB6C7-A3B9-456C-A24B-2AB8D5EE3BE5}" type="presParOf" srcId="{8694A548-BD1B-48DB-A167-729DBA23B5EF}" destId="{74279BC0-5A72-4BEA-8C84-1E1CD133B053}" srcOrd="0" destOrd="0" presId="urn:microsoft.com/office/officeart/2016/7/layout/LinearArrowProcessNumbered"/>
+    <dgm:cxn modelId="{F186078C-24E9-40DF-B805-58B2A3187CE9}" type="presParOf" srcId="{8694A548-BD1B-48DB-A167-729DBA23B5EF}" destId="{5B14304B-826C-4823-87F7-181D26569541}" srcOrd="1" destOrd="0" presId="urn:microsoft.com/office/officeart/2016/7/layout/LinearArrowProcessNumbered"/>
+    <dgm:cxn modelId="{715A6B5B-9E10-4D76-A515-83D537AB510A}" type="presParOf" srcId="{5B14304B-826C-4823-87F7-181D26569541}" destId="{654B74A2-B09D-4456-850F-32CD74674E67}" srcOrd="0" destOrd="0" presId="urn:microsoft.com/office/officeart/2016/7/layout/LinearArrowProcessNumbered"/>
+    <dgm:cxn modelId="{9BBD66EC-298B-43DC-92F1-B472EF28218D}" type="presParOf" srcId="{5B14304B-826C-4823-87F7-181D26569541}" destId="{B480D9BA-F6C0-48A9-83B2-0A06A678674F}" srcOrd="1" destOrd="0" presId="urn:microsoft.com/office/officeart/2016/7/layout/LinearArrowProcessNumbered"/>
+    <dgm:cxn modelId="{2BF23EF2-F8F1-4AA2-AB37-26E72F5271AF}" type="presParOf" srcId="{5B14304B-826C-4823-87F7-181D26569541}" destId="{DB23C7D2-968E-43AA-9C14-89F7E056548C}" srcOrd="2" destOrd="0" presId="urn:microsoft.com/office/officeart/2016/7/layout/LinearArrowProcessNumbered"/>
+    <dgm:cxn modelId="{47872910-0790-42DA-9242-726A64D77839}" type="presParOf" srcId="{5B14304B-826C-4823-87F7-181D26569541}" destId="{A10F46DF-33AA-431A-8EB9-8F437AEAA301}" srcOrd="3" destOrd="0" presId="urn:microsoft.com/office/officeart/2016/7/layout/LinearArrowProcessNumbered"/>
+    <dgm:cxn modelId="{7856AF70-D7B2-446E-B4B4-7607D5CD266F}" type="presParOf" srcId="{8694A548-BD1B-48DB-A167-729DBA23B5EF}" destId="{128253B2-E821-46AF-8B9B-3FA954932277}" srcOrd="2" destOrd="0" presId="urn:microsoft.com/office/officeart/2016/7/layout/LinearArrowProcessNumbered"/>
+    <dgm:cxn modelId="{82059B4E-96EE-41C9-AF5B-3EB80CFF9594}" type="presParOf" srcId="{8BA2D1BF-6DCA-4B63-8399-0B25BE715054}" destId="{4447E232-9EB2-48B4-A5FA-36DF55193FDB}" srcOrd="7" destOrd="0" presId="urn:microsoft.com/office/officeart/2016/7/layout/LinearArrowProcessNumbered"/>
+    <dgm:cxn modelId="{DCA175FE-2A14-4C8C-89B0-3964F3226C43}" type="presParOf" srcId="{8BA2D1BF-6DCA-4B63-8399-0B25BE715054}" destId="{040F36FF-F024-42AD-831D-3FBC06ECC7E1}" srcOrd="8" destOrd="0" presId="urn:microsoft.com/office/officeart/2016/7/layout/LinearArrowProcessNumbered"/>
+    <dgm:cxn modelId="{AC283FE1-CF73-4445-9DF6-FEB0450446E3}" type="presParOf" srcId="{040F36FF-F024-42AD-831D-3FBC06ECC7E1}" destId="{6C38769D-DD44-4BBD-A2B7-608594559369}" srcOrd="0" destOrd="0" presId="urn:microsoft.com/office/officeart/2016/7/layout/LinearArrowProcessNumbered"/>
+    <dgm:cxn modelId="{F7D9D8FD-2510-4F1F-A6EB-31A6F1D8F68E}" type="presParOf" srcId="{040F36FF-F024-42AD-831D-3FBC06ECC7E1}" destId="{AA1F3016-B055-4D15-8AD9-D34952431805}" srcOrd="1" destOrd="0" presId="urn:microsoft.com/office/officeart/2016/7/layout/LinearArrowProcessNumbered"/>
+    <dgm:cxn modelId="{FEEF5A1D-69F9-4FDD-B1F7-BFA1661736E4}" type="presParOf" srcId="{AA1F3016-B055-4D15-8AD9-D34952431805}" destId="{E39E2BA8-BA1B-40B4-8978-9FF4FCF3CA6E}" srcOrd="0" destOrd="0" presId="urn:microsoft.com/office/officeart/2016/7/layout/LinearArrowProcessNumbered"/>
+    <dgm:cxn modelId="{E1232914-1BE2-412D-B02A-A9D646DA33AD}" type="presParOf" srcId="{AA1F3016-B055-4D15-8AD9-D34952431805}" destId="{BBD86D5E-7E52-4D03-897E-E667EAC1159F}" srcOrd="1" destOrd="0" presId="urn:microsoft.com/office/officeart/2016/7/layout/LinearArrowProcessNumbered"/>
+    <dgm:cxn modelId="{AB3B5B6C-D94C-4951-B60F-6CD2D80A772C}" type="presParOf" srcId="{AA1F3016-B055-4D15-8AD9-D34952431805}" destId="{88353AE0-1910-4F4B-8396-3B74E95BD911}" srcOrd="2" destOrd="0" presId="urn:microsoft.com/office/officeart/2016/7/layout/LinearArrowProcessNumbered"/>
+    <dgm:cxn modelId="{DE51A970-B2C6-4A60-AA78-AC7004FB6CF9}" type="presParOf" srcId="{AA1F3016-B055-4D15-8AD9-D34952431805}" destId="{529B7F28-7210-42C4-B95B-DF4A2CF64AA7}" srcOrd="3" destOrd="0" presId="urn:microsoft.com/office/officeart/2016/7/layout/LinearArrowProcessNumbered"/>
+    <dgm:cxn modelId="{4F9D5D93-DB4B-43DD-8F25-615068531817}" type="presParOf" srcId="{040F36FF-F024-42AD-831D-3FBC06ECC7E1}" destId="{D95DD3AB-9C54-4B9B-801D-247BB461C02C}" srcOrd="2" destOrd="0" presId="urn:microsoft.com/office/officeart/2016/7/layout/LinearArrowProcessNumbered"/>
+    <dgm:cxn modelId="{947B27B0-7126-4D46-B0B6-90CA1B729EF7}" type="presParOf" srcId="{8BA2D1BF-6DCA-4B63-8399-0B25BE715054}" destId="{021303DF-C2D3-4D58-8B9D-A398951CE484}" srcOrd="9" destOrd="0" presId="urn:microsoft.com/office/officeart/2016/7/layout/LinearArrowProcessNumbered"/>
+    <dgm:cxn modelId="{9336B284-BF58-40D3-AA9E-05EE98803195}" type="presParOf" srcId="{8BA2D1BF-6DCA-4B63-8399-0B25BE715054}" destId="{9C81C527-E6B0-4B0F-8F13-0270923B8A14}" srcOrd="10" destOrd="0" presId="urn:microsoft.com/office/officeart/2016/7/layout/LinearArrowProcessNumbered"/>
+    <dgm:cxn modelId="{55E581E0-C57F-40ED-B95A-A950100E17E8}" type="presParOf" srcId="{9C81C527-E6B0-4B0F-8F13-0270923B8A14}" destId="{500F2CA5-3C6E-48E1-90BB-9C5B53BBD350}" srcOrd="0" destOrd="0" presId="urn:microsoft.com/office/officeart/2016/7/layout/LinearArrowProcessNumbered"/>
+    <dgm:cxn modelId="{95C43BD8-3D1D-4E45-A1B3-85910CADACC7}" type="presParOf" srcId="{9C81C527-E6B0-4B0F-8F13-0270923B8A14}" destId="{7281B4DB-5423-4EF3-B92F-90A6AD3D6F5B}" srcOrd="1" destOrd="0" presId="urn:microsoft.com/office/officeart/2016/7/layout/LinearArrowProcessNumbered"/>
+    <dgm:cxn modelId="{C05D3263-F1EB-48AD-9DF5-CCDBC564776C}" type="presParOf" srcId="{7281B4DB-5423-4EF3-B92F-90A6AD3D6F5B}" destId="{E9982E97-3672-415F-BCB2-776F35B3D490}" srcOrd="0" destOrd="0" presId="urn:microsoft.com/office/officeart/2016/7/layout/LinearArrowProcessNumbered"/>
+    <dgm:cxn modelId="{800E3054-3EAB-4BDB-856C-364BC1AB554A}" type="presParOf" srcId="{7281B4DB-5423-4EF3-B92F-90A6AD3D6F5B}" destId="{0BB81A0D-644D-4C41-941E-0128EFDF7850}" srcOrd="1" destOrd="0" presId="urn:microsoft.com/office/officeart/2016/7/layout/LinearArrowProcessNumbered"/>
+    <dgm:cxn modelId="{B93DB9EA-1AD7-467C-A4CC-17D86DC80FD2}" type="presParOf" srcId="{7281B4DB-5423-4EF3-B92F-90A6AD3D6F5B}" destId="{153782A1-918F-49FB-A367-C29615C52323}" srcOrd="2" destOrd="0" presId="urn:microsoft.com/office/officeart/2016/7/layout/LinearArrowProcessNumbered"/>
+    <dgm:cxn modelId="{ABB54122-EB30-4813-8C3F-C4D3CDEAAE92}" type="presParOf" srcId="{7281B4DB-5423-4EF3-B92F-90A6AD3D6F5B}" destId="{BEC48608-B6FA-4B43-8059-85AB6AFEF827}" srcOrd="3" destOrd="0" presId="urn:microsoft.com/office/officeart/2016/7/layout/LinearArrowProcessNumbered"/>
+    <dgm:cxn modelId="{5B2A821D-C87D-4DF6-B55F-EEB47F02FE32}" type="presParOf" srcId="{9C81C527-E6B0-4B0F-8F13-0270923B8A14}" destId="{270B1F94-F80F-4E9D-9D9B-0FC3DAA444B6}" srcOrd="2" destOrd="0" presId="urn:microsoft.com/office/officeart/2016/7/layout/LinearArrowProcessNumbered"/>
+  </dgm:cxnLst>
+  <dgm:bg/>
+  <dgm:whole/>
+  <dgm:extLst>
+    <a:ext uri="http://schemas.microsoft.com/office/drawing/2008/diagram">
+      <dsp:dataModelExt xmlns:dsp="http://schemas.microsoft.com/office/drawing/2008/diagram" relId="rId7" minVer="http://schemas.openxmlformats.org/drawingml/2006/diagram"/>
+    </a:ext>
+  </dgm:extLst>
+</dgm:dataModel>
+</file>
+
+<file path=ppt/diagrams/drawing1.xml><?xml version="1.0" encoding="utf-8"?>
+<dsp:drawing xmlns:dgm="http://schemas.openxmlformats.org/drawingml/2006/diagram" xmlns:dsp="http://schemas.microsoft.com/office/drawing/2008/diagram" xmlns:a="http://schemas.openxmlformats.org/drawingml/2006/main">
+  <dsp:spTree>
+    <dsp:nvGrpSpPr>
+      <dsp:cNvPr id="0" name=""/>
+      <dsp:cNvGrpSpPr/>
+    </dsp:nvGrpSpPr>
+    <dsp:grpSpPr/>
+    <dsp:sp modelId="{E8009008-58B3-4C1D-8F1B-B96B86A531A3}">
+      <dsp:nvSpPr>
+        <dsp:cNvPr id="0" name=""/>
+        <dsp:cNvSpPr/>
+      </dsp:nvSpPr>
+      <dsp:spPr>
+        <a:xfrm>
+          <a:off x="601941" y="204411"/>
+          <a:ext cx="478745" cy="72"/>
+        </a:xfrm>
+        <a:prstGeom prst="rect">
+          <a:avLst/>
+        </a:prstGeom>
+        <a:solidFill>
+          <a:schemeClr val="lt1">
+            <a:alpha val="90000"/>
+            <a:tint val="40000"/>
+            <a:hueOff val="0"/>
+            <a:satOff val="0"/>
+            <a:lumOff val="0"/>
+            <a:alphaOff val="0"/>
+          </a:schemeClr>
+        </a:solidFill>
+        <a:ln w="25400" cap="flat" cmpd="sng" algn="ctr">
+          <a:solidFill>
+            <a:schemeClr val="dk2">
+              <a:alpha val="90000"/>
+              <a:hueOff val="0"/>
+              <a:satOff val="0"/>
+              <a:lumOff val="0"/>
+              <a:alphaOff val="0"/>
+            </a:schemeClr>
+          </a:solidFill>
+          <a:prstDash val="solid"/>
+        </a:ln>
+        <a:effectLst/>
+      </dsp:spPr>
+      <dsp:style>
+        <a:lnRef idx="2">
+          <a:scrgbClr r="0" g="0" b="0"/>
+        </a:lnRef>
+        <a:fillRef idx="1">
+          <a:scrgbClr r="0" g="0" b="0"/>
+        </a:fillRef>
+        <a:effectRef idx="0">
+          <a:scrgbClr r="0" g="0" b="0"/>
+        </a:effectRef>
+        <a:fontRef idx="minor"/>
+      </dsp:style>
+    </dsp:sp>
+    <dsp:sp modelId="{67C762DD-1752-4DDB-83DD-148DC7FD218D}">
+      <dsp:nvSpPr>
+        <dsp:cNvPr id="0" name=""/>
+        <dsp:cNvSpPr/>
+      </dsp:nvSpPr>
+      <dsp:spPr>
+        <a:xfrm>
+          <a:off x="1109411" y="164232"/>
+          <a:ext cx="55055" cy="103408"/>
+        </a:xfrm>
+        <a:prstGeom prst="chevron">
+          <a:avLst>
+            <a:gd name="adj" fmla="val 90000"/>
+          </a:avLst>
+        </a:prstGeom>
+        <a:solidFill>
+          <a:schemeClr val="lt1">
+            <a:alpha val="90000"/>
+            <a:tint val="40000"/>
+            <a:hueOff val="0"/>
+            <a:satOff val="0"/>
+            <a:lumOff val="0"/>
+            <a:alphaOff val="0"/>
+          </a:schemeClr>
+        </a:solidFill>
+        <a:ln w="25400" cap="flat" cmpd="sng" algn="ctr">
+          <a:solidFill>
+            <a:schemeClr val="dk2">
+              <a:alpha val="90000"/>
+              <a:hueOff val="0"/>
+              <a:satOff val="0"/>
+              <a:lumOff val="0"/>
+              <a:alphaOff val="0"/>
+            </a:schemeClr>
+          </a:solidFill>
+          <a:prstDash val="solid"/>
+        </a:ln>
+        <a:effectLst/>
+      </dsp:spPr>
+      <dsp:style>
+        <a:lnRef idx="2">
+          <a:scrgbClr r="0" g="0" b="0"/>
+        </a:lnRef>
+        <a:fillRef idx="1">
+          <a:scrgbClr r="0" g="0" b="0"/>
+        </a:fillRef>
+        <a:effectRef idx="0">
+          <a:scrgbClr r="0" g="0" b="0"/>
+        </a:effectRef>
+        <a:fontRef idx="minor"/>
+      </dsp:style>
+    </dsp:sp>
+    <dsp:sp modelId="{7001DA43-4B5A-48ED-8EFC-87632C49E53D}">
+      <dsp:nvSpPr>
+        <dsp:cNvPr id="0" name=""/>
+        <dsp:cNvSpPr/>
+      </dsp:nvSpPr>
+      <dsp:spPr>
+        <a:xfrm>
+          <a:off x="337651" y="0"/>
+          <a:ext cx="408894" cy="408894"/>
+        </a:xfrm>
+        <a:prstGeom prst="ellipse">
+          <a:avLst/>
+        </a:prstGeom>
+        <a:solidFill>
+          <a:schemeClr val="lt1">
+            <a:hueOff val="0"/>
+            <a:satOff val="0"/>
+            <a:lumOff val="0"/>
+            <a:alphaOff val="0"/>
+          </a:schemeClr>
+        </a:solidFill>
+        <a:ln w="25400" cap="flat" cmpd="sng" algn="ctr">
+          <a:solidFill>
+            <a:schemeClr val="dk2">
+              <a:shade val="80000"/>
+              <a:hueOff val="0"/>
+              <a:satOff val="0"/>
+              <a:lumOff val="0"/>
+              <a:alphaOff val="0"/>
+            </a:schemeClr>
+          </a:solidFill>
+          <a:prstDash val="solid"/>
+        </a:ln>
+        <a:effectLst/>
+      </dsp:spPr>
+      <dsp:style>
+        <a:lnRef idx="2">
+          <a:scrgbClr r="0" g="0" b="0"/>
+        </a:lnRef>
+        <a:fillRef idx="1">
+          <a:scrgbClr r="0" g="0" b="0"/>
+        </a:fillRef>
+        <a:effectRef idx="0">
+          <a:scrgbClr r="0" g="0" b="0"/>
+        </a:effectRef>
+        <a:fontRef idx="minor">
+          <a:schemeClr val="lt1"/>
+        </a:fontRef>
+      </dsp:style>
+      <dsp:txBody>
+        <a:bodyPr spcFirstLastPara="0" vert="horz" wrap="square" lIns="15867" tIns="15867" rIns="15867" bIns="15867" numCol="1" spcCol="1270" anchor="ctr" anchorCtr="0">
+          <a:noAutofit/>
+        </a:bodyPr>
+        <a:lstStyle/>
+        <a:p>
+          <a:pPr marL="0" lvl="0" indent="0" algn="ctr" defTabSz="844550">
+            <a:lnSpc>
+              <a:spcPct val="90000"/>
+            </a:lnSpc>
+            <a:spcBef>
+              <a:spcPct val="0"/>
+            </a:spcBef>
+            <a:spcAft>
+              <a:spcPct val="35000"/>
+            </a:spcAft>
+            <a:buNone/>
+          </a:pPr>
+          <a:r>
+            <a:rPr lang="en-IN" sz="1900" kern="1200"/>
+            <a:t>1</a:t>
+          </a:r>
+        </a:p>
+      </dsp:txBody>
+      <dsp:txXfrm>
+        <a:off x="397532" y="59881"/>
+        <a:ext cx="289132" cy="289132"/>
+      </dsp:txXfrm>
+    </dsp:sp>
+    <dsp:sp modelId="{FBCB58E2-CC5C-45F4-A4DA-C8B68428D9A4}">
+      <dsp:nvSpPr>
+        <dsp:cNvPr id="0" name=""/>
+        <dsp:cNvSpPr/>
+      </dsp:nvSpPr>
+      <dsp:spPr>
+        <a:xfrm>
+          <a:off x="3509" y="574494"/>
+          <a:ext cx="1077176" cy="1942124"/>
+        </a:xfrm>
+        <a:prstGeom prst="upArrowCallout">
+          <a:avLst>
+            <a:gd name="adj1" fmla="val 50000"/>
+            <a:gd name="adj2" fmla="val 20000"/>
+            <a:gd name="adj3" fmla="val 20000"/>
+            <a:gd name="adj4" fmla="val 100000"/>
+          </a:avLst>
+        </a:prstGeom>
+        <a:solidFill>
+          <a:schemeClr val="lt1">
+            <a:alpha val="90000"/>
+            <a:tint val="40000"/>
+            <a:hueOff val="0"/>
+            <a:satOff val="0"/>
+            <a:lumOff val="0"/>
+            <a:alphaOff val="0"/>
+          </a:schemeClr>
+        </a:solidFill>
+        <a:ln w="25400" cap="flat" cmpd="sng" algn="ctr">
+          <a:solidFill>
+            <a:schemeClr val="dk2">
+              <a:alpha val="90000"/>
+              <a:hueOff val="0"/>
+              <a:satOff val="0"/>
+              <a:lumOff val="0"/>
+              <a:alphaOff val="0"/>
+            </a:schemeClr>
+          </a:solidFill>
+          <a:prstDash val="solid"/>
+        </a:ln>
+        <a:effectLst/>
+      </dsp:spPr>
+      <dsp:style>
+        <a:lnRef idx="2">
+          <a:scrgbClr r="0" g="0" b="0"/>
+        </a:lnRef>
+        <a:fillRef idx="1">
+          <a:scrgbClr r="0" g="0" b="0"/>
+        </a:fillRef>
+        <a:effectRef idx="0">
+          <a:scrgbClr r="0" g="0" b="0"/>
+        </a:effectRef>
+        <a:fontRef idx="minor"/>
+      </dsp:style>
+      <dsp:txBody>
+        <a:bodyPr spcFirstLastPara="0" vert="horz" wrap="square" lIns="84969" tIns="165100" rIns="84969" bIns="165100" numCol="1" spcCol="1270" anchor="t" anchorCtr="0">
+          <a:noAutofit/>
+        </a:bodyPr>
+        <a:lstStyle/>
+        <a:p>
+          <a:pPr marL="0" lvl="0" indent="0" algn="ctr" defTabSz="488950">
+            <a:lnSpc>
+              <a:spcPct val="90000"/>
+            </a:lnSpc>
+            <a:spcBef>
+              <a:spcPct val="0"/>
+            </a:spcBef>
+            <a:spcAft>
+              <a:spcPct val="35000"/>
+            </a:spcAft>
+            <a:buNone/>
+          </a:pPr>
+          <a:r>
+            <a:rPr lang="en-IN" sz="1100" kern="1200" dirty="0"/>
+            <a:t>No of Subjects Tested</a:t>
+          </a:r>
+        </a:p>
+        <a:p>
+          <a:pPr marL="0" lvl="0" indent="0" algn="ctr" defTabSz="488950">
+            <a:lnSpc>
+              <a:spcPct val="90000"/>
+            </a:lnSpc>
+            <a:spcBef>
+              <a:spcPct val="0"/>
+            </a:spcBef>
+            <a:spcAft>
+              <a:spcPct val="35000"/>
+            </a:spcAft>
+            <a:buNone/>
+          </a:pPr>
+          <a:endParaRPr lang="en-IN" sz="1800" b="1" kern="1200" dirty="0">
+            <a:solidFill>
+              <a:srgbClr val="00B050"/>
+            </a:solidFill>
+          </a:endParaRPr>
+        </a:p>
+        <a:p>
+          <a:pPr marL="0" lvl="0" indent="0" algn="ctr" defTabSz="488950">
+            <a:lnSpc>
+              <a:spcPct val="90000"/>
+            </a:lnSpc>
+            <a:spcBef>
+              <a:spcPct val="0"/>
+            </a:spcBef>
+            <a:spcAft>
+              <a:spcPct val="35000"/>
+            </a:spcAft>
+            <a:buNone/>
+          </a:pPr>
+          <a:r>
+            <a:rPr lang="en-IN" sz="2400" b="1" kern="1200" dirty="0">
+              <a:solidFill>
+                <a:srgbClr val="00B050"/>
+              </a:solidFill>
+            </a:rPr>
+            <a:t>5</a:t>
+          </a:r>
+        </a:p>
+      </dsp:txBody>
+      <dsp:txXfrm>
+        <a:off x="3509" y="789929"/>
+        <a:ext cx="1077176" cy="1726689"/>
+      </dsp:txXfrm>
+    </dsp:sp>
+    <dsp:sp modelId="{2A69F124-070F-4ADC-92B3-BEF1DF048B07}">
+      <dsp:nvSpPr>
+        <dsp:cNvPr id="0" name=""/>
+        <dsp:cNvSpPr/>
+      </dsp:nvSpPr>
+      <dsp:spPr>
+        <a:xfrm>
+          <a:off x="1200373" y="204411"/>
+          <a:ext cx="1077176" cy="72"/>
+        </a:xfrm>
+        <a:prstGeom prst="rect">
+          <a:avLst/>
+        </a:prstGeom>
+        <a:solidFill>
+          <a:schemeClr val="lt1">
+            <a:alpha val="90000"/>
+            <a:tint val="40000"/>
+            <a:hueOff val="0"/>
+            <a:satOff val="0"/>
+            <a:lumOff val="0"/>
+            <a:alphaOff val="0"/>
+          </a:schemeClr>
+        </a:solidFill>
+        <a:ln w="25400" cap="flat" cmpd="sng" algn="ctr">
+          <a:solidFill>
+            <a:schemeClr val="dk2">
+              <a:alpha val="90000"/>
+              <a:hueOff val="0"/>
+              <a:satOff val="0"/>
+              <a:lumOff val="0"/>
+              <a:alphaOff val="0"/>
+            </a:schemeClr>
+          </a:solidFill>
+          <a:prstDash val="solid"/>
+        </a:ln>
+        <a:effectLst/>
+      </dsp:spPr>
+      <dsp:style>
+        <a:lnRef idx="2">
+          <a:scrgbClr r="0" g="0" b="0"/>
+        </a:lnRef>
+        <a:fillRef idx="1">
+          <a:scrgbClr r="0" g="0" b="0"/>
+        </a:fillRef>
+        <a:effectRef idx="0">
+          <a:scrgbClr r="0" g="0" b="0"/>
+        </a:effectRef>
+        <a:fontRef idx="minor"/>
+      </dsp:style>
+    </dsp:sp>
+    <dsp:sp modelId="{AF781B9C-B6B9-40E0-8AE4-0135144812B3}">
+      <dsp:nvSpPr>
+        <dsp:cNvPr id="0" name=""/>
+        <dsp:cNvSpPr/>
+      </dsp:nvSpPr>
+      <dsp:spPr>
+        <a:xfrm>
+          <a:off x="2306274" y="164232"/>
+          <a:ext cx="55055" cy="103408"/>
+        </a:xfrm>
+        <a:prstGeom prst="chevron">
+          <a:avLst>
+            <a:gd name="adj" fmla="val 90000"/>
+          </a:avLst>
+        </a:prstGeom>
+        <a:solidFill>
+          <a:schemeClr val="lt1">
+            <a:alpha val="90000"/>
+            <a:tint val="40000"/>
+            <a:hueOff val="0"/>
+            <a:satOff val="0"/>
+            <a:lumOff val="0"/>
+            <a:alphaOff val="0"/>
+          </a:schemeClr>
+        </a:solidFill>
+        <a:ln w="25400" cap="flat" cmpd="sng" algn="ctr">
+          <a:solidFill>
+            <a:schemeClr val="dk2">
+              <a:alpha val="90000"/>
+              <a:hueOff val="0"/>
+              <a:satOff val="0"/>
+              <a:lumOff val="0"/>
+              <a:alphaOff val="0"/>
+            </a:schemeClr>
+          </a:solidFill>
+          <a:prstDash val="solid"/>
+        </a:ln>
+        <a:effectLst/>
+      </dsp:spPr>
+      <dsp:style>
+        <a:lnRef idx="2">
+          <a:scrgbClr r="0" g="0" b="0"/>
+        </a:lnRef>
+        <a:fillRef idx="1">
+          <a:scrgbClr r="0" g="0" b="0"/>
+        </a:fillRef>
+        <a:effectRef idx="0">
+          <a:scrgbClr r="0" g="0" b="0"/>
+        </a:effectRef>
+        <a:fontRef idx="minor"/>
+      </dsp:style>
+    </dsp:sp>
+    <dsp:sp modelId="{6F41524A-AE8D-49B0-A28D-DDDCC9DAA120}">
+      <dsp:nvSpPr>
+        <dsp:cNvPr id="0" name=""/>
+        <dsp:cNvSpPr/>
+      </dsp:nvSpPr>
+      <dsp:spPr>
+        <a:xfrm>
+          <a:off x="1534514" y="0"/>
+          <a:ext cx="408894" cy="408894"/>
+        </a:xfrm>
+        <a:prstGeom prst="ellipse">
+          <a:avLst/>
+        </a:prstGeom>
+        <a:solidFill>
+          <a:schemeClr val="lt1">
+            <a:hueOff val="0"/>
+            <a:satOff val="0"/>
+            <a:lumOff val="0"/>
+            <a:alphaOff val="0"/>
+          </a:schemeClr>
+        </a:solidFill>
+        <a:ln w="25400" cap="flat" cmpd="sng" algn="ctr">
+          <a:solidFill>
+            <a:schemeClr val="dk2">
+              <a:shade val="80000"/>
+              <a:hueOff val="0"/>
+              <a:satOff val="0"/>
+              <a:lumOff val="0"/>
+              <a:alphaOff val="0"/>
+            </a:schemeClr>
+          </a:solidFill>
+          <a:prstDash val="solid"/>
+        </a:ln>
+        <a:effectLst/>
+      </dsp:spPr>
+      <dsp:style>
+        <a:lnRef idx="2">
+          <a:scrgbClr r="0" g="0" b="0"/>
+        </a:lnRef>
+        <a:fillRef idx="1">
+          <a:scrgbClr r="0" g="0" b="0"/>
+        </a:fillRef>
+        <a:effectRef idx="0">
+          <a:scrgbClr r="0" g="0" b="0"/>
+        </a:effectRef>
+        <a:fontRef idx="minor">
+          <a:schemeClr val="lt1"/>
+        </a:fontRef>
+      </dsp:style>
+      <dsp:txBody>
+        <a:bodyPr spcFirstLastPara="0" vert="horz" wrap="square" lIns="15867" tIns="15867" rIns="15867" bIns="15867" numCol="1" spcCol="1270" anchor="ctr" anchorCtr="0">
+          <a:noAutofit/>
+        </a:bodyPr>
+        <a:lstStyle/>
+        <a:p>
+          <a:pPr marL="0" lvl="0" indent="0" algn="ctr" defTabSz="844550">
+            <a:lnSpc>
+              <a:spcPct val="90000"/>
+            </a:lnSpc>
+            <a:spcBef>
+              <a:spcPct val="0"/>
+            </a:spcBef>
+            <a:spcAft>
+              <a:spcPct val="35000"/>
+            </a:spcAft>
+            <a:buNone/>
+          </a:pPr>
+          <a:r>
+            <a:rPr lang="en-IN" sz="1900" kern="1200"/>
+            <a:t>2</a:t>
+          </a:r>
+        </a:p>
+      </dsp:txBody>
+      <dsp:txXfrm>
+        <a:off x="1594395" y="59881"/>
+        <a:ext cx="289132" cy="289132"/>
+      </dsp:txXfrm>
+    </dsp:sp>
+    <dsp:sp modelId="{AE38FCDA-A789-434D-9427-AFDED9641077}">
+      <dsp:nvSpPr>
+        <dsp:cNvPr id="0" name=""/>
+        <dsp:cNvSpPr/>
+      </dsp:nvSpPr>
+      <dsp:spPr>
+        <a:xfrm>
+          <a:off x="1200373" y="574494"/>
+          <a:ext cx="1077176" cy="1942124"/>
+        </a:xfrm>
+        <a:prstGeom prst="upArrowCallout">
+          <a:avLst>
+            <a:gd name="adj1" fmla="val 50000"/>
+            <a:gd name="adj2" fmla="val 20000"/>
+            <a:gd name="adj3" fmla="val 20000"/>
+            <a:gd name="adj4" fmla="val 100000"/>
+          </a:avLst>
+        </a:prstGeom>
+        <a:solidFill>
+          <a:schemeClr val="lt1">
+            <a:alpha val="90000"/>
+            <a:tint val="40000"/>
+            <a:hueOff val="0"/>
+            <a:satOff val="0"/>
+            <a:lumOff val="0"/>
+            <a:alphaOff val="0"/>
+          </a:schemeClr>
+        </a:solidFill>
+        <a:ln w="25400" cap="flat" cmpd="sng" algn="ctr">
+          <a:solidFill>
+            <a:schemeClr val="dk2">
+              <a:alpha val="90000"/>
+              <a:hueOff val="0"/>
+              <a:satOff val="0"/>
+              <a:lumOff val="0"/>
+              <a:alphaOff val="0"/>
+            </a:schemeClr>
+          </a:solidFill>
+          <a:prstDash val="solid"/>
+        </a:ln>
+        <a:effectLst/>
+      </dsp:spPr>
+      <dsp:style>
+        <a:lnRef idx="2">
+          <a:scrgbClr r="0" g="0" b="0"/>
+        </a:lnRef>
+        <a:fillRef idx="1">
+          <a:scrgbClr r="0" g="0" b="0"/>
+        </a:fillRef>
+        <a:effectRef idx="0">
+          <a:scrgbClr r="0" g="0" b="0"/>
+        </a:effectRef>
+        <a:fontRef idx="minor"/>
+      </dsp:style>
+      <dsp:txBody>
+        <a:bodyPr spcFirstLastPara="0" vert="horz" wrap="square" lIns="84969" tIns="165100" rIns="84969" bIns="165100" numCol="1" spcCol="1270" anchor="t" anchorCtr="0">
+          <a:noAutofit/>
+        </a:bodyPr>
+        <a:lstStyle/>
+        <a:p>
+          <a:pPr marL="0" lvl="0" indent="0" algn="ctr" defTabSz="933450">
+            <a:lnSpc>
+              <a:spcPct val="90000"/>
+            </a:lnSpc>
+            <a:spcBef>
+              <a:spcPct val="0"/>
+            </a:spcBef>
+            <a:spcAft>
+              <a:spcPct val="35000"/>
+            </a:spcAft>
+            <a:buNone/>
+          </a:pPr>
+          <a:r>
+            <a:rPr lang="en-IN" sz="1300" kern="1200" dirty="0"/>
+            <a:t>No of Data Points </a:t>
+          </a:r>
+        </a:p>
+        <a:p>
+          <a:pPr marL="0" lvl="0" indent="0" algn="ctr" defTabSz="488950">
+            <a:lnSpc>
+              <a:spcPct val="90000"/>
+            </a:lnSpc>
+            <a:spcBef>
+              <a:spcPct val="0"/>
+            </a:spcBef>
+            <a:spcAft>
+              <a:spcPct val="35000"/>
+            </a:spcAft>
+            <a:buNone/>
+          </a:pPr>
+          <a:endParaRPr lang="en-IN" sz="2400" b="1" kern="1200" dirty="0">
+            <a:solidFill>
+              <a:srgbClr val="00B050"/>
+            </a:solidFill>
+            <a:latin typeface="Arial"/>
+            <a:ea typeface="DejaVu Sans"/>
+            <a:cs typeface="DejaVu Sans"/>
+          </a:endParaRPr>
+        </a:p>
+        <a:p>
+          <a:pPr marL="0" lvl="0" indent="0" algn="ctr" defTabSz="488950">
+            <a:lnSpc>
+              <a:spcPct val="90000"/>
+            </a:lnSpc>
+            <a:spcBef>
+              <a:spcPct val="0"/>
+            </a:spcBef>
+            <a:spcAft>
+              <a:spcPct val="35000"/>
+            </a:spcAft>
+            <a:buNone/>
+          </a:pPr>
+          <a:r>
+            <a:rPr lang="en-IN" sz="2400" b="1" kern="1200" dirty="0">
+              <a:solidFill>
+                <a:srgbClr val="00B050"/>
+              </a:solidFill>
+              <a:latin typeface="Arial"/>
+              <a:ea typeface="DejaVu Sans"/>
+              <a:cs typeface="DejaVu Sans"/>
+            </a:rPr>
+            <a:t>90 </a:t>
+          </a:r>
+          <a:r>
+            <a:rPr lang="en-IN" sz="1600" b="1" kern="1200" dirty="0">
+              <a:solidFill>
+                <a:srgbClr val="00B050"/>
+              </a:solidFill>
+              <a:latin typeface="Arial"/>
+              <a:ea typeface="DejaVu Sans"/>
+              <a:cs typeface="DejaVu Sans"/>
+            </a:rPr>
+            <a:t>k</a:t>
+          </a:r>
+          <a:endParaRPr lang="en-IN" sz="2400" b="1" kern="1200" dirty="0">
+            <a:solidFill>
+              <a:srgbClr val="00B050"/>
+            </a:solidFill>
+            <a:latin typeface="Arial"/>
+            <a:ea typeface="DejaVu Sans"/>
+            <a:cs typeface="DejaVu Sans"/>
+          </a:endParaRPr>
+        </a:p>
+      </dsp:txBody>
+      <dsp:txXfrm>
+        <a:off x="1200373" y="789929"/>
+        <a:ext cx="1077176" cy="1726689"/>
+      </dsp:txXfrm>
+    </dsp:sp>
+    <dsp:sp modelId="{477B2D64-5F9B-4B13-831B-8652D99EEBFA}">
+      <dsp:nvSpPr>
+        <dsp:cNvPr id="0" name=""/>
+        <dsp:cNvSpPr/>
+      </dsp:nvSpPr>
+      <dsp:spPr>
+        <a:xfrm>
+          <a:off x="2397236" y="204411"/>
+          <a:ext cx="1077176" cy="72"/>
+        </a:xfrm>
+        <a:prstGeom prst="rect">
+          <a:avLst/>
+        </a:prstGeom>
+        <a:solidFill>
+          <a:schemeClr val="lt1">
+            <a:alpha val="90000"/>
+            <a:tint val="40000"/>
+            <a:hueOff val="0"/>
+            <a:satOff val="0"/>
+            <a:lumOff val="0"/>
+            <a:alphaOff val="0"/>
+          </a:schemeClr>
+        </a:solidFill>
+        <a:ln w="25400" cap="flat" cmpd="sng" algn="ctr">
+          <a:solidFill>
+            <a:schemeClr val="dk2">
+              <a:alpha val="90000"/>
+              <a:hueOff val="0"/>
+              <a:satOff val="0"/>
+              <a:lumOff val="0"/>
+              <a:alphaOff val="0"/>
+            </a:schemeClr>
+          </a:solidFill>
+          <a:prstDash val="solid"/>
+        </a:ln>
+        <a:effectLst/>
+      </dsp:spPr>
+      <dsp:style>
+        <a:lnRef idx="2">
+          <a:scrgbClr r="0" g="0" b="0"/>
+        </a:lnRef>
+        <a:fillRef idx="1">
+          <a:scrgbClr r="0" g="0" b="0"/>
+        </a:fillRef>
+        <a:effectRef idx="0">
+          <a:scrgbClr r="0" g="0" b="0"/>
+        </a:effectRef>
+        <a:fontRef idx="minor"/>
+      </dsp:style>
+    </dsp:sp>
+    <dsp:sp modelId="{B5A20E32-90E2-45E9-A400-7510470FF6D7}">
+      <dsp:nvSpPr>
+        <dsp:cNvPr id="0" name=""/>
+        <dsp:cNvSpPr/>
+      </dsp:nvSpPr>
+      <dsp:spPr>
+        <a:xfrm>
+          <a:off x="3503137" y="164232"/>
+          <a:ext cx="55055" cy="103408"/>
+        </a:xfrm>
+        <a:prstGeom prst="chevron">
+          <a:avLst>
+            <a:gd name="adj" fmla="val 90000"/>
+          </a:avLst>
+        </a:prstGeom>
+        <a:solidFill>
+          <a:schemeClr val="lt1">
+            <a:alpha val="90000"/>
+            <a:tint val="40000"/>
+            <a:hueOff val="0"/>
+            <a:satOff val="0"/>
+            <a:lumOff val="0"/>
+            <a:alphaOff val="0"/>
+          </a:schemeClr>
+        </a:solidFill>
+        <a:ln w="25400" cap="flat" cmpd="sng" algn="ctr">
+          <a:solidFill>
+            <a:schemeClr val="dk2">
+              <a:alpha val="90000"/>
+              <a:hueOff val="0"/>
+              <a:satOff val="0"/>
+              <a:lumOff val="0"/>
+              <a:alphaOff val="0"/>
+            </a:schemeClr>
+          </a:solidFill>
+          <a:prstDash val="solid"/>
+        </a:ln>
+        <a:effectLst/>
+      </dsp:spPr>
+      <dsp:style>
+        <a:lnRef idx="2">
+          <a:scrgbClr r="0" g="0" b="0"/>
+        </a:lnRef>
+        <a:fillRef idx="1">
+          <a:scrgbClr r="0" g="0" b="0"/>
+        </a:fillRef>
+        <a:effectRef idx="0">
+          <a:scrgbClr r="0" g="0" b="0"/>
+        </a:effectRef>
+        <a:fontRef idx="minor"/>
+      </dsp:style>
+    </dsp:sp>
+    <dsp:sp modelId="{12778CD3-1950-4FA0-A28E-34D9503A5912}">
+      <dsp:nvSpPr>
+        <dsp:cNvPr id="0" name=""/>
+        <dsp:cNvSpPr/>
+      </dsp:nvSpPr>
+      <dsp:spPr>
+        <a:xfrm>
+          <a:off x="2731377" y="0"/>
+          <a:ext cx="408894" cy="408894"/>
+        </a:xfrm>
+        <a:prstGeom prst="ellipse">
+          <a:avLst/>
+        </a:prstGeom>
+        <a:solidFill>
+          <a:schemeClr val="lt1">
+            <a:hueOff val="0"/>
+            <a:satOff val="0"/>
+            <a:lumOff val="0"/>
+            <a:alphaOff val="0"/>
+          </a:schemeClr>
+        </a:solidFill>
+        <a:ln w="25400" cap="flat" cmpd="sng" algn="ctr">
+          <a:solidFill>
+            <a:schemeClr val="dk2">
+              <a:shade val="80000"/>
+              <a:hueOff val="0"/>
+              <a:satOff val="0"/>
+              <a:lumOff val="0"/>
+              <a:alphaOff val="0"/>
+            </a:schemeClr>
+          </a:solidFill>
+          <a:prstDash val="solid"/>
+        </a:ln>
+        <a:effectLst/>
+      </dsp:spPr>
+      <dsp:style>
+        <a:lnRef idx="2">
+          <a:scrgbClr r="0" g="0" b="0"/>
+        </a:lnRef>
+        <a:fillRef idx="1">
+          <a:scrgbClr r="0" g="0" b="0"/>
+        </a:fillRef>
+        <a:effectRef idx="0">
+          <a:scrgbClr r="0" g="0" b="0"/>
+        </a:effectRef>
+        <a:fontRef idx="minor">
+          <a:schemeClr val="lt1"/>
+        </a:fontRef>
+      </dsp:style>
+      <dsp:txBody>
+        <a:bodyPr spcFirstLastPara="0" vert="horz" wrap="square" lIns="15867" tIns="15867" rIns="15867" bIns="15867" numCol="1" spcCol="1270" anchor="ctr" anchorCtr="0">
+          <a:noAutofit/>
+        </a:bodyPr>
+        <a:lstStyle/>
+        <a:p>
+          <a:pPr marL="0" lvl="0" indent="0" algn="ctr" defTabSz="844550">
+            <a:lnSpc>
+              <a:spcPct val="90000"/>
+            </a:lnSpc>
+            <a:spcBef>
+              <a:spcPct val="0"/>
+            </a:spcBef>
+            <a:spcAft>
+              <a:spcPct val="35000"/>
+            </a:spcAft>
+            <a:buNone/>
+          </a:pPr>
+          <a:r>
+            <a:rPr lang="en-IN" sz="1900" kern="1200"/>
+            <a:t>3</a:t>
+          </a:r>
+        </a:p>
+      </dsp:txBody>
+      <dsp:txXfrm>
+        <a:off x="2791258" y="59881"/>
+        <a:ext cx="289132" cy="289132"/>
+      </dsp:txXfrm>
+    </dsp:sp>
+    <dsp:sp modelId="{B3002F95-6837-42BA-8AC4-7E91B6714F53}">
+      <dsp:nvSpPr>
+        <dsp:cNvPr id="0" name=""/>
+        <dsp:cNvSpPr/>
+      </dsp:nvSpPr>
+      <dsp:spPr>
+        <a:xfrm>
+          <a:off x="2397236" y="574494"/>
+          <a:ext cx="1077176" cy="1942124"/>
+        </a:xfrm>
+        <a:prstGeom prst="upArrowCallout">
+          <a:avLst>
+            <a:gd name="adj1" fmla="val 50000"/>
+            <a:gd name="adj2" fmla="val 20000"/>
+            <a:gd name="adj3" fmla="val 20000"/>
+            <a:gd name="adj4" fmla="val 100000"/>
+          </a:avLst>
+        </a:prstGeom>
+        <a:solidFill>
+          <a:schemeClr val="lt1">
+            <a:alpha val="90000"/>
+            <a:tint val="40000"/>
+            <a:hueOff val="0"/>
+            <a:satOff val="0"/>
+            <a:lumOff val="0"/>
+            <a:alphaOff val="0"/>
+          </a:schemeClr>
+        </a:solidFill>
+        <a:ln w="25400" cap="flat" cmpd="sng" algn="ctr">
+          <a:solidFill>
+            <a:schemeClr val="dk2">
+              <a:alpha val="90000"/>
+              <a:hueOff val="0"/>
+              <a:satOff val="0"/>
+              <a:lumOff val="0"/>
+              <a:alphaOff val="0"/>
+            </a:schemeClr>
+          </a:solidFill>
+          <a:prstDash val="solid"/>
+        </a:ln>
+        <a:effectLst/>
+      </dsp:spPr>
+      <dsp:style>
+        <a:lnRef idx="2">
+          <a:scrgbClr r="0" g="0" b="0"/>
+        </a:lnRef>
+        <a:fillRef idx="1">
+          <a:scrgbClr r="0" g="0" b="0"/>
+        </a:fillRef>
+        <a:effectRef idx="0">
+          <a:scrgbClr r="0" g="0" b="0"/>
+        </a:effectRef>
+        <a:fontRef idx="minor"/>
+      </dsp:style>
+      <dsp:txBody>
+        <a:bodyPr spcFirstLastPara="0" vert="horz" wrap="square" lIns="84969" tIns="165100" rIns="84969" bIns="165100" numCol="1" spcCol="1270" anchor="t" anchorCtr="0">
+          <a:noAutofit/>
+        </a:bodyPr>
+        <a:lstStyle/>
+        <a:p>
+          <a:pPr marL="0" lvl="0" indent="0" algn="ctr" defTabSz="933450">
+            <a:lnSpc>
+              <a:spcPct val="90000"/>
+            </a:lnSpc>
+            <a:spcBef>
+              <a:spcPct val="0"/>
+            </a:spcBef>
+            <a:spcAft>
+              <a:spcPct val="35000"/>
+            </a:spcAft>
+            <a:buNone/>
+          </a:pPr>
+          <a:r>
+            <a:rPr lang="en-IN" sz="1300" kern="1200" dirty="0"/>
+            <a:t>Duration of Data Gathered </a:t>
+          </a:r>
+        </a:p>
+        <a:p>
+          <a:pPr marL="0" lvl="0" indent="0" algn="ctr" defTabSz="488950">
+            <a:lnSpc>
+              <a:spcPct val="90000"/>
+            </a:lnSpc>
+            <a:spcBef>
+              <a:spcPct val="0"/>
+            </a:spcBef>
+            <a:spcAft>
+              <a:spcPct val="35000"/>
+            </a:spcAft>
+            <a:buNone/>
+          </a:pPr>
+          <a:endParaRPr lang="en-IN" sz="1400" b="1" kern="1200" dirty="0">
+            <a:solidFill>
+              <a:srgbClr val="00B050"/>
+            </a:solidFill>
+            <a:latin typeface="Arial"/>
+            <a:ea typeface="DejaVu Sans"/>
+            <a:cs typeface="DejaVu Sans"/>
+          </a:endParaRPr>
+        </a:p>
+        <a:p>
+          <a:pPr marL="0" lvl="0" indent="0" algn="ctr" defTabSz="488950">
+            <a:lnSpc>
+              <a:spcPct val="90000"/>
+            </a:lnSpc>
+            <a:spcBef>
+              <a:spcPct val="0"/>
+            </a:spcBef>
+            <a:spcAft>
+              <a:spcPct val="35000"/>
+            </a:spcAft>
+            <a:buNone/>
+          </a:pPr>
+          <a:r>
+            <a:rPr lang="en-IN" sz="2400" b="1" kern="1200" dirty="0">
+              <a:solidFill>
+                <a:srgbClr val="00B050"/>
+              </a:solidFill>
+              <a:latin typeface="Arial"/>
+              <a:ea typeface="DejaVu Sans"/>
+              <a:cs typeface="DejaVu Sans"/>
+            </a:rPr>
+            <a:t>45 </a:t>
+          </a:r>
+          <a:r>
+            <a:rPr lang="en-IN" sz="1200" b="1" kern="1200" dirty="0">
+              <a:solidFill>
+                <a:srgbClr val="00B050"/>
+              </a:solidFill>
+              <a:latin typeface="Arial"/>
+              <a:ea typeface="DejaVu Sans"/>
+              <a:cs typeface="DejaVu Sans"/>
+            </a:rPr>
+            <a:t>Mins</a:t>
+          </a:r>
+          <a:r>
+            <a:rPr lang="en-IN" sz="2400" b="1" kern="1200" dirty="0">
+              <a:solidFill>
+                <a:srgbClr val="00B050"/>
+              </a:solidFill>
+              <a:latin typeface="Arial"/>
+              <a:ea typeface="DejaVu Sans"/>
+              <a:cs typeface="DejaVu Sans"/>
+            </a:rPr>
+            <a:t> </a:t>
+          </a:r>
+        </a:p>
+      </dsp:txBody>
+      <dsp:txXfrm>
+        <a:off x="2397236" y="789929"/>
+        <a:ext cx="1077176" cy="1726689"/>
+      </dsp:txXfrm>
+    </dsp:sp>
+    <dsp:sp modelId="{654B74A2-B09D-4456-850F-32CD74674E67}">
+      <dsp:nvSpPr>
+        <dsp:cNvPr id="0" name=""/>
+        <dsp:cNvSpPr/>
+      </dsp:nvSpPr>
+      <dsp:spPr>
+        <a:xfrm>
+          <a:off x="3594099" y="204411"/>
+          <a:ext cx="1077176" cy="72"/>
+        </a:xfrm>
+        <a:prstGeom prst="rect">
+          <a:avLst/>
+        </a:prstGeom>
+        <a:solidFill>
+          <a:schemeClr val="lt1">
+            <a:alpha val="90000"/>
+            <a:tint val="40000"/>
+            <a:hueOff val="0"/>
+            <a:satOff val="0"/>
+            <a:lumOff val="0"/>
+            <a:alphaOff val="0"/>
+          </a:schemeClr>
+        </a:solidFill>
+        <a:ln w="25400" cap="flat" cmpd="sng" algn="ctr">
+          <a:solidFill>
+            <a:schemeClr val="dk2">
+              <a:alpha val="90000"/>
+              <a:hueOff val="0"/>
+              <a:satOff val="0"/>
+              <a:lumOff val="0"/>
+              <a:alphaOff val="0"/>
+            </a:schemeClr>
+          </a:solidFill>
+          <a:prstDash val="solid"/>
+        </a:ln>
+        <a:effectLst/>
+      </dsp:spPr>
+      <dsp:style>
+        <a:lnRef idx="2">
+          <a:scrgbClr r="0" g="0" b="0"/>
+        </a:lnRef>
+        <a:fillRef idx="1">
+          <a:scrgbClr r="0" g="0" b="0"/>
+        </a:fillRef>
+        <a:effectRef idx="0">
+          <a:scrgbClr r="0" g="0" b="0"/>
+        </a:effectRef>
+        <a:fontRef idx="minor"/>
+      </dsp:style>
+    </dsp:sp>
+    <dsp:sp modelId="{B480D9BA-F6C0-48A9-83B2-0A06A678674F}">
+      <dsp:nvSpPr>
+        <dsp:cNvPr id="0" name=""/>
+        <dsp:cNvSpPr/>
+      </dsp:nvSpPr>
+      <dsp:spPr>
+        <a:xfrm>
+          <a:off x="4700001" y="164232"/>
+          <a:ext cx="55055" cy="103408"/>
+        </a:xfrm>
+        <a:prstGeom prst="chevron">
+          <a:avLst>
+            <a:gd name="adj" fmla="val 90000"/>
+          </a:avLst>
+        </a:prstGeom>
+        <a:solidFill>
+          <a:schemeClr val="lt1">
+            <a:alpha val="90000"/>
+            <a:tint val="40000"/>
+            <a:hueOff val="0"/>
+            <a:satOff val="0"/>
+            <a:lumOff val="0"/>
+            <a:alphaOff val="0"/>
+          </a:schemeClr>
+        </a:solidFill>
+        <a:ln w="25400" cap="flat" cmpd="sng" algn="ctr">
+          <a:solidFill>
+            <a:schemeClr val="dk2">
+              <a:alpha val="90000"/>
+              <a:hueOff val="0"/>
+              <a:satOff val="0"/>
+              <a:lumOff val="0"/>
+              <a:alphaOff val="0"/>
+            </a:schemeClr>
+          </a:solidFill>
+          <a:prstDash val="solid"/>
+        </a:ln>
+        <a:effectLst/>
+      </dsp:spPr>
+      <dsp:style>
+        <a:lnRef idx="2">
+          <a:scrgbClr r="0" g="0" b="0"/>
+        </a:lnRef>
+        <a:fillRef idx="1">
+          <a:scrgbClr r="0" g="0" b="0"/>
+        </a:fillRef>
+        <a:effectRef idx="0">
+          <a:scrgbClr r="0" g="0" b="0"/>
+        </a:effectRef>
+        <a:fontRef idx="minor"/>
+      </dsp:style>
+    </dsp:sp>
+    <dsp:sp modelId="{DB23C7D2-968E-43AA-9C14-89F7E056548C}">
+      <dsp:nvSpPr>
+        <dsp:cNvPr id="0" name=""/>
+        <dsp:cNvSpPr/>
+      </dsp:nvSpPr>
+      <dsp:spPr>
+        <a:xfrm>
+          <a:off x="3928240" y="0"/>
+          <a:ext cx="408894" cy="408894"/>
+        </a:xfrm>
+        <a:prstGeom prst="ellipse">
+          <a:avLst/>
+        </a:prstGeom>
+        <a:solidFill>
+          <a:schemeClr val="lt1">
+            <a:hueOff val="0"/>
+            <a:satOff val="0"/>
+            <a:lumOff val="0"/>
+            <a:alphaOff val="0"/>
+          </a:schemeClr>
+        </a:solidFill>
+        <a:ln w="25400" cap="flat" cmpd="sng" algn="ctr">
+          <a:solidFill>
+            <a:schemeClr val="dk2">
+              <a:shade val="80000"/>
+              <a:hueOff val="0"/>
+              <a:satOff val="0"/>
+              <a:lumOff val="0"/>
+              <a:alphaOff val="0"/>
+            </a:schemeClr>
+          </a:solidFill>
+          <a:prstDash val="solid"/>
+        </a:ln>
+        <a:effectLst/>
+      </dsp:spPr>
+      <dsp:style>
+        <a:lnRef idx="2">
+          <a:scrgbClr r="0" g="0" b="0"/>
+        </a:lnRef>
+        <a:fillRef idx="1">
+          <a:scrgbClr r="0" g="0" b="0"/>
+        </a:fillRef>
+        <a:effectRef idx="0">
+          <a:scrgbClr r="0" g="0" b="0"/>
+        </a:effectRef>
+        <a:fontRef idx="minor">
+          <a:schemeClr val="lt1"/>
+        </a:fontRef>
+      </dsp:style>
+      <dsp:txBody>
+        <a:bodyPr spcFirstLastPara="0" vert="horz" wrap="square" lIns="15867" tIns="15867" rIns="15867" bIns="15867" numCol="1" spcCol="1270" anchor="ctr" anchorCtr="0">
+          <a:noAutofit/>
+        </a:bodyPr>
+        <a:lstStyle/>
+        <a:p>
+          <a:pPr marL="0" lvl="0" indent="0" algn="ctr" defTabSz="844550">
+            <a:lnSpc>
+              <a:spcPct val="90000"/>
+            </a:lnSpc>
+            <a:spcBef>
+              <a:spcPct val="0"/>
+            </a:spcBef>
+            <a:spcAft>
+              <a:spcPct val="35000"/>
+            </a:spcAft>
+            <a:buNone/>
+          </a:pPr>
+          <a:r>
+            <a:rPr lang="en-IN" sz="1900" kern="1200"/>
+            <a:t>4</a:t>
+          </a:r>
+        </a:p>
+      </dsp:txBody>
+      <dsp:txXfrm>
+        <a:off x="3988121" y="59881"/>
+        <a:ext cx="289132" cy="289132"/>
+      </dsp:txXfrm>
+    </dsp:sp>
+    <dsp:sp modelId="{128253B2-E821-46AF-8B9B-3FA954932277}">
+      <dsp:nvSpPr>
+        <dsp:cNvPr id="0" name=""/>
+        <dsp:cNvSpPr/>
+      </dsp:nvSpPr>
+      <dsp:spPr>
+        <a:xfrm>
+          <a:off x="3594099" y="574494"/>
+          <a:ext cx="1077176" cy="1942124"/>
+        </a:xfrm>
+        <a:prstGeom prst="upArrowCallout">
+          <a:avLst>
+            <a:gd name="adj1" fmla="val 50000"/>
+            <a:gd name="adj2" fmla="val 20000"/>
+            <a:gd name="adj3" fmla="val 20000"/>
+            <a:gd name="adj4" fmla="val 100000"/>
+          </a:avLst>
+        </a:prstGeom>
+        <a:solidFill>
+          <a:schemeClr val="lt1">
+            <a:alpha val="90000"/>
+            <a:tint val="40000"/>
+            <a:hueOff val="0"/>
+            <a:satOff val="0"/>
+            <a:lumOff val="0"/>
+            <a:alphaOff val="0"/>
+          </a:schemeClr>
+        </a:solidFill>
+        <a:ln w="25400" cap="flat" cmpd="sng" algn="ctr">
+          <a:solidFill>
+            <a:schemeClr val="dk2">
+              <a:alpha val="90000"/>
+              <a:hueOff val="0"/>
+              <a:satOff val="0"/>
+              <a:lumOff val="0"/>
+              <a:alphaOff val="0"/>
+            </a:schemeClr>
+          </a:solidFill>
+          <a:prstDash val="solid"/>
+        </a:ln>
+        <a:effectLst/>
+      </dsp:spPr>
+      <dsp:style>
+        <a:lnRef idx="2">
+          <a:scrgbClr r="0" g="0" b="0"/>
+        </a:lnRef>
+        <a:fillRef idx="1">
+          <a:scrgbClr r="0" g="0" b="0"/>
+        </a:fillRef>
+        <a:effectRef idx="0">
+          <a:scrgbClr r="0" g="0" b="0"/>
+        </a:effectRef>
+        <a:fontRef idx="minor"/>
+      </dsp:style>
+      <dsp:txBody>
+        <a:bodyPr spcFirstLastPara="0" vert="horz" wrap="square" lIns="84969" tIns="165100" rIns="84969" bIns="165100" numCol="1" spcCol="1270" anchor="t" anchorCtr="0">
+          <a:noAutofit/>
+        </a:bodyPr>
+        <a:lstStyle/>
+        <a:p>
+          <a:pPr marL="0" lvl="0" indent="0" algn="ctr" defTabSz="577850">
+            <a:lnSpc>
+              <a:spcPct val="90000"/>
+            </a:lnSpc>
+            <a:spcBef>
+              <a:spcPct val="0"/>
+            </a:spcBef>
+            <a:spcAft>
+              <a:spcPct val="35000"/>
+            </a:spcAft>
+            <a:buNone/>
+          </a:pPr>
+          <a:r>
+            <a:rPr lang="en-IN" sz="1300" kern="1200" dirty="0"/>
+            <a:t>No of </a:t>
+          </a:r>
+        </a:p>
+        <a:p>
+          <a:pPr marL="0" lvl="0" indent="0" algn="ctr" defTabSz="577850">
+            <a:lnSpc>
+              <a:spcPct val="90000"/>
+            </a:lnSpc>
+            <a:spcBef>
+              <a:spcPct val="0"/>
+            </a:spcBef>
+            <a:spcAft>
+              <a:spcPct val="35000"/>
+            </a:spcAft>
+            <a:buNone/>
+          </a:pPr>
+          <a:r>
+            <a:rPr lang="en-IN" sz="1300" kern="1200" dirty="0"/>
+            <a:t>Activities</a:t>
+          </a:r>
+        </a:p>
+        <a:p>
+          <a:pPr marL="0" lvl="0" indent="0" algn="ctr" defTabSz="488950">
+            <a:lnSpc>
+              <a:spcPct val="90000"/>
+            </a:lnSpc>
+            <a:spcBef>
+              <a:spcPct val="0"/>
+            </a:spcBef>
+            <a:spcAft>
+              <a:spcPct val="35000"/>
+            </a:spcAft>
+            <a:buNone/>
+          </a:pPr>
+          <a:endParaRPr lang="en-IN" sz="2000" b="1" kern="1200" dirty="0">
+            <a:solidFill>
+              <a:srgbClr val="00B050"/>
+            </a:solidFill>
+            <a:latin typeface="Arial"/>
+            <a:ea typeface="DejaVu Sans"/>
+            <a:cs typeface="DejaVu Sans"/>
+          </a:endParaRPr>
+        </a:p>
+        <a:p>
+          <a:pPr marL="0" lvl="0" indent="0" algn="ctr" defTabSz="488950">
+            <a:lnSpc>
+              <a:spcPct val="90000"/>
+            </a:lnSpc>
+            <a:spcBef>
+              <a:spcPct val="0"/>
+            </a:spcBef>
+            <a:spcAft>
+              <a:spcPct val="35000"/>
+            </a:spcAft>
+            <a:buNone/>
+          </a:pPr>
+          <a:r>
+            <a:rPr lang="en-IN" sz="2400" b="1" kern="1200" dirty="0">
+              <a:solidFill>
+                <a:srgbClr val="00B050"/>
+              </a:solidFill>
+              <a:latin typeface="Arial"/>
+              <a:ea typeface="DejaVu Sans"/>
+              <a:cs typeface="DejaVu Sans"/>
+            </a:rPr>
+            <a:t>5 </a:t>
+          </a:r>
+        </a:p>
+      </dsp:txBody>
+      <dsp:txXfrm>
+        <a:off x="3594099" y="789929"/>
+        <a:ext cx="1077176" cy="1726689"/>
+      </dsp:txXfrm>
+    </dsp:sp>
+    <dsp:sp modelId="{E39E2BA8-BA1B-40B4-8978-9FF4FCF3CA6E}">
+      <dsp:nvSpPr>
+        <dsp:cNvPr id="0" name=""/>
+        <dsp:cNvSpPr/>
+      </dsp:nvSpPr>
+      <dsp:spPr>
+        <a:xfrm>
+          <a:off x="4790962" y="204411"/>
+          <a:ext cx="1077176" cy="72"/>
+        </a:xfrm>
+        <a:prstGeom prst="rect">
+          <a:avLst/>
+        </a:prstGeom>
+        <a:solidFill>
+          <a:schemeClr val="lt1">
+            <a:alpha val="90000"/>
+            <a:tint val="40000"/>
+            <a:hueOff val="0"/>
+            <a:satOff val="0"/>
+            <a:lumOff val="0"/>
+            <a:alphaOff val="0"/>
+          </a:schemeClr>
+        </a:solidFill>
+        <a:ln w="25400" cap="flat" cmpd="sng" algn="ctr">
+          <a:solidFill>
+            <a:schemeClr val="dk2">
+              <a:alpha val="90000"/>
+              <a:hueOff val="0"/>
+              <a:satOff val="0"/>
+              <a:lumOff val="0"/>
+              <a:alphaOff val="0"/>
+            </a:schemeClr>
+          </a:solidFill>
+          <a:prstDash val="solid"/>
+        </a:ln>
+        <a:effectLst/>
+      </dsp:spPr>
+      <dsp:style>
+        <a:lnRef idx="2">
+          <a:scrgbClr r="0" g="0" b="0"/>
+        </a:lnRef>
+        <a:fillRef idx="1">
+          <a:scrgbClr r="0" g="0" b="0"/>
+        </a:fillRef>
+        <a:effectRef idx="0">
+          <a:scrgbClr r="0" g="0" b="0"/>
+        </a:effectRef>
+        <a:fontRef idx="minor"/>
+      </dsp:style>
+    </dsp:sp>
+    <dsp:sp modelId="{BBD86D5E-7E52-4D03-897E-E667EAC1159F}">
+      <dsp:nvSpPr>
+        <dsp:cNvPr id="0" name=""/>
+        <dsp:cNvSpPr/>
+      </dsp:nvSpPr>
+      <dsp:spPr>
+        <a:xfrm>
+          <a:off x="5896864" y="164232"/>
+          <a:ext cx="55055" cy="103408"/>
+        </a:xfrm>
+        <a:prstGeom prst="chevron">
+          <a:avLst>
+            <a:gd name="adj" fmla="val 90000"/>
+          </a:avLst>
+        </a:prstGeom>
+        <a:solidFill>
+          <a:schemeClr val="lt1">
+            <a:alpha val="90000"/>
+            <a:tint val="40000"/>
+            <a:hueOff val="0"/>
+            <a:satOff val="0"/>
+            <a:lumOff val="0"/>
+            <a:alphaOff val="0"/>
+          </a:schemeClr>
+        </a:solidFill>
+        <a:ln w="25400" cap="flat" cmpd="sng" algn="ctr">
+          <a:solidFill>
+            <a:schemeClr val="dk2">
+              <a:alpha val="90000"/>
+              <a:hueOff val="0"/>
+              <a:satOff val="0"/>
+              <a:lumOff val="0"/>
+              <a:alphaOff val="0"/>
+            </a:schemeClr>
+          </a:solidFill>
+          <a:prstDash val="solid"/>
+        </a:ln>
+        <a:effectLst/>
+      </dsp:spPr>
+      <dsp:style>
+        <a:lnRef idx="2">
+          <a:scrgbClr r="0" g="0" b="0"/>
+        </a:lnRef>
+        <a:fillRef idx="1">
+          <a:scrgbClr r="0" g="0" b="0"/>
+        </a:fillRef>
+        <a:effectRef idx="0">
+          <a:scrgbClr r="0" g="0" b="0"/>
+        </a:effectRef>
+        <a:fontRef idx="minor"/>
+      </dsp:style>
+    </dsp:sp>
+    <dsp:sp modelId="{88353AE0-1910-4F4B-8396-3B74E95BD911}">
+      <dsp:nvSpPr>
+        <dsp:cNvPr id="0" name=""/>
+        <dsp:cNvSpPr/>
+      </dsp:nvSpPr>
+      <dsp:spPr>
+        <a:xfrm>
+          <a:off x="5125103" y="0"/>
+          <a:ext cx="408894" cy="408894"/>
+        </a:xfrm>
+        <a:prstGeom prst="ellipse">
+          <a:avLst/>
+        </a:prstGeom>
+        <a:solidFill>
+          <a:schemeClr val="lt1">
+            <a:hueOff val="0"/>
+            <a:satOff val="0"/>
+            <a:lumOff val="0"/>
+            <a:alphaOff val="0"/>
+          </a:schemeClr>
+        </a:solidFill>
+        <a:ln w="25400" cap="flat" cmpd="sng" algn="ctr">
+          <a:solidFill>
+            <a:schemeClr val="dk2">
+              <a:shade val="80000"/>
+              <a:hueOff val="0"/>
+              <a:satOff val="0"/>
+              <a:lumOff val="0"/>
+              <a:alphaOff val="0"/>
+            </a:schemeClr>
+          </a:solidFill>
+          <a:prstDash val="solid"/>
+        </a:ln>
+        <a:effectLst/>
+      </dsp:spPr>
+      <dsp:style>
+        <a:lnRef idx="2">
+          <a:scrgbClr r="0" g="0" b="0"/>
+        </a:lnRef>
+        <a:fillRef idx="1">
+          <a:scrgbClr r="0" g="0" b="0"/>
+        </a:fillRef>
+        <a:effectRef idx="0">
+          <a:scrgbClr r="0" g="0" b="0"/>
+        </a:effectRef>
+        <a:fontRef idx="minor">
+          <a:schemeClr val="lt1"/>
+        </a:fontRef>
+      </dsp:style>
+      <dsp:txBody>
+        <a:bodyPr spcFirstLastPara="0" vert="horz" wrap="square" lIns="15867" tIns="15867" rIns="15867" bIns="15867" numCol="1" spcCol="1270" anchor="ctr" anchorCtr="0">
+          <a:noAutofit/>
+        </a:bodyPr>
+        <a:lstStyle/>
+        <a:p>
+          <a:pPr marL="0" lvl="0" indent="0" algn="ctr" defTabSz="844550">
+            <a:lnSpc>
+              <a:spcPct val="90000"/>
+            </a:lnSpc>
+            <a:spcBef>
+              <a:spcPct val="0"/>
+            </a:spcBef>
+            <a:spcAft>
+              <a:spcPct val="35000"/>
+            </a:spcAft>
+            <a:buNone/>
+          </a:pPr>
+          <a:r>
+            <a:rPr lang="en-IN" sz="1900" kern="1200"/>
+            <a:t>5</a:t>
+          </a:r>
+        </a:p>
+      </dsp:txBody>
+      <dsp:txXfrm>
+        <a:off x="5184984" y="59881"/>
+        <a:ext cx="289132" cy="289132"/>
+      </dsp:txXfrm>
+    </dsp:sp>
+    <dsp:sp modelId="{D95DD3AB-9C54-4B9B-801D-247BB461C02C}">
+      <dsp:nvSpPr>
+        <dsp:cNvPr id="0" name=""/>
+        <dsp:cNvSpPr/>
+      </dsp:nvSpPr>
+      <dsp:spPr>
+        <a:xfrm>
+          <a:off x="4790962" y="574494"/>
+          <a:ext cx="1077176" cy="1942124"/>
+        </a:xfrm>
+        <a:prstGeom prst="upArrowCallout">
+          <a:avLst>
+            <a:gd name="adj1" fmla="val 50000"/>
+            <a:gd name="adj2" fmla="val 20000"/>
+            <a:gd name="adj3" fmla="val 20000"/>
+            <a:gd name="adj4" fmla="val 100000"/>
+          </a:avLst>
+        </a:prstGeom>
+        <a:solidFill>
+          <a:schemeClr val="lt1">
+            <a:alpha val="90000"/>
+            <a:tint val="40000"/>
+            <a:hueOff val="0"/>
+            <a:satOff val="0"/>
+            <a:lumOff val="0"/>
+            <a:alphaOff val="0"/>
+          </a:schemeClr>
+        </a:solidFill>
+        <a:ln w="25400" cap="flat" cmpd="sng" algn="ctr">
+          <a:solidFill>
+            <a:schemeClr val="dk2">
+              <a:alpha val="90000"/>
+              <a:hueOff val="0"/>
+              <a:satOff val="0"/>
+              <a:lumOff val="0"/>
+              <a:alphaOff val="0"/>
+            </a:schemeClr>
+          </a:solidFill>
+          <a:prstDash val="solid"/>
+        </a:ln>
+        <a:effectLst/>
+      </dsp:spPr>
+      <dsp:style>
+        <a:lnRef idx="2">
+          <a:scrgbClr r="0" g="0" b="0"/>
+        </a:lnRef>
+        <a:fillRef idx="1">
+          <a:scrgbClr r="0" g="0" b="0"/>
+        </a:fillRef>
+        <a:effectRef idx="0">
+          <a:scrgbClr r="0" g="0" b="0"/>
+        </a:effectRef>
+        <a:fontRef idx="minor"/>
+      </dsp:style>
+      <dsp:txBody>
+        <a:bodyPr spcFirstLastPara="0" vert="horz" wrap="square" lIns="84969" tIns="165100" rIns="84969" bIns="165100" numCol="1" spcCol="1270" anchor="t" anchorCtr="0">
+          <a:noAutofit/>
+        </a:bodyPr>
+        <a:lstStyle/>
+        <a:p>
+          <a:pPr marL="0" lvl="0" indent="0" algn="ctr" defTabSz="577850">
+            <a:lnSpc>
+              <a:spcPct val="90000"/>
+            </a:lnSpc>
+            <a:spcBef>
+              <a:spcPct val="0"/>
+            </a:spcBef>
+            <a:spcAft>
+              <a:spcPct val="35000"/>
+            </a:spcAft>
+            <a:buNone/>
+          </a:pPr>
+          <a:r>
+            <a:rPr lang="en-IN" sz="1300" kern="1200" dirty="0"/>
+            <a:t>No of Sensors  Features </a:t>
+          </a:r>
+        </a:p>
+        <a:p>
+          <a:pPr marL="0" lvl="0" indent="0" algn="ctr" defTabSz="577850">
+            <a:lnSpc>
+              <a:spcPct val="90000"/>
+            </a:lnSpc>
+            <a:spcBef>
+              <a:spcPct val="0"/>
+            </a:spcBef>
+            <a:spcAft>
+              <a:spcPct val="35000"/>
+            </a:spcAft>
+            <a:buNone/>
+          </a:pPr>
+          <a:endParaRPr lang="en-IN" sz="1400" b="1" kern="1200" dirty="0">
+            <a:solidFill>
+              <a:srgbClr val="00B050"/>
+            </a:solidFill>
+            <a:latin typeface="Arial"/>
+            <a:ea typeface="DejaVu Sans"/>
+            <a:cs typeface="DejaVu Sans"/>
+          </a:endParaRPr>
+        </a:p>
+        <a:p>
+          <a:pPr marL="0" lvl="0" indent="0" algn="ctr" defTabSz="577850">
+            <a:lnSpc>
+              <a:spcPct val="90000"/>
+            </a:lnSpc>
+            <a:spcBef>
+              <a:spcPct val="0"/>
+            </a:spcBef>
+            <a:spcAft>
+              <a:spcPct val="35000"/>
+            </a:spcAft>
+            <a:buNone/>
+          </a:pPr>
+          <a:r>
+            <a:rPr lang="en-IN" sz="2400" b="1" kern="1200" dirty="0">
+              <a:solidFill>
+                <a:srgbClr val="00B050"/>
+              </a:solidFill>
+              <a:latin typeface="Arial"/>
+              <a:ea typeface="DejaVu Sans"/>
+              <a:cs typeface="DejaVu Sans"/>
+            </a:rPr>
+            <a:t>18</a:t>
+          </a:r>
+        </a:p>
+      </dsp:txBody>
+      <dsp:txXfrm>
+        <a:off x="4790962" y="789929"/>
+        <a:ext cx="1077176" cy="1726689"/>
+      </dsp:txXfrm>
+    </dsp:sp>
+    <dsp:sp modelId="{E9982E97-3672-415F-BCB2-776F35B3D490}">
+      <dsp:nvSpPr>
+        <dsp:cNvPr id="0" name=""/>
+        <dsp:cNvSpPr/>
+      </dsp:nvSpPr>
+      <dsp:spPr>
+        <a:xfrm>
+          <a:off x="5987825" y="204411"/>
+          <a:ext cx="538588" cy="72"/>
+        </a:xfrm>
+        <a:prstGeom prst="rect">
+          <a:avLst/>
+        </a:prstGeom>
+        <a:solidFill>
+          <a:schemeClr val="lt1">
+            <a:alpha val="90000"/>
+            <a:tint val="40000"/>
+            <a:hueOff val="0"/>
+            <a:satOff val="0"/>
+            <a:lumOff val="0"/>
+            <a:alphaOff val="0"/>
+          </a:schemeClr>
+        </a:solidFill>
+        <a:ln w="25400" cap="flat" cmpd="sng" algn="ctr">
+          <a:solidFill>
+            <a:schemeClr val="dk2">
+              <a:alpha val="90000"/>
+              <a:hueOff val="0"/>
+              <a:satOff val="0"/>
+              <a:lumOff val="0"/>
+              <a:alphaOff val="0"/>
+            </a:schemeClr>
+          </a:solidFill>
+          <a:prstDash val="solid"/>
+        </a:ln>
+        <a:effectLst/>
+      </dsp:spPr>
+      <dsp:style>
+        <a:lnRef idx="2">
+          <a:scrgbClr r="0" g="0" b="0"/>
+        </a:lnRef>
+        <a:fillRef idx="1">
+          <a:scrgbClr r="0" g="0" b="0"/>
+        </a:fillRef>
+        <a:effectRef idx="0">
+          <a:scrgbClr r="0" g="0" b="0"/>
+        </a:effectRef>
+        <a:fontRef idx="minor"/>
+      </dsp:style>
+    </dsp:sp>
+    <dsp:sp modelId="{153782A1-918F-49FB-A367-C29615C52323}">
+      <dsp:nvSpPr>
+        <dsp:cNvPr id="0" name=""/>
+        <dsp:cNvSpPr/>
+      </dsp:nvSpPr>
+      <dsp:spPr>
+        <a:xfrm>
+          <a:off x="6321967" y="0"/>
+          <a:ext cx="408894" cy="408894"/>
+        </a:xfrm>
+        <a:prstGeom prst="ellipse">
+          <a:avLst/>
+        </a:prstGeom>
+        <a:solidFill>
+          <a:schemeClr val="lt1">
+            <a:hueOff val="0"/>
+            <a:satOff val="0"/>
+            <a:lumOff val="0"/>
+            <a:alphaOff val="0"/>
+          </a:schemeClr>
+        </a:solidFill>
+        <a:ln w="25400" cap="flat" cmpd="sng" algn="ctr">
+          <a:solidFill>
+            <a:schemeClr val="dk2">
+              <a:shade val="80000"/>
+              <a:hueOff val="0"/>
+              <a:satOff val="0"/>
+              <a:lumOff val="0"/>
+              <a:alphaOff val="0"/>
+            </a:schemeClr>
+          </a:solidFill>
+          <a:prstDash val="solid"/>
+        </a:ln>
+        <a:effectLst/>
+      </dsp:spPr>
+      <dsp:style>
+        <a:lnRef idx="2">
+          <a:scrgbClr r="0" g="0" b="0"/>
+        </a:lnRef>
+        <a:fillRef idx="1">
+          <a:scrgbClr r="0" g="0" b="0"/>
+        </a:fillRef>
+        <a:effectRef idx="0">
+          <a:scrgbClr r="0" g="0" b="0"/>
+        </a:effectRef>
+        <a:fontRef idx="minor">
+          <a:schemeClr val="lt1"/>
+        </a:fontRef>
+      </dsp:style>
+      <dsp:txBody>
+        <a:bodyPr spcFirstLastPara="0" vert="horz" wrap="square" lIns="15867" tIns="15867" rIns="15867" bIns="15867" numCol="1" spcCol="1270" anchor="ctr" anchorCtr="0">
+          <a:noAutofit/>
+        </a:bodyPr>
+        <a:lstStyle/>
+        <a:p>
+          <a:pPr marL="0" lvl="0" indent="0" algn="ctr" defTabSz="844550">
+            <a:lnSpc>
+              <a:spcPct val="90000"/>
+            </a:lnSpc>
+            <a:spcBef>
+              <a:spcPct val="0"/>
+            </a:spcBef>
+            <a:spcAft>
+              <a:spcPct val="35000"/>
+            </a:spcAft>
+            <a:buNone/>
+          </a:pPr>
+          <a:r>
+            <a:rPr lang="en-IN" sz="1900" kern="1200"/>
+            <a:t>6</a:t>
+          </a:r>
+        </a:p>
+      </dsp:txBody>
+      <dsp:txXfrm>
+        <a:off x="6381848" y="59881"/>
+        <a:ext cx="289132" cy="289132"/>
+      </dsp:txXfrm>
+    </dsp:sp>
+    <dsp:sp modelId="{270B1F94-F80F-4E9D-9D9B-0FC3DAA444B6}">
+      <dsp:nvSpPr>
+        <dsp:cNvPr id="0" name=""/>
+        <dsp:cNvSpPr/>
+      </dsp:nvSpPr>
+      <dsp:spPr>
+        <a:xfrm>
+          <a:off x="5987825" y="574494"/>
+          <a:ext cx="1077176" cy="1942124"/>
+        </a:xfrm>
+        <a:prstGeom prst="upArrowCallout">
+          <a:avLst>
+            <a:gd name="adj1" fmla="val 50000"/>
+            <a:gd name="adj2" fmla="val 20000"/>
+            <a:gd name="adj3" fmla="val 20000"/>
+            <a:gd name="adj4" fmla="val 100000"/>
+          </a:avLst>
+        </a:prstGeom>
+        <a:solidFill>
+          <a:schemeClr val="lt1">
+            <a:alpha val="90000"/>
+            <a:tint val="40000"/>
+            <a:hueOff val="0"/>
+            <a:satOff val="0"/>
+            <a:lumOff val="0"/>
+            <a:alphaOff val="0"/>
+          </a:schemeClr>
+        </a:solidFill>
+        <a:ln w="25400" cap="flat" cmpd="sng" algn="ctr">
+          <a:solidFill>
+            <a:schemeClr val="dk2">
+              <a:alpha val="90000"/>
+              <a:hueOff val="0"/>
+              <a:satOff val="0"/>
+              <a:lumOff val="0"/>
+              <a:alphaOff val="0"/>
+            </a:schemeClr>
+          </a:solidFill>
+          <a:prstDash val="solid"/>
+        </a:ln>
+        <a:effectLst/>
+      </dsp:spPr>
+      <dsp:style>
+        <a:lnRef idx="2">
+          <a:scrgbClr r="0" g="0" b="0"/>
+        </a:lnRef>
+        <a:fillRef idx="1">
+          <a:scrgbClr r="0" g="0" b="0"/>
+        </a:fillRef>
+        <a:effectRef idx="0">
+          <a:scrgbClr r="0" g="0" b="0"/>
+        </a:effectRef>
+        <a:fontRef idx="minor"/>
+      </dsp:style>
+      <dsp:txBody>
+        <a:bodyPr spcFirstLastPara="0" vert="horz" wrap="square" lIns="84969" tIns="165100" rIns="84969" bIns="165100" numCol="1" spcCol="1270" anchor="t" anchorCtr="0">
+          <a:noAutofit/>
+        </a:bodyPr>
+        <a:lstStyle/>
+        <a:p>
+          <a:pPr marL="0" lvl="0" indent="0" algn="ctr" defTabSz="577850">
+            <a:lnSpc>
+              <a:spcPct val="90000"/>
+            </a:lnSpc>
+            <a:spcBef>
+              <a:spcPct val="0"/>
+            </a:spcBef>
+            <a:spcAft>
+              <a:spcPct val="35000"/>
+            </a:spcAft>
+            <a:buNone/>
+          </a:pPr>
+          <a:r>
+            <a:rPr lang="en-IN" sz="1300" kern="1200" dirty="0"/>
+            <a:t>No of Engineered Features</a:t>
+          </a:r>
+        </a:p>
+        <a:p>
+          <a:pPr marL="0" lvl="0" indent="0" algn="ctr" defTabSz="488950">
+            <a:lnSpc>
+              <a:spcPct val="90000"/>
+            </a:lnSpc>
+            <a:spcBef>
+              <a:spcPct val="0"/>
+            </a:spcBef>
+            <a:spcAft>
+              <a:spcPct val="35000"/>
+            </a:spcAft>
+            <a:buNone/>
+          </a:pPr>
+          <a:endParaRPr lang="en-IN" sz="1400" b="1" kern="1200" dirty="0">
+            <a:solidFill>
+              <a:srgbClr val="00B050"/>
+            </a:solidFill>
+            <a:latin typeface="Arial"/>
+            <a:ea typeface="DejaVu Sans"/>
+            <a:cs typeface="DejaVu Sans"/>
+          </a:endParaRPr>
+        </a:p>
+        <a:p>
+          <a:pPr marL="0" lvl="0" indent="0" algn="ctr" defTabSz="488950">
+            <a:lnSpc>
+              <a:spcPct val="90000"/>
+            </a:lnSpc>
+            <a:spcBef>
+              <a:spcPct val="0"/>
+            </a:spcBef>
+            <a:spcAft>
+              <a:spcPct val="35000"/>
+            </a:spcAft>
+            <a:buNone/>
+          </a:pPr>
+          <a:r>
+            <a:rPr lang="en-IN" sz="2400" b="1" kern="1200" dirty="0">
+              <a:solidFill>
+                <a:srgbClr val="00B050"/>
+              </a:solidFill>
+              <a:latin typeface="Arial"/>
+              <a:ea typeface="DejaVu Sans"/>
+              <a:cs typeface="DejaVu Sans"/>
+            </a:rPr>
+            <a:t>14</a:t>
+          </a:r>
+        </a:p>
+      </dsp:txBody>
+      <dsp:txXfrm>
+        <a:off x="5987825" y="789929"/>
+        <a:ext cx="1077176" cy="1726689"/>
+      </dsp:txXfrm>
+    </dsp:sp>
+  </dsp:spTree>
+</dsp:drawing>
+</file>
+
+<file path=ppt/diagrams/layout1.xml><?xml version="1.0" encoding="utf-8"?>
+<dgm:layoutDef xmlns:dgm="http://schemas.openxmlformats.org/drawingml/2006/diagram" xmlns:a="http://schemas.openxmlformats.org/drawingml/2006/main" uniqueId="urn:microsoft.com/office/officeart/2016/7/layout/LinearArrowProcessNumbered">
+  <dgm:title val="Linear Arrow Process Numbered"/>
+  <dgm:desc val="Used to show a progression; a timeline; sequential steps in a task, process, or workflow; or to emphasize movement or direction. Automatic numbers have been introduced to show the steps of the process which appears in a circle. Level 1 and Level 2 text appear in a shape called UpArrowCallout. Also the nodes are connected by an arrow like shape emphasizing the process nature."/>
+  <dgm:catLst>
+    <dgm:cat type="process" pri="500"/>
+  </dgm:catLst>
+  <dgm:sampData>
+    <dgm:dataModel>
+      <dgm:ptLst>
+        <dgm:pt modelId="0" type="doc"/>
+        <dgm:pt modelId="1">
+          <dgm:prSet phldr="1"/>
+        </dgm:pt>
+        <dgm:pt modelId="11">
+          <dgm:prSet phldr="1"/>
+        </dgm:pt>
+        <dgm:pt modelId="2">
+          <dgm:prSet phldr="1"/>
+        </dgm:pt>
+        <dgm:pt modelId="21">
+          <dgm:prSet phldr="1"/>
+        </dgm:pt>
+        <dgm:pt modelId="3">
+          <dgm:prSet phldr="1"/>
+        </dgm:pt>
+        <dgm:pt modelId="31">
+          <dgm:prSet phldr="1"/>
+        </dgm:pt>
+        <dgm:pt modelId="101" type="sibTrans" cxnId="4">
+          <dgm:prSet phldrT="1"/>
+          <dgm:t>
+            <a:bodyPr/>
+            <a:lstStyle/>
+            <a:p>
+              <a:r>
+                <a:t>1</a:t>
+              </a:r>
+            </a:p>
+          </dgm:t>
+        </dgm:pt>
+        <dgm:pt modelId="201" type="sibTrans" cxnId="5">
+          <dgm:prSet phldrT="2"/>
+          <dgm:t>
+            <a:bodyPr/>
+            <a:lstStyle/>
+            <a:p>
+              <a:r>
+                <a:t>2</a:t>
+              </a:r>
+            </a:p>
+          </dgm:t>
+        </dgm:pt>
+        <dgm:pt modelId="301" type="sibTrans" cxnId="6">
+          <dgm:prSet phldrT="3"/>
+          <dgm:t>
+            <a:bodyPr/>
+            <a:lstStyle/>
+            <a:p>
+              <a:r>
+                <a:t>3</a:t>
+              </a:r>
+            </a:p>
+          </dgm:t>
+        </dgm:pt>
+      </dgm:ptLst>
+      <dgm:cxnLst>
+        <dgm:cxn modelId="4" srcId="0" destId="1" srcOrd="0" destOrd="0" sibTransId="101"/>
+        <dgm:cxn modelId="5" srcId="0" destId="2" srcOrd="1" destOrd="0" sibTransId="201"/>
+        <dgm:cxn modelId="6" srcId="0" destId="3" srcOrd="3" destOrd="0" sibTransId="301"/>
+        <dgm:cxn modelId="13" srcId="1" destId="11" srcOrd="0" destOrd="0"/>
+        <dgm:cxn modelId="23" srcId="2" destId="21" srcOrd="0" destOrd="0"/>
+        <dgm:cxn modelId="33" srcId="3" destId="31" srcOrd="0" destOrd="0"/>
+      </dgm:cxnLst>
+      <dgm:bg/>
+      <dgm:whole/>
+    </dgm:dataModel>
+  </dgm:sampData>
+  <dgm:styleData>
+    <dgm:dataModel>
+      <dgm:ptLst>
+        <dgm:pt modelId="0" type="doc"/>
+        <dgm:pt modelId="1">
+          <dgm:prSet phldr="1"/>
+        </dgm:pt>
+        <dgm:pt modelId="11">
+          <dgm:prSet phldr="1"/>
+        </dgm:pt>
+        <dgm:pt modelId="2">
+          <dgm:prSet phldr="1"/>
+        </dgm:pt>
+        <dgm:pt modelId="21">
+          <dgm:prSet phldr="1"/>
+        </dgm:pt>
+      </dgm:ptLst>
+      <dgm:cxnLst>
+        <dgm:cxn modelId="4" srcId="0" destId="1" srcOrd="0" destOrd="0"/>
+        <dgm:cxn modelId="5" srcId="0" destId="2" srcOrd="1" destOrd="0"/>
+        <dgm:cxn modelId="13" srcId="1" destId="11" srcOrd="0" destOrd="0"/>
+        <dgm:cxn modelId="23" srcId="2" destId="21" srcOrd="0" destOrd="0"/>
+      </dgm:cxnLst>
+      <dgm:bg/>
+      <dgm:whole/>
+    </dgm:dataModel>
+  </dgm:styleData>
+  <dgm:clrData>
+    <dgm:dataModel>
+      <dgm:ptLst>
+        <dgm:pt modelId="0" type="doc"/>
+        <dgm:pt modelId="1">
+          <dgm:prSet phldr="1"/>
+        </dgm:pt>
+        <dgm:pt modelId="11">
+          <dgm:prSet phldr="1"/>
+        </dgm:pt>
+        <dgm:pt modelId="2">
+          <dgm:prSet phldr="1"/>
+        </dgm:pt>
+        <dgm:pt modelId="21">
+          <dgm:prSet phldr="1"/>
+        </dgm:pt>
+        <dgm:pt modelId="3">
+          <dgm:prSet phldr="1"/>
+        </dgm:pt>
+        <dgm:pt modelId="31">
+          <dgm:prSet phldr="1"/>
+        </dgm:pt>
+        <dgm:pt modelId="4">
+          <dgm:prSet phldr="1"/>
+        </dgm:pt>
+        <dgm:pt modelId="41">
+          <dgm:prSet phldr="1"/>
+        </dgm:pt>
+      </dgm:ptLst>
+      <dgm:cxnLst>
+        <dgm:cxn modelId="5" srcId="0" destId="1" srcOrd="0" destOrd="0"/>
+        <dgm:cxn modelId="6" srcId="0" destId="2" srcOrd="1" destOrd="0"/>
+        <dgm:cxn modelId="7" srcId="0" destId="3" srcOrd="2" destOrd="0"/>
+        <dgm:cxn modelId="8" srcId="0" destId="4" srcOrd="3" destOrd="0"/>
+        <dgm:cxn modelId="13" srcId="1" destId="11" srcOrd="0" destOrd="0"/>
+        <dgm:cxn modelId="23" srcId="2" destId="21" srcOrd="0" destOrd="0"/>
+        <dgm:cxn modelId="33" srcId="3" destId="31" srcOrd="0" destOrd="0"/>
+        <dgm:cxn modelId="43" srcId="4" destId="41" srcOrd="0" destOrd="0"/>
+      </dgm:cxnLst>
+      <dgm:bg/>
+      <dgm:whole/>
+    </dgm:dataModel>
+  </dgm:clrData>
+  <dgm:layoutNode name="linearFlow">
+    <dgm:varLst>
+      <dgm:dir/>
+      <dgm:animLvl val="lvl"/>
+      <dgm:resizeHandles val="exact"/>
+    </dgm:varLst>
+    <dgm:alg type="lin">
+      <dgm:param type="linDir" val="fromL"/>
+      <dgm:param type="nodeVertAlign" val="t"/>
+    </dgm:alg>
+    <dgm:shape xmlns:r="http://schemas.openxmlformats.org/officeDocument/2006/relationships" r:blip="">
+      <dgm:adjLst/>
+    </dgm:shape>
+    <dgm:presOf/>
+    <dgm:constrLst>
+      <dgm:constr type="w" for="ch" forName="compositeNode" refType="w"/>
+      <dgm:constr type="h" for="ch" forName="compositeNode" op="equ"/>
+      <dgm:constr type="w" for="ch" forName="sibTransComposite" refType="w" refFor="ch" refForName="compositeNode" fact="0"/>
+      <dgm:constr type="w" for="des" forName="parTx"/>
+      <dgm:constr type="h" for="des" forName="parTx" op="equ"/>
+      <dgm:constr type="h" for="des" forName="parSh" op="equ"/>
+      <dgm:constr type="w" for="des" forName="nodeText"/>
+      <dgm:constr type="h" for="des" forName="nodeText" op="equ"/>
+      <dgm:constr type="w" for="des" forName="parSh"/>
+      <dgm:constr type="w" for="des" forName="parSh" op="equ"/>
+      <dgm:constr type="primFontSz" for="des" forName="parTx" val="26"/>
+      <dgm:constr type="primFontSz" for="des" forName="parTx" op="equ"/>
+      <dgm:constr type="primFontSz" for="des" forName="parSh" op="equ"/>
+      <dgm:constr type="primFontSz" for="des" forName="nodeText" op="equ"/>
+      <dgm:constr type="secFontSz" for="des" forName="nodeText" op="equ"/>
+      <dgm:constr type="primFontSz" for="des" forName="sibTransNodeCircle" op="equ"/>
+      <dgm:constr type="h" for="des" forName="sibTransNodeCircle" op="equ"/>
+      <dgm:constr type="w" for="des" forName="sibTransNodeCircle" op="equ"/>
+      <dgm:constr type="h" for="des" forName="parTx" refType="primFontSz" refFor="des" refForName="parTx" fact="1.5"/>
+      <dgm:constr type="h" for="ch" forName="compositeNode" refType="h"/>
+      <dgm:constr type="h" for="des" forName="parSh" refType="w"/>
+      <dgm:constr type="h" for="des" forName="nodeText" refType="primFontSz" refFor="des" refForName="parTx" fact="2.1"/>
+      <dgm:constr type="h" for="des" forName="parSh" refType="h" refFor="des" refForName="parTx" op="lte" fact="1.2"/>
+      <dgm:constr type="h" for="des" forName="parSh" refType="h" refFor="des" refForName="parTx" op="gte" fact="1.2"/>
+    </dgm:constrLst>
+    <dgm:ruleLst>
+      <dgm:rule type="primFontSz" for="des" forName="parSh" val="5" fact="NaN" max="NaN"/>
+    </dgm:ruleLst>
+    <dgm:forEach name="Name3" axis="ch" ptType="node">
+      <dgm:layoutNode name="compositeNode">
+        <dgm:alg type="composite"/>
+        <dgm:shape xmlns:r="http://schemas.openxmlformats.org/officeDocument/2006/relationships" r:blip="">
+          <dgm:adjLst/>
+        </dgm:shape>
+        <dgm:presOf/>
+        <dgm:choose name="Name004">
+          <dgm:if name="Name5" axis="self" ptType="node" func="cnt" op="equ" val="0">
+            <dgm:constrLst>
+              <dgm:constr type="w" for="ch" forName="parTx" refType="w"/>
+              <dgm:constr type="w" for="ch" forName="parSh" refType="w" refFor="ch" refForName="parTx"/>
+              <dgm:constr type="w" for="ch" forName="nodeText" refType="w" refFor="ch" refForName="parTx"/>
+              <dgm:constr type="t" for="ch" forName="nodeText" refType="b" refFor="ch" refForName="parSh"/>
+            </dgm:constrLst>
+          </dgm:if>
+          <dgm:else name="Name6">
+            <dgm:constrLst>
+              <dgm:constr type="w" for="ch" forName="parTx" refType="w"/>
+              <dgm:constr type="w" for="ch" forName="parSh" refType="w" refFor="ch" refForName="parTx"/>
+              <dgm:constr type="w" for="ch" forName="nodeText" refType="w" refFor="ch" refForName="parTx" fact="0.9"/>
+              <dgm:constr type="t" for="ch" forName="nodeText" refType="b" refFor="ch" refForName="parSh"/>
+            </dgm:constrLst>
+          </dgm:else>
+        </dgm:choose>
+        <dgm:ruleLst>
+          <dgm:rule type="h" val="INF" fact="NaN" max="NaN"/>
+        </dgm:ruleLst>
+        <dgm:layoutNode name="parTx">
+          <dgm:varLst>
+            <dgm:chMax val="0"/>
+            <dgm:chPref val="0"/>
+            <dgm:bulletEnabled val="1"/>
+          </dgm:varLst>
+          <dgm:alg type="tx"/>
+          <dgm:shape xmlns:r="http://schemas.openxmlformats.org/officeDocument/2006/relationships" type="rect" r:blip="" zOrderOff="1" hideGeom="1">
+            <dgm:adjLst/>
+          </dgm:shape>
+          <dgm:presOf/>
+          <dgm:constrLst>
+            <dgm:constr type="h" refType="w" op="lte" fact="0.4"/>
+            <dgm:constr type="h"/>
+          </dgm:constrLst>
+          <dgm:ruleLst>
+            <dgm:rule type="h" val="INF" fact="NaN" max="NaN"/>
+          </dgm:ruleLst>
+        </dgm:layoutNode>
+        <dgm:layoutNode name="parSh">
+          <dgm:alg type="composite"/>
+          <dgm:shape xmlns:r="http://schemas.openxmlformats.org/officeDocument/2006/relationships" r:blip="">
+            <dgm:adjLst/>
+          </dgm:shape>
+          <dgm:presOf axis="self" ptType="node"/>
+          <dgm:choose name="casesForFirstAndLastNode">
+            <dgm:if name="ifFirstNode" axis="self" ptType="node" func="pos" op="equ" val="1">
+              <dgm:choose name="removeLineWhenOnlyOneNode">
+                <dgm:if name="ifOnlyOneNode" axis="followSib" ptType="node" func="cnt" op="equ" val="0">
+                  <dgm:constrLst>
+                    <dgm:constr type="h"/>
+                    <dgm:constr type="h" for="ch" forName="lineNode" val="0.002"/>
+                    <dgm:constr type="w" for="ch" forName="lineNode" refType="w" fact="0"/>
+                    <dgm:constr type="w" for="ch" forName="lineArrowNode" refType="w" fact="0"/>
+                    <dgm:constr type="h" for="ch" forName="lineArrowNode" refType="h" fact="0"/>
+                    <dgm:constr type="ctrY" for="ch" forName="lineNode" refType="ctrY" refFor="ch" refForName="sibTransNodeCircle"/>
+                    <dgm:constr type="h" for="ch" forName="sibTransNodeCircle" refType="h" fact="0.9"/>
+                    <dgm:constr type="w" for="ch" forName="sibTransNodeCircle" refType="h" refFor="ch" refForName="sibTransNodeCircle"/>
+                    <dgm:constr type="ctrX" for="ch" forName="sibTransNodeCircle" refType="w" fact="0.45"/>
+                    <dgm:constr type="ctrY" for="ch" forName="sibTransNodeCircle" refType="h" fact="0.25"/>
+                    <dgm:constr type="t" for="ch" forName="spacerBetweenCircleAndCallout" refType="b" refFor="ch" refForName="sibTransNodeCircle"/>
+                    <dgm:constr type="h" for="ch" forName="spacerBetweenCircleAndCallout" val="4.6"/>
+                  </dgm:constrLst>
+                </dgm:if>
+                <dgm:else name="ifMoreThanOneNode">
+                  <dgm:constrLst>
+                    <dgm:constr type="h"/>
+                    <dgm:constr type="h" for="ch" forName="lineNode" val="0.002"/>
+                    <dgm:constr type="w" for="ch" forName="lineNode" refType="w" fact="0.4"/>
+                    <dgm:constr type="l" for="ch" forName="lineNode" refType="w" fact="0.5"/>
+                    <dgm:constr type="w" for="ch" forName="lineArrowNode" refType="w" fact="0.046"/>
+                    <dgm:constr type="h" for="ch" forName="lineArrowNode" refType="h" fact="0.18"/>
+                    <dgm:constr type="l" for="ch" forName="lineArrowNode" refType="w" fact="0.924"/>
+                    <dgm:constr type="t" for="ch" forName="lineArrowNode" refType="h" fact="0.18"/>
+                    <dgm:constr type="ctrY" for="ch" forName="lineNode" refType="ctrY" refFor="ch" refForName="sibTransNodeCircle"/>
+                    <dgm:constr type="h" for="ch" forName="sibTransNodeCircle" refType="h" fact="0.9"/>
+                    <dgm:constr type="w" for="ch" forName="sibTransNodeCircle" refType="h" refFor="ch" refForName="sibTransNodeCircle"/>
+                    <dgm:constr type="ctrX" for="ch" forName="sibTransNodeCircle" refType="w" fact="0.45"/>
+                    <dgm:constr type="ctrY" for="ch" forName="sibTransNodeCircle" refType="h" fact="0.25"/>
+                    <dgm:constr type="t" for="ch" forName="spacerBetweenCircleAndCallout" refType="b" refFor="ch" refForName="sibTransNodeCircle"/>
+                    <dgm:constr type="h" for="ch" forName="spacerBetweenCircleAndCallout" val="4.6"/>
+                  </dgm:constrLst>
+                </dgm:else>
+              </dgm:choose>
+            </dgm:if>
+            <dgm:if name="ifLastNode" axis="self" ptType="node" func="revPos" op="equ" val="1">
+              <dgm:constrLst>
+                <dgm:constr type="h"/>
+                <dgm:constr type="h" for="ch" forName="lineNode" val="0.002"/>
+                <dgm:constr type="w" for="ch" forName="lineNode" refType="w" fact="0.45"/>
+                <dgm:constr type="w" for="ch" forName="lineArrowNode" refType="w" fact="0"/>
+                <dgm:constr type="h" for="ch" forName="lineArrowNode" refType="h" fact="0"/>
+                <dgm:constr type="ctrY" for="ch" forName="lineNode" refType="ctrY" refFor="ch" refForName="sibTransNodeCircle"/>
+                <dgm:constr type="h" for="ch" forName="sibTransNodeCircle" refType="h"/>
+                <dgm:constr type="w" for="ch" forName="sibTransNodeCircle" refType="h" refFor="ch" refForName="sibTransNodeCircle"/>
+                <dgm:constr type="ctrX" for="ch" forName="sibTransNodeCircle" refType="w" fact="0.45"/>
+                <dgm:constr type="ctrY" for="ch" forName="sibTransNodeCircle" refType="h" fact="0.25"/>
+                <dgm:constr type="t" for="ch" forName="spacerBetweenCircleAndCallout" refType="b" refFor="ch" refForName="sibTransNodeCircle"/>
+                <dgm:constr type="h" for="ch" forName="spacerBetweenCircleAndCallout" val="4.6"/>
+              </dgm:constrLst>
+            </dgm:if>
+            <dgm:else name="allOtherNodes">
+              <dgm:constrLst>
+                <dgm:constr type="h"/>
+                <dgm:constr type="h" for="ch" forName="lineNode" val="0.002"/>
+                <dgm:constr type="w" for="ch" forName="lineNode" refType="w" fact="0.9"/>
+                <dgm:constr type="w" for="ch" forName="lineArrowNode" refType="w" fact="0.046"/>
+                <dgm:constr type="h" for="ch" forName="lineArrowNode" refType="h" fact="0.18"/>
+                <dgm:constr type="l" for="ch" forName="lineArrowNode" refType="w" fact="0.924"/>
+                <dgm:constr type="t" for="ch" forName="lineArrowNode" refType="h" fact="0.18"/>
+                <dgm:constr type="ctrY" for="ch" forName="lineNode" refType="ctrY" refFor="ch" refForName="sibTransNodeCircle"/>
+                <dgm:constr type="h" for="ch" forName="sibTransNodeCircle" refType="h" fact="0.9"/>
+                <dgm:constr type="w" for="ch" forName="sibTransNodeCircle" refType="h" refFor="ch" refForName="sibTransNodeCircle"/>
+                <dgm:constr type="ctrX" for="ch" forName="sibTransNodeCircle" refType="w" fact="0.45"/>
+                <dgm:constr type="ctrY" for="ch" forName="sibTransNodeCircle" refType="h" fact="0.25"/>
+                <dgm:constr type="t" for="ch" forName="spacerBetweenCircleAndCallout" refType="b" refFor="ch" refForName="sibTransNodeCircle"/>
+                <dgm:constr type="h" for="ch" forName="spacerBetweenCircleAndCallout" val="4.6"/>
+              </dgm:constrLst>
+            </dgm:else>
+          </dgm:choose>
+          <dgm:layoutNode name="lineNode" styleLbl="alignAccFollowNode1">
+            <dgm:alg type="sp"/>
+            <dgm:shape xmlns:r="http://schemas.openxmlformats.org/officeDocument/2006/relationships" type="rect" r:blip="">
+              <dgm:adjLst/>
+            </dgm:shape>
+            <dgm:presOf/>
+            <dgm:constrLst/>
+            <dgm:ruleLst/>
+          </dgm:layoutNode>
+          <dgm:layoutNode name="lineArrowNode" styleLbl="alignAccFollowNode1">
+            <dgm:alg type="sp"/>
+            <dgm:shape xmlns:r="http://schemas.openxmlformats.org/officeDocument/2006/relationships" type="chevron" r:blip="">
+              <dgm:adjLst>
+                <dgm:adj idx="1" val="0.9"/>
+              </dgm:adjLst>
+            </dgm:shape>
+            <dgm:presOf/>
+            <dgm:ruleLst/>
+          </dgm:layoutNode>
+          <dgm:forEach name="Name19" axis="followSib" ptType="sibTrans" hideLastTrans="0" cnt="1">
+            <dgm:layoutNode name="sibTransNodeCircle" styleLbl="alignNode1">
+              <dgm:varLst>
+                <dgm:chMax val="0"/>
+                <dgm:bulletEnabled/>
+              </dgm:varLst>
+              <dgm:presOf axis="self" ptType="sibTrans"/>
+              <dgm:alg type="tx">
+                <dgm:param type="txAnchorVert" val="mid"/>
+                <dgm:param type="txAnchorHorzCh" val="ctr"/>
+                <dgm:param type="parTxRTLAlign" val="l"/>
+              </dgm:alg>
+              <dgm:shape xmlns:r="http://schemas.openxmlformats.org/officeDocument/2006/relationships" type="ellipse" r:blip="">
+                <dgm:adjLst/>
+              </dgm:shape>
+              <dgm:constrLst>
+                <dgm:constr type="w" refType="h" op="equ"/>
+                <dgm:constr type="primFontSz" val="60"/>
+                <dgm:constr type="tMarg" refType="w" fact="0.11"/>
+                <dgm:constr type="lMarg" refType="w" fact="0.11"/>
+                <dgm:constr type="rMarg" refType="w" fact="0.11"/>
+                <dgm:constr type="bMarg" refType="w" fact="0.11"/>
+              </dgm:constrLst>
+              <dgm:ruleLst>
+                <dgm:rule type="primFontSz" val="14" fact="NaN" max="NaN"/>
+              </dgm:ruleLst>
+            </dgm:layoutNode>
+            <dgm:layoutNode name="spacerBetweenCircleAndCallout">
+              <dgm:varLst/>
+              <dgm:presOf/>
+              <dgm:alg type="sp"/>
+              <dgm:shape xmlns:r="http://schemas.openxmlformats.org/officeDocument/2006/relationships" r:blip="">
+                <dgm:adjLst/>
+              </dgm:shape>
+              <dgm:constrLst/>
+              <dgm:ruleLst/>
+            </dgm:layoutNode>
+          </dgm:forEach>
+          <dgm:presOf/>
+          <dgm:ruleLst/>
+        </dgm:layoutNode>
+        <dgm:layoutNode name="nodeText" styleLbl="alignAccFollowNode1">
+          <dgm:varLst>
+            <dgm:bulletEnabled val="1"/>
+          </dgm:varLst>
+          <dgm:alg type="tx">
+            <dgm:param type="parTxLTRAlign" val="l"/>
+            <dgm:param type="parTxRTLAlign" val="r"/>
+            <dgm:param type="txAnchorVert" val="t"/>
+          </dgm:alg>
+          <dgm:shape xmlns:r="http://schemas.openxmlformats.org/officeDocument/2006/relationships" type="upArrowCallout" r:blip="">
+            <dgm:adjLst>
+              <dgm:adj idx="1" val="0.5"/>
+              <dgm:adj idx="2" val="0.2"/>
+              <dgm:adj idx="3" val="0.2"/>
+              <dgm:adj idx="4" val="1"/>
+            </dgm:adjLst>
+          </dgm:shape>
+          <dgm:presOf axis="desOrSelf" ptType="node"/>
+          <dgm:constrLst>
+            <dgm:constr type="secFontSz" val="16"/>
+            <dgm:constr type="primFontSz" val="26"/>
+            <dgm:constr type="h"/>
+            <dgm:constr type="tMarg" val="13"/>
+            <dgm:constr type="lMarg" refType="w" fact="0.2236"/>
+            <dgm:constr type="rMarg" refType="w" fact="0.2236"/>
+            <dgm:constr type="bMarg" val="13"/>
+          </dgm:constrLst>
+          <dgm:ruleLst>
+            <dgm:rule type="secFontSz" val="11" fact="NaN" max="NaN"/>
+            <dgm:rule type="primFontSz" val="11" fact="NaN" max="NaN"/>
+            <dgm:rule type="h" val="INF" fact="NaN" max="NaN"/>
+          </dgm:ruleLst>
+        </dgm:layoutNode>
+      </dgm:layoutNode>
+      <dgm:forEach name="sibTransForEach" axis="followSib" ptType="sibTrans" cnt="1">
+        <dgm:layoutNode name="sibTransComposite" styleLbl="alignAccFollowNode1">
+          <dgm:alg type="sp"/>
+          <dgm:shape xmlns:r="http://schemas.openxmlformats.org/officeDocument/2006/relationships" r:blip="">
+            <dgm:adjLst/>
+          </dgm:shape>
+          <dgm:ruleLst/>
+        </dgm:layoutNode>
+        <dgm:ruleLst>
+          <dgm:rule type="h" val="INF" fact="NaN" max="NaN"/>
+        </dgm:ruleLst>
+      </dgm:forEach>
+    </dgm:forEach>
+  </dgm:layoutNode>
+  <dgm:extLst>
+    <a:ext uri="{4F341089-5ED1-44EC-B178-C955D00A3D55}">
+      <dgm1611:autoBuNodeInfoLst xmlns:dgm1611="http://schemas.microsoft.com/office/drawing/2016/11/diagram">
+        <dgm1611:autoBuNodeInfo lvl="1" ptType="sibTrans">
+          <dgm1611:buPr prefix="" leadZeros="0">
+            <a:buAutoNum type="arabicParenBoth"/>
+          </dgm1611:buPr>
+        </dgm1611:autoBuNodeInfo>
+      </dgm1611:autoBuNodeInfoLst>
+    </a:ext>
+  </dgm:extLst>
+</dgm:layoutDef>
+</file>
+
+<file path=ppt/diagrams/quickStyle1.xml><?xml version="1.0" encoding="utf-8"?>
+<dgm:styleDef xmlns:dgm="http://schemas.openxmlformats.org/drawingml/2006/diagram" xmlns:a="http://schemas.openxmlformats.org/drawingml/2006/main" uniqueId="urn:microsoft.com/office/officeart/2005/8/quickstyle/simple1">
+  <dgm:title val=""/>
+  <dgm:desc val=""/>
+  <dgm:catLst>
+    <dgm:cat type="simple" pri="10100"/>
+  </dgm:catLst>
+  <dgm:scene3d>
+    <a:camera prst="orthographicFront"/>
+    <a:lightRig rig="threePt" dir="t"/>
+  </dgm:scene3d>
+  <dgm:styleLbl name="node0">
+    <dgm:scene3d>
+      <a:camera prst="orthographicFront"/>
+      <a:lightRig rig="threePt" dir="t"/>
+    </dgm:scene3d>
+    <dgm:sp3d/>
+    <dgm:txPr/>
+    <dgm:style>
+      <a:lnRef idx="2">
+        <a:scrgbClr r="0" g="0" b="0"/>
+      </a:lnRef>
+      <a:fillRef idx="1">
+        <a:scrgbClr r="0" g="0" b="0"/>
+      </a:fillRef>
+      <a:effectRef idx="0">
+        <a:scrgbClr r="0" g="0" b="0"/>
+      </a:effectRef>
+      <a:fontRef idx="minor">
+        <a:schemeClr val="lt1"/>
+      </a:fontRef>
+    </dgm:style>
+  </dgm:styleLbl>
+  <dgm:styleLbl name="lnNode1">
+    <dgm:scene3d>
+      <a:camera prst="orthographicFront"/>
+      <a:lightRig rig="threePt" dir="t"/>
+    </dgm:scene3d>
+    <dgm:sp3d/>
+    <dgm:txPr/>
+    <dgm:style>
+      <a:lnRef idx="2">
+        <a:scrgbClr r="0" g="0" b="0"/>
+      </a:lnRef>
+      <a:fillRef idx="1">
+        <a:scrgbClr r="0" g="0" b="0"/>
+      </a:fillRef>
+      <a:effectRef idx="0">
+        <a:scrgbClr r="0" g="0" b="0"/>
+      </a:effectRef>
+      <a:fontRef idx="minor">
+        <a:schemeClr val="lt1"/>
+      </a:fontRef>
+    </dgm:style>
+  </dgm:styleLbl>
+  <dgm:styleLbl name="vennNode1">
+    <dgm:scene3d>
+      <a:camera prst="orthographicFront"/>
+      <a:lightRig rig="threePt" dir="t"/>
+    </dgm:scene3d>
+    <dgm:sp3d/>
+    <dgm:txPr/>
+    <dgm:style>
+      <a:lnRef idx="2">
+        <a:scrgbClr r="0" g="0" b="0"/>
+      </a:lnRef>
+      <a:fillRef idx="1">
+        <a:scrgbClr r="0" g="0" b="0"/>
+      </a:fillRef>
+      <a:effectRef idx="0">
+        <a:scrgbClr r="0" g="0" b="0"/>
+      </a:effectRef>
+      <a:fontRef idx="minor">
+        <a:schemeClr val="tx1"/>
+      </a:fontRef>
+    </dgm:style>
+  </dgm:styleLbl>
+  <dgm:styleLbl name="alignNode1">
+    <dgm:scene3d>
+      <a:camera prst="orthographicFront"/>
+      <a:lightRig rig="threePt" dir="t"/>
+    </dgm:scene3d>
+    <dgm:sp3d/>
+    <dgm:txPr/>
+    <dgm:style>
+      <a:lnRef idx="2">
+        <a:scrgbClr r="0" g="0" b="0"/>
+      </a:lnRef>
+      <a:fillRef idx="1">
+        <a:scrgbClr r="0" g="0" b="0"/>
+      </a:fillRef>
+      <a:effectRef idx="0">
+        <a:scrgbClr r="0" g="0" b="0"/>
+      </a:effectRef>
+      <a:fontRef idx="minor">
+        <a:schemeClr val="lt1"/>
+      </a:fontRef>
+    </dgm:style>
+  </dgm:styleLbl>
+  <dgm:styleLbl name="node1">
+    <dgm:scene3d>
+      <a:camera prst="orthographicFront"/>
+      <a:lightRig rig="threePt" dir="t"/>
+    </dgm:scene3d>
+    <dgm:sp3d/>
+    <dgm:txPr/>
+    <dgm:style>
+      <a:lnRef idx="2">
+        <a:scrgbClr r="0" g="0" b="0"/>
+      </a:lnRef>
+      <a:fillRef idx="1">
+        <a:scrgbClr r="0" g="0" b="0"/>
+      </a:fillRef>
+      <a:effectRef idx="0">
+        <a:scrgbClr r="0" g="0" b="0"/>
+      </a:effectRef>
+      <a:fontRef idx="minor">
+        <a:schemeClr val="lt1"/>
+      </a:fontRef>
+    </dgm:style>
+  </dgm:styleLbl>
+  <dgm:styleLbl name="node2">
+    <dgm:scene3d>
+      <a:camera prst="orthographicFront"/>
+      <a:lightRig rig="threePt" dir="t"/>
+    </dgm:scene3d>
+    <dgm:sp3d/>
+    <dgm:txPr/>
+    <dgm:style>
+      <a:lnRef idx="2">
+        <a:scrgbClr r="0" g="0" b="0"/>
+      </a:lnRef>
+      <a:fillRef idx="1">
+        <a:scrgbClr r="0" g="0" b="0"/>
+      </a:fillRef>
+      <a:effectRef idx="0">
+        <a:scrgbClr r="0" g="0" b="0"/>
+      </a:effectRef>
+      <a:fontRef idx="minor">
+        <a:schemeClr val="lt1"/>
+      </a:fontRef>
+    </dgm:style>
+  </dgm:styleLbl>
+  <dgm:styleLbl name="node3">
+    <dgm:scene3d>
+      <a:camera prst="orthographicFront"/>
+      <a:lightRig rig="threePt" dir="t"/>
+    </dgm:scene3d>
+    <dgm:sp3d/>
+    <dgm:txPr/>
+    <dgm:style>
+      <a:lnRef idx="2">
+        <a:scrgbClr r="0" g="0" b="0"/>
+      </a:lnRef>
+      <a:fillRef idx="1">
+        <a:scrgbClr r="0" g="0" b="0"/>
+      </a:fillRef>
+      <a:effectRef idx="0">
+        <a:scrgbClr r="0" g="0" b="0"/>
+      </a:effectRef>
+      <a:fontRef idx="minor">
+        <a:schemeClr val="lt1"/>
+      </a:fontRef>
+    </dgm:style>
+  </dgm:styleLbl>
+  <dgm:styleLbl name="node4">
+    <dgm:scene3d>
+      <a:camera prst="orthographicFront"/>
+      <a:lightRig rig="threePt" dir="t"/>
+    </dgm:scene3d>
+    <dgm:sp3d/>
+    <dgm:txPr/>
+    <dgm:style>
+      <a:lnRef idx="2">
+        <a:scrgbClr r="0" g="0" b="0"/>
+      </a:lnRef>
+      <a:fillRef idx="1">
+        <a:scrgbClr r="0" g="0" b="0"/>
+      </a:fillRef>
+      <a:effectRef idx="0">
+        <a:scrgbClr r="0" g="0" b="0"/>
+      </a:effectRef>
+      <a:fontRef idx="minor">
+        <a:schemeClr val="lt1"/>
+      </a:fontRef>
+    </dgm:style>
+  </dgm:styleLbl>
+  <dgm:styleLbl name="fgImgPlace1">
+    <dgm:scene3d>
+      <a:camera prst="orthographicFront"/>
+      <a:lightRig rig="threePt" dir="t"/>
+    </dgm:scene3d>
+    <dgm:sp3d/>
+    <dgm:txPr/>
+    <dgm:style>
+      <a:lnRef idx="2">
+        <a:scrgbClr r="0" g="0" b="0"/>
+      </a:lnRef>
+      <a:fillRef idx="1">
+        <a:scrgbClr r="0" g="0" b="0"/>
+      </a:fillRef>
+      <a:effectRef idx="0">
+        <a:scrgbClr r="0" g="0" b="0"/>
+      </a:effectRef>
+      <a:fontRef idx="minor"/>
+    </dgm:style>
+  </dgm:styleLbl>
+  <dgm:styleLbl name="alignImgPlace1">
+    <dgm:scene3d>
+      <a:camera prst="orthographicFront"/>
+      <a:lightRig rig="threePt" dir="t"/>
+    </dgm:scene3d>
+    <dgm:sp3d/>
+    <dgm:txPr/>
+    <dgm:style>
+      <a:lnRef idx="2">
+        <a:scrgbClr r="0" g="0" b="0"/>
+      </a:lnRef>
+      <a:fillRef idx="1">
+        <a:scrgbClr r="0" g="0" b="0"/>
+      </a:fillRef>
+      <a:effectRef idx="0">
+        <a:scrgbClr r="0" g="0" b="0"/>
+      </a:effectRef>
+      <a:fontRef idx="minor"/>
+    </dgm:style>
+  </dgm:styleLbl>
+  <dgm:styleLbl name="bgImgPlace1">
+    <dgm:scene3d>
+      <a:camera prst="orthographicFront"/>
+      <a:lightRig rig="threePt" dir="t"/>
+    </dgm:scene3d>
+    <dgm:sp3d/>
+    <dgm:txPr/>
+    <dgm:style>
+      <a:lnRef idx="2">
+        <a:scrgbClr r="0" g="0" b="0"/>
+      </a:lnRef>
+      <a:fillRef idx="1">
+        <a:scrgbClr r="0" g="0" b="0"/>
+      </a:fillRef>
+      <a:effectRef idx="0">
+        <a:scrgbClr r="0" g="0" b="0"/>
+      </a:effectRef>
+      <a:fontRef idx="minor"/>
+    </dgm:style>
+  </dgm:styleLbl>
+  <dgm:styleLbl name="sibTrans2D1">
+    <dgm:scene3d>
+      <a:camera prst="orthographicFront"/>
+      <a:lightRig rig="threePt" dir="t"/>
+    </dgm:scene3d>
+    <dgm:sp3d/>
+    <dgm:txPr/>
+    <dgm:style>
+      <a:lnRef idx="0">
+        <a:scrgbClr r="0" g="0" b="0"/>
+      </a:lnRef>
+      <a:fillRef idx="1">
+        <a:scrgbClr r="0" g="0" b="0"/>
+      </a:fillRef>
+      <a:effectRef idx="0">
+        <a:scrgbClr r="0" g="0" b="0"/>
+      </a:effectRef>
+      <a:fontRef idx="minor">
+        <a:schemeClr val="lt1"/>
+      </a:fontRef>
+    </dgm:style>
+  </dgm:styleLbl>
+  <dgm:styleLbl name="fgSibTrans2D1">
+    <dgm:scene3d>
+      <a:camera prst="orthographicFront"/>
+      <a:lightRig rig="threePt" dir="t"/>
+    </dgm:scene3d>
+    <dgm:sp3d/>
+    <dgm:txPr/>
+    <dgm:style>
+      <a:lnRef idx="0">
+        <a:scrgbClr r="0" g="0" b="0"/>
+      </a:lnRef>
+      <a:fillRef idx="1">
+        <a:scrgbClr r="0" g="0" b="0"/>
+      </a:fillRef>
+      <a:effectRef idx="0">
+        <a:scrgbClr r="0" g="0" b="0"/>
+      </a:effectRef>
+      <a:fontRef idx="minor">
+        <a:schemeClr val="lt1"/>
+      </a:fontRef>
+    </dgm:style>
+  </dgm:styleLbl>
+  <dgm:styleLbl name="bgSibTrans2D1">
+    <dgm:scene3d>
+      <a:camera prst="orthographicFront"/>
+      <a:lightRig rig="threePt" dir="t"/>
+    </dgm:scene3d>
+    <dgm:sp3d/>
+    <dgm:txPr/>
+    <dgm:style>
+      <a:lnRef idx="0">
+        <a:scrgbClr r="0" g="0" b="0"/>
+      </a:lnRef>
+      <a:fillRef idx="1">
+        <a:scrgbClr r="0" g="0" b="0"/>
+      </a:fillRef>
+      <a:effectRef idx="0">
+        <a:scrgbClr r="0" g="0" b="0"/>
+      </a:effectRef>
+      <a:fontRef idx="minor">
+        <a:schemeClr val="lt1"/>
+      </a:fontRef>
+    </dgm:style>
+  </dgm:styleLbl>
+  <dgm:styleLbl name="sibTrans1D1">
+    <dgm:scene3d>
+      <a:camera prst="orthographicFront"/>
+      <a:lightRig rig="threePt" dir="t"/>
+    </dgm:scene3d>
+    <dgm:sp3d/>
+    <dgm:txPr/>
+    <dgm:style>
+      <a:lnRef idx="1">
+        <a:scrgbClr r="0" g="0" b="0"/>
+      </a:lnRef>
+      <a:fillRef idx="0">
+        <a:scrgbClr r="0" g="0" b="0"/>
+      </a:fillRef>
+      <a:effectRef idx="0">
+        <a:scrgbClr r="0" g="0" b="0"/>
+      </a:effectRef>
+      <a:fontRef idx="minor"/>
+    </dgm:style>
+  </dgm:styleLbl>
+  <dgm:styleLbl name="callout">
+    <dgm:scene3d>
+      <a:camera prst="orthographicFront"/>
+      <a:lightRig rig="threePt" dir="t"/>
+    </dgm:scene3d>
+    <dgm:sp3d/>
+    <dgm:txPr/>
+    <dgm:style>
+      <a:lnRef idx="2">
+        <a:scrgbClr r="0" g="0" b="0"/>
+      </a:lnRef>
+      <a:fillRef idx="1">
+        <a:scrgbClr r="0" g="0" b="0"/>
+      </a:fillRef>
+      <a:effectRef idx="0">
+        <a:scrgbClr r="0" g="0" b="0"/>
+      </a:effectRef>
+      <a:fontRef idx="minor"/>
+    </dgm:style>
+  </dgm:styleLbl>
+  <dgm:styleLbl name="asst0">
+    <dgm:scene3d>
+      <a:camera prst="orthographicFront"/>
+      <a:lightRig rig="threePt" dir="t"/>
+    </dgm:scene3d>
+    <dgm:sp3d/>
+    <dgm:txPr/>
+    <dgm:style>
+      <a:lnRef idx="2">
+        <a:scrgbClr r="0" g="0" b="0"/>
+      </a:lnRef>
+      <a:fillRef idx="1">
+        <a:scrgbClr r="0" g="0" b="0"/>
+      </a:fillRef>
+      <a:effectRef idx="0">
+        <a:scrgbClr r="0" g="0" b="0"/>
+      </a:effectRef>
+      <a:fontRef idx="minor">
+        <a:schemeClr val="lt1"/>
+      </a:fontRef>
+    </dgm:style>
+  </dgm:styleLbl>
+  <dgm:styleLbl name="asst1">
+    <dgm:scene3d>
+      <a:camera prst="orthographicFront"/>
+      <a:lightRig rig="threePt" dir="t"/>
+    </dgm:scene3d>
+    <dgm:sp3d/>
+    <dgm:txPr/>
+    <dgm:style>
+      <a:lnRef idx="2">
+        <a:scrgbClr r="0" g="0" b="0"/>
+      </a:lnRef>
+      <a:fillRef idx="1">
+        <a:scrgbClr r="0" g="0" b="0"/>
+      </a:fillRef>
+      <a:effectRef idx="0">
+        <a:scrgbClr r="0" g="0" b="0"/>
+      </a:effectRef>
+      <a:fontRef idx="minor">
+        <a:schemeClr val="lt1"/>
+      </a:fontRef>
+    </dgm:style>
+  </dgm:styleLbl>
+  <dgm:styleLbl name="asst2">
+    <dgm:scene3d>
+      <a:camera prst="orthographicFront"/>
+      <a:lightRig rig="threePt" dir="t"/>
+    </dgm:scene3d>
+    <dgm:sp3d/>
+    <dgm:txPr/>
+    <dgm:style>
+      <a:lnRef idx="2">
+        <a:scrgbClr r="0" g="0" b="0"/>
+      </a:lnRef>
+      <a:fillRef idx="1">
+        <a:scrgbClr r="0" g="0" b="0"/>
+      </a:fillRef>
+      <a:effectRef idx="0">
+        <a:scrgbClr r="0" g="0" b="0"/>
+      </a:effectRef>
+      <a:fontRef idx="minor">
+        <a:schemeClr val="lt1"/>
+      </a:fontRef>
+    </dgm:style>
+  </dgm:styleLbl>
+  <dgm:styleLbl name="asst3">
+    <dgm:scene3d>
+      <a:camera prst="orthographicFront"/>
+      <a:lightRig rig="threePt" dir="t"/>
+    </dgm:scene3d>
+    <dgm:sp3d/>
+    <dgm:txPr/>
+    <dgm:style>
+      <a:lnRef idx="2">
+        <a:scrgbClr r="0" g="0" b="0"/>
+      </a:lnRef>
+      <a:fillRef idx="1">
+        <a:scrgbClr r="0" g="0" b="0"/>
+      </a:fillRef>
+      <a:effectRef idx="0">
+        <a:scrgbClr r="0" g="0" b="0"/>
+      </a:effectRef>
+      <a:fontRef idx="minor">
+        <a:schemeClr val="lt1"/>
+      </a:fontRef>
+    </dgm:style>
+  </dgm:styleLbl>
+  <dgm:styleLbl name="asst4">
+    <dgm:scene3d>
+      <a:camera prst="orthographicFront"/>
+      <a:lightRig rig="threePt" dir="t"/>
+    </dgm:scene3d>
+    <dgm:sp3d/>
+    <dgm:txPr/>
+    <dgm:style>
+      <a:lnRef idx="2">
+        <a:scrgbClr r="0" g="0" b="0"/>
+      </a:lnRef>
+      <a:fillRef idx="1">
+        <a:scrgbClr r="0" g="0" b="0"/>
+      </a:fillRef>
+      <a:effectRef idx="0">
+        <a:scrgbClr r="0" g="0" b="0"/>
+      </a:effectRef>
+      <a:fontRef idx="minor">
+        <a:schemeClr val="lt1"/>
+      </a:fontRef>
+    </dgm:style>
+  </dgm:styleLbl>
+  <dgm:styleLbl name="parChTrans2D1">
+    <dgm:scene3d>
+      <a:camera prst="orthographicFront"/>
+      <a:lightRig rig="threePt" dir="t"/>
+    </dgm:scene3d>
+    <dgm:sp3d/>
+    <dgm:txPr/>
+    <dgm:style>
+      <a:lnRef idx="2">
+        <a:scrgbClr r="0" g="0" b="0"/>
+      </a:lnRef>
+      <a:fillRef idx="1">
+        <a:scrgbClr r="0" g="0" b="0"/>
+      </a:fillRef>
+      <a:effectRef idx="0">
+        <a:scrgbClr r="0" g="0" b="0"/>
+      </a:effectRef>
+      <a:fontRef idx="minor">
+        <a:schemeClr val="lt1"/>
+      </a:fontRef>
+    </dgm:style>
+  </dgm:styleLbl>
+  <dgm:styleLbl name="parChTrans2D2">
+    <dgm:scene3d>
+      <a:camera prst="orthographicFront"/>
+      <a:lightRig rig="threePt" dir="t"/>
+    </dgm:scene3d>
+    <dgm:sp3d/>
+    <dgm:txPr/>
+    <dgm:style>
+      <a:lnRef idx="2">
+        <a:scrgbClr r="0" g="0" b="0"/>
+      </a:lnRef>
+      <a:fillRef idx="1">
+        <a:scrgbClr r="0" g="0" b="0"/>
+      </a:fillRef>
+      <a:effectRef idx="0">
+        <a:scrgbClr r="0" g="0" b="0"/>
+      </a:effectRef>
+      <a:fontRef idx="minor">
+        <a:schemeClr val="lt1"/>
+      </a:fontRef>
+    </dgm:style>
+  </dgm:styleLbl>
+  <dgm:styleLbl name="parChTrans2D3">
+    <dgm:scene3d>
+      <a:camera prst="orthographicFront"/>
+      <a:lightRig rig="threePt" dir="t"/>
+    </dgm:scene3d>
+    <dgm:sp3d/>
+    <dgm:txPr/>
+    <dgm:style>
+      <a:lnRef idx="2">
+        <a:scrgbClr r="0" g="0" b="0"/>
+      </a:lnRef>
+      <a:fillRef idx="1">
+        <a:scrgbClr r="0" g="0" b="0"/>
+      </a:fillRef>
+      <a:effectRef idx="0">
+        <a:scrgbClr r="0" g="0" b="0"/>
+      </a:effectRef>
+      <a:fontRef idx="minor">
+        <a:schemeClr val="lt1"/>
+      </a:fontRef>
+    </dgm:style>
+  </dgm:styleLbl>
+  <dgm:styleLbl name="parChTrans2D4">
+    <dgm:scene3d>
+      <a:camera prst="orthographicFront"/>
+      <a:lightRig rig="threePt" dir="t"/>
+    </dgm:scene3d>
+    <dgm:sp3d/>
+    <dgm:txPr/>
+    <dgm:style>
+      <a:lnRef idx="2">
+        <a:scrgbClr r="0" g="0" b="0"/>
+      </a:lnRef>
+      <a:fillRef idx="1">
+        <a:scrgbClr r="0" g="0" b="0"/>
+      </a:fillRef>
+      <a:effectRef idx="0">
+        <a:scrgbClr r="0" g="0" b="0"/>
+      </a:effectRef>
+      <a:fontRef idx="minor">
+        <a:schemeClr val="lt1"/>
+      </a:fontRef>
+    </dgm:style>
+  </dgm:styleLbl>
+  <dgm:styleLbl name="parChTrans1D1">
+    <dgm:scene3d>
+      <a:camera prst="orthographicFront"/>
+      <a:lightRig rig="threePt" dir="t"/>
+    </dgm:scene3d>
+    <dgm:sp3d/>
+    <dgm:txPr/>
+    <dgm:style>
+      <a:lnRef idx="2">
+        <a:scrgbClr r="0" g="0" b="0"/>
+      </a:lnRef>
+      <a:fillRef idx="0">
+        <a:scrgbClr r="0" g="0" b="0"/>
+      </a:fillRef>
+      <a:effectRef idx="0">
+        <a:scrgbClr r="0" g="0" b="0"/>
+      </a:effectRef>
+      <a:fontRef idx="minor"/>
+    </dgm:style>
+  </dgm:styleLbl>
+  <dgm:styleLbl name="parChTrans1D2">
+    <dgm:scene3d>
+      <a:camera prst="orthographicFront"/>
+      <a:lightRig rig="threePt" dir="t"/>
+    </dgm:scene3d>
+    <dgm:sp3d/>
+    <dgm:txPr/>
+    <dgm:style>
+      <a:lnRef idx="2">
+        <a:scrgbClr r="0" g="0" b="0"/>
+      </a:lnRef>
+      <a:fillRef idx="0">
+        <a:scrgbClr r="0" g="0" b="0"/>
+      </a:fillRef>
+      <a:effectRef idx="0">
+        <a:scrgbClr r="0" g="0" b="0"/>
+      </a:effectRef>
+      <a:fontRef idx="minor"/>
+    </dgm:style>
+  </dgm:styleLbl>
+  <dgm:styleLbl name="parChTrans1D3">
+    <dgm:scene3d>
+      <a:camera prst="orthographicFront"/>
+      <a:lightRig rig="threePt" dir="t"/>
+    </dgm:scene3d>
+    <dgm:sp3d/>
+    <dgm:txPr/>
+    <dgm:style>
+      <a:lnRef idx="2">
+        <a:scrgbClr r="0" g="0" b="0"/>
+      </a:lnRef>
+      <a:fillRef idx="0">
+        <a:scrgbClr r="0" g="0" b="0"/>
+      </a:fillRef>
+      <a:effectRef idx="0">
+        <a:scrgbClr r="0" g="0" b="0"/>
+      </a:effectRef>
+      <a:fontRef idx="minor"/>
+    </dgm:style>
+  </dgm:styleLbl>
+  <dgm:styleLbl name="parChTrans1D4">
+    <dgm:scene3d>
+      <a:camera prst="orthographicFront"/>
+      <a:lightRig rig="threePt" dir="t"/>
+    </dgm:scene3d>
+    <dgm:sp3d/>
+    <dgm:txPr/>
+    <dgm:style>
+      <a:lnRef idx="2">
+        <a:scrgbClr r="0" g="0" b="0"/>
+      </a:lnRef>
+      <a:fillRef idx="0">
+        <a:scrgbClr r="0" g="0" b="0"/>
+      </a:fillRef>
+      <a:effectRef idx="0">
+        <a:scrgbClr r="0" g="0" b="0"/>
+      </a:effectRef>
+      <a:fontRef idx="minor"/>
+    </dgm:style>
+  </dgm:styleLbl>
+  <dgm:styleLbl name="fgAcc1">
+    <dgm:scene3d>
+      <a:camera prst="orthographicFront"/>
+      <a:lightRig rig="threePt" dir="t"/>
+    </dgm:scene3d>
+    <dgm:sp3d/>
+    <dgm:txPr/>
+    <dgm:style>
+      <a:lnRef idx="2">
+        <a:scrgbClr r="0" g="0" b="0"/>
+      </a:lnRef>
+      <a:fillRef idx="1">
+        <a:scrgbClr r="0" g="0" b="0"/>
+      </a:fillRef>
+      <a:effectRef idx="0">
+        <a:scrgbClr r="0" g="0" b="0"/>
+      </a:effectRef>
+      <a:fontRef idx="minor"/>
+    </dgm:style>
+  </dgm:styleLbl>
+  <dgm:styleLbl name="conFgAcc1">
+    <dgm:scene3d>
+      <a:camera prst="orthographicFront"/>
+      <a:lightRig rig="threePt" dir="t"/>
+    </dgm:scene3d>
+    <dgm:sp3d/>
+    <dgm:txPr/>
+    <dgm:style>
+      <a:lnRef idx="2">
+        <a:scrgbClr r="0" g="0" b="0"/>
+      </a:lnRef>
+      <a:fillRef idx="1">
+        <a:scrgbClr r="0" g="0" b="0"/>
+      </a:fillRef>
+      <a:effectRef idx="0">
+        <a:scrgbClr r="0" g="0" b="0"/>
+      </a:effectRef>
+      <a:fontRef idx="minor"/>
+    </dgm:style>
+  </dgm:styleLbl>
+  <dgm:styleLbl name="alignAcc1">
+    <dgm:scene3d>
+      <a:camera prst="orthographicFront"/>
+      <a:lightRig rig="threePt" dir="t"/>
+    </dgm:scene3d>
+    <dgm:sp3d/>
+    <dgm:txPr/>
+    <dgm:style>
+      <a:lnRef idx="2">
+        <a:scrgbClr r="0" g="0" b="0"/>
+      </a:lnRef>
+      <a:fillRef idx="1">
+        <a:scrgbClr r="0" g="0" b="0"/>
+      </a:fillRef>
+      <a:effectRef idx="0">
+        <a:scrgbClr r="0" g="0" b="0"/>
+      </a:effectRef>
+      <a:fontRef idx="minor"/>
+    </dgm:style>
+  </dgm:styleLbl>
+  <dgm:styleLbl name="trAlignAcc1">
+    <dgm:scene3d>
+      <a:camera prst="orthographicFront"/>
+      <a:lightRig rig="threePt" dir="t"/>
+    </dgm:scene3d>
+    <dgm:sp3d/>
+    <dgm:txPr/>
+    <dgm:style>
+      <a:lnRef idx="1">
+        <a:scrgbClr r="0" g="0" b="0"/>
+      </a:lnRef>
+      <a:fillRef idx="1">
+        <a:scrgbClr r="0" g="0" b="0"/>
+      </a:fillRef>
+      <a:effectRef idx="0">
+        <a:scrgbClr r="0" g="0" b="0"/>
+      </a:effectRef>
+      <a:fontRef idx="minor"/>
+    </dgm:style>
+  </dgm:styleLbl>
+  <dgm:styleLbl name="bgAcc1">
+    <dgm:scene3d>
+      <a:camera prst="orthographicFront"/>
+      <a:lightRig rig="threePt" dir="t"/>
+    </dgm:scene3d>
+    <dgm:sp3d/>
+    <dgm:txPr/>
+    <dgm:style>
+      <a:lnRef idx="2">
+        <a:scrgbClr r="0" g="0" b="0"/>
+      </a:lnRef>
+      <a:fillRef idx="1">
+        <a:scrgbClr r="0" g="0" b="0"/>
+      </a:fillRef>
+      <a:effectRef idx="0">
+        <a:scrgbClr r="0" g="0" b="0"/>
+      </a:effectRef>
+      <a:fontRef idx="minor"/>
+    </dgm:style>
+  </dgm:styleLbl>
+  <dgm:styleLbl name="solidFgAcc1">
+    <dgm:scene3d>
+      <a:camera prst="orthographicFront"/>
+      <a:lightRig rig="threePt" dir="t"/>
+    </dgm:scene3d>
+    <dgm:sp3d/>
+    <dgm:txPr/>
+    <dgm:style>
+      <a:lnRef idx="2">
+        <a:scrgbClr r="0" g="0" b="0"/>
+      </a:lnRef>
+      <a:fillRef idx="1">
+        <a:scrgbClr r="0" g="0" b="0"/>
+      </a:fillRef>
+      <a:effectRef idx="0">
+        <a:scrgbClr r="0" g="0" b="0"/>
+      </a:effectRef>
+      <a:fontRef idx="minor"/>
+    </dgm:style>
+  </dgm:styleLbl>
+  <dgm:styleLbl name="solidAlignAcc1">
+    <dgm:scene3d>
+      <a:camera prst="orthographicFront"/>
+      <a:lightRig rig="threePt" dir="t"/>
+    </dgm:scene3d>
+    <dgm:sp3d/>
+    <dgm:txPr/>
+    <dgm:style>
+      <a:lnRef idx="2">
+        <a:scrgbClr r="0" g="0" b="0"/>
+      </a:lnRef>
+      <a:fillRef idx="1">
+        <a:scrgbClr r="0" g="0" b="0"/>
+      </a:fillRef>
+      <a:effectRef idx="0">
+        <a:scrgbClr r="0" g="0" b="0"/>
+      </a:effectRef>
+      <a:fontRef idx="minor"/>
+    </dgm:style>
+  </dgm:styleLbl>
+  <dgm:styleLbl name="solidBgAcc1">
+    <dgm:scene3d>
+      <a:camera prst="orthographicFront"/>
+      <a:lightRig rig="threePt" dir="t"/>
+    </dgm:scene3d>
+    <dgm:sp3d/>
+    <dgm:txPr/>
+    <dgm:style>
+      <a:lnRef idx="2">
+        <a:scrgbClr r="0" g="0" b="0"/>
+      </a:lnRef>
+      <a:fillRef idx="1">
+        <a:scrgbClr r="0" g="0" b="0"/>
+      </a:fillRef>
+      <a:effectRef idx="0">
+        <a:scrgbClr r="0" g="0" b="0"/>
+      </a:effectRef>
+      <a:fontRef idx="minor"/>
+    </dgm:style>
+  </dgm:styleLbl>
+  <dgm:styleLbl name="fgAccFollowNode1">
+    <dgm:scene3d>
+      <a:camera prst="orthographicFront"/>
+      <a:lightRig rig="threePt" dir="t"/>
+    </dgm:scene3d>
+    <dgm:sp3d/>
+    <dgm:txPr/>
+    <dgm:style>
+      <a:lnRef idx="2">
+        <a:scrgbClr r="0" g="0" b="0"/>
+      </a:lnRef>
+      <a:fillRef idx="1">
+        <a:scrgbClr r="0" g="0" b="0"/>
+      </a:fillRef>
+      <a:effectRef idx="0">
+        <a:scrgbClr r="0" g="0" b="0"/>
+      </a:effectRef>
+      <a:fontRef idx="minor"/>
+    </dgm:style>
+  </dgm:styleLbl>
+  <dgm:styleLbl name="alignAccFollowNode1">
+    <dgm:scene3d>
+      <a:camera prst="orthographicFront"/>
+      <a:lightRig rig="threePt" dir="t"/>
+    </dgm:scene3d>
+    <dgm:sp3d/>
+    <dgm:txPr/>
+    <dgm:style>
+      <a:lnRef idx="2">
+        <a:scrgbClr r="0" g="0" b="0"/>
+      </a:lnRef>
+      <a:fillRef idx="1">
+        <a:scrgbClr r="0" g="0" b="0"/>
+      </a:fillRef>
+      <a:effectRef idx="0">
+        <a:scrgbClr r="0" g="0" b="0"/>
+      </a:effectRef>
+      <a:fontRef idx="minor"/>
+    </dgm:style>
+  </dgm:styleLbl>
+  <dgm:styleLbl name="bgAccFollowNode1">
+    <dgm:scene3d>
+      <a:camera prst="orthographicFront"/>
+      <a:lightRig rig="threePt" dir="t"/>
+    </dgm:scene3d>
+    <dgm:sp3d/>
+    <dgm:txPr/>
+    <dgm:style>
+      <a:lnRef idx="2">
+        <a:scrgbClr r="0" g="0" b="0"/>
+      </a:lnRef>
+      <a:fillRef idx="1">
+        <a:scrgbClr r="0" g="0" b="0"/>
+      </a:fillRef>
+      <a:effectRef idx="0">
+        <a:scrgbClr r="0" g="0" b="0"/>
+      </a:effectRef>
+      <a:fontRef idx="minor"/>
+    </dgm:style>
+  </dgm:styleLbl>
+  <dgm:styleLbl name="fgAcc0">
+    <dgm:scene3d>
+      <a:camera prst="orthographicFront"/>
+      <a:lightRig rig="threePt" dir="t"/>
+    </dgm:scene3d>
+    <dgm:sp3d/>
+    <dgm:txPr/>
+    <dgm:style>
+      <a:lnRef idx="2">
+        <a:scrgbClr r="0" g="0" b="0"/>
+      </a:lnRef>
+      <a:fillRef idx="1">
+        <a:scrgbClr r="0" g="0" b="0"/>
+      </a:fillRef>
+      <a:effectRef idx="0">
+        <a:scrgbClr r="0" g="0" b="0"/>
+      </a:effectRef>
+      <a:fontRef idx="minor"/>
+    </dgm:style>
+  </dgm:styleLbl>
+  <dgm:styleLbl name="fgAcc2">
+    <dgm:scene3d>
+      <a:camera prst="orthographicFront"/>
+      <a:lightRig rig="threePt" dir="t"/>
+    </dgm:scene3d>
+    <dgm:sp3d/>
+    <dgm:txPr/>
+    <dgm:style>
+      <a:lnRef idx="2">
+        <a:scrgbClr r="0" g="0" b="0"/>
+      </a:lnRef>
+      <a:fillRef idx="1">
+        <a:scrgbClr r="0" g="0" b="0"/>
+      </a:fillRef>
+      <a:effectRef idx="0">
+        <a:scrgbClr r="0" g="0" b="0"/>
+      </a:effectRef>
+      <a:fontRef idx="minor"/>
+    </dgm:style>
+  </dgm:styleLbl>
+  <dgm:styleLbl name="fgAcc3">
+    <dgm:scene3d>
+      <a:camera prst="orthographicFront"/>
+      <a:lightRig rig="threePt" dir="t"/>
+    </dgm:scene3d>
+    <dgm:sp3d/>
+    <dgm:txPr/>
+    <dgm:style>
+      <a:lnRef idx="2">
+        <a:scrgbClr r="0" g="0" b="0"/>
+      </a:lnRef>
+      <a:fillRef idx="1">
+        <a:scrgbClr r="0" g="0" b="0"/>
+      </a:fillRef>
+      <a:effectRef idx="0">
+        <a:scrgbClr r="0" g="0" b="0"/>
+      </a:effectRef>
+      <a:fontRef idx="minor"/>
+    </dgm:style>
+  </dgm:styleLbl>
+  <dgm:styleLbl name="fgAcc4">
+    <dgm:scene3d>
+      <a:camera prst="orthographicFront"/>
+      <a:lightRig rig="threePt" dir="t"/>
+    </dgm:scene3d>
+    <dgm:sp3d/>
+    <dgm:txPr/>
+    <dgm:style>
+      <a:lnRef idx="2">
+        <a:scrgbClr r="0" g="0" b="0"/>
+      </a:lnRef>
+      <a:fillRef idx="1">
+        <a:scrgbClr r="0" g="0" b="0"/>
+      </a:fillRef>
+      <a:effectRef idx="0">
+        <a:scrgbClr r="0" g="0" b="0"/>
+      </a:effectRef>
+      <a:fontRef idx="minor"/>
+    </dgm:style>
+  </dgm:styleLbl>
+  <dgm:styleLbl name="bgShp">
+    <dgm:scene3d>
+      <a:camera prst="orthographicFront"/>
+      <a:lightRig rig="threePt" dir="t"/>
+    </dgm:scene3d>
+    <dgm:sp3d/>
+    <dgm:txPr/>
+    <dgm:style>
+      <a:lnRef idx="0">
+        <a:scrgbClr r="0" g="0" b="0"/>
+      </a:lnRef>
+      <a:fillRef idx="1">
+        <a:scrgbClr r="0" g="0" b="0"/>
+      </a:fillRef>
+      <a:effectRef idx="0">
+        <a:scrgbClr r="0" g="0" b="0"/>
+      </a:effectRef>
+      <a:fontRef idx="minor"/>
+    </dgm:style>
+  </dgm:styleLbl>
+  <dgm:styleLbl name="dkBgShp">
+    <dgm:scene3d>
+      <a:camera prst="orthographicFront"/>
+      <a:lightRig rig="threePt" dir="t"/>
+    </dgm:scene3d>
+    <dgm:sp3d/>
+    <dgm:txPr/>
+    <dgm:style>
+      <a:lnRef idx="0">
+        <a:scrgbClr r="0" g="0" b="0"/>
+      </a:lnRef>
+      <a:fillRef idx="1">
+        <a:scrgbClr r="0" g="0" b="0"/>
+      </a:fillRef>
+      <a:effectRef idx="0">
+        <a:scrgbClr r="0" g="0" b="0"/>
+      </a:effectRef>
+      <a:fontRef idx="minor"/>
+    </dgm:style>
+  </dgm:styleLbl>
+  <dgm:styleLbl name="trBgShp">
+    <dgm:scene3d>
+      <a:camera prst="orthographicFront"/>
+      <a:lightRig rig="threePt" dir="t"/>
+    </dgm:scene3d>
+    <dgm:sp3d/>
+    <dgm:txPr/>
+    <dgm:style>
+      <a:lnRef idx="0">
+        <a:scrgbClr r="0" g="0" b="0"/>
+      </a:lnRef>
+      <a:fillRef idx="1">
+        <a:scrgbClr r="0" g="0" b="0"/>
+      </a:fillRef>
+      <a:effectRef idx="0">
+        <a:scrgbClr r="0" g="0" b="0"/>
+      </a:effectRef>
+      <a:fontRef idx="minor"/>
+    </dgm:style>
+  </dgm:styleLbl>
+  <dgm:styleLbl name="fgShp">
+    <dgm:scene3d>
+      <a:camera prst="orthographicFront"/>
+      <a:lightRig rig="threePt" dir="t"/>
+    </dgm:scene3d>
+    <dgm:sp3d/>
+    <dgm:txPr/>
+    <dgm:style>
+      <a:lnRef idx="2">
+        <a:scrgbClr r="0" g="0" b="0"/>
+      </a:lnRef>
+      <a:fillRef idx="1">
+        <a:scrgbClr r="0" g="0" b="0"/>
+      </a:fillRef>
+      <a:effectRef idx="0">
+        <a:scrgbClr r="0" g="0" b="0"/>
+      </a:effectRef>
+      <a:fontRef idx="minor"/>
+    </dgm:style>
+  </dgm:styleLbl>
+  <dgm:styleLbl name="revTx">
+    <dgm:scene3d>
+      <a:camera prst="orthographicFront"/>
+      <a:lightRig rig="threePt" dir="t"/>
+    </dgm:scene3d>
+    <dgm:sp3d/>
+    <dgm:txPr/>
+    <dgm:style>
+      <a:lnRef idx="0">
+        <a:scrgbClr r="0" g="0" b="0"/>
+      </a:lnRef>
+      <a:fillRef idx="0">
+        <a:scrgbClr r="0" g="0" b="0"/>
+      </a:fillRef>
+      <a:effectRef idx="0">
+        <a:scrgbClr r="0" g="0" b="0"/>
+      </a:effectRef>
+      <a:fontRef idx="minor"/>
+    </dgm:style>
+  </dgm:styleLbl>
+</dgm:styleDef>
 </file>
 
 <file path=ppt/slideLayouts/slideLayout1.xml><?xml version="1.0" encoding="utf-8"?>
@@ -8502,13 +13700,13 @@
       </p:grpSpPr>
       <p:sp>
         <p:nvSpPr>
-          <p:cNvPr id="22" name="Oval 21">
+          <p:cNvPr id="71" name="Rectangle 70">
             <a:extLst>
               <a:ext uri="{FF2B5EF4-FFF2-40B4-BE49-F238E27FC236}">
-                <a16:creationId xmlns:a16="http://schemas.microsoft.com/office/drawing/2014/main" id="{FD451EE1-06AB-4684-8B7A-59133962CD21}"/>
+                <a16:creationId xmlns:a16="http://schemas.microsoft.com/office/drawing/2014/main" id="{6753252F-4873-4F63-801D-CC719279A7D5}"/>
               </a:ext>
               <a:ext uri="{C183D7F6-B498-43B3-948B-1728B52AA6E4}">
-                <adec:decorative xmlns="" xmlns:adec="http://schemas.microsoft.com/office/drawing/2017/decorative" val="1"/>
+                <adec:decorative xmlns:adec="http://schemas.microsoft.com/office/drawing/2017/decorative" val="1"/>
               </a:ext>
             </a:extLst>
           </p:cNvPr>
@@ -8525,20 +13723,17 @@
         </p:nvSpPr>
         <p:spPr>
           <a:xfrm>
-            <a:off x="631417" y="2121408"/>
-            <a:ext cx="2615184" cy="2615184"/>
-          </a:xfrm>
-          <a:prstGeom prst="ellipse">
-            <a:avLst/>
-          </a:prstGeom>
-          <a:noFill/>
-          <a:ln w="31750">
-            <a:solidFill>
-              <a:schemeClr val="tx1">
-                <a:lumMod val="75000"/>
-                <a:lumOff val="25000"/>
-              </a:schemeClr>
-            </a:solidFill>
+            <a:off x="0" y="0"/>
+            <a:ext cx="12192000" cy="6858000"/>
+          </a:xfrm>
+          <a:prstGeom prst="rect">
+            <a:avLst/>
+          </a:prstGeom>
+          <a:solidFill>
+            <a:srgbClr val="FFFFFF"/>
+          </a:solidFill>
+          <a:ln>
+            <a:noFill/>
           </a:ln>
         </p:spPr>
         <p:style>
@@ -8568,13 +13763,13 @@
       </p:sp>
       <p:sp>
         <p:nvSpPr>
-          <p:cNvPr id="24" name="Rectangle 23">
+          <p:cNvPr id="73" name="Rectangle 72">
             <a:extLst>
               <a:ext uri="{FF2B5EF4-FFF2-40B4-BE49-F238E27FC236}">
-                <a16:creationId xmlns:a16="http://schemas.microsoft.com/office/drawing/2014/main" id="{E402D69F-ABEF-47E0-B154-C6656A2B3F24}"/>
+                <a16:creationId xmlns:a16="http://schemas.microsoft.com/office/drawing/2014/main" id="{047C8CCB-F95D-4249-92DD-651249D3535A}"/>
               </a:ext>
               <a:ext uri="{C183D7F6-B498-43B3-948B-1728B52AA6E4}">
-                <adec:decorative xmlns="" xmlns:adec="http://schemas.microsoft.com/office/drawing/2017/decorative" val="1"/>
+                <adec:decorative xmlns:adec="http://schemas.microsoft.com/office/drawing/2017/decorative" val="1"/>
               </a:ext>
             </a:extLst>
           </p:cNvPr>
@@ -8591,22 +13786,17 @@
         </p:nvSpPr>
         <p:spPr>
           <a:xfrm>
-            <a:off x="4047181" y="802767"/>
-            <a:ext cx="7324344" cy="4937760"/>
+            <a:off x="0" y="0"/>
+            <a:ext cx="2013557" cy="6858000"/>
           </a:xfrm>
           <a:prstGeom prst="rect">
             <a:avLst/>
           </a:prstGeom>
           <a:solidFill>
-            <a:srgbClr val="FFFFFF"/>
+            <a:srgbClr val="7F7F7F"/>
           </a:solidFill>
           <a:ln>
-            <a:solidFill>
-              <a:schemeClr val="tx1">
-                <a:lumMod val="85000"/>
-                <a:lumOff val="15000"/>
-              </a:schemeClr>
-            </a:solidFill>
+            <a:noFill/>
           </a:ln>
         </p:spPr>
         <p:style>
@@ -8634,41 +13824,12 @@
           </a:p>
         </p:txBody>
       </p:sp>
-      <p:pic>
-        <p:nvPicPr>
-          <p:cNvPr id="3" name="Picture 2">
-            <a:extLst>
-              <a:ext uri="{FF2B5EF4-FFF2-40B4-BE49-F238E27FC236}">
-                <a16:creationId xmlns:a16="http://schemas.microsoft.com/office/drawing/2014/main" id="{A9C2B5B9-5E2E-45BB-8DEC-4649703C697B}"/>
-              </a:ext>
-            </a:extLst>
-          </p:cNvPr>
-          <p:cNvPicPr>
-            <a:picLocks noChangeAspect="1"/>
-          </p:cNvPicPr>
-          <p:nvPr/>
-        </p:nvPicPr>
-        <p:blipFill rotWithShape="1">
-          <a:blip r:embed="rId2"/>
-          <a:srcRect l="31150" t="16538" r="10261" b="6251"/>
-          <a:stretch/>
-        </p:blipFill>
-        <p:spPr>
-          <a:xfrm>
-            <a:off x="4810551" y="1122807"/>
-            <a:ext cx="5797604" cy="4297680"/>
-          </a:xfrm>
-          <a:prstGeom prst="rect">
-            <a:avLst/>
-          </a:prstGeom>
-        </p:spPr>
-      </p:pic>
       <p:sp>
         <p:nvSpPr>
           <p:cNvPr id="2" name="Title 1">
             <a:extLst>
               <a:ext uri="{FF2B5EF4-FFF2-40B4-BE49-F238E27FC236}">
-                <a16:creationId xmlns:a16="http://schemas.microsoft.com/office/drawing/2014/main" id="{7D033141-A5E5-4454-AE19-1BDFE2A8B7A8}"/>
+                <a16:creationId xmlns:a16="http://schemas.microsoft.com/office/drawing/2014/main" id="{71653AAD-895E-45EA-BE2E-F765DDE5A799}"/>
               </a:ext>
             </a:extLst>
           </p:cNvPr>
@@ -8681,36 +13842,198 @@
         </p:nvSpPr>
         <p:spPr>
           <a:xfrm>
-            <a:off x="796009" y="2286000"/>
-            <a:ext cx="2286000" cy="2286000"/>
+            <a:off x="640080" y="2074363"/>
+            <a:ext cx="2752354" cy="2709275"/>
           </a:xfrm>
           <a:prstGeom prst="ellipse">
             <a:avLst/>
           </a:prstGeom>
           <a:solidFill>
-            <a:schemeClr val="tx1">
-              <a:lumMod val="75000"/>
-              <a:lumOff val="25000"/>
-            </a:schemeClr>
+            <a:srgbClr val="262626"/>
           </a:solidFill>
-          <a:ln>
-            <a:noFill/>
+          <a:ln w="174625" cmpd="thinThick">
+            <a:solidFill>
+              <a:srgbClr val="262626"/>
+            </a:solidFill>
           </a:ln>
         </p:spPr>
         <p:txBody>
-          <a:bodyPr>
+          <a:bodyPr anchor="ctr">
             <a:normAutofit/>
           </a:bodyPr>
           <a:lstStyle/>
           <a:p>
             <a:pPr algn="ctr"/>
             <a:r>
-              <a:rPr lang="en-US" sz="2000">
+              <a:rPr lang="en-US" sz="2600" dirty="0">
                 <a:solidFill>
-                  <a:schemeClr val="bg1"/>
+                  <a:srgbClr val="FFFFFF"/>
                 </a:solidFill>
               </a:rPr>
-              <a:t>Pattern of Interest </a:t>
+              <a:t>Model Building </a:t>
+            </a:r>
+          </a:p>
+        </p:txBody>
+      </p:sp>
+      <p:pic>
+        <p:nvPicPr>
+          <p:cNvPr id="1026" name="Picture 2" descr="A LSTM neural network.">
+            <a:extLst>
+              <a:ext uri="{FF2B5EF4-FFF2-40B4-BE49-F238E27FC236}">
+                <a16:creationId xmlns:a16="http://schemas.microsoft.com/office/drawing/2014/main" id="{678A738D-710B-4F7E-9078-20DD2278A318}"/>
+              </a:ext>
+            </a:extLst>
+          </p:cNvPr>
+          <p:cNvPicPr>
+            <a:picLocks noChangeAspect="1" noChangeArrowheads="1"/>
+          </p:cNvPicPr>
+          <p:nvPr/>
+        </p:nvPicPr>
+        <p:blipFill>
+          <a:blip r:embed="rId2">
+            <a:extLst>
+              <a:ext uri="{28A0092B-C50C-407E-A947-70E740481C1C}">
+                <a14:useLocalDpi xmlns:a14="http://schemas.microsoft.com/office/drawing/2010/main" val="0"/>
+              </a:ext>
+            </a:extLst>
+          </a:blip>
+          <a:srcRect/>
+          <a:stretch>
+            <a:fillRect/>
+          </a:stretch>
+        </p:blipFill>
+        <p:spPr bwMode="auto">
+          <a:xfrm>
+            <a:off x="3997704" y="2611588"/>
+            <a:ext cx="3733995" cy="1400247"/>
+          </a:xfrm>
+          <a:prstGeom prst="rect">
+            <a:avLst/>
+          </a:prstGeom>
+          <a:noFill/>
+          <a:extLst>
+            <a:ext uri="{909E8E84-426E-40DD-AFC4-6F175D3DCCD1}">
+              <a14:hiddenFill xmlns:a14="http://schemas.microsoft.com/office/drawing/2010/main">
+                <a:solidFill>
+                  <a:srgbClr val="FFFFFF"/>
+                </a:solidFill>
+              </a14:hiddenFill>
+            </a:ext>
+          </a:extLst>
+        </p:spPr>
+      </p:pic>
+      <p:sp>
+        <p:nvSpPr>
+          <p:cNvPr id="3" name="Rectangle 2">
+            <a:extLst>
+              <a:ext uri="{FF2B5EF4-FFF2-40B4-BE49-F238E27FC236}">
+                <a16:creationId xmlns:a16="http://schemas.microsoft.com/office/drawing/2014/main" id="{799897EA-7B44-4FA0-87FF-AFA458737F96}"/>
+              </a:ext>
+            </a:extLst>
+          </p:cNvPr>
+          <p:cNvSpPr/>
+          <p:nvPr/>
+        </p:nvSpPr>
+        <p:spPr>
+          <a:xfrm>
+            <a:off x="3997704" y="267868"/>
+            <a:ext cx="3236784" cy="369332"/>
+          </a:xfrm>
+          <a:prstGeom prst="rect">
+            <a:avLst/>
+          </a:prstGeom>
+        </p:spPr>
+        <p:txBody>
+          <a:bodyPr wrap="none">
+            <a:spAutoFit/>
+          </a:bodyPr>
+          <a:lstStyle/>
+          <a:p>
+            <a:r>
+              <a:rPr lang="en-US" b="1" u="sng" dirty="0"/>
+              <a:t>LSTM Based RNN approach</a:t>
+            </a:r>
+            <a:endParaRPr lang="en-IN" b="1" u="sng" dirty="0"/>
+          </a:p>
+        </p:txBody>
+      </p:sp>
+      <p:pic>
+        <p:nvPicPr>
+          <p:cNvPr id="1028" name="Picture 4" descr="model.png">
+            <a:extLst>
+              <a:ext uri="{FF2B5EF4-FFF2-40B4-BE49-F238E27FC236}">
+                <a16:creationId xmlns:a16="http://schemas.microsoft.com/office/drawing/2014/main" id="{54A5C2DA-9421-48F3-B8A6-814864F5CBE9}"/>
+              </a:ext>
+            </a:extLst>
+          </p:cNvPr>
+          <p:cNvPicPr>
+            <a:picLocks noChangeAspect="1" noChangeArrowheads="1"/>
+          </p:cNvPicPr>
+          <p:nvPr/>
+        </p:nvPicPr>
+        <p:blipFill>
+          <a:blip r:embed="rId3">
+            <a:extLst>
+              <a:ext uri="{28A0092B-C50C-407E-A947-70E740481C1C}">
+                <a14:useLocalDpi xmlns:a14="http://schemas.microsoft.com/office/drawing/2010/main" val="0"/>
+              </a:ext>
+            </a:extLst>
+          </a:blip>
+          <a:srcRect/>
+          <a:stretch>
+            <a:fillRect/>
+          </a:stretch>
+        </p:blipFill>
+        <p:spPr bwMode="auto">
+          <a:xfrm>
+            <a:off x="8145020" y="875386"/>
+            <a:ext cx="3999805" cy="5762431"/>
+          </a:xfrm>
+          <a:prstGeom prst="rect">
+            <a:avLst/>
+          </a:prstGeom>
+          <a:noFill/>
+          <a:extLst>
+            <a:ext uri="{909E8E84-426E-40DD-AFC4-6F175D3DCCD1}">
+              <a14:hiddenFill xmlns:a14="http://schemas.microsoft.com/office/drawing/2010/main">
+                <a:solidFill>
+                  <a:srgbClr val="FFFFFF"/>
+                </a:solidFill>
+              </a14:hiddenFill>
+            </a:ext>
+          </a:extLst>
+        </p:spPr>
+      </p:pic>
+      <p:sp>
+        <p:nvSpPr>
+          <p:cNvPr id="11" name="Rectangle 10">
+            <a:extLst>
+              <a:ext uri="{FF2B5EF4-FFF2-40B4-BE49-F238E27FC236}">
+                <a16:creationId xmlns:a16="http://schemas.microsoft.com/office/drawing/2014/main" id="{5A2A3C24-AA36-4464-9F1C-3F181035094F}"/>
+              </a:ext>
+            </a:extLst>
+          </p:cNvPr>
+          <p:cNvSpPr/>
+          <p:nvPr/>
+        </p:nvSpPr>
+        <p:spPr>
+          <a:xfrm>
+            <a:off x="9481921" y="267868"/>
+            <a:ext cx="1326004" cy="369332"/>
+          </a:xfrm>
+          <a:prstGeom prst="rect">
+            <a:avLst/>
+          </a:prstGeom>
+        </p:spPr>
+        <p:txBody>
+          <a:bodyPr wrap="none">
+            <a:spAutoFit/>
+          </a:bodyPr>
+          <a:lstStyle/>
+          <a:p>
+            <a:r>
+              <a:rPr lang="en-IN" b="1" u="sng" dirty="0"/>
+              <a:t>Our Model</a:t>
             </a:r>
           </a:p>
         </p:txBody>
@@ -8718,7 +14041,7 @@
     </p:spTree>
     <p:extLst>
       <p:ext uri="{BB962C8B-B14F-4D97-AF65-F5344CB8AC3E}">
-        <p14:creationId xmlns:p14="http://schemas.microsoft.com/office/powerpoint/2010/main" val="1627931388"/>
+        <p14:creationId xmlns:p14="http://schemas.microsoft.com/office/powerpoint/2010/main" val="2255022736"/>
       </p:ext>
     </p:extLst>
   </p:cSld>
@@ -8753,15 +14076,67 @@
           <a:chExt cx="0" cy="0"/>
         </a:xfrm>
       </p:grpSpPr>
-      <p:sp>
-        <p:nvSpPr>
-          <p:cNvPr id="9" name="Oval 8">
+      <p:cxnSp>
+        <p:nvCxnSpPr>
+          <p:cNvPr id="17" name="Straight Connector 16">
             <a:extLst>
               <a:ext uri="{FF2B5EF4-FFF2-40B4-BE49-F238E27FC236}">
-                <a16:creationId xmlns:a16="http://schemas.microsoft.com/office/drawing/2014/main" id="{FD451EE1-06AB-4684-8B7A-59133962CD21}"/>
+                <a16:creationId xmlns:a16="http://schemas.microsoft.com/office/drawing/2014/main" id="{99AE2756-0FC4-4155-83E7-58AAAB63E757}"/>
               </a:ext>
               <a:ext uri="{C183D7F6-B498-43B3-948B-1728B52AA6E4}">
-                <adec:decorative xmlns="" xmlns:adec="http://schemas.microsoft.com/office/drawing/2017/decorative" val="1"/>
+                <adec:decorative xmlns:adec="http://schemas.microsoft.com/office/drawing/2017/decorative" val="1"/>
+              </a:ext>
+            </a:extLst>
+          </p:cNvPr>
+          <p:cNvCxnSpPr>
+            <a:cxnSpLocks noGrp="1" noRot="1" noChangeAspect="1" noMove="1" noResize="1" noEditPoints="1" noAdjustHandles="1" noChangeArrowheads="1" noChangeShapeType="1"/>
+          </p:cNvCxnSpPr>
+          <p:nvPr>
+            <p:extLst>
+              <p:ext uri="{386F3935-93C4-4BCD-93E2-E3B085C9AB24}">
+                <p16:designElem xmlns:p16="http://schemas.microsoft.com/office/powerpoint/2015/main" val="1"/>
+              </p:ext>
+            </p:extLst>
+          </p:nvPr>
+        </p:nvCxnSpPr>
+        <p:spPr>
+          <a:xfrm>
+            <a:off x="4065689" y="477749"/>
+            <a:ext cx="0" cy="3657600"/>
+          </a:xfrm>
+          <a:prstGeom prst="line">
+            <a:avLst/>
+          </a:prstGeom>
+          <a:ln w="101600" cmpd="dbl">
+            <a:solidFill>
+              <a:srgbClr val="595959"/>
+            </a:solidFill>
+          </a:ln>
+        </p:spPr>
+        <p:style>
+          <a:lnRef idx="1">
+            <a:schemeClr val="accent1"/>
+          </a:lnRef>
+          <a:fillRef idx="0">
+            <a:schemeClr val="accent1"/>
+          </a:fillRef>
+          <a:effectRef idx="0">
+            <a:schemeClr val="accent1"/>
+          </a:effectRef>
+          <a:fontRef idx="minor">
+            <a:schemeClr val="tx1"/>
+          </a:fontRef>
+        </p:style>
+      </p:cxnSp>
+      <p:sp>
+        <p:nvSpPr>
+          <p:cNvPr id="19" name="Rectangle 18">
+            <a:extLst>
+              <a:ext uri="{FF2B5EF4-FFF2-40B4-BE49-F238E27FC236}">
+                <a16:creationId xmlns:a16="http://schemas.microsoft.com/office/drawing/2014/main" id="{247AB924-1B87-43FC-B7C7-B112D5C51A0E}"/>
+              </a:ext>
+              <a:ext uri="{C183D7F6-B498-43B3-948B-1728B52AA6E4}">
+                <adec:decorative xmlns:adec="http://schemas.microsoft.com/office/drawing/2017/decorative" val="1"/>
               </a:ext>
             </a:extLst>
           </p:cNvPr>
@@ -8776,21 +14151,20 @@
             </p:extLst>
           </p:nvPr>
         </p:nvSpPr>
-        <p:spPr>
-          <a:xfrm>
-            <a:off x="631417" y="2121408"/>
-            <a:ext cx="2615184" cy="2615184"/>
-          </a:xfrm>
-          <a:prstGeom prst="ellipse">
-            <a:avLst/>
-          </a:prstGeom>
-          <a:noFill/>
-          <a:ln w="31750">
+        <p:spPr bwMode="ltGray">
+          <a:xfrm>
+            <a:off x="378068" y="4633546"/>
+            <a:ext cx="11438793" cy="1844256"/>
+          </a:xfrm>
+          <a:prstGeom prst="rect">
+            <a:avLst/>
+          </a:prstGeom>
+          <a:solidFill>
+            <a:srgbClr val="404040"/>
+          </a:solidFill>
+          <a:ln w="127000" cap="sq" cmpd="thinThick">
             <a:solidFill>
-              <a:schemeClr val="tx1">
-                <a:lumMod val="75000"/>
-                <a:lumOff val="25000"/>
-              </a:schemeClr>
+              <a:srgbClr val="404040"/>
             </a:solidFill>
           </a:ln>
         </p:spPr>
@@ -8821,107 +14195,10 @@
       </p:sp>
       <p:sp>
         <p:nvSpPr>
-          <p:cNvPr id="11" name="Rectangle 10">
-            <a:extLst>
-              <a:ext uri="{FF2B5EF4-FFF2-40B4-BE49-F238E27FC236}">
-                <a16:creationId xmlns:a16="http://schemas.microsoft.com/office/drawing/2014/main" id="{E402D69F-ABEF-47E0-B154-C6656A2B3F24}"/>
-              </a:ext>
-              <a:ext uri="{C183D7F6-B498-43B3-948B-1728B52AA6E4}">
-                <adec:decorative xmlns="" xmlns:adec="http://schemas.microsoft.com/office/drawing/2017/decorative" val="1"/>
-              </a:ext>
-            </a:extLst>
-          </p:cNvPr>
-          <p:cNvSpPr>
-            <a:spLocks noGrp="1" noRot="1" noChangeAspect="1" noMove="1" noResize="1" noEditPoints="1" noAdjustHandles="1" noChangeArrowheads="1" noChangeShapeType="1" noTextEdit="1"/>
-          </p:cNvSpPr>
-          <p:nvPr>
-            <p:extLst>
-              <p:ext uri="{386F3935-93C4-4BCD-93E2-E3B085C9AB24}">
-                <p16:designElem xmlns:p16="http://schemas.microsoft.com/office/powerpoint/2015/main" val="1"/>
-              </p:ext>
-            </p:extLst>
-          </p:nvPr>
-        </p:nvSpPr>
-        <p:spPr>
-          <a:xfrm>
-            <a:off x="4047181" y="802767"/>
-            <a:ext cx="7324344" cy="4937760"/>
-          </a:xfrm>
-          <a:prstGeom prst="rect">
-            <a:avLst/>
-          </a:prstGeom>
-          <a:solidFill>
-            <a:srgbClr val="FFFFFF"/>
-          </a:solidFill>
-          <a:ln>
-            <a:solidFill>
-              <a:schemeClr val="tx1">
-                <a:lumMod val="85000"/>
-                <a:lumOff val="15000"/>
-              </a:schemeClr>
-            </a:solidFill>
-          </a:ln>
-        </p:spPr>
-        <p:style>
-          <a:lnRef idx="2">
-            <a:schemeClr val="accent1">
-              <a:shade val="50000"/>
-            </a:schemeClr>
-          </a:lnRef>
-          <a:fillRef idx="1">
-            <a:schemeClr val="accent1"/>
-          </a:fillRef>
-          <a:effectRef idx="0">
-            <a:schemeClr val="accent1"/>
-          </a:effectRef>
-          <a:fontRef idx="minor">
-            <a:schemeClr val="lt1"/>
-          </a:fontRef>
-        </p:style>
-        <p:txBody>
-          <a:bodyPr rtlCol="0" anchor="ctr"/>
-          <a:lstStyle/>
-          <a:p>
-            <a:pPr algn="ctr"/>
-            <a:endParaRPr lang="en-US"/>
-          </a:p>
-        </p:txBody>
-      </p:sp>
-      <p:pic>
-        <p:nvPicPr>
-          <p:cNvPr id="4" name="Picture 3">
-            <a:extLst>
-              <a:ext uri="{FF2B5EF4-FFF2-40B4-BE49-F238E27FC236}">
-                <a16:creationId xmlns:a16="http://schemas.microsoft.com/office/drawing/2014/main" id="{8CF582BD-CD71-4C39-8868-E7D97D515B90}"/>
-              </a:ext>
-            </a:extLst>
-          </p:cNvPr>
-          <p:cNvPicPr>
-            <a:picLocks noChangeAspect="1"/>
-          </p:cNvPicPr>
-          <p:nvPr/>
-        </p:nvPicPr>
-        <p:blipFill rotWithShape="1">
-          <a:blip r:embed="rId2"/>
-          <a:srcRect l="26827" t="22666" r="6900" b="6154"/>
-          <a:stretch/>
-        </p:blipFill>
-        <p:spPr>
-          <a:xfrm>
-            <a:off x="4361406" y="1248989"/>
-            <a:ext cx="6695895" cy="4045315"/>
-          </a:xfrm>
-          <a:prstGeom prst="rect">
-            <a:avLst/>
-          </a:prstGeom>
-        </p:spPr>
-      </p:pic>
-      <p:sp>
-        <p:nvSpPr>
           <p:cNvPr id="2" name="Title 1">
             <a:extLst>
               <a:ext uri="{FF2B5EF4-FFF2-40B4-BE49-F238E27FC236}">
-                <a16:creationId xmlns:a16="http://schemas.microsoft.com/office/drawing/2014/main" id="{7065ED2B-B2AF-46ED-A905-C6506F2F68A7}"/>
+                <a16:creationId xmlns:a16="http://schemas.microsoft.com/office/drawing/2014/main" id="{71653AAD-895E-45EA-BE2E-F765DDE5A799}"/>
               </a:ext>
             </a:extLst>
           </p:cNvPr>
@@ -8934,44 +14211,262 @@
         </p:nvSpPr>
         <p:spPr>
           <a:xfrm>
-            <a:off x="796009" y="2286000"/>
-            <a:ext cx="2286000" cy="2286000"/>
+            <a:off x="527538" y="4756638"/>
+            <a:ext cx="11139854" cy="930447"/>
           </a:xfrm>
           <a:prstGeom prst="ellipse">
             <a:avLst/>
           </a:prstGeom>
-          <a:solidFill>
-            <a:schemeClr val="tx1">
-              <a:lumMod val="75000"/>
-              <a:lumOff val="25000"/>
-            </a:schemeClr>
-          </a:solidFill>
-          <a:ln>
-            <a:noFill/>
-          </a:ln>
         </p:spPr>
         <p:txBody>
-          <a:bodyPr>
+          <a:bodyPr vert="horz" lIns="91440" tIns="45720" rIns="91440" bIns="45720" rtlCol="0" anchor="b">
             <a:normAutofit/>
           </a:bodyPr>
           <a:lstStyle/>
           <a:p>
             <a:pPr algn="ctr"/>
             <a:r>
-              <a:rPr lang="en-US" sz="2000" dirty="0">
+              <a:rPr lang="en-US" sz="1800">
                 <a:solidFill>
-                  <a:schemeClr val="bg1"/>
+                  <a:srgbClr val="FFFFFF"/>
                 </a:solidFill>
               </a:rPr>
-              <a:t>Step Pattern</a:t>
+              <a:t>Model</a:t>
             </a:r>
+            <a:br>
+              <a:rPr lang="en-US" sz="1800">
+                <a:solidFill>
+                  <a:srgbClr val="FFFFFF"/>
+                </a:solidFill>
+              </a:rPr>
+            </a:br>
+            <a:r>
+              <a:rPr lang="en-US" sz="1800">
+                <a:solidFill>
+                  <a:srgbClr val="FFFFFF"/>
+                </a:solidFill>
+              </a:rPr>
+              <a:t>Evaluation</a:t>
+            </a:r>
           </a:p>
         </p:txBody>
       </p:sp>
+      <p:pic>
+        <p:nvPicPr>
+          <p:cNvPr id="4" name="Picture 3" descr="A picture containing tree&#10;&#10;Description generated with very high confidence">
+            <a:extLst>
+              <a:ext uri="{FF2B5EF4-FFF2-40B4-BE49-F238E27FC236}">
+                <a16:creationId xmlns:a16="http://schemas.microsoft.com/office/drawing/2014/main" id="{558D269A-2260-4181-99BF-A5911DA3DC96}"/>
+              </a:ext>
+            </a:extLst>
+          </p:cNvPr>
+          <p:cNvPicPr>
+            <a:picLocks noChangeAspect="1"/>
+          </p:cNvPicPr>
+          <p:nvPr/>
+        </p:nvPicPr>
+        <p:blipFill>
+          <a:blip r:embed="rId2">
+            <a:extLst>
+              <a:ext uri="{28A0092B-C50C-407E-A947-70E740481C1C}">
+                <a14:useLocalDpi xmlns:a14="http://schemas.microsoft.com/office/drawing/2010/main" val="0"/>
+              </a:ext>
+            </a:extLst>
+          </a:blip>
+          <a:stretch>
+            <a:fillRect/>
+          </a:stretch>
+        </p:blipFill>
+        <p:spPr>
+          <a:xfrm>
+            <a:off x="4431467" y="616905"/>
+            <a:ext cx="3425609" cy="3425609"/>
+          </a:xfrm>
+          <a:prstGeom prst="rect">
+            <a:avLst/>
+          </a:prstGeom>
+        </p:spPr>
+      </p:pic>
+      <p:pic>
+        <p:nvPicPr>
+          <p:cNvPr id="9" name="Picture 8" descr="A screenshot of a map&#10;&#10;Description generated with high confidence">
+            <a:extLst>
+              <a:ext uri="{FF2B5EF4-FFF2-40B4-BE49-F238E27FC236}">
+                <a16:creationId xmlns:a16="http://schemas.microsoft.com/office/drawing/2014/main" id="{C2DAE95B-8391-432F-A706-A7D6B5BB8CCA}"/>
+              </a:ext>
+            </a:extLst>
+          </p:cNvPr>
+          <p:cNvPicPr>
+            <a:picLocks noChangeAspect="1"/>
+          </p:cNvPicPr>
+          <p:nvPr/>
+        </p:nvPicPr>
+        <p:blipFill>
+          <a:blip r:embed="rId3">
+            <a:extLst>
+              <a:ext uri="{28A0092B-C50C-407E-A947-70E740481C1C}">
+                <a14:useLocalDpi xmlns:a14="http://schemas.microsoft.com/office/drawing/2010/main" val="0"/>
+              </a:ext>
+            </a:extLst>
+          </a:blip>
+          <a:stretch>
+            <a:fillRect/>
+          </a:stretch>
+        </p:blipFill>
+        <p:spPr>
+          <a:xfrm>
+            <a:off x="378068" y="1257478"/>
+            <a:ext cx="3433324" cy="2291743"/>
+          </a:xfrm>
+          <a:prstGeom prst="rect">
+            <a:avLst/>
+          </a:prstGeom>
+        </p:spPr>
+      </p:pic>
+      <p:cxnSp>
+        <p:nvCxnSpPr>
+          <p:cNvPr id="21" name="Straight Connector 20">
+            <a:extLst>
+              <a:ext uri="{FF2B5EF4-FFF2-40B4-BE49-F238E27FC236}">
+                <a16:creationId xmlns:a16="http://schemas.microsoft.com/office/drawing/2014/main" id="{818DC98F-4057-4645-B948-F604F39A9CFE}"/>
+              </a:ext>
+              <a:ext uri="{C183D7F6-B498-43B3-948B-1728B52AA6E4}">
+                <adec:decorative xmlns:adec="http://schemas.microsoft.com/office/drawing/2017/decorative" val="1"/>
+              </a:ext>
+            </a:extLst>
+          </p:cNvPr>
+          <p:cNvCxnSpPr>
+            <a:cxnSpLocks noGrp="1" noRot="1" noChangeAspect="1" noMove="1" noResize="1" noEditPoints="1" noAdjustHandles="1" noChangeArrowheads="1" noChangeShapeType="1"/>
+          </p:cNvCxnSpPr>
+          <p:nvPr>
+            <p:extLst>
+              <p:ext uri="{386F3935-93C4-4BCD-93E2-E3B085C9AB24}">
+                <p16:designElem xmlns:p16="http://schemas.microsoft.com/office/powerpoint/2015/main" val="1"/>
+              </p:ext>
+            </p:extLst>
+          </p:nvPr>
+        </p:nvCxnSpPr>
+        <p:spPr>
+          <a:xfrm>
+            <a:off x="8153400" y="477749"/>
+            <a:ext cx="0" cy="3657600"/>
+          </a:xfrm>
+          <a:prstGeom prst="line">
+            <a:avLst/>
+          </a:prstGeom>
+          <a:ln w="101600" cmpd="dbl">
+            <a:solidFill>
+              <a:srgbClr val="595959"/>
+            </a:solidFill>
+          </a:ln>
+        </p:spPr>
+        <p:style>
+          <a:lnRef idx="1">
+            <a:schemeClr val="accent1"/>
+          </a:lnRef>
+          <a:fillRef idx="0">
+            <a:schemeClr val="accent1"/>
+          </a:fillRef>
+          <a:effectRef idx="0">
+            <a:schemeClr val="accent1"/>
+          </a:effectRef>
+          <a:fontRef idx="minor">
+            <a:schemeClr val="tx1"/>
+          </a:fontRef>
+        </p:style>
+      </p:cxnSp>
+      <p:pic>
+        <p:nvPicPr>
+          <p:cNvPr id="7" name="Picture 6" descr="A close up of a map&#10;&#10;Description generated with very high confidence">
+            <a:extLst>
+              <a:ext uri="{FF2B5EF4-FFF2-40B4-BE49-F238E27FC236}">
+                <a16:creationId xmlns:a16="http://schemas.microsoft.com/office/drawing/2014/main" id="{1A822883-22A8-4DFC-841E-3245AC37A7D1}"/>
+              </a:ext>
+            </a:extLst>
+          </p:cNvPr>
+          <p:cNvPicPr>
+            <a:picLocks noChangeAspect="1"/>
+          </p:cNvPicPr>
+          <p:nvPr/>
+        </p:nvPicPr>
+        <p:blipFill>
+          <a:blip r:embed="rId4">
+            <a:extLst>
+              <a:ext uri="{28A0092B-C50C-407E-A947-70E740481C1C}">
+                <a14:useLocalDpi xmlns:a14="http://schemas.microsoft.com/office/drawing/2010/main" val="0"/>
+              </a:ext>
+            </a:extLst>
+          </a:blip>
+          <a:stretch>
+            <a:fillRect/>
+          </a:stretch>
+        </p:blipFill>
+        <p:spPr>
+          <a:xfrm>
+            <a:off x="8449725" y="616905"/>
+            <a:ext cx="3423916" cy="3423916"/>
+          </a:xfrm>
+          <a:prstGeom prst="rect">
+            <a:avLst/>
+          </a:prstGeom>
+        </p:spPr>
+      </p:pic>
+      <p:cxnSp>
+        <p:nvCxnSpPr>
+          <p:cNvPr id="23" name="Straight Connector 22">
+            <a:extLst>
+              <a:ext uri="{FF2B5EF4-FFF2-40B4-BE49-F238E27FC236}">
+                <a16:creationId xmlns:a16="http://schemas.microsoft.com/office/drawing/2014/main" id="{DAD2B705-4A9B-408D-AA80-4F41045E09DE}"/>
+              </a:ext>
+              <a:ext uri="{C183D7F6-B498-43B3-948B-1728B52AA6E4}">
+                <adec:decorative xmlns:adec="http://schemas.microsoft.com/office/drawing/2017/decorative" val="1"/>
+              </a:ext>
+            </a:extLst>
+          </p:cNvPr>
+          <p:cNvCxnSpPr>
+            <a:cxnSpLocks noGrp="1" noRot="1" noChangeAspect="1" noMove="1" noResize="1" noEditPoints="1" noAdjustHandles="1" noChangeArrowheads="1" noChangeShapeType="1"/>
+          </p:cNvCxnSpPr>
+          <p:nvPr>
+            <p:extLst>
+              <p:ext uri="{386F3935-93C4-4BCD-93E2-E3B085C9AB24}">
+                <p16:designElem xmlns:p16="http://schemas.microsoft.com/office/powerpoint/2015/main" val="1"/>
+              </p:ext>
+            </p:extLst>
+          </p:nvPr>
+        </p:nvCxnSpPr>
+        <p:spPr>
+          <a:xfrm>
+            <a:off x="2209800" y="5738691"/>
+            <a:ext cx="7772400" cy="0"/>
+          </a:xfrm>
+          <a:prstGeom prst="line">
+            <a:avLst/>
+          </a:prstGeom>
+          <a:ln w="22225">
+            <a:solidFill>
+              <a:srgbClr val="D9D9D9"/>
+            </a:solidFill>
+          </a:ln>
+        </p:spPr>
+        <p:style>
+          <a:lnRef idx="1">
+            <a:schemeClr val="accent1"/>
+          </a:lnRef>
+          <a:fillRef idx="0">
+            <a:schemeClr val="accent1"/>
+          </a:fillRef>
+          <a:effectRef idx="0">
+            <a:schemeClr val="accent1"/>
+          </a:effectRef>
+          <a:fontRef idx="minor">
+            <a:schemeClr val="tx1"/>
+          </a:fontRef>
+        </p:style>
+      </p:cxnSp>
     </p:spTree>
     <p:extLst>
       <p:ext uri="{BB962C8B-B14F-4D97-AF65-F5344CB8AC3E}">
-        <p14:creationId xmlns:p14="http://schemas.microsoft.com/office/powerpoint/2010/main" val="3686544066"/>
+        <p14:creationId xmlns:p14="http://schemas.microsoft.com/office/powerpoint/2010/main" val="2791604368"/>
       </p:ext>
     </p:extLst>
   </p:cSld>
@@ -8984,122 +14479,16 @@
 <file path=ppt/slides/slide12.xml><?xml version="1.0" encoding="utf-8"?>
 <p:sld xmlns:a="http://schemas.openxmlformats.org/drawingml/2006/main" xmlns:r="http://schemas.openxmlformats.org/officeDocument/2006/relationships" xmlns:p="http://schemas.openxmlformats.org/presentationml/2006/main">
   <p:cSld>
-    <p:spTree>
-      <p:nvGrpSpPr>
-        <p:cNvPr id="1" name=""/>
-        <p:cNvGrpSpPr/>
-        <p:nvPr/>
-      </p:nvGrpSpPr>
-      <p:grpSpPr>
-        <a:xfrm>
-          <a:off x="0" y="0"/>
-          <a:ext cx="0" cy="0"/>
-          <a:chOff x="0" y="0"/>
-          <a:chExt cx="0" cy="0"/>
-        </a:xfrm>
-      </p:grpSpPr>
-      <p:sp>
-        <p:nvSpPr>
-          <p:cNvPr id="228" name="CustomShape 1"/>
-          <p:cNvSpPr/>
-          <p:nvPr/>
-        </p:nvSpPr>
-        <p:spPr>
-          <a:xfrm>
-            <a:off x="-89640" y="5351400"/>
-            <a:ext cx="10512720" cy="1322640"/>
-          </a:xfrm>
-          <a:prstGeom prst="rect">
-            <a:avLst/>
-          </a:prstGeom>
-          <a:noFill/>
-          <a:ln>
-            <a:noFill/>
-          </a:ln>
-        </p:spPr>
-        <p:style>
-          <a:lnRef idx="0">
-            <a:scrgbClr r="0" g="0" b="0"/>
-          </a:lnRef>
-          <a:fillRef idx="0">
-            <a:scrgbClr r="0" g="0" b="0"/>
-          </a:fillRef>
-          <a:effectRef idx="0">
-            <a:scrgbClr r="0" g="0" b="0"/>
-          </a:effectRef>
-          <a:fontRef idx="minor"/>
-        </p:style>
-        <p:txBody>
-          <a:bodyPr lIns="0" tIns="0" rIns="0" bIns="0" anchor="ctr"/>
-          <a:lstStyle/>
-          <a:p>
-            <a:pPr algn="ctr">
-              <a:lnSpc>
-                <a:spcPct val="100000"/>
-              </a:lnSpc>
-            </a:pPr>
-            <a:r>
-              <a:rPr lang="en-US" sz="4400" b="0" strike="noStrike" spc="-1">
-                <a:solidFill>
-                  <a:srgbClr val="000000"/>
-                </a:solidFill>
-                <a:latin typeface="Arial"/>
-                <a:ea typeface="DejaVu Sans"/>
-              </a:rPr>
-              <a:t>THANK YOU</a:t>
-            </a:r>
-            <a:endParaRPr lang="en-US" sz="4400" b="0" strike="noStrike" spc="-1">
-              <a:latin typeface="Arial"/>
-            </a:endParaRPr>
-          </a:p>
-        </p:txBody>
-      </p:sp>
-    </p:spTree>
-    <p:extLst>
-      <p:ext uri="{BB962C8B-B14F-4D97-AF65-F5344CB8AC3E}">
-        <p14:creationId xmlns:p14="http://schemas.microsoft.com/office/powerpoint/2010/main" val="3017578272"/>
-      </p:ext>
-    </p:extLst>
-  </p:cSld>
-  <p:clrMapOvr>
-    <a:masterClrMapping/>
-  </p:clrMapOvr>
-  <p:transition>
-    <p:fade/>
-  </p:transition>
-  <p:timing>
-    <p:tnLst>
-      <p:par>
-        <p:cTn id="1" dur="indefinite" restart="never" nodeType="tmRoot">
-          <p:childTnLst>
-            <p:seq>
-              <p:cTn id="2" dur="indefinite" nodeType="mainSeq"/>
-              <p:prevCondLst>
-                <p:cond evt="onPrev" delay="0">
-                  <p:tgtEl>
-                    <p:sldTgt/>
-                  </p:tgtEl>
-                </p:cond>
-              </p:prevCondLst>
-              <p:nextCondLst>
-                <p:cond evt="onNext" delay="0">
-                  <p:tgtEl>
-                    <p:sldTgt/>
-                  </p:tgtEl>
-                </p:cond>
-              </p:nextCondLst>
-            </p:seq>
-          </p:childTnLst>
-        </p:cTn>
-      </p:par>
-    </p:tnLst>
-  </p:timing>
-</p:sld>
-</file>
-
-<file path=ppt/slides/slide13.xml><?xml version="1.0" encoding="utf-8"?>
-<p:sld xmlns:a="http://schemas.openxmlformats.org/drawingml/2006/main" xmlns:r="http://schemas.openxmlformats.org/officeDocument/2006/relationships" xmlns:p="http://schemas.openxmlformats.org/presentationml/2006/main">
-  <p:cSld>
+    <p:bg>
+      <p:bgPr>
+        <a:solidFill>
+          <a:schemeClr val="bg1">
+            <a:lumMod val="95000"/>
+          </a:schemeClr>
+        </a:solidFill>
+        <a:effectLst/>
+      </p:bgPr>
+    </p:bg>
     <p:spTree>
       <p:nvGrpSpPr>
         <p:cNvPr id="1" name=""/>
@@ -9271,7 +14660,7 @@
                 <a:latin typeface="Calibri"/>
                 <a:ea typeface="DejaVu Sans"/>
               </a:rPr>
-              <a:t>13</a:t>
+              <a:t>12</a:t>
             </a:fld>
             <a:endParaRPr lang="en-US" sz="1200" b="0" strike="noStrike" spc="-1">
               <a:solidFill>
@@ -9673,9 +15062,135 @@
 </p:sld>
 </file>
 
+<file path=ppt/slides/slide13.xml><?xml version="1.0" encoding="utf-8"?>
+<p:sld xmlns:a="http://schemas.openxmlformats.org/drawingml/2006/main" xmlns:r="http://schemas.openxmlformats.org/officeDocument/2006/relationships" xmlns:p="http://schemas.openxmlformats.org/presentationml/2006/main">
+  <p:cSld>
+    <p:spTree>
+      <p:nvGrpSpPr>
+        <p:cNvPr id="1" name=""/>
+        <p:cNvGrpSpPr/>
+        <p:nvPr/>
+      </p:nvGrpSpPr>
+      <p:grpSpPr>
+        <a:xfrm>
+          <a:off x="0" y="0"/>
+          <a:ext cx="0" cy="0"/>
+          <a:chOff x="0" y="0"/>
+          <a:chExt cx="0" cy="0"/>
+        </a:xfrm>
+      </p:grpSpPr>
+      <p:sp>
+        <p:nvSpPr>
+          <p:cNvPr id="228" name="CustomShape 1"/>
+          <p:cNvSpPr/>
+          <p:nvPr/>
+        </p:nvSpPr>
+        <p:spPr>
+          <a:xfrm>
+            <a:off x="-89640" y="5351400"/>
+            <a:ext cx="10512720" cy="1322640"/>
+          </a:xfrm>
+          <a:prstGeom prst="rect">
+            <a:avLst/>
+          </a:prstGeom>
+          <a:noFill/>
+          <a:ln>
+            <a:noFill/>
+          </a:ln>
+        </p:spPr>
+        <p:style>
+          <a:lnRef idx="0">
+            <a:scrgbClr r="0" g="0" b="0"/>
+          </a:lnRef>
+          <a:fillRef idx="0">
+            <a:scrgbClr r="0" g="0" b="0"/>
+          </a:fillRef>
+          <a:effectRef idx="0">
+            <a:scrgbClr r="0" g="0" b="0"/>
+          </a:effectRef>
+          <a:fontRef idx="minor"/>
+        </p:style>
+        <p:txBody>
+          <a:bodyPr lIns="0" tIns="0" rIns="0" bIns="0" anchor="ctr"/>
+          <a:lstStyle/>
+          <a:p>
+            <a:pPr algn="ctr">
+              <a:lnSpc>
+                <a:spcPct val="100000"/>
+              </a:lnSpc>
+            </a:pPr>
+            <a:r>
+              <a:rPr lang="en-US" sz="4400" b="0" strike="noStrike" spc="-1">
+                <a:solidFill>
+                  <a:srgbClr val="000000"/>
+                </a:solidFill>
+                <a:latin typeface="Arial"/>
+                <a:ea typeface="DejaVu Sans"/>
+              </a:rPr>
+              <a:t>THANK YOU</a:t>
+            </a:r>
+            <a:endParaRPr lang="en-US" sz="4400" b="0" strike="noStrike" spc="-1">
+              <a:latin typeface="Arial"/>
+            </a:endParaRPr>
+          </a:p>
+        </p:txBody>
+      </p:sp>
+    </p:spTree>
+    <p:extLst>
+      <p:ext uri="{BB962C8B-B14F-4D97-AF65-F5344CB8AC3E}">
+        <p14:creationId xmlns:p14="http://schemas.microsoft.com/office/powerpoint/2010/main" val="3017578272"/>
+      </p:ext>
+    </p:extLst>
+  </p:cSld>
+  <p:clrMapOvr>
+    <a:masterClrMapping/>
+  </p:clrMapOvr>
+  <p:transition>
+    <p:fade/>
+  </p:transition>
+  <p:timing>
+    <p:tnLst>
+      <p:par>
+        <p:cTn id="1" dur="indefinite" restart="never" nodeType="tmRoot">
+          <p:childTnLst>
+            <p:seq>
+              <p:cTn id="2" dur="indefinite" nodeType="mainSeq"/>
+              <p:prevCondLst>
+                <p:cond evt="onPrev" delay="0">
+                  <p:tgtEl>
+                    <p:sldTgt/>
+                  </p:tgtEl>
+                </p:cond>
+              </p:prevCondLst>
+              <p:nextCondLst>
+                <p:cond evt="onNext" delay="0">
+                  <p:tgtEl>
+                    <p:sldTgt/>
+                  </p:tgtEl>
+                </p:cond>
+              </p:nextCondLst>
+            </p:seq>
+          </p:childTnLst>
+        </p:cTn>
+      </p:par>
+    </p:tnLst>
+  </p:timing>
+</p:sld>
+</file>
+
 <file path=ppt/slides/slide2.xml><?xml version="1.0" encoding="utf-8"?>
 <p:sld xmlns:a="http://schemas.openxmlformats.org/drawingml/2006/main" xmlns:r="http://schemas.openxmlformats.org/officeDocument/2006/relationships" xmlns:p="http://schemas.openxmlformats.org/presentationml/2006/main">
   <p:cSld>
+    <p:bg>
+      <p:bgPr>
+        <a:solidFill>
+          <a:schemeClr val="bg1">
+            <a:lumMod val="95000"/>
+          </a:schemeClr>
+        </a:solidFill>
+        <a:effectLst/>
+      </p:bgPr>
+    </p:bg>
     <p:spTree>
       <p:nvGrpSpPr>
         <p:cNvPr id="1" name=""/>
@@ -9857,7 +15372,7 @@
               </a:lnSpc>
             </a:pPr>
             <a:r>
-              <a:rPr lang="en-US" sz="3200" b="0" u="sng" strike="noStrike" spc="-1">
+              <a:rPr lang="en-US" sz="3200" b="0" u="sng" strike="noStrike" spc="-1" dirty="0">
                 <a:solidFill>
                   <a:schemeClr val="tx2">
                     <a:lumMod val="75000"/>
@@ -9873,7 +15388,7 @@
               </a:rPr>
               <a:t>Traditional Knee Brace      </a:t>
             </a:r>
-            <a:endParaRPr lang="en-US" sz="3200" b="0" strike="noStrike" spc="-1">
+            <a:endParaRPr lang="en-US" sz="3200" b="0" strike="noStrike" spc="-1" dirty="0">
               <a:solidFill>
                 <a:schemeClr val="tx2">
                   <a:lumMod val="75000"/>
@@ -10280,7 +15795,7 @@
               </a:lnSpc>
             </a:pPr>
             <a:r>
-              <a:rPr lang="en-US" sz="1800" b="0" strike="noStrike" spc="-1">
+              <a:rPr lang="en-US" sz="1800" b="0" strike="noStrike" spc="-1" dirty="0">
                 <a:solidFill>
                   <a:schemeClr val="tx2">
                     <a:lumMod val="75000"/>
@@ -10291,7 +15806,7 @@
               </a:rPr>
               <a:t>Monitor Gait Movement</a:t>
             </a:r>
-            <a:endParaRPr lang="en-US" sz="1800" b="0" strike="noStrike" spc="-1">
+            <a:endParaRPr lang="en-US" sz="1800" b="0" strike="noStrike" spc="-1" dirty="0">
               <a:solidFill>
                 <a:schemeClr val="tx2">
                   <a:lumMod val="75000"/>
@@ -10307,7 +15822,7 @@
               </a:lnSpc>
             </a:pPr>
             <a:r>
-              <a:rPr lang="en-US" sz="1600" b="0" strike="noStrike" spc="-1">
+              <a:rPr lang="en-US" sz="1600" b="0" strike="noStrike" spc="-1" dirty="0">
                 <a:solidFill>
                   <a:schemeClr val="tx2">
                     <a:lumMod val="75000"/>
@@ -10318,7 +15833,7 @@
               </a:rPr>
               <a:t>Limiting potentially harmful knee movements while rehabilitating after recent knee surgery or an injury</a:t>
             </a:r>
-            <a:endParaRPr lang="en-US" sz="1600" b="0" strike="noStrike" spc="-1">
+            <a:endParaRPr lang="en-US" sz="1600" b="0" strike="noStrike" spc="-1" dirty="0">
               <a:solidFill>
                 <a:schemeClr val="tx2">
                   <a:lumMod val="75000"/>
@@ -10476,6 +15991,16 @@
 <file path=ppt/slides/slide3.xml><?xml version="1.0" encoding="utf-8"?>
 <p:sld xmlns:a="http://schemas.openxmlformats.org/drawingml/2006/main" xmlns:r="http://schemas.openxmlformats.org/officeDocument/2006/relationships" xmlns:p="http://schemas.openxmlformats.org/presentationml/2006/main">
   <p:cSld>
+    <p:bg>
+      <p:bgPr>
+        <a:solidFill>
+          <a:schemeClr val="bg1">
+            <a:lumMod val="95000"/>
+          </a:schemeClr>
+        </a:solidFill>
+        <a:effectLst/>
+      </p:bgPr>
+    </p:bg>
     <p:spTree>
       <p:nvGrpSpPr>
         <p:cNvPr id="1" name=""/>
@@ -11936,7 +17461,7 @@
         </p:blipFill>
         <p:spPr>
           <a:xfrm>
-            <a:off x="5425200" y="1746360"/>
+            <a:off x="4454815" y="1746360"/>
             <a:ext cx="609120" cy="609120"/>
           </a:xfrm>
           <a:prstGeom prst="rect">
@@ -11959,7 +17484,7 @@
         </p:blipFill>
         <p:spPr>
           <a:xfrm>
-            <a:off x="10340640" y="1767960"/>
+            <a:off x="6477766" y="1767960"/>
             <a:ext cx="609120" cy="609120"/>
           </a:xfrm>
           <a:prstGeom prst="rect">
@@ -12064,14 +17589,14 @@
           <p:nvPr>
             <p:extLst>
               <p:ext uri="{D42A27DB-BD31-4B8C-83A1-F6EECF244321}">
-                <p14:modId xmlns:p14="http://schemas.microsoft.com/office/powerpoint/2010/main" val="588735795"/>
+                <p14:modId xmlns:p14="http://schemas.microsoft.com/office/powerpoint/2010/main" val="1089955428"/>
               </p:ext>
             </p:extLst>
           </p:nvPr>
         </p:nvGraphicFramePr>
         <p:xfrm>
           <a:off x="3891960" y="3439080"/>
-          <a:ext cx="8127720" cy="2997000"/>
+          <a:ext cx="8127720" cy="2965612"/>
         </p:xfrm>
         <a:graphic>
           <a:graphicData uri="http://schemas.openxmlformats.org/drawingml/2006/table">
@@ -12100,7 +17625,7 @@
                   </a:extLst>
                 </a:gridCol>
               </a:tblGrid>
-              <a:tr h="749160">
+              <a:tr h="489884">
                 <a:tc>
                   <a:txBody>
                     <a:bodyPr/>
@@ -12112,7 +17637,7 @@
                         </a:lnSpc>
                       </a:pPr>
                       <a:r>
-                        <a:rPr lang="en-US" sz="1400" b="1" strike="noStrike" spc="-1">
+                        <a:rPr lang="en-US" sz="900" b="1" strike="noStrike" spc="-1">
                           <a:solidFill>
                             <a:schemeClr val="tx2">
                               <a:lumMod val="75000"/>
@@ -12122,7 +17647,7 @@
                         </a:rPr>
                         <a:t>Milestone</a:t>
                       </a:r>
-                      <a:endParaRPr lang="en-US" sz="1400" b="0" strike="noStrike" spc="-1">
+                      <a:endParaRPr lang="en-US" sz="900" b="0" strike="noStrike" spc="-1">
                         <a:solidFill>
                           <a:schemeClr val="tx2">
                             <a:lumMod val="75000"/>
@@ -12167,7 +17692,7 @@
                         </a:lnSpc>
                       </a:pPr>
                       <a:r>
-                        <a:rPr lang="en-US" sz="1400" b="0" strike="noStrike" spc="-1">
+                        <a:rPr lang="en-US" sz="900" b="0" strike="noStrike" spc="-1">
                           <a:solidFill>
                             <a:schemeClr val="tx2">
                               <a:lumMod val="75000"/>
@@ -12177,7 +17702,7 @@
                         </a:rPr>
                         <a:t>Achievement </a:t>
                       </a:r>
-                      <a:endParaRPr lang="en-US" sz="1400" b="0" strike="noStrike" spc="-1">
+                      <a:endParaRPr lang="en-US" sz="900" b="0" strike="noStrike" spc="-1">
                         <a:solidFill>
                           <a:schemeClr val="tx2">
                             <a:lumMod val="75000"/>
@@ -12222,7 +17747,7 @@
                         </a:lnSpc>
                       </a:pPr>
                       <a:r>
-                        <a:rPr lang="en-US" sz="1400" b="0" strike="noStrike" spc="-1">
+                        <a:rPr lang="en-US" sz="900" b="0" strike="noStrike" spc="-1" dirty="0">
                           <a:solidFill>
                             <a:schemeClr val="tx2">
                               <a:lumMod val="75000"/>
@@ -12232,7 +17757,7 @@
                         </a:rPr>
                         <a:t>Status</a:t>
                       </a:r>
-                      <a:endParaRPr lang="en-US" sz="1400" b="0" strike="noStrike" spc="-1">
+                      <a:endParaRPr lang="en-US" sz="900" b="0" strike="noStrike" spc="-1" dirty="0">
                         <a:solidFill>
                           <a:schemeClr val="tx2">
                             <a:lumMod val="75000"/>
@@ -12272,7 +17797,7 @@
                   </a:ext>
                 </a:extLst>
               </a:tr>
-              <a:tr h="749160">
+              <a:tr h="489884">
                 <a:tc>
                   <a:txBody>
                     <a:bodyPr/>
@@ -12284,7 +17809,7 @@
                         </a:lnSpc>
                       </a:pPr>
                       <a:r>
-                        <a:rPr lang="en-US" sz="1400" b="1" strike="noStrike" spc="-1">
+                        <a:rPr lang="en-US" sz="900" b="1" strike="noStrike" spc="-1">
                           <a:solidFill>
                             <a:schemeClr val="tx2">
                               <a:lumMod val="75000"/>
@@ -12294,7 +17819,7 @@
                         </a:rPr>
                         <a:t>1</a:t>
                       </a:r>
-                      <a:endParaRPr lang="en-US" sz="1400" b="0" strike="noStrike" spc="-1">
+                      <a:endParaRPr lang="en-US" sz="900" b="0" strike="noStrike" spc="-1">
                         <a:solidFill>
                           <a:schemeClr val="tx2">
                             <a:lumMod val="75000"/>
@@ -12339,7 +17864,7 @@
                         </a:lnSpc>
                       </a:pPr>
                       <a:r>
-                        <a:rPr lang="en-US" sz="1400" b="1" strike="noStrike" spc="-1">
+                        <a:rPr lang="en-US" sz="900" b="1" strike="noStrike" spc="-1">
                           <a:solidFill>
                             <a:schemeClr val="tx2">
                               <a:lumMod val="75000"/>
@@ -12349,7 +17874,7 @@
                         </a:rPr>
                         <a:t>Get Gyro meter and Accelerometer readings from knee brace prototype using mobile phone sensors </a:t>
                       </a:r>
-                      <a:endParaRPr lang="en-US" sz="1400" b="0" strike="noStrike" spc="-1">
+                      <a:endParaRPr lang="en-US" sz="900" b="0" strike="noStrike" spc="-1">
                         <a:solidFill>
                           <a:schemeClr val="tx2">
                             <a:lumMod val="75000"/>
@@ -12394,7 +17919,7 @@
                         </a:lnSpc>
                       </a:pPr>
                       <a:r>
-                        <a:rPr lang="en-US" sz="1400" b="1" strike="noStrike" spc="-1">
+                        <a:rPr lang="en-US" sz="900" b="1" strike="noStrike" spc="-1" dirty="0">
                           <a:solidFill>
                             <a:schemeClr val="tx2">
                               <a:lumMod val="75000"/>
@@ -12404,7 +17929,7 @@
                         </a:rPr>
                         <a:t>Done</a:t>
                       </a:r>
-                      <a:endParaRPr lang="en-US" sz="1400" b="0" strike="noStrike" spc="-1">
+                      <a:endParaRPr lang="en-US" sz="900" b="0" strike="noStrike" spc="-1" dirty="0">
                         <a:solidFill>
                           <a:schemeClr val="tx2">
                             <a:lumMod val="75000"/>
@@ -12444,7 +17969,7 @@
                   </a:ext>
                 </a:extLst>
               </a:tr>
-              <a:tr h="749160">
+              <a:tr h="489884">
                 <a:tc>
                   <a:txBody>
                     <a:bodyPr/>
@@ -12456,7 +17981,7 @@
                         </a:lnSpc>
                       </a:pPr>
                       <a:r>
-                        <a:rPr lang="en-US" sz="1400" b="1" strike="noStrike" spc="-1">
+                        <a:rPr lang="en-US" sz="900" b="1" strike="noStrike" spc="-1">
                           <a:solidFill>
                             <a:schemeClr val="tx2">
                               <a:lumMod val="75000"/>
@@ -12466,7 +17991,7 @@
                         </a:rPr>
                         <a:t>2</a:t>
                       </a:r>
-                      <a:endParaRPr lang="en-US" sz="1400" b="0" strike="noStrike" spc="-1">
+                      <a:endParaRPr lang="en-US" sz="900" b="0" strike="noStrike" spc="-1">
                         <a:solidFill>
                           <a:schemeClr val="tx2">
                             <a:lumMod val="75000"/>
@@ -12511,7 +18036,7 @@
                         </a:lnSpc>
                       </a:pPr>
                       <a:r>
-                        <a:rPr lang="en-US" sz="1400" b="1" strike="noStrike" spc="-1">
+                        <a:rPr lang="en-US" sz="900" b="1" strike="noStrike" spc="-1" dirty="0">
                           <a:solidFill>
                             <a:schemeClr val="tx2">
                               <a:lumMod val="75000"/>
@@ -12522,7 +18047,7 @@
                         <a:t>Create prototype-two with</a:t>
                       </a:r>
                       <a:r>
-                        <a:rPr lang="en-US" sz="1800" b="0" strike="noStrike" spc="-1">
+                        <a:rPr lang="en-US" sz="900" b="0" strike="noStrike" spc="-1" dirty="0">
                           <a:solidFill>
                             <a:schemeClr val="tx2">
                               <a:lumMod val="75000"/>
@@ -12533,7 +18058,7 @@
                         <a:t> </a:t>
                       </a:r>
                       <a:r>
-                        <a:rPr lang="en-US" sz="1400" b="1" strike="noStrike" spc="-1">
+                        <a:rPr lang="en-US" sz="900" b="1" strike="noStrike" spc="-1" dirty="0">
                           <a:solidFill>
                             <a:schemeClr val="tx2">
                               <a:lumMod val="75000"/>
@@ -12544,7 +18069,7 @@
                         <a:t>wireless</a:t>
                       </a:r>
                       <a:r>
-                        <a:rPr lang="en-US" sz="1800" b="0" strike="noStrike" spc="-1">
+                        <a:rPr lang="en-US" sz="900" b="0" strike="noStrike" spc="-1" dirty="0">
                           <a:solidFill>
                             <a:schemeClr val="tx2">
                               <a:lumMod val="75000"/>
@@ -12555,7 +18080,7 @@
                         <a:t> </a:t>
                       </a:r>
                       <a:r>
-                        <a:rPr lang="en-US" sz="1400" b="1" strike="noStrike" spc="-1">
+                        <a:rPr lang="en-US" sz="900" b="1" strike="noStrike" spc="-1" dirty="0">
                           <a:solidFill>
                             <a:schemeClr val="tx2">
                               <a:lumMod val="75000"/>
@@ -12565,7 +18090,7 @@
                         </a:rPr>
                         <a:t>motion capture capability  using IMU and on knee processor</a:t>
                       </a:r>
-                      <a:endParaRPr lang="en-US" sz="1400" b="0" strike="noStrike" spc="-1">
+                      <a:endParaRPr lang="en-US" sz="900" b="0" strike="noStrike" spc="-1" dirty="0">
                         <a:solidFill>
                           <a:schemeClr val="tx2">
                             <a:lumMod val="75000"/>
@@ -12610,7 +18135,7 @@
                         </a:lnSpc>
                       </a:pPr>
                       <a:r>
-                        <a:rPr lang="en-US" sz="1400" b="1" strike="noStrike" spc="-1">
+                        <a:rPr lang="en-US" sz="900" b="1" strike="noStrike" spc="-1" dirty="0">
                           <a:solidFill>
                             <a:schemeClr val="tx2">
                               <a:lumMod val="75000"/>
@@ -12620,7 +18145,7 @@
                         </a:rPr>
                         <a:t>Done</a:t>
                       </a:r>
-                      <a:endParaRPr lang="en-US" sz="1400" b="0" strike="noStrike" spc="-1">
+                      <a:endParaRPr lang="en-US" sz="900" b="0" strike="noStrike" spc="-1" dirty="0">
                         <a:solidFill>
                           <a:schemeClr val="tx2">
                             <a:lumMod val="75000"/>
@@ -12660,7 +18185,7 @@
                   </a:ext>
                 </a:extLst>
               </a:tr>
-              <a:tr h="749520">
+              <a:tr h="490120">
                 <a:tc>
                   <a:txBody>
                     <a:bodyPr/>
@@ -12672,7 +18197,7 @@
                         </a:lnSpc>
                       </a:pPr>
                       <a:r>
-                        <a:rPr lang="en-US" sz="1400" b="1" strike="noStrike" spc="-1">
+                        <a:rPr lang="en-US" sz="900" b="1" strike="noStrike" spc="-1" dirty="0">
                           <a:solidFill>
                             <a:schemeClr val="tx2">
                               <a:lumMod val="75000"/>
@@ -12682,7 +18207,7 @@
                         </a:rPr>
                         <a:t>3</a:t>
                       </a:r>
-                      <a:endParaRPr lang="en-US" sz="1400" b="0" strike="noStrike" spc="-1">
+                      <a:endParaRPr lang="en-US" sz="900" b="0" strike="noStrike" spc="-1" dirty="0">
                         <a:solidFill>
                           <a:schemeClr val="tx2">
                             <a:lumMod val="75000"/>
@@ -12708,10 +18233,14 @@
                         <a:srgbClr val="000000"/>
                       </a:solidFill>
                     </a:lnT>
-                    <a:lnB w="12240">
+                    <a:lnB w="12240" cap="flat" cmpd="sng" algn="ctr">
                       <a:solidFill>
                         <a:srgbClr val="000000"/>
                       </a:solidFill>
+                      <a:prstDash val="solid"/>
+                      <a:round/>
+                      <a:headEnd type="none" w="med" len="med"/>
+                      <a:tailEnd type="none" w="med" len="med"/>
                     </a:lnB>
                     <a:noFill/>
                   </a:tcPr>
@@ -12727,7 +18256,7 @@
                         </a:lnSpc>
                       </a:pPr>
                       <a:r>
-                        <a:rPr lang="en-US" sz="1400" b="1" strike="noStrike" spc="-1">
+                        <a:rPr lang="en-US" sz="900" b="1" strike="noStrike" spc="-1" dirty="0">
                           <a:solidFill>
                             <a:schemeClr val="tx2">
                               <a:lumMod val="75000"/>
@@ -12737,7 +18266,76 @@
                         </a:rPr>
                         <a:t>Create a secure architecture for receiving and logging different sensor data from smart knee (IMU + On knee processor)</a:t>
                       </a:r>
-                      <a:endParaRPr lang="en-US" sz="1400" b="0" strike="noStrike" spc="-1">
+                    </a:p>
+                    <a:p>
+                      <a:pPr algn="ctr">
+                        <a:lnSpc>
+                          <a:spcPct val="100000"/>
+                        </a:lnSpc>
+                      </a:pPr>
+                      <a:r>
+                        <a:rPr lang="en-US" sz="900" b="1" strike="noStrike" spc="-1" dirty="0">
+                          <a:solidFill>
+                            <a:schemeClr val="tx2">
+                              <a:lumMod val="75000"/>
+                            </a:schemeClr>
+                          </a:solidFill>
+                          <a:latin typeface="+mn-lt"/>
+                        </a:rPr>
+                        <a:t>Collect data for all activities from different subjects </a:t>
+                      </a:r>
+                    </a:p>
+                  </a:txBody>
+                  <a:tcPr>
+                    <a:lnL w="12240">
+                      <a:solidFill>
+                        <a:srgbClr val="000000"/>
+                      </a:solidFill>
+                    </a:lnL>
+                    <a:lnR w="12240">
+                      <a:solidFill>
+                        <a:srgbClr val="000000"/>
+                      </a:solidFill>
+                    </a:lnR>
+                    <a:lnT w="12240">
+                      <a:solidFill>
+                        <a:srgbClr val="000000"/>
+                      </a:solidFill>
+                    </a:lnT>
+                    <a:lnB w="12240" cap="flat" cmpd="sng" algn="ctr">
+                      <a:solidFill>
+                        <a:srgbClr val="000000"/>
+                      </a:solidFill>
+                      <a:prstDash val="solid"/>
+                      <a:round/>
+                      <a:headEnd type="none" w="med" len="med"/>
+                      <a:tailEnd type="none" w="med" len="med"/>
+                    </a:lnB>
+                    <a:noFill/>
+                  </a:tcPr>
+                </a:tc>
+                <a:tc>
+                  <a:txBody>
+                    <a:bodyPr/>
+                    <a:lstStyle/>
+                    <a:p>
+                      <a:pPr algn="ctr">
+                        <a:lnSpc>
+                          <a:spcPct val="100000"/>
+                        </a:lnSpc>
+                      </a:pPr>
+                      <a:r>
+                        <a:rPr lang="en-US" sz="900" b="1" strike="noStrike" spc="-1" dirty="0">
+                          <a:solidFill>
+                            <a:schemeClr val="tx2">
+                              <a:lumMod val="75000"/>
+                            </a:schemeClr>
+                          </a:solidFill>
+                          <a:latin typeface="Calibri"/>
+                        </a:rPr>
+                        <a:t>Done</a:t>
+                      </a:r>
+                      <a:endParaRPr lang="en-US" sz="900" b="0" strike="noStrike" spc="-1" dirty="0">
                         <a:solidFill>
                           <a:schemeClr val="tx2">
                             <a:lumMod val="75000"/>
@@ -12763,6 +18361,345 @@
                         <a:srgbClr val="000000"/>
                       </a:solidFill>
                     </a:lnT>
+                    <a:lnB w="12240" cap="flat" cmpd="sng" algn="ctr">
+                      <a:solidFill>
+                        <a:srgbClr val="000000"/>
+                      </a:solidFill>
+                      <a:prstDash val="solid"/>
+                      <a:round/>
+                      <a:headEnd type="none" w="med" len="med"/>
+                      <a:tailEnd type="none" w="med" len="med"/>
+                    </a:lnB>
+                    <a:noFill/>
+                  </a:tcPr>
+                </a:tc>
+                <a:extLst>
+                  <a:ext uri="{0D108BD9-81ED-4DB2-BD59-A6C34878D82A}">
+                    <a16:rowId xmlns:a16="http://schemas.microsoft.com/office/drawing/2014/main" val="10003"/>
+                  </a:ext>
+                </a:extLst>
+              </a:tr>
+              <a:tr h="490120">
+                <a:tc>
+                  <a:txBody>
+                    <a:bodyPr/>
+                    <a:lstStyle/>
+                    <a:p>
+                      <a:pPr algn="ctr">
+                        <a:lnSpc>
+                          <a:spcPct val="100000"/>
+                        </a:lnSpc>
+                      </a:pPr>
+                      <a:r>
+                        <a:rPr lang="en-US" sz="900" b="0" strike="noStrike" spc="-1" dirty="0">
+                          <a:solidFill>
+                            <a:schemeClr val="tx2">
+                              <a:lumMod val="75000"/>
+                            </a:schemeClr>
+                          </a:solidFill>
+                          <a:latin typeface="Arial"/>
+                        </a:rPr>
+                        <a:t>4</a:t>
+                      </a:r>
+                    </a:p>
+                  </a:txBody>
+                  <a:tcPr>
+                    <a:lnL w="12240">
+                      <a:solidFill>
+                        <a:srgbClr val="000000"/>
+                      </a:solidFill>
+                    </a:lnL>
+                    <a:lnR w="12240" cap="flat" cmpd="sng" algn="ctr">
+                      <a:solidFill>
+                        <a:srgbClr val="000000"/>
+                      </a:solidFill>
+                      <a:prstDash val="solid"/>
+                      <a:round/>
+                      <a:headEnd type="none" w="med" len="med"/>
+                      <a:tailEnd type="none" w="med" len="med"/>
+                    </a:lnR>
+                    <a:lnT w="12240">
+                      <a:solidFill>
+                        <a:srgbClr val="000000"/>
+                      </a:solidFill>
+                    </a:lnT>
+                    <a:lnB w="12240" cap="flat" cmpd="sng" algn="ctr">
+                      <a:solidFill>
+                        <a:srgbClr val="000000"/>
+                      </a:solidFill>
+                      <a:prstDash val="solid"/>
+                      <a:round/>
+                      <a:headEnd type="none" w="med" len="med"/>
+                      <a:tailEnd type="none" w="med" len="med"/>
+                    </a:lnB>
+                    <a:noFill/>
+                  </a:tcPr>
+                </a:tc>
+                <a:tc>
+                  <a:txBody>
+                    <a:bodyPr/>
+                    <a:lstStyle/>
+                    <a:p>
+                      <a:pPr marL="0" marR="0" lvl="0" indent="0" algn="ctr" defTabSz="914400" rtl="0" eaLnBrk="1" fontAlgn="auto" latinLnBrk="0" hangingPunct="1">
+                        <a:lnSpc>
+                          <a:spcPct val="100000"/>
+                        </a:lnSpc>
+                        <a:spcBef>
+                          <a:spcPts val="0"/>
+                        </a:spcBef>
+                        <a:spcAft>
+                          <a:spcPts val="0"/>
+                        </a:spcAft>
+                        <a:buClrTx/>
+                        <a:buSzTx/>
+                        <a:buFontTx/>
+                        <a:buNone/>
+                        <a:tabLst/>
+                        <a:defRPr/>
+                      </a:pPr>
+                      <a:r>
+                        <a:rPr lang="en-US" sz="900" b="1" strike="noStrike" kern="1200" spc="-1" dirty="0">
+                          <a:solidFill>
+                            <a:schemeClr val="tx2">
+                              <a:lumMod val="75000"/>
+                            </a:schemeClr>
+                          </a:solidFill>
+                          <a:latin typeface="Calibri"/>
+                          <a:ea typeface="+mn-ea"/>
+                          <a:cs typeface="+mn-cs"/>
+                        </a:rPr>
+                        <a:t>Model Building </a:t>
+                      </a:r>
+                    </a:p>
+                    <a:p>
+                      <a:pPr marL="0" marR="0" lvl="0" indent="0" algn="ctr" defTabSz="914400" rtl="0" eaLnBrk="1" fontAlgn="auto" latinLnBrk="0" hangingPunct="1">
+                        <a:lnSpc>
+                          <a:spcPct val="100000"/>
+                        </a:lnSpc>
+                        <a:spcBef>
+                          <a:spcPts val="0"/>
+                        </a:spcBef>
+                        <a:spcAft>
+                          <a:spcPts val="0"/>
+                        </a:spcAft>
+                        <a:buClrTx/>
+                        <a:buSzTx/>
+                        <a:buFontTx/>
+                        <a:buNone/>
+                        <a:tabLst/>
+                        <a:defRPr/>
+                      </a:pPr>
+                      <a:r>
+                        <a:rPr lang="en-US" sz="900" b="1" strike="noStrike" kern="1200" spc="-1" dirty="0">
+                          <a:solidFill>
+                            <a:schemeClr val="tx2">
+                              <a:lumMod val="75000"/>
+                            </a:schemeClr>
+                          </a:solidFill>
+                          <a:latin typeface="Calibri"/>
+                          <a:ea typeface="+mn-ea"/>
+                          <a:cs typeface="+mn-cs"/>
+                        </a:rPr>
+                        <a:t>Evaluation and Testing </a:t>
+                      </a:r>
+                    </a:p>
+                    <a:p>
+                      <a:pPr algn="ctr">
+                        <a:lnSpc>
+                          <a:spcPct val="100000"/>
+                        </a:lnSpc>
+                      </a:pPr>
+                      <a:r>
+                        <a:rPr lang="en-US" sz="900" b="1" strike="noStrike" kern="1200" spc="-1" dirty="0">
+                          <a:solidFill>
+                            <a:schemeClr val="tx2">
+                              <a:lumMod val="75000"/>
+                            </a:schemeClr>
+                          </a:solidFill>
+                          <a:latin typeface="Calibri"/>
+                          <a:ea typeface="+mn-ea"/>
+                          <a:cs typeface="+mn-cs"/>
+                        </a:rPr>
+                        <a:t>[NN based models – RNN (LSTM)]</a:t>
+                      </a:r>
+                    </a:p>
+                  </a:txBody>
+                  <a:tcPr>
+                    <a:lnL w="12240" cap="flat" cmpd="sng" algn="ctr">
+                      <a:solidFill>
+                        <a:srgbClr val="000000"/>
+                      </a:solidFill>
+                      <a:prstDash val="solid"/>
+                      <a:round/>
+                      <a:headEnd type="none" w="med" len="med"/>
+                      <a:tailEnd type="none" w="med" len="med"/>
+                    </a:lnL>
+                    <a:lnR w="12240" cap="flat" cmpd="sng" algn="ctr">
+                      <a:solidFill>
+                        <a:srgbClr val="000000"/>
+                      </a:solidFill>
+                      <a:prstDash val="solid"/>
+                      <a:round/>
+                      <a:headEnd type="none" w="med" len="med"/>
+                      <a:tailEnd type="none" w="med" len="med"/>
+                    </a:lnR>
+                    <a:lnT w="12240">
+                      <a:solidFill>
+                        <a:srgbClr val="000000"/>
+                      </a:solidFill>
+                    </a:lnT>
+                    <a:lnB w="12240" cap="flat" cmpd="sng" algn="ctr">
+                      <a:solidFill>
+                        <a:srgbClr val="000000"/>
+                      </a:solidFill>
+                      <a:prstDash val="solid"/>
+                      <a:round/>
+                      <a:headEnd type="none" w="med" len="med"/>
+                      <a:tailEnd type="none" w="med" len="med"/>
+                    </a:lnB>
+                    <a:noFill/>
+                  </a:tcPr>
+                </a:tc>
+                <a:tc>
+                  <a:txBody>
+                    <a:bodyPr/>
+                    <a:lstStyle/>
+                    <a:p>
+                      <a:pPr marL="0" marR="0" lvl="0" indent="0" algn="ctr" defTabSz="914400" rtl="0" eaLnBrk="1" fontAlgn="auto" latinLnBrk="0" hangingPunct="1">
+                        <a:lnSpc>
+                          <a:spcPct val="100000"/>
+                        </a:lnSpc>
+                        <a:spcBef>
+                          <a:spcPts val="0"/>
+                        </a:spcBef>
+                        <a:spcAft>
+                          <a:spcPts val="0"/>
+                        </a:spcAft>
+                        <a:buClrTx/>
+                        <a:buSzTx/>
+                        <a:buFontTx/>
+                        <a:buNone/>
+                        <a:tabLst/>
+                        <a:defRPr/>
+                      </a:pPr>
+                      <a:r>
+                        <a:rPr lang="en-US" sz="900" b="1" strike="noStrike" spc="-1" dirty="0">
+                          <a:solidFill>
+                            <a:schemeClr val="tx2">
+                              <a:lumMod val="75000"/>
+                            </a:schemeClr>
+                          </a:solidFill>
+                          <a:latin typeface="Calibri"/>
+                        </a:rPr>
+                        <a:t>Done</a:t>
+                      </a:r>
+                      <a:endParaRPr lang="en-US" sz="900" b="0" strike="noStrike" spc="-1" dirty="0">
+                        <a:solidFill>
+                          <a:schemeClr val="tx2">
+                            <a:lumMod val="75000"/>
+                          </a:schemeClr>
+                        </a:solidFill>
+                        <a:latin typeface="+mn-lt"/>
+                      </a:endParaRPr>
+                    </a:p>
+                    <a:p>
+                      <a:pPr algn="ctr">
+                        <a:lnSpc>
+                          <a:spcPct val="100000"/>
+                        </a:lnSpc>
+                      </a:pPr>
+                      <a:endParaRPr lang="en-US" sz="900" b="0" strike="noStrike" spc="-1" dirty="0">
+                        <a:solidFill>
+                          <a:schemeClr val="tx2">
+                            <a:lumMod val="75000"/>
+                          </a:schemeClr>
+                        </a:solidFill>
+                        <a:latin typeface="Arial"/>
+                      </a:endParaRPr>
+                    </a:p>
+                  </a:txBody>
+                  <a:tcPr>
+                    <a:lnL w="12240" cap="flat" cmpd="sng" algn="ctr">
+                      <a:solidFill>
+                        <a:srgbClr val="000000"/>
+                      </a:solidFill>
+                      <a:prstDash val="solid"/>
+                      <a:round/>
+                      <a:headEnd type="none" w="med" len="med"/>
+                      <a:tailEnd type="none" w="med" len="med"/>
+                    </a:lnL>
+                    <a:lnR w="12240">
+                      <a:solidFill>
+                        <a:srgbClr val="000000"/>
+                      </a:solidFill>
+                    </a:lnR>
+                    <a:lnT w="12240">
+                      <a:solidFill>
+                        <a:srgbClr val="000000"/>
+                      </a:solidFill>
+                    </a:lnT>
+                    <a:lnB w="12240" cap="flat" cmpd="sng" algn="ctr">
+                      <a:solidFill>
+                        <a:srgbClr val="000000"/>
+                      </a:solidFill>
+                      <a:prstDash val="solid"/>
+                      <a:round/>
+                      <a:headEnd type="none" w="med" len="med"/>
+                      <a:tailEnd type="none" w="med" len="med"/>
+                    </a:lnB>
+                    <a:noFill/>
+                  </a:tcPr>
+                </a:tc>
+                <a:extLst>
+                  <a:ext uri="{0D108BD9-81ED-4DB2-BD59-A6C34878D82A}">
+                    <a16:rowId xmlns:a16="http://schemas.microsoft.com/office/drawing/2014/main" val="1148616958"/>
+                  </a:ext>
+                </a:extLst>
+              </a:tr>
+              <a:tr h="490120">
+                <a:tc>
+                  <a:txBody>
+                    <a:bodyPr/>
+                    <a:lstStyle/>
+                    <a:p>
+                      <a:pPr algn="ctr">
+                        <a:lnSpc>
+                          <a:spcPct val="100000"/>
+                        </a:lnSpc>
+                      </a:pPr>
+                      <a:r>
+                        <a:rPr lang="en-US" sz="900" b="0" strike="noStrike" spc="-1" dirty="0">
+                          <a:solidFill>
+                            <a:schemeClr val="tx2">
+                              <a:lumMod val="75000"/>
+                            </a:schemeClr>
+                          </a:solidFill>
+                          <a:latin typeface="Arial"/>
+                        </a:rPr>
+                        <a:t>5</a:t>
+                      </a:r>
+                    </a:p>
+                  </a:txBody>
+                  <a:tcPr>
+                    <a:lnL w="12240">
+                      <a:solidFill>
+                        <a:srgbClr val="000000"/>
+                      </a:solidFill>
+                    </a:lnL>
+                    <a:lnR w="12240" cap="flat" cmpd="sng" algn="ctr">
+                      <a:solidFill>
+                        <a:srgbClr val="000000"/>
+                      </a:solidFill>
+                      <a:prstDash val="solid"/>
+                      <a:round/>
+                      <a:headEnd type="none" w="med" len="med"/>
+                      <a:tailEnd type="none" w="med" len="med"/>
+                    </a:lnR>
+                    <a:lnT w="12240">
+                      <a:solidFill>
+                        <a:srgbClr val="000000"/>
+                      </a:solidFill>
+                    </a:lnT>
                     <a:lnB w="12240">
                       <a:solidFill>
                         <a:srgbClr val="000000"/>
@@ -12782,7 +18719,76 @@
                         </a:lnSpc>
                       </a:pPr>
                       <a:r>
-                        <a:rPr lang="en-US" sz="1400" b="1" strike="noStrike" spc="-1" dirty="0">
+                        <a:rPr lang="en-US" sz="900" b="1" strike="noStrike" kern="1200" spc="-1" dirty="0">
+                          <a:solidFill>
+                            <a:schemeClr val="tx2">
+                              <a:lumMod val="75000"/>
+                            </a:schemeClr>
+                          </a:solidFill>
+                          <a:latin typeface="Calibri"/>
+                          <a:ea typeface="+mn-ea"/>
+                          <a:cs typeface="+mn-cs"/>
+                        </a:rPr>
+                        <a:t>Integrating  the model with the hardware output to show results in real  time</a:t>
+                      </a:r>
+                    </a:p>
+                  </a:txBody>
+                  <a:tcPr>
+                    <a:lnL w="12240" cap="flat" cmpd="sng" algn="ctr">
+                      <a:solidFill>
+                        <a:srgbClr val="000000"/>
+                      </a:solidFill>
+                      <a:prstDash val="solid"/>
+                      <a:round/>
+                      <a:headEnd type="none" w="med" len="med"/>
+                      <a:tailEnd type="none" w="med" len="med"/>
+                    </a:lnL>
+                    <a:lnR w="12240" cap="flat" cmpd="sng" algn="ctr">
+                      <a:solidFill>
+                        <a:srgbClr val="000000"/>
+                      </a:solidFill>
+                      <a:prstDash val="solid"/>
+                      <a:round/>
+                      <a:headEnd type="none" w="med" len="med"/>
+                      <a:tailEnd type="none" w="med" len="med"/>
+                    </a:lnR>
+                    <a:lnT w="12240">
+                      <a:solidFill>
+                        <a:srgbClr val="000000"/>
+                      </a:solidFill>
+                    </a:lnT>
+                    <a:lnB w="12240">
+                      <a:solidFill>
+                        <a:srgbClr val="000000"/>
+                      </a:solidFill>
+                    </a:lnB>
+                    <a:noFill/>
+                  </a:tcPr>
+                </a:tc>
+                <a:tc>
+                  <a:txBody>
+                    <a:bodyPr/>
+                    <a:lstStyle/>
+                    <a:p>
+                      <a:pPr marL="0" marR="0" lvl="0" indent="0" algn="ctr" defTabSz="914400" rtl="0" eaLnBrk="1" fontAlgn="auto" latinLnBrk="0" hangingPunct="1">
+                        <a:lnSpc>
+                          <a:spcPct val="100000"/>
+                        </a:lnSpc>
+                        <a:spcBef>
+                          <a:spcPts val="0"/>
+                        </a:spcBef>
+                        <a:spcAft>
+                          <a:spcPts val="0"/>
+                        </a:spcAft>
+                        <a:buClrTx/>
+                        <a:buSzTx/>
+                        <a:buFontTx/>
+                        <a:buNone/>
+                        <a:tabLst/>
+                        <a:defRPr/>
+                      </a:pPr>
+                      <a:r>
+                        <a:rPr lang="en-US" sz="900" b="1" strike="noStrike" spc="-1" dirty="0">
                           <a:solidFill>
                             <a:schemeClr val="tx2">
                               <a:lumMod val="75000"/>
@@ -12792,7 +18798,22 @@
                         </a:rPr>
                         <a:t>Done</a:t>
                       </a:r>
-                      <a:endParaRPr lang="en-US" sz="1400" b="0" strike="noStrike" spc="-1" dirty="0">
+                      <a:endParaRPr lang="en-US" sz="900" b="0" strike="noStrike" spc="-1" dirty="0">
+                        <a:solidFill>
+                          <a:schemeClr val="tx2">
+                            <a:lumMod val="75000"/>
+                          </a:schemeClr>
+                        </a:solidFill>
+                        <a:latin typeface="+mn-lt"/>
+                      </a:endParaRPr>
+                    </a:p>
+                    <a:p>
+                      <a:pPr algn="ctr">
+                        <a:lnSpc>
+                          <a:spcPct val="100000"/>
+                        </a:lnSpc>
+                      </a:pPr>
+                      <a:endParaRPr lang="en-US" sz="900" b="0" strike="noStrike" spc="-1" dirty="0">
                         <a:solidFill>
                           <a:schemeClr val="tx2">
                             <a:lumMod val="75000"/>
@@ -12803,10 +18824,14 @@
                     </a:p>
                   </a:txBody>
                   <a:tcPr>
-                    <a:lnL w="12240">
+                    <a:lnL w="12240" cap="flat" cmpd="sng" algn="ctr">
                       <a:solidFill>
                         <a:srgbClr val="000000"/>
                       </a:solidFill>
+                      <a:prstDash val="solid"/>
+                      <a:round/>
+                      <a:headEnd type="none" w="med" len="med"/>
+                      <a:tailEnd type="none" w="med" len="med"/>
                     </a:lnL>
                     <a:lnR w="12240">
                       <a:solidFill>
@@ -12828,7 +18853,7 @@
                 </a:tc>
                 <a:extLst>
                   <a:ext uri="{0D108BD9-81ED-4DB2-BD59-A6C34878D82A}">
-                    <a16:rowId xmlns:a16="http://schemas.microsoft.com/office/drawing/2014/main" val="10003"/>
+                    <a16:rowId xmlns:a16="http://schemas.microsoft.com/office/drawing/2014/main" val="3076752924"/>
                   </a:ext>
                 </a:extLst>
               </a:tr>
@@ -12912,7 +18937,7 @@
         </p:nvSpPr>
         <p:spPr>
           <a:xfrm>
-            <a:off x="5056920" y="2749680"/>
+            <a:off x="3946575" y="2749680"/>
             <a:ext cx="1343160" cy="362160"/>
           </a:xfrm>
           <a:prstGeom prst="rect">
@@ -12945,7 +18970,7 @@
               </a:lnSpc>
             </a:pPr>
             <a:r>
-              <a:rPr lang="en-US" sz="1800" b="1" u="sng" strike="noStrike" spc="-1">
+              <a:rPr lang="en-US" sz="1800" b="1" u="sng" strike="noStrike" spc="-1" dirty="0">
                 <a:solidFill>
                   <a:schemeClr val="tx2">
                     <a:lumMod val="75000"/>
@@ -12961,7 +18986,7 @@
               </a:rPr>
               <a:t>Apr 2018</a:t>
             </a:r>
-            <a:endParaRPr lang="en-US" sz="1800" b="0" strike="noStrike" spc="-1">
+            <a:endParaRPr lang="en-US" sz="1800" b="0" strike="noStrike" spc="-1" dirty="0">
               <a:solidFill>
                 <a:schemeClr val="tx2">
                   <a:lumMod val="75000"/>
@@ -13030,7 +19055,7 @@
         </p:blipFill>
         <p:spPr>
           <a:xfrm>
-            <a:off x="5486400" y="2331360"/>
+            <a:off x="4422709" y="2331360"/>
             <a:ext cx="308520" cy="337680"/>
           </a:xfrm>
           <a:prstGeom prst="rect">
@@ -13053,7 +19078,7 @@
         </p:blipFill>
         <p:spPr>
           <a:xfrm>
-            <a:off x="10340640" y="2320920"/>
+            <a:off x="6468438" y="2311583"/>
             <a:ext cx="308520" cy="337680"/>
           </a:xfrm>
           <a:prstGeom prst="rect">
@@ -13072,7 +19097,7 @@
         </p:nvSpPr>
         <p:spPr>
           <a:xfrm>
-            <a:off x="9784080" y="2736720"/>
+            <a:off x="5921206" y="2736720"/>
             <a:ext cx="1413000" cy="362160"/>
           </a:xfrm>
           <a:prstGeom prst="rect">
@@ -13105,7 +19130,7 @@
               </a:lnSpc>
             </a:pPr>
             <a:r>
-              <a:rPr lang="en-US" sz="1800" b="1" u="sng" strike="noStrike" spc="-1">
+              <a:rPr lang="en-US" b="1" u="sng" spc="-1" dirty="0">
                 <a:solidFill>
                   <a:schemeClr val="tx2">
                     <a:lumMod val="75000"/>
@@ -13119,9 +19144,324 @@
                 <a:latin typeface="Calibri"/>
                 <a:ea typeface="DejaVu Sans"/>
               </a:rPr>
-              <a:t>June 2018</a:t>
+              <a:t>Aug</a:t>
             </a:r>
-            <a:endParaRPr lang="en-US" sz="1800" b="0" strike="noStrike" spc="-1">
+            <a:r>
+              <a:rPr lang="en-US" sz="1800" b="1" u="sng" strike="noStrike" spc="-1" dirty="0">
+                <a:solidFill>
+                  <a:schemeClr val="tx2">
+                    <a:lumMod val="75000"/>
+                  </a:schemeClr>
+                </a:solidFill>
+                <a:uFill>
+                  <a:solidFill>
+                    <a:srgbClr val="FFFFFF"/>
+                  </a:solidFill>
+                </a:uFill>
+                <a:latin typeface="Calibri"/>
+                <a:ea typeface="DejaVu Sans"/>
+              </a:rPr>
+              <a:t> 2018</a:t>
+            </a:r>
+            <a:endParaRPr lang="en-US" sz="1800" b="0" strike="noStrike" spc="-1" dirty="0">
+              <a:solidFill>
+                <a:schemeClr val="tx2">
+                  <a:lumMod val="75000"/>
+                </a:schemeClr>
+              </a:solidFill>
+              <a:latin typeface="Arial"/>
+            </a:endParaRPr>
+          </a:p>
+        </p:txBody>
+      </p:sp>
+      <p:pic>
+        <p:nvPicPr>
+          <p:cNvPr id="48" name="Picture 2">
+            <a:extLst>
+              <a:ext uri="{FF2B5EF4-FFF2-40B4-BE49-F238E27FC236}">
+                <a16:creationId xmlns:a16="http://schemas.microsoft.com/office/drawing/2014/main" id="{0251F121-59BC-440F-A733-0921B8C2297F}"/>
+              </a:ext>
+            </a:extLst>
+          </p:cNvPr>
+          <p:cNvPicPr/>
+          <p:nvPr/>
+        </p:nvPicPr>
+        <p:blipFill>
+          <a:blip r:embed="rId2"/>
+          <a:stretch/>
+        </p:blipFill>
+        <p:spPr>
+          <a:xfrm>
+            <a:off x="8524281" y="1743076"/>
+            <a:ext cx="609120" cy="609120"/>
+          </a:xfrm>
+          <a:prstGeom prst="rect">
+            <a:avLst/>
+          </a:prstGeom>
+          <a:ln>
+            <a:noFill/>
+          </a:ln>
+        </p:spPr>
+      </p:pic>
+      <p:pic>
+        <p:nvPicPr>
+          <p:cNvPr id="49" name="Picture 4">
+            <a:extLst>
+              <a:ext uri="{FF2B5EF4-FFF2-40B4-BE49-F238E27FC236}">
+                <a16:creationId xmlns:a16="http://schemas.microsoft.com/office/drawing/2014/main" id="{C1112C45-2259-4AAD-81C9-9F1EA0249B23}"/>
+              </a:ext>
+            </a:extLst>
+          </p:cNvPr>
+          <p:cNvPicPr/>
+          <p:nvPr/>
+        </p:nvPicPr>
+        <p:blipFill>
+          <a:blip r:embed="rId3"/>
+          <a:stretch/>
+        </p:blipFill>
+        <p:spPr>
+          <a:xfrm>
+            <a:off x="8514953" y="2286699"/>
+            <a:ext cx="308520" cy="337680"/>
+          </a:xfrm>
+          <a:prstGeom prst="rect">
+            <a:avLst/>
+          </a:prstGeom>
+          <a:ln>
+            <a:noFill/>
+          </a:ln>
+        </p:spPr>
+      </p:pic>
+      <p:sp>
+        <p:nvSpPr>
+          <p:cNvPr id="50" name="CustomShape 38">
+            <a:extLst>
+              <a:ext uri="{FF2B5EF4-FFF2-40B4-BE49-F238E27FC236}">
+                <a16:creationId xmlns:a16="http://schemas.microsoft.com/office/drawing/2014/main" id="{67249BAC-F46F-403C-B87E-C1A73D301D90}"/>
+              </a:ext>
+            </a:extLst>
+          </p:cNvPr>
+          <p:cNvSpPr/>
+          <p:nvPr/>
+        </p:nvSpPr>
+        <p:spPr>
+          <a:xfrm>
+            <a:off x="8103037" y="2714739"/>
+            <a:ext cx="1030364" cy="362160"/>
+          </a:xfrm>
+          <a:prstGeom prst="rect">
+            <a:avLst/>
+          </a:prstGeom>
+          <a:noFill/>
+          <a:ln>
+            <a:noFill/>
+          </a:ln>
+        </p:spPr>
+        <p:style>
+          <a:lnRef idx="0">
+            <a:scrgbClr r="0" g="0" b="0"/>
+          </a:lnRef>
+          <a:fillRef idx="0">
+            <a:scrgbClr r="0" g="0" b="0"/>
+          </a:fillRef>
+          <a:effectRef idx="0">
+            <a:scrgbClr r="0" g="0" b="0"/>
+          </a:effectRef>
+          <a:fontRef idx="minor"/>
+        </p:style>
+        <p:txBody>
+          <a:bodyPr wrap="none" lIns="90000" tIns="45000" rIns="90000" bIns="45000"/>
+          <a:lstStyle/>
+          <a:p>
+            <a:pPr>
+              <a:lnSpc>
+                <a:spcPct val="100000"/>
+              </a:lnSpc>
+            </a:pPr>
+            <a:r>
+              <a:rPr lang="en-US" b="1" u="sng" spc="-1" dirty="0">
+                <a:solidFill>
+                  <a:schemeClr val="tx2">
+                    <a:lumMod val="75000"/>
+                  </a:schemeClr>
+                </a:solidFill>
+                <a:uFill>
+                  <a:solidFill>
+                    <a:srgbClr val="FFFFFF"/>
+                  </a:solidFill>
+                </a:uFill>
+                <a:latin typeface="Calibri"/>
+                <a:ea typeface="DejaVu Sans"/>
+              </a:rPr>
+              <a:t>Oct</a:t>
+            </a:r>
+            <a:r>
+              <a:rPr lang="en-US" sz="1800" b="1" u="sng" strike="noStrike" spc="-1" dirty="0">
+                <a:solidFill>
+                  <a:schemeClr val="tx2">
+                    <a:lumMod val="75000"/>
+                  </a:schemeClr>
+                </a:solidFill>
+                <a:uFill>
+                  <a:solidFill>
+                    <a:srgbClr val="FFFFFF"/>
+                  </a:solidFill>
+                </a:uFill>
+                <a:latin typeface="Calibri"/>
+                <a:ea typeface="DejaVu Sans"/>
+              </a:rPr>
+              <a:t> 2018</a:t>
+            </a:r>
+            <a:endParaRPr lang="en-US" sz="1800" b="0" strike="noStrike" spc="-1" dirty="0">
+              <a:solidFill>
+                <a:schemeClr val="tx2">
+                  <a:lumMod val="75000"/>
+                </a:schemeClr>
+              </a:solidFill>
+              <a:latin typeface="Arial"/>
+            </a:endParaRPr>
+          </a:p>
+        </p:txBody>
+      </p:sp>
+      <p:pic>
+        <p:nvPicPr>
+          <p:cNvPr id="51" name="Picture 2">
+            <a:extLst>
+              <a:ext uri="{FF2B5EF4-FFF2-40B4-BE49-F238E27FC236}">
+                <a16:creationId xmlns:a16="http://schemas.microsoft.com/office/drawing/2014/main" id="{45ABC6F2-349F-4CED-944F-DBC98174AAF7}"/>
+              </a:ext>
+            </a:extLst>
+          </p:cNvPr>
+          <p:cNvPicPr/>
+          <p:nvPr/>
+        </p:nvPicPr>
+        <p:blipFill>
+          <a:blip r:embed="rId2"/>
+          <a:stretch/>
+        </p:blipFill>
+        <p:spPr>
+          <a:xfrm>
+            <a:off x="10766735" y="1736854"/>
+            <a:ext cx="609120" cy="609120"/>
+          </a:xfrm>
+          <a:prstGeom prst="rect">
+            <a:avLst/>
+          </a:prstGeom>
+          <a:ln>
+            <a:noFill/>
+          </a:ln>
+        </p:spPr>
+      </p:pic>
+      <p:pic>
+        <p:nvPicPr>
+          <p:cNvPr id="52" name="Picture 4">
+            <a:extLst>
+              <a:ext uri="{FF2B5EF4-FFF2-40B4-BE49-F238E27FC236}">
+                <a16:creationId xmlns:a16="http://schemas.microsoft.com/office/drawing/2014/main" id="{7DB3A4A5-2F62-4ED5-B478-39B7C88E43E9}"/>
+              </a:ext>
+            </a:extLst>
+          </p:cNvPr>
+          <p:cNvPicPr/>
+          <p:nvPr/>
+        </p:nvPicPr>
+        <p:blipFill>
+          <a:blip r:embed="rId3"/>
+          <a:stretch/>
+        </p:blipFill>
+        <p:spPr>
+          <a:xfrm>
+            <a:off x="10757407" y="2280477"/>
+            <a:ext cx="308520" cy="337680"/>
+          </a:xfrm>
+          <a:prstGeom prst="rect">
+            <a:avLst/>
+          </a:prstGeom>
+          <a:ln>
+            <a:noFill/>
+          </a:ln>
+        </p:spPr>
+      </p:pic>
+      <p:sp>
+        <p:nvSpPr>
+          <p:cNvPr id="53" name="CustomShape 38">
+            <a:extLst>
+              <a:ext uri="{FF2B5EF4-FFF2-40B4-BE49-F238E27FC236}">
+                <a16:creationId xmlns:a16="http://schemas.microsoft.com/office/drawing/2014/main" id="{A97B7ACB-2233-4493-94C1-E6CFCFC16EDB}"/>
+              </a:ext>
+            </a:extLst>
+          </p:cNvPr>
+          <p:cNvSpPr/>
+          <p:nvPr/>
+        </p:nvSpPr>
+        <p:spPr>
+          <a:xfrm>
+            <a:off x="10384260" y="2715255"/>
+            <a:ext cx="1413000" cy="362160"/>
+          </a:xfrm>
+          <a:prstGeom prst="rect">
+            <a:avLst/>
+          </a:prstGeom>
+          <a:noFill/>
+          <a:ln>
+            <a:noFill/>
+          </a:ln>
+        </p:spPr>
+        <p:style>
+          <a:lnRef idx="0">
+            <a:scrgbClr r="0" g="0" b="0"/>
+          </a:lnRef>
+          <a:fillRef idx="0">
+            <a:scrgbClr r="0" g="0" b="0"/>
+          </a:fillRef>
+          <a:effectRef idx="0">
+            <a:scrgbClr r="0" g="0" b="0"/>
+          </a:effectRef>
+          <a:fontRef idx="minor"/>
+        </p:style>
+        <p:txBody>
+          <a:bodyPr wrap="none" lIns="90000" tIns="45000" rIns="90000" bIns="45000"/>
+          <a:lstStyle/>
+          <a:p>
+            <a:pPr>
+              <a:lnSpc>
+                <a:spcPct val="100000"/>
+              </a:lnSpc>
+            </a:pPr>
+            <a:r>
+              <a:rPr lang="en-US" b="1" u="sng" spc="-1" dirty="0">
+                <a:solidFill>
+                  <a:schemeClr val="tx2">
+                    <a:lumMod val="75000"/>
+                  </a:schemeClr>
+                </a:solidFill>
+                <a:uFill>
+                  <a:solidFill>
+                    <a:srgbClr val="FFFFFF"/>
+                  </a:solidFill>
+                </a:uFill>
+                <a:latin typeface="Calibri"/>
+                <a:ea typeface="DejaVu Sans"/>
+              </a:rPr>
+              <a:t>Dec</a:t>
+            </a:r>
+            <a:r>
+              <a:rPr lang="en-US" sz="1800" b="1" u="sng" strike="noStrike" spc="-1" dirty="0">
+                <a:solidFill>
+                  <a:schemeClr val="tx2">
+                    <a:lumMod val="75000"/>
+                  </a:schemeClr>
+                </a:solidFill>
+                <a:uFill>
+                  <a:solidFill>
+                    <a:srgbClr val="FFFFFF"/>
+                  </a:solidFill>
+                </a:uFill>
+                <a:latin typeface="Calibri"/>
+                <a:ea typeface="DejaVu Sans"/>
+              </a:rPr>
+              <a:t> 2018</a:t>
+            </a:r>
+            <a:endParaRPr lang="en-US" sz="1800" b="0" strike="noStrike" spc="-1" dirty="0">
               <a:solidFill>
                 <a:schemeClr val="tx2">
                   <a:lumMod val="75000"/>
@@ -13173,6 +19513,16 @@
 <file path=ppt/slides/slide4.xml><?xml version="1.0" encoding="utf-8"?>
 <p:sld xmlns:a="http://schemas.openxmlformats.org/drawingml/2006/main" xmlns:r="http://schemas.openxmlformats.org/officeDocument/2006/relationships" xmlns:p="http://schemas.openxmlformats.org/presentationml/2006/main">
   <p:cSld>
+    <p:bg>
+      <p:bgPr>
+        <a:solidFill>
+          <a:schemeClr val="bg1">
+            <a:lumMod val="95000"/>
+          </a:schemeClr>
+        </a:solidFill>
+        <a:effectLst/>
+      </p:bgPr>
+    </p:bg>
     <p:spTree>
       <p:nvGrpSpPr>
         <p:cNvPr id="1" name=""/>
@@ -13324,17 +19674,22 @@
               <a:buChar char="•"/>
             </a:pPr>
             <a:r>
-              <a:rPr lang="en-US" sz="2800" b="0" strike="noStrike" spc="-1" dirty="0">
+              <a:rPr lang="en-US" sz="3500" u="sng" spc="-1" dirty="0">
                 <a:solidFill>
-                  <a:srgbClr val="000000"/>
+                  <a:schemeClr val="tx2">
+                    <a:lumMod val="75000"/>
+                  </a:schemeClr>
                 </a:solidFill>
-                <a:latin typeface="Calibri"/>
+                <a:uFill>
+                  <a:solidFill>
+                    <a:srgbClr val="FFFFFF"/>
+                  </a:solidFill>
+                </a:uFill>
+                <a:latin typeface="Calibri Light"/>
+                <a:ea typeface="DejaVu Sans"/>
               </a:rPr>
               <a:t>Real-time Gesture Pattern Classification with IMU Data</a:t>
             </a:r>
-            <a:endParaRPr lang="en-US" sz="2800" b="0" strike="noStrike" spc="-1" dirty="0">
-              <a:latin typeface="Arial"/>
-            </a:endParaRPr>
           </a:p>
           <a:p>
             <a:pPr marL="685800" lvl="1" indent="-227880">
@@ -13436,17 +19791,22 @@
               <a:buChar char="•"/>
             </a:pPr>
             <a:r>
-              <a:rPr lang="en-US" sz="2800" b="0" strike="noStrike" spc="-1" dirty="0">
+              <a:rPr lang="en-US" sz="3500" u="sng" spc="-1" dirty="0">
                 <a:solidFill>
-                  <a:srgbClr val="000000"/>
+                  <a:schemeClr val="tx2">
+                    <a:lumMod val="75000"/>
+                  </a:schemeClr>
                 </a:solidFill>
-                <a:latin typeface="Calibri"/>
+                <a:uFill>
+                  <a:solidFill>
+                    <a:srgbClr val="FFFFFF"/>
+                  </a:solidFill>
+                </a:uFill>
+                <a:latin typeface="Calibri Light"/>
+                <a:ea typeface="DejaVu Sans"/>
               </a:rPr>
               <a:t>IMU-Based (Knee) Joint Angle Measurement</a:t>
             </a:r>
-            <a:endParaRPr lang="en-US" sz="2800" b="0" strike="noStrike" spc="-1" dirty="0">
-              <a:latin typeface="Arial"/>
-            </a:endParaRPr>
           </a:p>
           <a:p>
             <a:pPr marL="685800" lvl="1" indent="-227880">
@@ -13545,6 +19905,16 @@
 <file path=ppt/slides/slide5.xml><?xml version="1.0" encoding="utf-8"?>
 <p:sld xmlns:a="http://schemas.openxmlformats.org/drawingml/2006/main" xmlns:r="http://schemas.openxmlformats.org/officeDocument/2006/relationships" xmlns:p="http://schemas.openxmlformats.org/presentationml/2006/main">
   <p:cSld>
+    <p:bg>
+      <p:bgPr>
+        <a:solidFill>
+          <a:schemeClr val="bg1">
+            <a:lumMod val="95000"/>
+          </a:schemeClr>
+        </a:solidFill>
+        <a:effectLst/>
+      </p:bgPr>
+    </p:bg>
     <p:spTree>
       <p:nvGrpSpPr>
         <p:cNvPr id="1" name=""/>
@@ -13700,31 +20070,31 @@
           </a:bodyPr>
           <a:lstStyle/>
           <a:p>
-            <a:pPr marL="228600" indent="-227880">
-              <a:lnSpc>
-                <a:spcPct val="90000"/>
-              </a:lnSpc>
+            <a:pPr marL="720" algn="ctr">
               <a:spcBef>
                 <a:spcPts val="1001"/>
               </a:spcBef>
               <a:buClr>
                 <a:srgbClr val="000000"/>
               </a:buClr>
-              <a:buFont typeface="Arial"/>
-              <a:buChar char="•"/>
             </a:pPr>
             <a:r>
-              <a:rPr lang="en-US" sz="2800" b="0" strike="noStrike" spc="-1">
+              <a:rPr lang="en-US" sz="3500" spc="-1" dirty="0">
                 <a:solidFill>
-                  <a:srgbClr val="000000"/>
+                  <a:schemeClr val="tx2">
+                    <a:lumMod val="75000"/>
+                  </a:schemeClr>
                 </a:solidFill>
-                <a:latin typeface="Calibri"/>
+                <a:uFill>
+                  <a:solidFill>
+                    <a:srgbClr val="FFFFFF"/>
+                  </a:solidFill>
+                </a:uFill>
+                <a:latin typeface="Calibri Light"/>
+                <a:ea typeface="DejaVu Sans"/>
               </a:rPr>
               <a:t>Post Knee-Surgery Patients </a:t>
             </a:r>
-            <a:endParaRPr lang="en-US" sz="2800" b="0" strike="noStrike" spc="-1">
-              <a:latin typeface="Arial"/>
-            </a:endParaRPr>
           </a:p>
           <a:p>
             <a:pPr marL="685800" lvl="1" indent="-227880">
@@ -13741,7 +20111,7 @@
               <a:buChar char="•"/>
             </a:pPr>
             <a:r>
-              <a:rPr lang="en-US" sz="2400" b="0" strike="noStrike" spc="-1">
+              <a:rPr lang="en-US" sz="2400" b="0" strike="noStrike" spc="-1" dirty="0">
                 <a:solidFill>
                   <a:srgbClr val="000000"/>
                 </a:solidFill>
@@ -13749,7 +20119,7 @@
               </a:rPr>
               <a:t>North American Journal of Sports Physical Therapy – Volume 04-2009</a:t>
             </a:r>
-            <a:endParaRPr lang="en-US" sz="2400" b="0" strike="noStrike" spc="-1">
+            <a:endParaRPr lang="en-US" sz="2400" b="0" strike="noStrike" spc="-1" dirty="0">
               <a:latin typeface="Arial"/>
             </a:endParaRPr>
           </a:p>
@@ -13768,7 +20138,7 @@
               <a:buChar char=""/>
             </a:pPr>
             <a:r>
-              <a:rPr lang="en-US" sz="2400" b="0" strike="noStrike" spc="-1">
+              <a:rPr lang="en-US" sz="2400" b="0" strike="noStrike" spc="-1" dirty="0">
                 <a:solidFill>
                   <a:srgbClr val="000000"/>
                 </a:solidFill>
@@ -13776,7 +20146,7 @@
               </a:rPr>
               <a:t>Understanding the importance of symmetrical range-of-motion (ROM) of the knee after surgery is the most important factor in the rehabilitation process. The ROM measurements are a central issue in the rehabilitation of a patient after surgery. </a:t>
             </a:r>
-            <a:endParaRPr lang="en-US" sz="2400" b="0" strike="noStrike" spc="-1">
+            <a:endParaRPr lang="en-US" sz="2400" b="0" strike="noStrike" spc="-1" dirty="0">
               <a:latin typeface="Arial"/>
             </a:endParaRPr>
           </a:p>
@@ -13786,36 +20156,36 @@
                 <a:spcPct val="100000"/>
               </a:lnSpc>
             </a:pPr>
-            <a:endParaRPr lang="en-US" sz="2400" b="0" strike="noStrike" spc="-1">
+            <a:endParaRPr lang="en-US" sz="2400" b="0" strike="noStrike" spc="-1" dirty="0">
               <a:latin typeface="Arial"/>
             </a:endParaRPr>
           </a:p>
           <a:p>
-            <a:pPr marL="228600" indent="-227880">
-              <a:lnSpc>
-                <a:spcPct val="90000"/>
-              </a:lnSpc>
+            <a:pPr marL="720" algn="ctr">
               <a:spcBef>
                 <a:spcPts val="1001"/>
               </a:spcBef>
               <a:buClr>
                 <a:srgbClr val="000000"/>
               </a:buClr>
-              <a:buFont typeface="Arial"/>
-              <a:buChar char="•"/>
             </a:pPr>
             <a:r>
-              <a:rPr lang="en-US" sz="2800" b="0" strike="noStrike" spc="-1">
+              <a:rPr lang="en-US" sz="3500" spc="-1" dirty="0">
                 <a:solidFill>
-                  <a:srgbClr val="000000"/>
+                  <a:schemeClr val="tx2">
+                    <a:lumMod val="75000"/>
+                  </a:schemeClr>
                 </a:solidFill>
-                <a:latin typeface="Calibri"/>
+                <a:uFill>
+                  <a:solidFill>
+                    <a:srgbClr val="FFFFFF"/>
+                  </a:solidFill>
+                </a:uFill>
+                <a:latin typeface="Calibri Light"/>
+                <a:ea typeface="DejaVu Sans"/>
               </a:rPr>
-              <a:t>Training of Parachutist</a:t>
+              <a:t>   Training of Parachutist</a:t>
             </a:r>
-            <a:endParaRPr lang="en-US" sz="2800" b="0" strike="noStrike" spc="-1">
-              <a:latin typeface="Arial"/>
-            </a:endParaRPr>
           </a:p>
           <a:p>
             <a:pPr marL="685800" lvl="1" indent="-227880">
@@ -13832,7 +20202,7 @@
               <a:buChar char="•"/>
             </a:pPr>
             <a:r>
-              <a:rPr lang="en-US" sz="2400" b="0" strike="noStrike" spc="-1">
+              <a:rPr lang="en-US" sz="2400" b="0" strike="noStrike" spc="-1" dirty="0">
                 <a:solidFill>
                   <a:srgbClr val="000000"/>
                 </a:solidFill>
@@ -13840,7 +20210,7 @@
               </a:rPr>
               <a:t>Occupational Medicine Vol. 49, 17-26, 1999 </a:t>
             </a:r>
-            <a:endParaRPr lang="en-US" sz="2400" b="0" strike="noStrike" spc="-1">
+            <a:endParaRPr lang="en-US" sz="2400" b="0" strike="noStrike" spc="-1" dirty="0">
               <a:latin typeface="Arial"/>
             </a:endParaRPr>
           </a:p>
@@ -13859,7 +20229,7 @@
               <a:buChar char=""/>
             </a:pPr>
             <a:r>
-              <a:rPr lang="en-US" sz="2400" b="0" strike="noStrike" spc="-1">
+              <a:rPr lang="en-US" sz="2400" b="0" strike="noStrike" spc="-1" dirty="0">
                 <a:solidFill>
                   <a:srgbClr val="000000"/>
                 </a:solidFill>
@@ -13867,7 +20237,7 @@
               </a:rPr>
               <a:t>The British developed an alternative landing roll in which the parachutist landed with their feet and knees together and conducted a sideways roll successively onto outer side of the leg, thigh, buttocks, across the back and onto the opposite shoulder. This technique caused significantly fewer injuries than the first forward landing roll and was adopted by the US.</a:t>
             </a:r>
-            <a:endParaRPr lang="en-US" sz="2400" b="0" strike="noStrike" spc="-1">
+            <a:endParaRPr lang="en-US" sz="2400" b="0" strike="noStrike" spc="-1" dirty="0">
               <a:latin typeface="Arial"/>
             </a:endParaRPr>
           </a:p>
@@ -13914,6 +20284,16 @@
 <file path=ppt/slides/slide6.xml><?xml version="1.0" encoding="utf-8"?>
 <p:sld xmlns:a="http://schemas.openxmlformats.org/drawingml/2006/main" xmlns:r="http://schemas.openxmlformats.org/officeDocument/2006/relationships" xmlns:p="http://schemas.openxmlformats.org/presentationml/2006/main">
   <p:cSld>
+    <p:bg>
+      <p:bgPr>
+        <a:solidFill>
+          <a:schemeClr val="bg1">
+            <a:lumMod val="95000"/>
+          </a:schemeClr>
+        </a:solidFill>
+        <a:effectLst/>
+      </p:bgPr>
+    </p:bg>
     <p:spTree>
       <p:nvGrpSpPr>
         <p:cNvPr id="1" name=""/>
@@ -14119,506 +20499,16 @@
 <file path=ppt/slides/slide7.xml><?xml version="1.0" encoding="utf-8"?>
 <p:sld xmlns:a="http://schemas.openxmlformats.org/drawingml/2006/main" xmlns:r="http://schemas.openxmlformats.org/officeDocument/2006/relationships" xmlns:p="http://schemas.openxmlformats.org/presentationml/2006/main">
   <p:cSld>
-    <p:spTree>
-      <p:nvGrpSpPr>
-        <p:cNvPr id="1" name=""/>
-        <p:cNvGrpSpPr/>
-        <p:nvPr/>
-      </p:nvGrpSpPr>
-      <p:grpSpPr>
-        <a:xfrm>
-          <a:off x="0" y="0"/>
-          <a:ext cx="0" cy="0"/>
-          <a:chOff x="0" y="0"/>
-          <a:chExt cx="0" cy="0"/>
-        </a:xfrm>
-      </p:grpSpPr>
-      <p:sp>
-        <p:nvSpPr>
-          <p:cNvPr id="226" name="CustomShape 1"/>
-          <p:cNvSpPr/>
-          <p:nvPr/>
-        </p:nvSpPr>
-        <p:spPr>
-          <a:xfrm>
-            <a:off x="3271680" y="91440"/>
-            <a:ext cx="7884000" cy="536760"/>
-          </a:xfrm>
-          <a:prstGeom prst="rect">
-            <a:avLst/>
-          </a:prstGeom>
-          <a:noFill/>
-          <a:ln>
-            <a:noFill/>
-          </a:ln>
-        </p:spPr>
-        <p:style>
-          <a:lnRef idx="0">
-            <a:scrgbClr r="0" g="0" b="0"/>
-          </a:lnRef>
-          <a:fillRef idx="0">
-            <a:scrgbClr r="0" g="0" b="0"/>
-          </a:fillRef>
-          <a:effectRef idx="0">
-            <a:scrgbClr r="0" g="0" b="0"/>
-          </a:effectRef>
-          <a:fontRef idx="minor"/>
-        </p:style>
-        <p:txBody>
-          <a:bodyPr lIns="90000" tIns="45000" rIns="90000" bIns="45000" anchor="ctr"/>
-          <a:lstStyle/>
-          <a:p>
-            <a:pPr>
-              <a:lnSpc>
-                <a:spcPct val="100000"/>
-              </a:lnSpc>
-            </a:pPr>
-            <a:r>
-              <a:rPr lang="en-US" sz="4400" b="0" strike="noStrike" spc="-1" dirty="0">
-                <a:solidFill>
-                  <a:srgbClr val="000000"/>
-                </a:solidFill>
-                <a:latin typeface="Arial Black"/>
-                <a:ea typeface="DejaVu Sans"/>
-              </a:rPr>
-              <a:t>       </a:t>
-            </a:r>
-            <a:endParaRPr lang="en-US" sz="4400" b="0" strike="noStrike" spc="-1" dirty="0">
-              <a:latin typeface="Arial"/>
-            </a:endParaRPr>
-          </a:p>
-          <a:p>
-            <a:pPr>
-              <a:lnSpc>
-                <a:spcPct val="100000"/>
-              </a:lnSpc>
-            </a:pPr>
-            <a:r>
-              <a:rPr lang="en-US" sz="4400" b="0" strike="noStrike" spc="-1" dirty="0">
-                <a:solidFill>
-                  <a:srgbClr val="000000"/>
-                </a:solidFill>
-                <a:latin typeface="Arial Black"/>
-                <a:ea typeface="DejaVu Sans"/>
-              </a:rPr>
-              <a:t>     </a:t>
-            </a:r>
-            <a:r>
-              <a:rPr lang="en-US" sz="4400" b="0" strike="noStrike" spc="-1" dirty="0">
-                <a:solidFill>
-                  <a:schemeClr val="tx2">
-                    <a:lumMod val="75000"/>
-                  </a:schemeClr>
-                </a:solidFill>
-                <a:latin typeface="Arial Black"/>
-                <a:ea typeface="DejaVu Sans"/>
-              </a:rPr>
-              <a:t>Sensor</a:t>
-            </a:r>
-            <a:r>
-              <a:rPr lang="en-US" sz="4400" b="0" strike="noStrike" spc="-1" dirty="0">
-                <a:solidFill>
-                  <a:srgbClr val="000000"/>
-                </a:solidFill>
-                <a:latin typeface="Arial Black"/>
-                <a:ea typeface="DejaVu Sans"/>
-              </a:rPr>
-              <a:t> </a:t>
-            </a:r>
-            <a:r>
-              <a:rPr lang="en-US" sz="4400" b="0" strike="noStrike" spc="-1" dirty="0">
-                <a:solidFill>
-                  <a:schemeClr val="tx2">
-                    <a:lumMod val="75000"/>
-                  </a:schemeClr>
-                </a:solidFill>
-                <a:latin typeface="Arial Black"/>
-                <a:ea typeface="DejaVu Sans"/>
-              </a:rPr>
-              <a:t>Fusion</a:t>
-            </a:r>
-            <a:endParaRPr lang="en-US" sz="4400" b="0" strike="noStrike" spc="-1" dirty="0">
-              <a:solidFill>
-                <a:schemeClr val="tx2">
-                  <a:lumMod val="75000"/>
-                </a:schemeClr>
-              </a:solidFill>
-              <a:latin typeface="Arial"/>
-            </a:endParaRPr>
-          </a:p>
-          <a:p>
-            <a:pPr algn="ctr">
-              <a:lnSpc>
-                <a:spcPct val="100000"/>
-              </a:lnSpc>
-            </a:pPr>
-            <a:endParaRPr lang="en-US" sz="4400" b="0" strike="noStrike" spc="-1" dirty="0">
-              <a:latin typeface="Arial"/>
-            </a:endParaRPr>
-          </a:p>
-        </p:txBody>
-      </p:sp>
-      <p:sp>
-        <p:nvSpPr>
-          <p:cNvPr id="2" name="CustomShape 3">
-            <a:extLst>
-              <a:ext uri="{FF2B5EF4-FFF2-40B4-BE49-F238E27FC236}">
-                <a16:creationId xmlns:a16="http://schemas.microsoft.com/office/drawing/2014/main" id="{4E208C5D-2707-48CF-B901-86F3CB4F3DC3}"/>
-              </a:ext>
-            </a:extLst>
-          </p:cNvPr>
-          <p:cNvSpPr/>
-          <p:nvPr/>
-        </p:nvSpPr>
-        <p:spPr>
-          <a:xfrm>
-            <a:off x="320855" y="1063920"/>
-            <a:ext cx="11291256" cy="5644562"/>
-          </a:xfrm>
-          <a:prstGeom prst="rect">
-            <a:avLst/>
-          </a:prstGeom>
-          <a:noFill/>
-          <a:ln>
-            <a:noFill/>
-          </a:ln>
-        </p:spPr>
-        <p:style>
-          <a:lnRef idx="0">
-            <a:scrgbClr r="0" g="0" b="0"/>
-          </a:lnRef>
-          <a:fillRef idx="0">
-            <a:scrgbClr r="0" g="0" b="0"/>
-          </a:fillRef>
-          <a:effectRef idx="0">
-            <a:scrgbClr r="0" g="0" b="0"/>
-          </a:effectRef>
-          <a:fontRef idx="minor"/>
-        </p:style>
-        <p:txBody>
-          <a:bodyPr lIns="90000" tIns="45000" rIns="90000" bIns="45000" anchor="t">
-            <a:normAutofit fontScale="92500"/>
-          </a:bodyPr>
-          <a:lstStyle/>
-          <a:p>
-            <a:pPr marL="458470" indent="-457200">
-              <a:lnSpc>
-                <a:spcPct val="90000"/>
-              </a:lnSpc>
-              <a:spcBef>
-                <a:spcPts val="1001"/>
-              </a:spcBef>
-              <a:buClr>
-                <a:srgbClr val="000000"/>
-              </a:buClr>
-              <a:buFont typeface="Arial"/>
-              <a:buChar char="•"/>
-            </a:pPr>
-            <a:r>
-              <a:rPr lang="en-US" sz="2800" spc="-1" dirty="0">
-                <a:solidFill>
-                  <a:schemeClr val="tx2">
-                    <a:lumMod val="75000"/>
-                  </a:schemeClr>
-                </a:solidFill>
-                <a:latin typeface="Calibri"/>
-              </a:rPr>
-              <a:t>Sensor fusion solves key motion sensing performance issues of 6-axis modules consisting of a 3-axis accelerometer and a 3-axis gyroscope or a 3-axis accelerometer and a 3-axis magnetic sensor. </a:t>
-            </a:r>
-            <a:endParaRPr lang="en-US" sz="2800" b="0" strike="noStrike" spc="-1" dirty="0">
-              <a:solidFill>
-                <a:schemeClr val="tx2">
-                  <a:lumMod val="75000"/>
-                </a:schemeClr>
-              </a:solidFill>
-              <a:latin typeface="Arial"/>
-              <a:cs typeface="Arial"/>
-            </a:endParaRPr>
-          </a:p>
-          <a:p>
-            <a:pPr marL="801370" lvl="1" indent="-342900">
-              <a:lnSpc>
-                <a:spcPct val="90000"/>
-              </a:lnSpc>
-              <a:spcBef>
-                <a:spcPts val="400"/>
-              </a:spcBef>
-              <a:buClr>
-                <a:srgbClr val="000000"/>
-              </a:buClr>
-              <a:buFont typeface="Arial"/>
-              <a:buChar char="•"/>
-            </a:pPr>
-            <a:r>
-              <a:rPr lang="en-US" sz="2400" spc="-1" dirty="0">
-                <a:solidFill>
-                  <a:schemeClr val="tx2">
-                    <a:lumMod val="75000"/>
-                  </a:schemeClr>
-                </a:solidFill>
-                <a:latin typeface="Calibri"/>
-                <a:cs typeface="Calibri"/>
-              </a:rPr>
-              <a:t>A 6-axis inertial module with an accelerometer and a gyroscope loses its absolute orientation as the gyro drifts over time, requiring calibration to restore accurate heading reference. </a:t>
-            </a:r>
-          </a:p>
-          <a:p>
-            <a:pPr marL="801370" lvl="1" indent="-342900">
-              <a:lnSpc>
-                <a:spcPct val="90000"/>
-              </a:lnSpc>
-              <a:spcBef>
-                <a:spcPts val="400"/>
-              </a:spcBef>
-              <a:buClr>
-                <a:srgbClr val="000000"/>
-              </a:buClr>
-              <a:buFont typeface="Arial"/>
-              <a:buChar char="•"/>
-            </a:pPr>
-            <a:r>
-              <a:rPr lang="en-US" sz="2400" spc="-1" dirty="0">
-                <a:solidFill>
-                  <a:schemeClr val="tx2">
-                    <a:lumMod val="75000"/>
-                  </a:schemeClr>
-                </a:solidFill>
-                <a:latin typeface="Calibri"/>
-                <a:cs typeface="Calibri"/>
-              </a:rPr>
-              <a:t>A 6-axis module with accelerometer and magnetometer is prone to data corruption in the presence of ferrous materials in the environment.</a:t>
-            </a:r>
-            <a:endParaRPr lang="en-US" sz="2400" b="0" strike="noStrike" spc="-1" dirty="0">
-              <a:solidFill>
-                <a:schemeClr val="tx2">
-                  <a:lumMod val="75000"/>
-                </a:schemeClr>
-              </a:solidFill>
-              <a:latin typeface="Calibri"/>
-              <a:cs typeface="Calibri"/>
-            </a:endParaRPr>
-          </a:p>
-          <a:p>
-            <a:pPr marL="801370" lvl="1" indent="-342900">
-              <a:lnSpc>
-                <a:spcPct val="90000"/>
-              </a:lnSpc>
-              <a:spcBef>
-                <a:spcPts val="400"/>
-              </a:spcBef>
-              <a:buClr>
-                <a:srgbClr val="000000"/>
-              </a:buClr>
-              <a:buFont typeface="Arial"/>
-              <a:buChar char="•"/>
-            </a:pPr>
-            <a:r>
-              <a:rPr lang="en-US" sz="2400" spc="-1" dirty="0">
-                <a:solidFill>
-                  <a:schemeClr val="tx2">
-                    <a:lumMod val="75000"/>
-                  </a:schemeClr>
-                </a:solidFill>
-                <a:latin typeface="Calibri"/>
-                <a:cs typeface="Calibri"/>
-              </a:rPr>
-              <a:t>A </a:t>
-            </a:r>
-            <a:r>
-              <a:rPr lang="en-US" sz="2400" b="1" spc="-1" dirty="0">
-                <a:solidFill>
-                  <a:schemeClr val="tx2">
-                    <a:lumMod val="75000"/>
-                  </a:schemeClr>
-                </a:solidFill>
-                <a:latin typeface="Calibri"/>
-                <a:cs typeface="Calibri"/>
-              </a:rPr>
-              <a:t>9-axis module</a:t>
-            </a:r>
-            <a:r>
-              <a:rPr lang="en-US" sz="2400" spc="-1" dirty="0">
-                <a:solidFill>
-                  <a:schemeClr val="tx2">
-                    <a:lumMod val="75000"/>
-                  </a:schemeClr>
-                </a:solidFill>
-                <a:latin typeface="Calibri"/>
-                <a:cs typeface="Calibri"/>
-              </a:rPr>
-              <a:t> with an </a:t>
-            </a:r>
-            <a:r>
-              <a:rPr lang="en-US" sz="2400" b="1" spc="-1" dirty="0">
-                <a:solidFill>
-                  <a:schemeClr val="tx2">
-                    <a:lumMod val="75000"/>
-                  </a:schemeClr>
-                </a:solidFill>
-                <a:latin typeface="Calibri"/>
-                <a:cs typeface="Calibri"/>
-              </a:rPr>
-              <a:t>accelerometer</a:t>
-            </a:r>
-            <a:r>
-              <a:rPr lang="en-US" sz="2400" spc="-1" dirty="0">
-                <a:solidFill>
-                  <a:schemeClr val="tx2">
-                    <a:lumMod val="75000"/>
-                  </a:schemeClr>
-                </a:solidFill>
-                <a:latin typeface="Calibri"/>
-                <a:cs typeface="Calibri"/>
-              </a:rPr>
-              <a:t>, a </a:t>
-            </a:r>
-            <a:r>
-              <a:rPr lang="en-US" sz="2400" b="1" spc="-1" dirty="0">
-                <a:solidFill>
-                  <a:schemeClr val="tx2">
-                    <a:lumMod val="75000"/>
-                  </a:schemeClr>
-                </a:solidFill>
-                <a:latin typeface="Calibri"/>
-                <a:cs typeface="Calibri"/>
-              </a:rPr>
-              <a:t>gyroscope</a:t>
-            </a:r>
-            <a:r>
-              <a:rPr lang="en-US" sz="2400" spc="-1" dirty="0">
-                <a:solidFill>
-                  <a:schemeClr val="tx2">
-                    <a:lumMod val="75000"/>
-                  </a:schemeClr>
-                </a:solidFill>
-                <a:latin typeface="Calibri"/>
-                <a:cs typeface="Calibri"/>
-              </a:rPr>
-              <a:t> and a </a:t>
-            </a:r>
-            <a:r>
-              <a:rPr lang="en-US" sz="2400" b="1" spc="-1" dirty="0">
-                <a:solidFill>
-                  <a:schemeClr val="tx2">
-                    <a:lumMod val="75000"/>
-                  </a:schemeClr>
-                </a:solidFill>
-                <a:latin typeface="Calibri"/>
-                <a:cs typeface="Calibri"/>
-              </a:rPr>
-              <a:t>magnetometer </a:t>
-            </a:r>
-            <a:r>
-              <a:rPr lang="en-US" sz="2400" spc="-1" dirty="0">
-                <a:solidFill>
-                  <a:schemeClr val="tx2">
-                    <a:lumMod val="75000"/>
-                  </a:schemeClr>
-                </a:solidFill>
-                <a:latin typeface="Calibri"/>
-                <a:cs typeface="Calibri"/>
-              </a:rPr>
-              <a:t>eliminates the drift that occurs with stand-alone sensor solutions. But these can be subject to magnetic interference. Algorithms to fuse the sensor data are required to compensate for the magnetic interference.</a:t>
-            </a:r>
-          </a:p>
-          <a:p>
-            <a:pPr marL="457200">
-              <a:lnSpc>
-                <a:spcPct val="90000"/>
-              </a:lnSpc>
-              <a:spcBef>
-                <a:spcPts val="499"/>
-              </a:spcBef>
-            </a:pPr>
-            <a:endParaRPr lang="en-US" sz="2400" spc="-1" dirty="0">
-              <a:solidFill>
-                <a:schemeClr val="tx2">
-                  <a:lumMod val="75000"/>
-                </a:schemeClr>
-              </a:solidFill>
-              <a:latin typeface="Arial"/>
-              <a:cs typeface="Arial"/>
-            </a:endParaRPr>
-          </a:p>
-          <a:p>
-            <a:pPr marL="458470" indent="-457200">
-              <a:lnSpc>
-                <a:spcPct val="90000"/>
-              </a:lnSpc>
-              <a:spcBef>
-                <a:spcPts val="1001"/>
-              </a:spcBef>
-              <a:buClr>
-                <a:srgbClr val="000000"/>
-              </a:buClr>
-              <a:buFont typeface="Arial"/>
-              <a:buChar char="•"/>
-            </a:pPr>
-            <a:r>
-              <a:rPr lang="en-US" sz="2800" spc="-1" dirty="0">
-                <a:solidFill>
-                  <a:schemeClr val="tx2">
-                    <a:lumMod val="75000"/>
-                  </a:schemeClr>
-                </a:solidFill>
-                <a:latin typeface="Calibri"/>
-                <a:cs typeface="Calibri"/>
-              </a:rPr>
-              <a:t>The purpose of sensor fusion is to take each sensor measurement data as input and then apply digital filtering algorithms to compensate each other and output accurate and responsive dynamic attitude (pitch/roll/yaw) results.</a:t>
-            </a:r>
-            <a:endParaRPr lang="en-US" sz="2800" b="0" strike="noStrike" spc="-1" dirty="0">
-              <a:solidFill>
-                <a:schemeClr val="tx2">
-                  <a:lumMod val="75000"/>
-                </a:schemeClr>
-              </a:solidFill>
-              <a:latin typeface="Arial"/>
-              <a:cs typeface="Arial"/>
-            </a:endParaRPr>
-          </a:p>
-        </p:txBody>
-      </p:sp>
-    </p:spTree>
-  </p:cSld>
-  <p:clrMapOvr>
-    <a:masterClrMapping/>
-  </p:clrMapOvr>
-  <p:transition>
-    <p:fade/>
-  </p:transition>
-  <p:timing>
-    <p:tnLst>
-      <p:par>
-        <p:cTn id="1" dur="indefinite" restart="never" nodeType="tmRoot">
-          <p:childTnLst>
-            <p:seq>
-              <p:cTn id="2" dur="indefinite" nodeType="mainSeq"/>
-              <p:prevCondLst>
-                <p:cond evt="onPrev" delay="0">
-                  <p:tgtEl>
-                    <p:sldTgt/>
-                  </p:tgtEl>
-                </p:cond>
-              </p:prevCondLst>
-              <p:nextCondLst>
-                <p:cond evt="onNext" delay="0">
-                  <p:tgtEl>
-                    <p:sldTgt/>
-                  </p:tgtEl>
-                </p:cond>
-              </p:nextCondLst>
-            </p:seq>
-          </p:childTnLst>
-        </p:cTn>
-      </p:par>
-    </p:tnLst>
-  </p:timing>
-</p:sld>
-</file>
-
-<file path=ppt/slides/slide8.xml><?xml version="1.0" encoding="utf-8"?>
-<p:sld xmlns:a="http://schemas.openxmlformats.org/drawingml/2006/main" xmlns:r="http://schemas.openxmlformats.org/officeDocument/2006/relationships" xmlns:p="http://schemas.openxmlformats.org/presentationml/2006/main">
-  <p:cSld>
+    <p:bg>
+      <p:bgPr>
+        <a:solidFill>
+          <a:schemeClr val="bg1">
+            <a:lumMod val="95000"/>
+          </a:schemeClr>
+        </a:solidFill>
+        <a:effectLst/>
+      </p:bgPr>
+    </p:bg>
     <p:spTree>
       <p:nvGrpSpPr>
         <p:cNvPr id="1" name=""/>
@@ -15027,6 +20917,261 @@
 </p:sld>
 </file>
 
+<file path=ppt/slides/slide8.xml><?xml version="1.0" encoding="utf-8"?>
+<p:sld xmlns:a="http://schemas.openxmlformats.org/drawingml/2006/main" xmlns:r="http://schemas.openxmlformats.org/officeDocument/2006/relationships" xmlns:p="http://schemas.openxmlformats.org/presentationml/2006/main">
+  <p:cSld>
+    <p:bg>
+      <p:bgPr>
+        <a:solidFill>
+          <a:schemeClr val="bg1">
+            <a:lumMod val="95000"/>
+          </a:schemeClr>
+        </a:solidFill>
+        <a:effectLst/>
+      </p:bgPr>
+    </p:bg>
+    <p:spTree>
+      <p:nvGrpSpPr>
+        <p:cNvPr id="1" name=""/>
+        <p:cNvGrpSpPr/>
+        <p:nvPr/>
+      </p:nvGrpSpPr>
+      <p:grpSpPr>
+        <a:xfrm>
+          <a:off x="0" y="0"/>
+          <a:ext cx="0" cy="0"/>
+          <a:chOff x="0" y="0"/>
+          <a:chExt cx="0" cy="0"/>
+        </a:xfrm>
+      </p:grpSpPr>
+      <p:sp>
+        <p:nvSpPr>
+          <p:cNvPr id="10" name="Oval 9">
+            <a:extLst>
+              <a:ext uri="{FF2B5EF4-FFF2-40B4-BE49-F238E27FC236}">
+                <a16:creationId xmlns:a16="http://schemas.microsoft.com/office/drawing/2014/main" id="{FD451EE1-06AB-4684-8B7A-59133962CD21}"/>
+              </a:ext>
+              <a:ext uri="{C183D7F6-B498-43B3-948B-1728B52AA6E4}">
+                <adec:decorative xmlns:adec="http://schemas.microsoft.com/office/drawing/2017/decorative" val="1"/>
+              </a:ext>
+            </a:extLst>
+          </p:cNvPr>
+          <p:cNvSpPr>
+            <a:spLocks noGrp="1" noRot="1" noChangeAspect="1" noMove="1" noResize="1" noEditPoints="1" noAdjustHandles="1" noChangeArrowheads="1" noChangeShapeType="1" noTextEdit="1"/>
+          </p:cNvSpPr>
+          <p:nvPr>
+            <p:extLst>
+              <p:ext uri="{386F3935-93C4-4BCD-93E2-E3B085C9AB24}">
+                <p16:designElem xmlns:p16="http://schemas.microsoft.com/office/powerpoint/2015/main" val="1"/>
+              </p:ext>
+            </p:extLst>
+          </p:nvPr>
+        </p:nvSpPr>
+        <p:spPr>
+          <a:xfrm>
+            <a:off x="631417" y="2121408"/>
+            <a:ext cx="2615184" cy="2615184"/>
+          </a:xfrm>
+          <a:prstGeom prst="ellipse">
+            <a:avLst/>
+          </a:prstGeom>
+          <a:noFill/>
+          <a:ln w="31750">
+            <a:solidFill>
+              <a:schemeClr val="tx1">
+                <a:lumMod val="75000"/>
+                <a:lumOff val="25000"/>
+              </a:schemeClr>
+            </a:solidFill>
+          </a:ln>
+        </p:spPr>
+        <p:style>
+          <a:lnRef idx="2">
+            <a:schemeClr val="accent1">
+              <a:shade val="50000"/>
+            </a:schemeClr>
+          </a:lnRef>
+          <a:fillRef idx="1">
+            <a:schemeClr val="accent1"/>
+          </a:fillRef>
+          <a:effectRef idx="0">
+            <a:schemeClr val="accent1"/>
+          </a:effectRef>
+          <a:fontRef idx="minor">
+            <a:schemeClr val="lt1"/>
+          </a:fontRef>
+        </p:style>
+        <p:txBody>
+          <a:bodyPr rtlCol="0" anchor="ctr"/>
+          <a:lstStyle/>
+          <a:p>
+            <a:pPr algn="ctr"/>
+            <a:endParaRPr lang="en-US"/>
+          </a:p>
+        </p:txBody>
+      </p:sp>
+      <p:sp>
+        <p:nvSpPr>
+          <p:cNvPr id="12" name="Rectangle 11">
+            <a:extLst>
+              <a:ext uri="{FF2B5EF4-FFF2-40B4-BE49-F238E27FC236}">
+                <a16:creationId xmlns:a16="http://schemas.microsoft.com/office/drawing/2014/main" id="{E402D69F-ABEF-47E0-B154-C6656A2B3F24}"/>
+              </a:ext>
+              <a:ext uri="{C183D7F6-B498-43B3-948B-1728B52AA6E4}">
+                <adec:decorative xmlns:adec="http://schemas.microsoft.com/office/drawing/2017/decorative" val="1"/>
+              </a:ext>
+            </a:extLst>
+          </p:cNvPr>
+          <p:cNvSpPr>
+            <a:spLocks noGrp="1" noRot="1" noChangeAspect="1" noMove="1" noResize="1" noEditPoints="1" noAdjustHandles="1" noChangeArrowheads="1" noChangeShapeType="1" noTextEdit="1"/>
+          </p:cNvSpPr>
+          <p:nvPr>
+            <p:extLst>
+              <p:ext uri="{386F3935-93C4-4BCD-93E2-E3B085C9AB24}">
+                <p16:designElem xmlns:p16="http://schemas.microsoft.com/office/powerpoint/2015/main" val="1"/>
+              </p:ext>
+            </p:extLst>
+          </p:nvPr>
+        </p:nvSpPr>
+        <p:spPr>
+          <a:xfrm>
+            <a:off x="4047181" y="802767"/>
+            <a:ext cx="7324344" cy="4937760"/>
+          </a:xfrm>
+          <a:prstGeom prst="rect">
+            <a:avLst/>
+          </a:prstGeom>
+          <a:solidFill>
+            <a:srgbClr val="FFFFFF"/>
+          </a:solidFill>
+          <a:ln>
+            <a:solidFill>
+              <a:schemeClr val="tx1">
+                <a:lumMod val="85000"/>
+                <a:lumOff val="15000"/>
+              </a:schemeClr>
+            </a:solidFill>
+          </a:ln>
+        </p:spPr>
+        <p:style>
+          <a:lnRef idx="2">
+            <a:schemeClr val="accent1">
+              <a:shade val="50000"/>
+            </a:schemeClr>
+          </a:lnRef>
+          <a:fillRef idx="1">
+            <a:schemeClr val="accent1"/>
+          </a:fillRef>
+          <a:effectRef idx="0">
+            <a:schemeClr val="accent1"/>
+          </a:effectRef>
+          <a:fontRef idx="minor">
+            <a:schemeClr val="lt1"/>
+          </a:fontRef>
+        </p:style>
+        <p:txBody>
+          <a:bodyPr rtlCol="0" anchor="ctr"/>
+          <a:lstStyle/>
+          <a:p>
+            <a:pPr algn="ctr"/>
+            <a:endParaRPr lang="en-US"/>
+          </a:p>
+        </p:txBody>
+      </p:sp>
+      <p:pic>
+        <p:nvPicPr>
+          <p:cNvPr id="5" name="Picture 4">
+            <a:extLst>
+              <a:ext uri="{FF2B5EF4-FFF2-40B4-BE49-F238E27FC236}">
+                <a16:creationId xmlns:a16="http://schemas.microsoft.com/office/drawing/2014/main" id="{9D7B74B3-425F-4BBB-AAC6-2411D0BE7FDA}"/>
+              </a:ext>
+            </a:extLst>
+          </p:cNvPr>
+          <p:cNvPicPr>
+            <a:picLocks noChangeAspect="1"/>
+          </p:cNvPicPr>
+          <p:nvPr/>
+        </p:nvPicPr>
+        <p:blipFill rotWithShape="1">
+          <a:blip r:embed="rId2"/>
+          <a:srcRect l="28341" t="18074" b="6410"/>
+          <a:stretch/>
+        </p:blipFill>
+        <p:spPr>
+          <a:xfrm>
+            <a:off x="4361406" y="1287064"/>
+            <a:ext cx="6695895" cy="3969165"/>
+          </a:xfrm>
+          <a:prstGeom prst="rect">
+            <a:avLst/>
+          </a:prstGeom>
+        </p:spPr>
+      </p:pic>
+      <p:sp>
+        <p:nvSpPr>
+          <p:cNvPr id="2" name="Title 1">
+            <a:extLst>
+              <a:ext uri="{FF2B5EF4-FFF2-40B4-BE49-F238E27FC236}">
+                <a16:creationId xmlns:a16="http://schemas.microsoft.com/office/drawing/2014/main" id="{71653AAD-895E-45EA-BE2E-F765DDE5A799}"/>
+              </a:ext>
+            </a:extLst>
+          </p:cNvPr>
+          <p:cNvSpPr>
+            <a:spLocks noGrp="1"/>
+          </p:cNvSpPr>
+          <p:nvPr>
+            <p:ph type="title"/>
+          </p:nvPr>
+        </p:nvSpPr>
+        <p:spPr>
+          <a:xfrm>
+            <a:off x="796009" y="2286000"/>
+            <a:ext cx="2286000" cy="2286000"/>
+          </a:xfrm>
+          <a:prstGeom prst="ellipse">
+            <a:avLst/>
+          </a:prstGeom>
+          <a:solidFill>
+            <a:schemeClr val="tx1">
+              <a:lumMod val="75000"/>
+              <a:lumOff val="25000"/>
+            </a:schemeClr>
+          </a:solidFill>
+          <a:ln>
+            <a:noFill/>
+          </a:ln>
+        </p:spPr>
+        <p:txBody>
+          <a:bodyPr>
+            <a:normAutofit/>
+          </a:bodyPr>
+          <a:lstStyle/>
+          <a:p>
+            <a:pPr algn="ctr"/>
+            <a:r>
+              <a:rPr lang="en-US" sz="2000">
+                <a:solidFill>
+                  <a:schemeClr val="bg1"/>
+                </a:solidFill>
+              </a:rPr>
+              <a:t>EDA</a:t>
+            </a:r>
+          </a:p>
+        </p:txBody>
+      </p:sp>
+    </p:spTree>
+    <p:extLst>
+      <p:ext uri="{BB962C8B-B14F-4D97-AF65-F5344CB8AC3E}">
+        <p14:creationId xmlns:p14="http://schemas.microsoft.com/office/powerpoint/2010/main" val="1606902379"/>
+      </p:ext>
+    </p:extLst>
+  </p:cSld>
+  <p:clrMapOvr>
+    <a:masterClrMapping/>
+  </p:clrMapOvr>
+</p:sld>
+</file>
+
 <file path=ppt/slides/slide9.xml><?xml version="1.0" encoding="utf-8"?>
 <p:sld xmlns:a="http://schemas.openxmlformats.org/drawingml/2006/main" xmlns:r="http://schemas.openxmlformats.org/officeDocument/2006/relationships" xmlns:p="http://schemas.openxmlformats.org/presentationml/2006/main">
   <p:cSld>
@@ -15054,13 +21199,13 @@
       </p:grpSpPr>
       <p:sp>
         <p:nvSpPr>
-          <p:cNvPr id="10" name="Oval 9">
+          <p:cNvPr id="135" name="Rectangle 134">
             <a:extLst>
               <a:ext uri="{FF2B5EF4-FFF2-40B4-BE49-F238E27FC236}">
-                <a16:creationId xmlns:a16="http://schemas.microsoft.com/office/drawing/2014/main" id="{FD451EE1-06AB-4684-8B7A-59133962CD21}"/>
+                <a16:creationId xmlns:a16="http://schemas.microsoft.com/office/drawing/2014/main" id="{42A5316D-ED2F-4F89-B4B4-8D9240B1A348}"/>
               </a:ext>
               <a:ext uri="{C183D7F6-B498-43B3-948B-1728B52AA6E4}">
-                <adec:decorative xmlns="" xmlns:adec="http://schemas.microsoft.com/office/drawing/2017/decorative" val="1"/>
+                <adec:decorative xmlns:adec="http://schemas.microsoft.com/office/drawing/2017/decorative" val="1"/>
               </a:ext>
             </a:extLst>
           </p:cNvPr>
@@ -15077,20 +21222,17 @@
         </p:nvSpPr>
         <p:spPr>
           <a:xfrm>
-            <a:off x="631417" y="2121408"/>
-            <a:ext cx="2615184" cy="2615184"/>
-          </a:xfrm>
-          <a:prstGeom prst="ellipse">
-            <a:avLst/>
-          </a:prstGeom>
-          <a:noFill/>
-          <a:ln w="31750">
-            <a:solidFill>
-              <a:schemeClr val="tx1">
-                <a:lumMod val="75000"/>
-                <a:lumOff val="25000"/>
-              </a:schemeClr>
-            </a:solidFill>
+            <a:off x="0" y="0"/>
+            <a:ext cx="2013557" cy="6858000"/>
+          </a:xfrm>
+          <a:prstGeom prst="rect">
+            <a:avLst/>
+          </a:prstGeom>
+          <a:solidFill>
+            <a:srgbClr val="7F7F7F"/>
+          </a:solidFill>
+          <a:ln>
+            <a:noFill/>
           </a:ln>
         </p:spPr>
         <p:style>
@@ -15113,108 +21255,40 @@
           <a:bodyPr rtlCol="0" anchor="ctr"/>
           <a:lstStyle/>
           <a:p>
-            <a:pPr algn="ctr"/>
-            <a:endParaRPr lang="en-US"/>
+            <a:pPr marL="0" marR="0" lvl="0" indent="0" algn="ctr" defTabSz="914400" rtl="0" eaLnBrk="1" fontAlgn="auto" latinLnBrk="0" hangingPunct="1">
+              <a:lnSpc>
+                <a:spcPct val="100000"/>
+              </a:lnSpc>
+              <a:spcBef>
+                <a:spcPts val="0"/>
+              </a:spcBef>
+              <a:spcAft>
+                <a:spcPts val="0"/>
+              </a:spcAft>
+              <a:buClrTx/>
+              <a:buSzTx/>
+              <a:buFontTx/>
+              <a:buNone/>
+              <a:tabLst/>
+              <a:defRPr/>
+            </a:pPr>
+            <a:endParaRPr kumimoji="0" lang="en-US" sz="1800" b="0" i="0" u="none" strike="noStrike" kern="1200" cap="none" spc="0" normalizeH="0" baseline="0" noProof="0">
+              <a:ln>
+                <a:noFill/>
+              </a:ln>
+              <a:solidFill>
+                <a:prstClr val="white"/>
+              </a:solidFill>
+              <a:effectLst/>
+              <a:uLnTx/>
+              <a:uFillTx/>
+              <a:latin typeface="Calibri" panose="020F0502020204030204"/>
+              <a:ea typeface="+mn-ea"/>
+              <a:cs typeface="+mn-cs"/>
+            </a:endParaRPr>
           </a:p>
         </p:txBody>
       </p:sp>
-      <p:sp>
-        <p:nvSpPr>
-          <p:cNvPr id="12" name="Rectangle 11">
-            <a:extLst>
-              <a:ext uri="{FF2B5EF4-FFF2-40B4-BE49-F238E27FC236}">
-                <a16:creationId xmlns:a16="http://schemas.microsoft.com/office/drawing/2014/main" id="{E402D69F-ABEF-47E0-B154-C6656A2B3F24}"/>
-              </a:ext>
-              <a:ext uri="{C183D7F6-B498-43B3-948B-1728B52AA6E4}">
-                <adec:decorative xmlns="" xmlns:adec="http://schemas.microsoft.com/office/drawing/2017/decorative" val="1"/>
-              </a:ext>
-            </a:extLst>
-          </p:cNvPr>
-          <p:cNvSpPr>
-            <a:spLocks noGrp="1" noRot="1" noChangeAspect="1" noMove="1" noResize="1" noEditPoints="1" noAdjustHandles="1" noChangeArrowheads="1" noChangeShapeType="1" noTextEdit="1"/>
-          </p:cNvSpPr>
-          <p:nvPr>
-            <p:extLst>
-              <p:ext uri="{386F3935-93C4-4BCD-93E2-E3B085C9AB24}">
-                <p16:designElem xmlns:p16="http://schemas.microsoft.com/office/powerpoint/2015/main" val="1"/>
-              </p:ext>
-            </p:extLst>
-          </p:nvPr>
-        </p:nvSpPr>
-        <p:spPr>
-          <a:xfrm>
-            <a:off x="4047181" y="802767"/>
-            <a:ext cx="7324344" cy="4937760"/>
-          </a:xfrm>
-          <a:prstGeom prst="rect">
-            <a:avLst/>
-          </a:prstGeom>
-          <a:solidFill>
-            <a:srgbClr val="FFFFFF"/>
-          </a:solidFill>
-          <a:ln>
-            <a:solidFill>
-              <a:schemeClr val="tx1">
-                <a:lumMod val="85000"/>
-                <a:lumOff val="15000"/>
-              </a:schemeClr>
-            </a:solidFill>
-          </a:ln>
-        </p:spPr>
-        <p:style>
-          <a:lnRef idx="2">
-            <a:schemeClr val="accent1">
-              <a:shade val="50000"/>
-            </a:schemeClr>
-          </a:lnRef>
-          <a:fillRef idx="1">
-            <a:schemeClr val="accent1"/>
-          </a:fillRef>
-          <a:effectRef idx="0">
-            <a:schemeClr val="accent1"/>
-          </a:effectRef>
-          <a:fontRef idx="minor">
-            <a:schemeClr val="lt1"/>
-          </a:fontRef>
-        </p:style>
-        <p:txBody>
-          <a:bodyPr rtlCol="0" anchor="ctr"/>
-          <a:lstStyle/>
-          <a:p>
-            <a:pPr algn="ctr"/>
-            <a:endParaRPr lang="en-US"/>
-          </a:p>
-        </p:txBody>
-      </p:sp>
-      <p:pic>
-        <p:nvPicPr>
-          <p:cNvPr id="5" name="Picture 4">
-            <a:extLst>
-              <a:ext uri="{FF2B5EF4-FFF2-40B4-BE49-F238E27FC236}">
-                <a16:creationId xmlns:a16="http://schemas.microsoft.com/office/drawing/2014/main" id="{9D7B74B3-425F-4BBB-AAC6-2411D0BE7FDA}"/>
-              </a:ext>
-            </a:extLst>
-          </p:cNvPr>
-          <p:cNvPicPr>
-            <a:picLocks noChangeAspect="1"/>
-          </p:cNvPicPr>
-          <p:nvPr/>
-        </p:nvPicPr>
-        <p:blipFill rotWithShape="1">
-          <a:blip r:embed="rId2"/>
-          <a:srcRect l="28341" t="18074" b="6410"/>
-          <a:stretch/>
-        </p:blipFill>
-        <p:spPr>
-          <a:xfrm>
-            <a:off x="4361406" y="1287064"/>
-            <a:ext cx="6695895" cy="3969165"/>
-          </a:xfrm>
-          <a:prstGeom prst="rect">
-            <a:avLst/>
-          </a:prstGeom>
-        </p:spPr>
-      </p:pic>
       <p:sp>
         <p:nvSpPr>
           <p:cNvPr id="2" name="Title 1">
@@ -15233,44 +21307,263 @@
         </p:nvSpPr>
         <p:spPr>
           <a:xfrm>
-            <a:off x="796009" y="2286000"/>
-            <a:ext cx="2286000" cy="2286000"/>
+            <a:off x="694510" y="1487272"/>
+            <a:ext cx="2743200" cy="2743200"/>
           </a:xfrm>
           <a:prstGeom prst="ellipse">
             <a:avLst/>
           </a:prstGeom>
           <a:solidFill>
-            <a:schemeClr val="tx1">
-              <a:lumMod val="75000"/>
-              <a:lumOff val="25000"/>
-            </a:schemeClr>
+            <a:srgbClr val="262626"/>
           </a:solidFill>
-          <a:ln>
-            <a:noFill/>
+          <a:ln w="174625" cmpd="thinThick">
+            <a:solidFill>
+              <a:srgbClr val="262626"/>
+            </a:solidFill>
           </a:ln>
         </p:spPr>
         <p:txBody>
-          <a:bodyPr>
+          <a:bodyPr vert="horz" lIns="91440" tIns="45720" rIns="91440" bIns="45720" rtlCol="0" anchor="ctr">
             <a:normAutofit/>
           </a:bodyPr>
           <a:lstStyle/>
           <a:p>
             <a:pPr algn="ctr"/>
             <a:r>
-              <a:rPr lang="en-US" sz="2000">
+              <a:rPr lang="en-US" sz="2600" kern="1200">
                 <a:solidFill>
-                  <a:schemeClr val="bg1"/>
+                  <a:srgbClr val="FFFFFF"/>
                 </a:solidFill>
+                <a:latin typeface="+mj-lt"/>
+                <a:ea typeface="+mj-ea"/>
+                <a:cs typeface="+mj-cs"/>
               </a:rPr>
-              <a:t>EDA</a:t>
+              <a:t>Data </a:t>
             </a:r>
+            <a:br>
+              <a:rPr lang="en-US" sz="2600" kern="1200">
+                <a:solidFill>
+                  <a:srgbClr val="FFFFFF"/>
+                </a:solidFill>
+                <a:latin typeface="+mj-lt"/>
+                <a:ea typeface="+mj-ea"/>
+                <a:cs typeface="+mj-cs"/>
+              </a:rPr>
+            </a:br>
+            <a:r>
+              <a:rPr lang="en-US" sz="2600" kern="1200">
+                <a:solidFill>
+                  <a:srgbClr val="FFFFFF"/>
+                </a:solidFill>
+                <a:latin typeface="+mj-lt"/>
+                <a:ea typeface="+mj-ea"/>
+                <a:cs typeface="+mj-cs"/>
+              </a:rPr>
+              <a:t>Gathering</a:t>
+            </a:r>
+          </a:p>
+        </p:txBody>
+      </p:sp>
+      <p:pic>
+        <p:nvPicPr>
+          <p:cNvPr id="2050" name="Picture 2" descr="Image result for quaternion">
+            <a:extLst>
+              <a:ext uri="{FF2B5EF4-FFF2-40B4-BE49-F238E27FC236}">
+                <a16:creationId xmlns:a16="http://schemas.microsoft.com/office/drawing/2014/main" id="{AD764227-6404-4FC4-B7B1-6836AF2C76E9}"/>
+              </a:ext>
+            </a:extLst>
+          </p:cNvPr>
+          <p:cNvPicPr>
+            <a:picLocks noChangeAspect="1" noChangeArrowheads="1"/>
+          </p:cNvPicPr>
+          <p:nvPr/>
+        </p:nvPicPr>
+        <p:blipFill>
+          <a:blip r:embed="rId2">
+            <a:extLst>
+              <a:ext uri="{28A0092B-C50C-407E-A947-70E740481C1C}">
+                <a14:useLocalDpi xmlns:a14="http://schemas.microsoft.com/office/drawing/2010/main" val="0"/>
+              </a:ext>
+            </a:extLst>
+          </a:blip>
+          <a:srcRect/>
+          <a:stretch>
+            <a:fillRect/>
+          </a:stretch>
+        </p:blipFill>
+        <p:spPr bwMode="auto">
+          <a:xfrm>
+            <a:off x="4526131" y="4230472"/>
+            <a:ext cx="1703158" cy="2373740"/>
+          </a:xfrm>
+          <a:prstGeom prst="rect">
+            <a:avLst/>
+          </a:prstGeom>
+          <a:noFill/>
+          <a:extLst>
+            <a:ext uri="{909E8E84-426E-40DD-AFC4-6F175D3DCCD1}">
+              <a14:hiddenFill xmlns:a14="http://schemas.microsoft.com/office/drawing/2010/main">
+                <a:solidFill>
+                  <a:srgbClr val="FFFFFF"/>
+                </a:solidFill>
+              </a14:hiddenFill>
+            </a:ext>
+          </a:extLst>
+        </p:spPr>
+      </p:pic>
+      <p:graphicFrame>
+        <p:nvGraphicFramePr>
+          <p:cNvPr id="5" name="Diagram 4">
+            <a:extLst>
+              <a:ext uri="{FF2B5EF4-FFF2-40B4-BE49-F238E27FC236}">
+                <a16:creationId xmlns:a16="http://schemas.microsoft.com/office/drawing/2014/main" id="{190DA5A5-CCE3-42B3-BEB7-E586166E0A56}"/>
+              </a:ext>
+            </a:extLst>
+          </p:cNvPr>
+          <p:cNvGraphicFramePr/>
+          <p:nvPr>
+            <p:extLst>
+              <p:ext uri="{D42A27DB-BD31-4B8C-83A1-F6EECF244321}">
+                <p14:modId xmlns:p14="http://schemas.microsoft.com/office/powerpoint/2010/main" val="827128997"/>
+              </p:ext>
+            </p:extLst>
+          </p:nvPr>
+        </p:nvGraphicFramePr>
+        <p:xfrm>
+          <a:off x="4038600" y="912381"/>
+          <a:ext cx="7188199" cy="2516619"/>
+        </p:xfrm>
+        <a:graphic>
+          <a:graphicData uri="http://schemas.openxmlformats.org/drawingml/2006/diagram">
+            <dgm:relIds xmlns:dgm="http://schemas.openxmlformats.org/drawingml/2006/diagram" xmlns:r="http://schemas.openxmlformats.org/officeDocument/2006/relationships" r:dm="rId3" r:lo="rId4" r:qs="rId5" r:cs="rId6"/>
+          </a:graphicData>
+        </a:graphic>
+      </p:graphicFrame>
+      <p:pic>
+        <p:nvPicPr>
+          <p:cNvPr id="6" name="Picture 4" descr="Image result for yaw pitch and roll">
+            <a:extLst>
+              <a:ext uri="{FF2B5EF4-FFF2-40B4-BE49-F238E27FC236}">
+                <a16:creationId xmlns:a16="http://schemas.microsoft.com/office/drawing/2014/main" id="{5A2D3BFA-0D88-4BE6-8294-953EB6BDF226}"/>
+              </a:ext>
+            </a:extLst>
+          </p:cNvPr>
+          <p:cNvPicPr>
+            <a:picLocks noChangeAspect="1" noChangeArrowheads="1"/>
+          </p:cNvPicPr>
+          <p:nvPr/>
+        </p:nvPicPr>
+        <p:blipFill>
+          <a:blip r:embed="rId8">
+            <a:extLst>
+              <a:ext uri="{28A0092B-C50C-407E-A947-70E740481C1C}">
+                <a14:useLocalDpi xmlns:a14="http://schemas.microsoft.com/office/drawing/2010/main" val="0"/>
+              </a:ext>
+            </a:extLst>
+          </a:blip>
+          <a:srcRect/>
+          <a:stretch>
+            <a:fillRect/>
+          </a:stretch>
+        </p:blipFill>
+        <p:spPr bwMode="auto">
+          <a:xfrm>
+            <a:off x="8741864" y="4316370"/>
+            <a:ext cx="2202069" cy="2145750"/>
+          </a:xfrm>
+          <a:prstGeom prst="rect">
+            <a:avLst/>
+          </a:prstGeom>
+          <a:noFill/>
+          <a:extLst>
+            <a:ext uri="{909E8E84-426E-40DD-AFC4-6F175D3DCCD1}">
+              <a14:hiddenFill xmlns:a14="http://schemas.microsoft.com/office/drawing/2010/main">
+                <a:solidFill>
+                  <a:srgbClr val="FFFFFF"/>
+                </a:solidFill>
+              </a14:hiddenFill>
+            </a:ext>
+          </a:extLst>
+        </p:spPr>
+      </p:pic>
+      <p:sp>
+        <p:nvSpPr>
+          <p:cNvPr id="7" name="Rectangle 6">
+            <a:extLst>
+              <a:ext uri="{FF2B5EF4-FFF2-40B4-BE49-F238E27FC236}">
+                <a16:creationId xmlns:a16="http://schemas.microsoft.com/office/drawing/2014/main" id="{F6D4D28D-D248-4833-AF30-44C2A51A3BF4}"/>
+              </a:ext>
+            </a:extLst>
+          </p:cNvPr>
+          <p:cNvSpPr/>
+          <p:nvPr/>
+        </p:nvSpPr>
+        <p:spPr>
+          <a:xfrm>
+            <a:off x="4769996" y="3747707"/>
+            <a:ext cx="1326004" cy="369332"/>
+          </a:xfrm>
+          <a:prstGeom prst="rect">
+            <a:avLst/>
+          </a:prstGeom>
+        </p:spPr>
+        <p:txBody>
+          <a:bodyPr wrap="none">
+            <a:spAutoFit/>
+          </a:bodyPr>
+          <a:lstStyle/>
+          <a:p>
+            <a:r>
+              <a:rPr lang="en-IN" dirty="0">
+                <a:latin typeface="arial" panose="020B0604020202020204" pitchFamily="34" charset="0"/>
+              </a:rPr>
+              <a:t>Quaternion</a:t>
+            </a:r>
+            <a:endParaRPr lang="en-IN" dirty="0"/>
+          </a:p>
+        </p:txBody>
+      </p:sp>
+      <p:sp>
+        <p:nvSpPr>
+          <p:cNvPr id="16" name="Rectangle 15">
+            <a:extLst>
+              <a:ext uri="{FF2B5EF4-FFF2-40B4-BE49-F238E27FC236}">
+                <a16:creationId xmlns:a16="http://schemas.microsoft.com/office/drawing/2014/main" id="{C9B729CF-E523-433B-844D-123B57B48B19}"/>
+              </a:ext>
+            </a:extLst>
+          </p:cNvPr>
+          <p:cNvSpPr/>
+          <p:nvPr/>
+        </p:nvSpPr>
+        <p:spPr>
+          <a:xfrm>
+            <a:off x="9139833" y="3747707"/>
+            <a:ext cx="1680781" cy="369332"/>
+          </a:xfrm>
+          <a:prstGeom prst="rect">
+            <a:avLst/>
+          </a:prstGeom>
+        </p:spPr>
+        <p:txBody>
+          <a:bodyPr wrap="none">
+            <a:spAutoFit/>
+          </a:bodyPr>
+          <a:lstStyle/>
+          <a:p>
+            <a:r>
+              <a:rPr lang="en-IN" dirty="0">
+                <a:latin typeface="arial" panose="020B0604020202020204" pitchFamily="34" charset="0"/>
+              </a:rPr>
+              <a:t>Yaw-Pitch-Roll</a:t>
+            </a:r>
+            <a:endParaRPr lang="en-IN" dirty="0"/>
           </a:p>
         </p:txBody>
       </p:sp>
     </p:spTree>
     <p:extLst>
       <p:ext uri="{BB962C8B-B14F-4D97-AF65-F5344CB8AC3E}">
-        <p14:creationId xmlns:p14="http://schemas.microsoft.com/office/powerpoint/2010/main" val="1606902379"/>
+        <p14:creationId xmlns:p14="http://schemas.microsoft.com/office/powerpoint/2010/main" val="934005172"/>
       </p:ext>
     </p:extLst>
   </p:cSld>
@@ -16356,8 +22649,15 @@
 <file path=customXml/itemProps3.xml><?xml version="1.0" encoding="utf-8"?>
 <ds:datastoreItem xmlns:ds="http://schemas.openxmlformats.org/officeDocument/2006/customXml" ds:itemID="{34335CA5-E075-431D-9951-4D8525BB762C}">
   <ds:schemaRefs>
+    <ds:schemaRef ds:uri="http://purl.org/dc/dcmitype/"/>
+    <ds:schemaRef ds:uri="http://schemas.microsoft.com/office/infopath/2007/PartnerControls"/>
+    <ds:schemaRef ds:uri="http://schemas.microsoft.com/office/2006/documentManagement/types"/>
+    <ds:schemaRef ds:uri="http://purl.org/dc/elements/1.1/"/>
     <ds:schemaRef ds:uri="http://schemas.microsoft.com/office/2006/metadata/properties"/>
-    <ds:schemaRef ds:uri="http://schemas.microsoft.com/office/infopath/2007/PartnerControls"/>
+    <ds:schemaRef ds:uri="146304ff-d864-4944-8614-7555ed978542"/>
+    <ds:schemaRef ds:uri="http://purl.org/dc/terms/"/>
+    <ds:schemaRef ds:uri="http://schemas.openxmlformats.org/package/2006/metadata/core-properties"/>
+    <ds:schemaRef ds:uri="http://www.w3.org/XML/1998/namespace"/>
   </ds:schemaRefs>
 </ds:datastoreItem>
 </file>